--- a/specification/imgsrc/modules.pptx
+++ b/specification/imgsrc/modules.pptx
@@ -9,8 +9,11 @@
     <p:sldId id="262" r:id="rId3"/>
     <p:sldId id="263" r:id="rId4"/>
     <p:sldId id="264" r:id="rId5"/>
-    <p:sldId id="265" r:id="rId6"/>
-    <p:sldId id="266" r:id="rId7"/>
+    <p:sldId id="267" r:id="rId6"/>
+    <p:sldId id="265" r:id="rId7"/>
+    <p:sldId id="266" r:id="rId8"/>
+    <p:sldId id="268" r:id="rId9"/>
+    <p:sldId id="269" r:id="rId10"/>
   </p:sldIdLst>
   <p:sldSz cx="9144000" cy="6858000" type="screen4x3"/>
   <p:notesSz cx="6858000" cy="9144000"/>
@@ -307,7 +310,7 @@
           <a:p>
             <a:fld id="{EBC7FFC8-011D-1246-B320-9C4FD100F423}" type="datetimeFigureOut">
               <a:rPr lang="en-US" smtClean="0"/>
-              <a:t>11/4/18</a:t>
+              <a:t>3/24/21</a:t>
             </a:fld>
             <a:endParaRPr lang="en-US"/>
           </a:p>
@@ -475,7 +478,7 @@
           <a:p>
             <a:fld id="{EBC7FFC8-011D-1246-B320-9C4FD100F423}" type="datetimeFigureOut">
               <a:rPr lang="en-US" smtClean="0"/>
-              <a:t>11/4/18</a:t>
+              <a:t>3/24/21</a:t>
             </a:fld>
             <a:endParaRPr lang="en-US"/>
           </a:p>
@@ -653,7 +656,7 @@
           <a:p>
             <a:fld id="{EBC7FFC8-011D-1246-B320-9C4FD100F423}" type="datetimeFigureOut">
               <a:rPr lang="en-US" smtClean="0"/>
-              <a:t>11/4/18</a:t>
+              <a:t>3/24/21</a:t>
             </a:fld>
             <a:endParaRPr lang="en-US"/>
           </a:p>
@@ -821,7 +824,7 @@
           <a:p>
             <a:fld id="{EBC7FFC8-011D-1246-B320-9C4FD100F423}" type="datetimeFigureOut">
               <a:rPr lang="en-US" smtClean="0"/>
-              <a:t>11/4/18</a:t>
+              <a:t>3/24/21</a:t>
             </a:fld>
             <a:endParaRPr lang="en-US"/>
           </a:p>
@@ -1066,7 +1069,7 @@
           <a:p>
             <a:fld id="{EBC7FFC8-011D-1246-B320-9C4FD100F423}" type="datetimeFigureOut">
               <a:rPr lang="en-US" smtClean="0"/>
-              <a:t>11/4/18</a:t>
+              <a:t>3/24/21</a:t>
             </a:fld>
             <a:endParaRPr lang="en-US"/>
           </a:p>
@@ -1351,7 +1354,7 @@
           <a:p>
             <a:fld id="{EBC7FFC8-011D-1246-B320-9C4FD100F423}" type="datetimeFigureOut">
               <a:rPr lang="en-US" smtClean="0"/>
-              <a:t>11/4/18</a:t>
+              <a:t>3/24/21</a:t>
             </a:fld>
             <a:endParaRPr lang="en-US"/>
           </a:p>
@@ -1770,7 +1773,7 @@
           <a:p>
             <a:fld id="{EBC7FFC8-011D-1246-B320-9C4FD100F423}" type="datetimeFigureOut">
               <a:rPr lang="en-US" smtClean="0"/>
-              <a:t>11/4/18</a:t>
+              <a:t>3/24/21</a:t>
             </a:fld>
             <a:endParaRPr lang="en-US"/>
           </a:p>
@@ -1887,7 +1890,7 @@
           <a:p>
             <a:fld id="{EBC7FFC8-011D-1246-B320-9C4FD100F423}" type="datetimeFigureOut">
               <a:rPr lang="en-US" smtClean="0"/>
-              <a:t>11/4/18</a:t>
+              <a:t>3/24/21</a:t>
             </a:fld>
             <a:endParaRPr lang="en-US"/>
           </a:p>
@@ -1982,7 +1985,7 @@
           <a:p>
             <a:fld id="{EBC7FFC8-011D-1246-B320-9C4FD100F423}" type="datetimeFigureOut">
               <a:rPr lang="en-US" smtClean="0"/>
-              <a:t>11/4/18</a:t>
+              <a:t>3/24/21</a:t>
             </a:fld>
             <a:endParaRPr lang="en-US"/>
           </a:p>
@@ -2257,7 +2260,7 @@
           <a:p>
             <a:fld id="{EBC7FFC8-011D-1246-B320-9C4FD100F423}" type="datetimeFigureOut">
               <a:rPr lang="en-US" smtClean="0"/>
-              <a:t>11/4/18</a:t>
+              <a:t>3/24/21</a:t>
             </a:fld>
             <a:endParaRPr lang="en-US"/>
           </a:p>
@@ -2509,7 +2512,7 @@
           <a:p>
             <a:fld id="{EBC7FFC8-011D-1246-B320-9C4FD100F423}" type="datetimeFigureOut">
               <a:rPr lang="en-US" smtClean="0"/>
-              <a:t>11/4/18</a:t>
+              <a:t>3/24/21</a:t>
             </a:fld>
             <a:endParaRPr lang="en-US"/>
           </a:p>
@@ -2720,7 +2723,7 @@
           <a:p>
             <a:fld id="{EBC7FFC8-011D-1246-B320-9C4FD100F423}" type="datetimeFigureOut">
               <a:rPr lang="en-US" smtClean="0"/>
-              <a:t>11/4/18</a:t>
+              <a:t>3/24/21</a:t>
             </a:fld>
             <a:endParaRPr lang="en-US"/>
           </a:p>
@@ -9020,6 +9023,58 @@
           </a:p>
         </p:txBody>
       </p:sp>
+      <p:sp>
+        <p:nvSpPr>
+          <p:cNvPr id="2" name="TextBox 1">
+            <a:extLst>
+              <a:ext uri="{FF2B5EF4-FFF2-40B4-BE49-F238E27FC236}">
+                <a16:creationId xmlns:a16="http://schemas.microsoft.com/office/drawing/2014/main" id="{F5545641-1C0B-1F41-8F02-C3654FE412AB}"/>
+              </a:ext>
+            </a:extLst>
+          </p:cNvPr>
+          <p:cNvSpPr txBox="1"/>
+          <p:nvPr/>
+        </p:nvSpPr>
+        <p:spPr>
+          <a:xfrm>
+            <a:off x="5638113" y="360481"/>
+            <a:ext cx="3066160" cy="523220"/>
+          </a:xfrm>
+          <a:prstGeom prst="rect">
+            <a:avLst/>
+          </a:prstGeom>
+          <a:noFill/>
+        </p:spPr>
+        <p:txBody>
+          <a:bodyPr wrap="none" rtlCol="0">
+            <a:spAutoFit/>
+          </a:bodyPr>
+          <a:lstStyle/>
+          <a:p>
+            <a:r>
+              <a:rPr lang="en-US" sz="2800" b="1" dirty="0">
+                <a:solidFill>
+                  <a:srgbClr val="FF0000"/>
+                </a:solidFill>
+              </a:rPr>
+              <a:t>OBSOLETE: </a:t>
+            </a:r>
+            <a:r>
+              <a:rPr lang="en-US" sz="2800" b="1" dirty="0" err="1">
+                <a:solidFill>
+                  <a:srgbClr val="FF0000"/>
+                </a:solidFill>
+              </a:rPr>
+              <a:t>MapsTo</a:t>
+            </a:r>
+            <a:endParaRPr lang="en-US" sz="2800" b="1" dirty="0">
+              <a:solidFill>
+                <a:srgbClr val="FF0000"/>
+              </a:solidFill>
+            </a:endParaRPr>
+          </a:p>
+        </p:txBody>
+      </p:sp>
     </p:spTree>
     <p:extLst>
       <p:ext uri="{BB962C8B-B14F-4D97-AF65-F5344CB8AC3E}">
@@ -9909,10 +9964,10 @@
       </p:cxnSp>
       <p:sp>
         <p:nvSpPr>
-          <p:cNvPr id="122" name="Rounded Rectangle 121">
+          <p:cNvPr id="141" name="Rounded Rectangle 140">
             <a:extLst>
               <a:ext uri="{FF2B5EF4-FFF2-40B4-BE49-F238E27FC236}">
-                <a16:creationId xmlns:a16="http://schemas.microsoft.com/office/drawing/2014/main" id="{6BD11C3A-9B49-AD48-91F8-AE141E1A0930}"/>
+                <a16:creationId xmlns:a16="http://schemas.microsoft.com/office/drawing/2014/main" id="{8375BC6D-7A31-404C-8FDB-428A5F10BD88}"/>
               </a:ext>
             </a:extLst>
           </p:cNvPr>
@@ -9921,7 +9976,1511 @@
         </p:nvSpPr>
         <p:spPr>
           <a:xfrm>
-            <a:off x="1409971" y="2964636"/>
+            <a:off x="5306439" y="1140450"/>
+            <a:ext cx="1979561" cy="1158398"/>
+          </a:xfrm>
+          <a:prstGeom prst="roundRect">
+            <a:avLst/>
+          </a:prstGeom>
+          <a:noFill/>
+          <a:ln w="12700" cap="flat" cmpd="sng" algn="ctr">
+            <a:solidFill>
+              <a:schemeClr val="tx2"/>
+            </a:solidFill>
+            <a:prstDash val="solid"/>
+            <a:round/>
+            <a:headEnd type="none" w="med" len="med"/>
+            <a:tailEnd type="none" w="med" len="med"/>
+          </a:ln>
+        </p:spPr>
+        <p:style>
+          <a:lnRef idx="0">
+            <a:scrgbClr r="0" g="0" b="0"/>
+          </a:lnRef>
+          <a:fillRef idx="0">
+            <a:scrgbClr r="0" g="0" b="0"/>
+          </a:fillRef>
+          <a:effectRef idx="0">
+            <a:scrgbClr r="0" g="0" b="0"/>
+          </a:effectRef>
+          <a:fontRef idx="minor">
+            <a:schemeClr val="dk1"/>
+          </a:fontRef>
+        </p:style>
+        <p:txBody>
+          <a:bodyPr rtlCol="0" anchor="ctr"/>
+          <a:lstStyle/>
+          <a:p>
+            <a:pPr algn="ctr"/>
+            <a:endParaRPr lang="en-US" dirty="0"/>
+          </a:p>
+        </p:txBody>
+      </p:sp>
+      <p:cxnSp>
+        <p:nvCxnSpPr>
+          <p:cNvPr id="142" name="Straight Arrow Connector 5">
+            <a:extLst>
+              <a:ext uri="{FF2B5EF4-FFF2-40B4-BE49-F238E27FC236}">
+                <a16:creationId xmlns:a16="http://schemas.microsoft.com/office/drawing/2014/main" id="{CE978D91-348E-864C-BEF7-EB9D4220A9B4}"/>
+              </a:ext>
+            </a:extLst>
+          </p:cNvPr>
+          <p:cNvCxnSpPr>
+            <a:cxnSpLocks/>
+            <a:endCxn id="154" idx="0"/>
+          </p:cNvCxnSpPr>
+          <p:nvPr/>
+        </p:nvCxnSpPr>
+        <p:spPr>
+          <a:xfrm flipV="1">
+            <a:off x="3332147" y="1428371"/>
+            <a:ext cx="1439006" cy="343873"/>
+          </a:xfrm>
+          <a:prstGeom prst="bentConnector4">
+            <a:avLst>
+              <a:gd name="adj1" fmla="val 20"/>
+              <a:gd name="adj2" fmla="val 166478"/>
+            </a:avLst>
+          </a:prstGeom>
+          <a:ln>
+            <a:solidFill>
+              <a:srgbClr val="FF0000"/>
+            </a:solidFill>
+            <a:headEnd type="none"/>
+            <a:tailEnd type="none"/>
+          </a:ln>
+          <a:effectLst/>
+        </p:spPr>
+        <p:style>
+          <a:lnRef idx="2">
+            <a:schemeClr val="accent1"/>
+          </a:lnRef>
+          <a:fillRef idx="0">
+            <a:schemeClr val="accent1"/>
+          </a:fillRef>
+          <a:effectRef idx="1">
+            <a:schemeClr val="accent1"/>
+          </a:effectRef>
+          <a:fontRef idx="minor">
+            <a:schemeClr val="tx1"/>
+          </a:fontRef>
+        </p:style>
+      </p:cxnSp>
+      <p:cxnSp>
+        <p:nvCxnSpPr>
+          <p:cNvPr id="143" name="Straight Connector 142">
+            <a:extLst>
+              <a:ext uri="{FF2B5EF4-FFF2-40B4-BE49-F238E27FC236}">
+                <a16:creationId xmlns:a16="http://schemas.microsoft.com/office/drawing/2014/main" id="{DF7AE9CA-0CAD-A641-A388-128A4D0B42D7}"/>
+              </a:ext>
+            </a:extLst>
+          </p:cNvPr>
+          <p:cNvCxnSpPr/>
+          <p:nvPr/>
+        </p:nvCxnSpPr>
+        <p:spPr>
+          <a:xfrm>
+            <a:off x="4675903" y="1429216"/>
+            <a:ext cx="190500" cy="0"/>
+          </a:xfrm>
+          <a:prstGeom prst="line">
+            <a:avLst/>
+          </a:prstGeom>
+          <a:ln>
+            <a:solidFill>
+              <a:srgbClr val="FF0000"/>
+            </a:solidFill>
+          </a:ln>
+          <a:effectLst/>
+        </p:spPr>
+        <p:style>
+          <a:lnRef idx="2">
+            <a:schemeClr val="accent1"/>
+          </a:lnRef>
+          <a:fillRef idx="0">
+            <a:schemeClr val="accent1"/>
+          </a:fillRef>
+          <a:effectRef idx="1">
+            <a:schemeClr val="accent1"/>
+          </a:effectRef>
+          <a:fontRef idx="minor">
+            <a:schemeClr val="tx1"/>
+          </a:fontRef>
+        </p:style>
+      </p:cxnSp>
+      <p:grpSp>
+        <p:nvGrpSpPr>
+          <p:cNvPr id="144" name="Group 143">
+            <a:extLst>
+              <a:ext uri="{FF2B5EF4-FFF2-40B4-BE49-F238E27FC236}">
+                <a16:creationId xmlns:a16="http://schemas.microsoft.com/office/drawing/2014/main" id="{4370DD09-E81F-CF4B-8305-DCF361F5BAC1}"/>
+              </a:ext>
+            </a:extLst>
+          </p:cNvPr>
+          <p:cNvGrpSpPr/>
+          <p:nvPr/>
+        </p:nvGrpSpPr>
+        <p:grpSpPr>
+          <a:xfrm>
+            <a:off x="1525478" y="1428371"/>
+            <a:ext cx="2737576" cy="654654"/>
+            <a:chOff x="2569133" y="413397"/>
+            <a:chExt cx="4196538" cy="1003545"/>
+          </a:xfrm>
+        </p:grpSpPr>
+        <p:cxnSp>
+          <p:nvCxnSpPr>
+            <p:cNvPr id="145" name="Straight Connector 144">
+              <a:extLst>
+                <a:ext uri="{FF2B5EF4-FFF2-40B4-BE49-F238E27FC236}">
+                  <a16:creationId xmlns:a16="http://schemas.microsoft.com/office/drawing/2014/main" id="{DDA3C73B-E94A-2A49-8927-1F24E8127942}"/>
+                </a:ext>
+              </a:extLst>
+            </p:cNvPr>
+            <p:cNvCxnSpPr/>
+            <p:nvPr/>
+          </p:nvCxnSpPr>
+          <p:spPr>
+            <a:xfrm>
+              <a:off x="2569133" y="1140336"/>
+              <a:ext cx="4191000" cy="0"/>
+            </a:xfrm>
+            <a:prstGeom prst="line">
+              <a:avLst/>
+            </a:prstGeom>
+            <a:ln w="38100" cap="flat" cmpd="sng" algn="ctr">
+              <a:solidFill>
+                <a:srgbClr val="000000"/>
+              </a:solidFill>
+              <a:prstDash val="solid"/>
+              <a:round/>
+              <a:headEnd type="none" w="med" len="med"/>
+              <a:tailEnd type="none" w="med" len="med"/>
+            </a:ln>
+            <a:effectLst/>
+          </p:spPr>
+          <p:style>
+            <a:lnRef idx="2">
+              <a:schemeClr val="accent1"/>
+            </a:lnRef>
+            <a:fillRef idx="0">
+              <a:schemeClr val="accent1"/>
+            </a:fillRef>
+            <a:effectRef idx="1">
+              <a:schemeClr val="accent1"/>
+            </a:effectRef>
+            <a:fontRef idx="minor">
+              <a:schemeClr val="tx1"/>
+            </a:fontRef>
+          </p:style>
+        </p:cxnSp>
+        <p:sp>
+          <p:nvSpPr>
+            <p:cNvPr id="146" name="Right Arrow 145">
+              <a:extLst>
+                <a:ext uri="{FF2B5EF4-FFF2-40B4-BE49-F238E27FC236}">
+                  <a16:creationId xmlns:a16="http://schemas.microsoft.com/office/drawing/2014/main" id="{DC2A4733-954C-BF47-825E-DBDE6D3FC6D0}"/>
+                </a:ext>
+              </a:extLst>
+            </p:cNvPr>
+            <p:cNvSpPr/>
+            <p:nvPr/>
+          </p:nvSpPr>
+          <p:spPr>
+            <a:xfrm>
+              <a:off x="4740833" y="949836"/>
+              <a:ext cx="1168400" cy="350140"/>
+            </a:xfrm>
+            <a:prstGeom prst="rightArrow">
+              <a:avLst>
+                <a:gd name="adj1" fmla="val 100000"/>
+                <a:gd name="adj2" fmla="val 52194"/>
+              </a:avLst>
+            </a:prstGeom>
+            <a:solidFill>
+              <a:schemeClr val="accent2"/>
+            </a:solidFill>
+            <a:ln w="38100" cap="flat" cmpd="sng" algn="ctr">
+              <a:solidFill>
+                <a:srgbClr val="000000"/>
+              </a:solidFill>
+              <a:prstDash val="solid"/>
+              <a:round/>
+              <a:headEnd type="none" w="med" len="med"/>
+              <a:tailEnd type="none" w="med" len="med"/>
+            </a:ln>
+            <a:effectLst/>
+          </p:spPr>
+          <p:style>
+            <a:lnRef idx="1">
+              <a:schemeClr val="accent1"/>
+            </a:lnRef>
+            <a:fillRef idx="3">
+              <a:schemeClr val="accent1"/>
+            </a:fillRef>
+            <a:effectRef idx="2">
+              <a:schemeClr val="accent1"/>
+            </a:effectRef>
+            <a:fontRef idx="minor">
+              <a:schemeClr val="lt1"/>
+            </a:fontRef>
+          </p:style>
+          <p:txBody>
+            <a:bodyPr rtlCol="0" anchor="ctr"/>
+            <a:lstStyle/>
+            <a:p>
+              <a:pPr algn="ctr"/>
+              <a:endParaRPr lang="en-US" i="1" dirty="0">
+                <a:solidFill>
+                  <a:schemeClr val="tx1"/>
+                </a:solidFill>
+              </a:endParaRPr>
+            </a:p>
+          </p:txBody>
+        </p:sp>
+        <p:sp>
+          <p:nvSpPr>
+            <p:cNvPr id="147" name="Chord 146">
+              <a:extLst>
+                <a:ext uri="{FF2B5EF4-FFF2-40B4-BE49-F238E27FC236}">
+                  <a16:creationId xmlns:a16="http://schemas.microsoft.com/office/drawing/2014/main" id="{AF81B31F-ACC4-7640-96D4-FAD849B6D908}"/>
+                </a:ext>
+              </a:extLst>
+            </p:cNvPr>
+            <p:cNvSpPr/>
+            <p:nvPr/>
+          </p:nvSpPr>
+          <p:spPr>
+            <a:xfrm>
+              <a:off x="3734347" y="784736"/>
+              <a:ext cx="632206" cy="632206"/>
+            </a:xfrm>
+            <a:prstGeom prst="chord">
+              <a:avLst>
+                <a:gd name="adj1" fmla="val 10506229"/>
+                <a:gd name="adj2" fmla="val 301460"/>
+              </a:avLst>
+            </a:prstGeom>
+            <a:solidFill>
+              <a:schemeClr val="accent4">
+                <a:lumMod val="60000"/>
+                <a:lumOff val="40000"/>
+              </a:schemeClr>
+            </a:solidFill>
+            <a:ln w="38100" cap="flat" cmpd="sng" algn="ctr">
+              <a:solidFill>
+                <a:srgbClr val="000000"/>
+              </a:solidFill>
+              <a:prstDash val="solid"/>
+              <a:round/>
+              <a:headEnd type="none" w="med" len="med"/>
+              <a:tailEnd type="none" w="med" len="med"/>
+            </a:ln>
+            <a:effectLst/>
+          </p:spPr>
+          <p:style>
+            <a:lnRef idx="1">
+              <a:schemeClr val="accent1"/>
+            </a:lnRef>
+            <a:fillRef idx="3">
+              <a:schemeClr val="accent1"/>
+            </a:fillRef>
+            <a:effectRef idx="2">
+              <a:schemeClr val="accent1"/>
+            </a:effectRef>
+            <a:fontRef idx="minor">
+              <a:schemeClr val="lt1"/>
+            </a:fontRef>
+          </p:style>
+          <p:txBody>
+            <a:bodyPr rtlCol="0" anchor="ctr"/>
+            <a:lstStyle/>
+            <a:p>
+              <a:pPr algn="ctr"/>
+              <a:endParaRPr lang="en-US"/>
+            </a:p>
+          </p:txBody>
+        </p:sp>
+        <p:pic>
+          <p:nvPicPr>
+            <p:cNvPr id="148" name="Picture 147">
+              <a:extLst>
+                <a:ext uri="{FF2B5EF4-FFF2-40B4-BE49-F238E27FC236}">
+                  <a16:creationId xmlns:a16="http://schemas.microsoft.com/office/drawing/2014/main" id="{5AEF3ACF-DFBD-6248-98D2-5429607DE638}"/>
+                </a:ext>
+              </a:extLst>
+            </p:cNvPr>
+            <p:cNvPicPr>
+              <a:picLocks noChangeAspect="1"/>
+            </p:cNvPicPr>
+            <p:nvPr/>
+          </p:nvPicPr>
+          <p:blipFill>
+            <a:blip r:embed="rId2">
+              <a:extLst>
+                <a:ext uri="{28A0092B-C50C-407E-A947-70E740481C1C}">
+                  <a14:useLocalDpi xmlns:a14="http://schemas.microsoft.com/office/drawing/2010/main" val="0"/>
+                </a:ext>
+              </a:extLst>
+            </a:blip>
+            <a:stretch>
+              <a:fillRect/>
+            </a:stretch>
+          </p:blipFill>
+          <p:spPr>
+            <a:xfrm>
+              <a:off x="2803319" y="413397"/>
+              <a:ext cx="771908" cy="771908"/>
+            </a:xfrm>
+            <a:prstGeom prst="rect">
+              <a:avLst/>
+            </a:prstGeom>
+          </p:spPr>
+        </p:pic>
+        <p:pic>
+          <p:nvPicPr>
+            <p:cNvPr id="149" name="Picture 148">
+              <a:extLst>
+                <a:ext uri="{FF2B5EF4-FFF2-40B4-BE49-F238E27FC236}">
+                  <a16:creationId xmlns:a16="http://schemas.microsoft.com/office/drawing/2014/main" id="{8926388C-92CD-134D-AAFB-0D5078916F5D}"/>
+                </a:ext>
+              </a:extLst>
+            </p:cNvPr>
+            <p:cNvPicPr>
+              <a:picLocks noChangeAspect="1"/>
+            </p:cNvPicPr>
+            <p:nvPr/>
+          </p:nvPicPr>
+          <p:blipFill>
+            <a:blip r:embed="rId3">
+              <a:extLst>
+                <a:ext uri="{28A0092B-C50C-407E-A947-70E740481C1C}">
+                  <a14:useLocalDpi xmlns:a14="http://schemas.microsoft.com/office/drawing/2010/main" val="0"/>
+                </a:ext>
+              </a:extLst>
+            </a:blip>
+            <a:stretch>
+              <a:fillRect/>
+            </a:stretch>
+          </p:blipFill>
+          <p:spPr>
+            <a:xfrm>
+              <a:off x="5971536" y="499461"/>
+              <a:ext cx="794135" cy="794135"/>
+            </a:xfrm>
+            <a:prstGeom prst="rect">
+              <a:avLst/>
+            </a:prstGeom>
+          </p:spPr>
+        </p:pic>
+      </p:grpSp>
+      <p:grpSp>
+        <p:nvGrpSpPr>
+          <p:cNvPr id="150" name="Group 149">
+            <a:extLst>
+              <a:ext uri="{FF2B5EF4-FFF2-40B4-BE49-F238E27FC236}">
+                <a16:creationId xmlns:a16="http://schemas.microsoft.com/office/drawing/2014/main" id="{36DEDADE-0830-DB49-9015-2545E2177A31}"/>
+              </a:ext>
+            </a:extLst>
+          </p:cNvPr>
+          <p:cNvGrpSpPr/>
+          <p:nvPr/>
+        </p:nvGrpSpPr>
+        <p:grpSpPr>
+          <a:xfrm>
+            <a:off x="4366610" y="1428371"/>
+            <a:ext cx="2737576" cy="654654"/>
+            <a:chOff x="2569133" y="413397"/>
+            <a:chExt cx="4196538" cy="1003545"/>
+          </a:xfrm>
+        </p:grpSpPr>
+        <p:cxnSp>
+          <p:nvCxnSpPr>
+            <p:cNvPr id="151" name="Straight Connector 150">
+              <a:extLst>
+                <a:ext uri="{FF2B5EF4-FFF2-40B4-BE49-F238E27FC236}">
+                  <a16:creationId xmlns:a16="http://schemas.microsoft.com/office/drawing/2014/main" id="{E624C063-FF67-1049-86DE-E1D1B3B75895}"/>
+                </a:ext>
+              </a:extLst>
+            </p:cNvPr>
+            <p:cNvCxnSpPr/>
+            <p:nvPr/>
+          </p:nvCxnSpPr>
+          <p:spPr>
+            <a:xfrm>
+              <a:off x="2569133" y="1140336"/>
+              <a:ext cx="4191000" cy="0"/>
+            </a:xfrm>
+            <a:prstGeom prst="line">
+              <a:avLst/>
+            </a:prstGeom>
+            <a:ln w="38100" cap="flat" cmpd="sng" algn="ctr">
+              <a:solidFill>
+                <a:srgbClr val="000000"/>
+              </a:solidFill>
+              <a:prstDash val="solid"/>
+              <a:round/>
+              <a:headEnd type="none" w="med" len="med"/>
+              <a:tailEnd type="none" w="med" len="med"/>
+            </a:ln>
+            <a:effectLst/>
+          </p:spPr>
+          <p:style>
+            <a:lnRef idx="2">
+              <a:schemeClr val="accent1"/>
+            </a:lnRef>
+            <a:fillRef idx="0">
+              <a:schemeClr val="accent1"/>
+            </a:fillRef>
+            <a:effectRef idx="1">
+              <a:schemeClr val="accent1"/>
+            </a:effectRef>
+            <a:fontRef idx="minor">
+              <a:schemeClr val="tx1"/>
+            </a:fontRef>
+          </p:style>
+        </p:cxnSp>
+        <p:sp>
+          <p:nvSpPr>
+            <p:cNvPr id="152" name="Right Arrow 151">
+              <a:extLst>
+                <a:ext uri="{FF2B5EF4-FFF2-40B4-BE49-F238E27FC236}">
+                  <a16:creationId xmlns:a16="http://schemas.microsoft.com/office/drawing/2014/main" id="{DE9613FD-DB3A-1A40-B054-4E9D75DAAF4E}"/>
+                </a:ext>
+              </a:extLst>
+            </p:cNvPr>
+            <p:cNvSpPr/>
+            <p:nvPr/>
+          </p:nvSpPr>
+          <p:spPr>
+            <a:xfrm>
+              <a:off x="4740833" y="949836"/>
+              <a:ext cx="1168400" cy="350140"/>
+            </a:xfrm>
+            <a:prstGeom prst="rightArrow">
+              <a:avLst>
+                <a:gd name="adj1" fmla="val 100000"/>
+                <a:gd name="adj2" fmla="val 52194"/>
+              </a:avLst>
+            </a:prstGeom>
+            <a:solidFill>
+              <a:srgbClr val="92D050"/>
+            </a:solidFill>
+            <a:ln w="38100" cap="flat" cmpd="sng" algn="ctr">
+              <a:solidFill>
+                <a:srgbClr val="000000"/>
+              </a:solidFill>
+              <a:prstDash val="solid"/>
+              <a:round/>
+              <a:headEnd type="none" w="med" len="med"/>
+              <a:tailEnd type="none" w="med" len="med"/>
+            </a:ln>
+            <a:effectLst/>
+          </p:spPr>
+          <p:style>
+            <a:lnRef idx="1">
+              <a:schemeClr val="accent1"/>
+            </a:lnRef>
+            <a:fillRef idx="3">
+              <a:schemeClr val="accent1"/>
+            </a:fillRef>
+            <a:effectRef idx="2">
+              <a:schemeClr val="accent1"/>
+            </a:effectRef>
+            <a:fontRef idx="minor">
+              <a:schemeClr val="lt1"/>
+            </a:fontRef>
+          </p:style>
+          <p:txBody>
+            <a:bodyPr rtlCol="0" anchor="ctr"/>
+            <a:lstStyle/>
+            <a:p>
+              <a:pPr algn="ctr"/>
+              <a:endParaRPr lang="en-US" i="1" dirty="0">
+                <a:solidFill>
+                  <a:schemeClr val="tx1"/>
+                </a:solidFill>
+              </a:endParaRPr>
+            </a:p>
+          </p:txBody>
+        </p:sp>
+        <p:sp>
+          <p:nvSpPr>
+            <p:cNvPr id="153" name="Chord 152">
+              <a:extLst>
+                <a:ext uri="{FF2B5EF4-FFF2-40B4-BE49-F238E27FC236}">
+                  <a16:creationId xmlns:a16="http://schemas.microsoft.com/office/drawing/2014/main" id="{C3808E6F-C75D-9A47-AB71-C7D0B68F71ED}"/>
+                </a:ext>
+              </a:extLst>
+            </p:cNvPr>
+            <p:cNvSpPr/>
+            <p:nvPr/>
+          </p:nvSpPr>
+          <p:spPr>
+            <a:xfrm>
+              <a:off x="3734347" y="784736"/>
+              <a:ext cx="632206" cy="632206"/>
+            </a:xfrm>
+            <a:prstGeom prst="chord">
+              <a:avLst>
+                <a:gd name="adj1" fmla="val 10506229"/>
+                <a:gd name="adj2" fmla="val 301460"/>
+              </a:avLst>
+            </a:prstGeom>
+            <a:solidFill>
+              <a:schemeClr val="accent4">
+                <a:lumMod val="60000"/>
+                <a:lumOff val="40000"/>
+              </a:schemeClr>
+            </a:solidFill>
+            <a:ln w="38100" cap="flat" cmpd="sng" algn="ctr">
+              <a:solidFill>
+                <a:srgbClr val="000000"/>
+              </a:solidFill>
+              <a:prstDash val="solid"/>
+              <a:round/>
+              <a:headEnd type="none" w="med" len="med"/>
+              <a:tailEnd type="none" w="med" len="med"/>
+            </a:ln>
+            <a:effectLst/>
+          </p:spPr>
+          <p:style>
+            <a:lnRef idx="1">
+              <a:schemeClr val="accent1"/>
+            </a:lnRef>
+            <a:fillRef idx="3">
+              <a:schemeClr val="accent1"/>
+            </a:fillRef>
+            <a:effectRef idx="2">
+              <a:schemeClr val="accent1"/>
+            </a:effectRef>
+            <a:fontRef idx="minor">
+              <a:schemeClr val="lt1"/>
+            </a:fontRef>
+          </p:style>
+          <p:txBody>
+            <a:bodyPr rtlCol="0" anchor="ctr"/>
+            <a:lstStyle/>
+            <a:p>
+              <a:pPr algn="ctr"/>
+              <a:endParaRPr lang="en-US"/>
+            </a:p>
+          </p:txBody>
+        </p:sp>
+        <p:pic>
+          <p:nvPicPr>
+            <p:cNvPr id="154" name="Picture 153">
+              <a:extLst>
+                <a:ext uri="{FF2B5EF4-FFF2-40B4-BE49-F238E27FC236}">
+                  <a16:creationId xmlns:a16="http://schemas.microsoft.com/office/drawing/2014/main" id="{F1C912A6-34C7-6B43-B7F8-A0F8A235866B}"/>
+                </a:ext>
+              </a:extLst>
+            </p:cNvPr>
+            <p:cNvPicPr>
+              <a:picLocks noChangeAspect="1"/>
+            </p:cNvPicPr>
+            <p:nvPr/>
+          </p:nvPicPr>
+          <p:blipFill>
+            <a:blip r:embed="rId2">
+              <a:extLst>
+                <a:ext uri="{28A0092B-C50C-407E-A947-70E740481C1C}">
+                  <a14:useLocalDpi xmlns:a14="http://schemas.microsoft.com/office/drawing/2010/main" val="0"/>
+                </a:ext>
+              </a:extLst>
+            </a:blip>
+            <a:stretch>
+              <a:fillRect/>
+            </a:stretch>
+          </p:blipFill>
+          <p:spPr>
+            <a:xfrm>
+              <a:off x="2803319" y="413397"/>
+              <a:ext cx="771908" cy="771908"/>
+            </a:xfrm>
+            <a:prstGeom prst="rect">
+              <a:avLst/>
+            </a:prstGeom>
+          </p:spPr>
+        </p:pic>
+        <p:pic>
+          <p:nvPicPr>
+            <p:cNvPr id="155" name="Picture 154">
+              <a:extLst>
+                <a:ext uri="{FF2B5EF4-FFF2-40B4-BE49-F238E27FC236}">
+                  <a16:creationId xmlns:a16="http://schemas.microsoft.com/office/drawing/2014/main" id="{9D446153-FC94-4149-93AA-218AF4898F05}"/>
+                </a:ext>
+              </a:extLst>
+            </p:cNvPr>
+            <p:cNvPicPr>
+              <a:picLocks noChangeAspect="1"/>
+            </p:cNvPicPr>
+            <p:nvPr/>
+          </p:nvPicPr>
+          <p:blipFill>
+            <a:blip r:embed="rId3">
+              <a:extLst>
+                <a:ext uri="{28A0092B-C50C-407E-A947-70E740481C1C}">
+                  <a14:useLocalDpi xmlns:a14="http://schemas.microsoft.com/office/drawing/2010/main" val="0"/>
+                </a:ext>
+              </a:extLst>
+            </a:blip>
+            <a:stretch>
+              <a:fillRect/>
+            </a:stretch>
+          </p:blipFill>
+          <p:spPr>
+            <a:xfrm>
+              <a:off x="5971536" y="499461"/>
+              <a:ext cx="794135" cy="794135"/>
+            </a:xfrm>
+            <a:prstGeom prst="rect">
+              <a:avLst/>
+            </a:prstGeom>
+          </p:spPr>
+        </p:pic>
+      </p:grpSp>
+      <p:pic>
+        <p:nvPicPr>
+          <p:cNvPr id="156" name="Picture 155">
+            <a:extLst>
+              <a:ext uri="{FF2B5EF4-FFF2-40B4-BE49-F238E27FC236}">
+                <a16:creationId xmlns:a16="http://schemas.microsoft.com/office/drawing/2014/main" id="{235321AD-6816-FB4C-BEBA-85174CCD5CCA}"/>
+              </a:ext>
+            </a:extLst>
+          </p:cNvPr>
+          <p:cNvPicPr>
+            <a:picLocks noChangeAspect="1"/>
+          </p:cNvPicPr>
+          <p:nvPr/>
+        </p:nvPicPr>
+        <p:blipFill rotWithShape="1">
+          <a:blip r:embed="rId4"/>
+          <a:srcRect/>
+          <a:stretch/>
+        </p:blipFill>
+        <p:spPr>
+          <a:xfrm>
+            <a:off x="5643472" y="724056"/>
+            <a:ext cx="951389" cy="951389"/>
+          </a:xfrm>
+          <a:prstGeom prst="rect">
+            <a:avLst/>
+          </a:prstGeom>
+        </p:spPr>
+      </p:pic>
+      <p:cxnSp>
+        <p:nvCxnSpPr>
+          <p:cNvPr id="157" name="Straight Arrow Connector 156">
+            <a:extLst>
+              <a:ext uri="{FF2B5EF4-FFF2-40B4-BE49-F238E27FC236}">
+                <a16:creationId xmlns:a16="http://schemas.microsoft.com/office/drawing/2014/main" id="{F430BAC5-AFD7-114B-8A18-81DCD578A55C}"/>
+              </a:ext>
+            </a:extLst>
+          </p:cNvPr>
+          <p:cNvCxnSpPr/>
+          <p:nvPr/>
+        </p:nvCxnSpPr>
+        <p:spPr>
+          <a:xfrm flipV="1">
+            <a:off x="6140529" y="1428371"/>
+            <a:ext cx="0" cy="343873"/>
+          </a:xfrm>
+          <a:prstGeom prst="straightConnector1">
+            <a:avLst/>
+          </a:prstGeom>
+          <a:ln w="28575">
+            <a:solidFill>
+              <a:schemeClr val="accent3">
+                <a:lumMod val="75000"/>
+              </a:schemeClr>
+            </a:solidFill>
+            <a:headEnd type="none" w="med" len="med"/>
+            <a:tailEnd type="triangle" w="med" len="med"/>
+          </a:ln>
+        </p:spPr>
+        <p:style>
+          <a:lnRef idx="1">
+            <a:schemeClr val="dk1"/>
+          </a:lnRef>
+          <a:fillRef idx="0">
+            <a:schemeClr val="dk1"/>
+          </a:fillRef>
+          <a:effectRef idx="0">
+            <a:schemeClr val="dk1"/>
+          </a:effectRef>
+          <a:fontRef idx="minor">
+            <a:schemeClr val="tx1"/>
+          </a:fontRef>
+        </p:style>
+      </p:cxnSp>
+      <p:sp>
+        <p:nvSpPr>
+          <p:cNvPr id="58" name="Rounded Rectangle 57">
+            <a:extLst>
+              <a:ext uri="{FF2B5EF4-FFF2-40B4-BE49-F238E27FC236}">
+                <a16:creationId xmlns:a16="http://schemas.microsoft.com/office/drawing/2014/main" id="{1D93E74B-72CB-7644-B277-D54016BCB940}"/>
+              </a:ext>
+            </a:extLst>
+          </p:cNvPr>
+          <p:cNvSpPr/>
+          <p:nvPr/>
+        </p:nvSpPr>
+        <p:spPr>
+          <a:xfrm>
+            <a:off x="5011056" y="4725606"/>
+            <a:ext cx="2230415" cy="1483611"/>
+          </a:xfrm>
+          <a:prstGeom prst="roundRect">
+            <a:avLst/>
+          </a:prstGeom>
+          <a:noFill/>
+          <a:ln w="12700" cap="flat" cmpd="sng" algn="ctr">
+            <a:solidFill>
+              <a:schemeClr val="tx2"/>
+            </a:solidFill>
+            <a:prstDash val="solid"/>
+            <a:round/>
+            <a:headEnd type="none" w="med" len="med"/>
+            <a:tailEnd type="none" w="med" len="med"/>
+          </a:ln>
+        </p:spPr>
+        <p:style>
+          <a:lnRef idx="0">
+            <a:scrgbClr r="0" g="0" b="0"/>
+          </a:lnRef>
+          <a:fillRef idx="0">
+            <a:scrgbClr r="0" g="0" b="0"/>
+          </a:fillRef>
+          <a:effectRef idx="0">
+            <a:scrgbClr r="0" g="0" b="0"/>
+          </a:effectRef>
+          <a:fontRef idx="minor">
+            <a:schemeClr val="dk1"/>
+          </a:fontRef>
+        </p:style>
+        <p:txBody>
+          <a:bodyPr rtlCol="0" anchor="ctr"/>
+          <a:lstStyle/>
+          <a:p>
+            <a:pPr algn="ctr"/>
+            <a:endParaRPr lang="en-US" dirty="0"/>
+          </a:p>
+        </p:txBody>
+      </p:sp>
+      <p:cxnSp>
+        <p:nvCxnSpPr>
+          <p:cNvPr id="59" name="Straight Arrow Connector 5">
+            <a:extLst>
+              <a:ext uri="{FF2B5EF4-FFF2-40B4-BE49-F238E27FC236}">
+                <a16:creationId xmlns:a16="http://schemas.microsoft.com/office/drawing/2014/main" id="{86FB86C7-F280-6F41-ADD6-23245A272290}"/>
+              </a:ext>
+            </a:extLst>
+          </p:cNvPr>
+          <p:cNvCxnSpPr>
+            <a:cxnSpLocks/>
+            <a:endCxn id="71" idx="0"/>
+          </p:cNvCxnSpPr>
+          <p:nvPr/>
+        </p:nvCxnSpPr>
+        <p:spPr>
+          <a:xfrm flipV="1">
+            <a:off x="3287618" y="5338740"/>
+            <a:ext cx="1439006" cy="343873"/>
+          </a:xfrm>
+          <a:prstGeom prst="bentConnector4">
+            <a:avLst>
+              <a:gd name="adj1" fmla="val 20"/>
+              <a:gd name="adj2" fmla="val 166478"/>
+            </a:avLst>
+          </a:prstGeom>
+          <a:ln>
+            <a:solidFill>
+              <a:srgbClr val="FF0000"/>
+            </a:solidFill>
+            <a:headEnd type="none"/>
+            <a:tailEnd type="none"/>
+          </a:ln>
+          <a:effectLst/>
+        </p:spPr>
+        <p:style>
+          <a:lnRef idx="2">
+            <a:schemeClr val="accent1"/>
+          </a:lnRef>
+          <a:fillRef idx="0">
+            <a:schemeClr val="accent1"/>
+          </a:fillRef>
+          <a:effectRef idx="1">
+            <a:schemeClr val="accent1"/>
+          </a:effectRef>
+          <a:fontRef idx="minor">
+            <a:schemeClr val="tx1"/>
+          </a:fontRef>
+        </p:style>
+      </p:cxnSp>
+      <p:cxnSp>
+        <p:nvCxnSpPr>
+          <p:cNvPr id="60" name="Straight Connector 59">
+            <a:extLst>
+              <a:ext uri="{FF2B5EF4-FFF2-40B4-BE49-F238E27FC236}">
+                <a16:creationId xmlns:a16="http://schemas.microsoft.com/office/drawing/2014/main" id="{FC1EA3C2-6DA6-6944-9A00-9D7097DCCCB1}"/>
+              </a:ext>
+            </a:extLst>
+          </p:cNvPr>
+          <p:cNvCxnSpPr/>
+          <p:nvPr/>
+        </p:nvCxnSpPr>
+        <p:spPr>
+          <a:xfrm>
+            <a:off x="4631374" y="5339585"/>
+            <a:ext cx="190500" cy="0"/>
+          </a:xfrm>
+          <a:prstGeom prst="line">
+            <a:avLst/>
+          </a:prstGeom>
+          <a:ln>
+            <a:solidFill>
+              <a:srgbClr val="FF0000"/>
+            </a:solidFill>
+          </a:ln>
+          <a:effectLst/>
+        </p:spPr>
+        <p:style>
+          <a:lnRef idx="2">
+            <a:schemeClr val="accent1"/>
+          </a:lnRef>
+          <a:fillRef idx="0">
+            <a:schemeClr val="accent1"/>
+          </a:fillRef>
+          <a:effectRef idx="1">
+            <a:schemeClr val="accent1"/>
+          </a:effectRef>
+          <a:fontRef idx="minor">
+            <a:schemeClr val="tx1"/>
+          </a:fontRef>
+        </p:style>
+      </p:cxnSp>
+      <p:grpSp>
+        <p:nvGrpSpPr>
+          <p:cNvPr id="61" name="Group 60">
+            <a:extLst>
+              <a:ext uri="{FF2B5EF4-FFF2-40B4-BE49-F238E27FC236}">
+                <a16:creationId xmlns:a16="http://schemas.microsoft.com/office/drawing/2014/main" id="{30A33245-D54D-8749-A49C-2ABBCE9748DA}"/>
+              </a:ext>
+            </a:extLst>
+          </p:cNvPr>
+          <p:cNvGrpSpPr/>
+          <p:nvPr/>
+        </p:nvGrpSpPr>
+        <p:grpSpPr>
+          <a:xfrm>
+            <a:off x="1480949" y="5338740"/>
+            <a:ext cx="2737576" cy="654654"/>
+            <a:chOff x="2569133" y="413397"/>
+            <a:chExt cx="4196538" cy="1003545"/>
+          </a:xfrm>
+        </p:grpSpPr>
+        <p:cxnSp>
+          <p:nvCxnSpPr>
+            <p:cNvPr id="62" name="Straight Connector 61">
+              <a:extLst>
+                <a:ext uri="{FF2B5EF4-FFF2-40B4-BE49-F238E27FC236}">
+                  <a16:creationId xmlns:a16="http://schemas.microsoft.com/office/drawing/2014/main" id="{98C643EF-B32F-4A41-9AB8-E788F3957F37}"/>
+                </a:ext>
+              </a:extLst>
+            </p:cNvPr>
+            <p:cNvCxnSpPr/>
+            <p:nvPr/>
+          </p:nvCxnSpPr>
+          <p:spPr>
+            <a:xfrm>
+              <a:off x="2569133" y="1140336"/>
+              <a:ext cx="4191000" cy="0"/>
+            </a:xfrm>
+            <a:prstGeom prst="line">
+              <a:avLst/>
+            </a:prstGeom>
+            <a:ln w="38100" cap="flat" cmpd="sng" algn="ctr">
+              <a:solidFill>
+                <a:srgbClr val="000000"/>
+              </a:solidFill>
+              <a:prstDash val="solid"/>
+              <a:round/>
+              <a:headEnd type="none" w="med" len="med"/>
+              <a:tailEnd type="none" w="med" len="med"/>
+            </a:ln>
+            <a:effectLst/>
+          </p:spPr>
+          <p:style>
+            <a:lnRef idx="2">
+              <a:schemeClr val="accent1"/>
+            </a:lnRef>
+            <a:fillRef idx="0">
+              <a:schemeClr val="accent1"/>
+            </a:fillRef>
+            <a:effectRef idx="1">
+              <a:schemeClr val="accent1"/>
+            </a:effectRef>
+            <a:fontRef idx="minor">
+              <a:schemeClr val="tx1"/>
+            </a:fontRef>
+          </p:style>
+        </p:cxnSp>
+        <p:sp>
+          <p:nvSpPr>
+            <p:cNvPr id="63" name="Right Arrow 62">
+              <a:extLst>
+                <a:ext uri="{FF2B5EF4-FFF2-40B4-BE49-F238E27FC236}">
+                  <a16:creationId xmlns:a16="http://schemas.microsoft.com/office/drawing/2014/main" id="{BE490107-379A-DA48-98CE-23EA73A34451}"/>
+                </a:ext>
+              </a:extLst>
+            </p:cNvPr>
+            <p:cNvSpPr/>
+            <p:nvPr/>
+          </p:nvSpPr>
+          <p:spPr>
+            <a:xfrm>
+              <a:off x="4740833" y="949836"/>
+              <a:ext cx="1168400" cy="350140"/>
+            </a:xfrm>
+            <a:prstGeom prst="rightArrow">
+              <a:avLst>
+                <a:gd name="adj1" fmla="val 100000"/>
+                <a:gd name="adj2" fmla="val 52194"/>
+              </a:avLst>
+            </a:prstGeom>
+            <a:solidFill>
+              <a:schemeClr val="accent2"/>
+            </a:solidFill>
+            <a:ln w="38100" cap="flat" cmpd="sng" algn="ctr">
+              <a:solidFill>
+                <a:srgbClr val="000000"/>
+              </a:solidFill>
+              <a:prstDash val="solid"/>
+              <a:round/>
+              <a:headEnd type="none" w="med" len="med"/>
+              <a:tailEnd type="none" w="med" len="med"/>
+            </a:ln>
+            <a:effectLst/>
+          </p:spPr>
+          <p:style>
+            <a:lnRef idx="1">
+              <a:schemeClr val="accent1"/>
+            </a:lnRef>
+            <a:fillRef idx="3">
+              <a:schemeClr val="accent1"/>
+            </a:fillRef>
+            <a:effectRef idx="2">
+              <a:schemeClr val="accent1"/>
+            </a:effectRef>
+            <a:fontRef idx="minor">
+              <a:schemeClr val="lt1"/>
+            </a:fontRef>
+          </p:style>
+          <p:txBody>
+            <a:bodyPr rtlCol="0" anchor="ctr"/>
+            <a:lstStyle/>
+            <a:p>
+              <a:pPr algn="ctr"/>
+              <a:endParaRPr lang="en-US" i="1" dirty="0">
+                <a:solidFill>
+                  <a:schemeClr val="tx1"/>
+                </a:solidFill>
+              </a:endParaRPr>
+            </a:p>
+          </p:txBody>
+        </p:sp>
+        <p:sp>
+          <p:nvSpPr>
+            <p:cNvPr id="64" name="Chord 63">
+              <a:extLst>
+                <a:ext uri="{FF2B5EF4-FFF2-40B4-BE49-F238E27FC236}">
+                  <a16:creationId xmlns:a16="http://schemas.microsoft.com/office/drawing/2014/main" id="{D6F2EFD3-E96F-C248-9CFF-FDC57E65616B}"/>
+                </a:ext>
+              </a:extLst>
+            </p:cNvPr>
+            <p:cNvSpPr/>
+            <p:nvPr/>
+          </p:nvSpPr>
+          <p:spPr>
+            <a:xfrm>
+              <a:off x="3734347" y="784736"/>
+              <a:ext cx="632206" cy="632206"/>
+            </a:xfrm>
+            <a:prstGeom prst="chord">
+              <a:avLst>
+                <a:gd name="adj1" fmla="val 10506229"/>
+                <a:gd name="adj2" fmla="val 301460"/>
+              </a:avLst>
+            </a:prstGeom>
+            <a:solidFill>
+              <a:schemeClr val="accent4">
+                <a:lumMod val="60000"/>
+                <a:lumOff val="40000"/>
+              </a:schemeClr>
+            </a:solidFill>
+            <a:ln w="38100" cap="flat" cmpd="sng" algn="ctr">
+              <a:solidFill>
+                <a:srgbClr val="000000"/>
+              </a:solidFill>
+              <a:prstDash val="solid"/>
+              <a:round/>
+              <a:headEnd type="none" w="med" len="med"/>
+              <a:tailEnd type="none" w="med" len="med"/>
+            </a:ln>
+            <a:effectLst/>
+          </p:spPr>
+          <p:style>
+            <a:lnRef idx="1">
+              <a:schemeClr val="accent1"/>
+            </a:lnRef>
+            <a:fillRef idx="3">
+              <a:schemeClr val="accent1"/>
+            </a:fillRef>
+            <a:effectRef idx="2">
+              <a:schemeClr val="accent1"/>
+            </a:effectRef>
+            <a:fontRef idx="minor">
+              <a:schemeClr val="lt1"/>
+            </a:fontRef>
+          </p:style>
+          <p:txBody>
+            <a:bodyPr rtlCol="0" anchor="ctr"/>
+            <a:lstStyle/>
+            <a:p>
+              <a:pPr algn="ctr"/>
+              <a:endParaRPr lang="en-US"/>
+            </a:p>
+          </p:txBody>
+        </p:sp>
+        <p:pic>
+          <p:nvPicPr>
+            <p:cNvPr id="65" name="Picture 64">
+              <a:extLst>
+                <a:ext uri="{FF2B5EF4-FFF2-40B4-BE49-F238E27FC236}">
+                  <a16:creationId xmlns:a16="http://schemas.microsoft.com/office/drawing/2014/main" id="{286E7833-957E-F440-8D42-9AB7E035E8E1}"/>
+                </a:ext>
+              </a:extLst>
+            </p:cNvPr>
+            <p:cNvPicPr>
+              <a:picLocks noChangeAspect="1"/>
+            </p:cNvPicPr>
+            <p:nvPr/>
+          </p:nvPicPr>
+          <p:blipFill>
+            <a:blip r:embed="rId2">
+              <a:extLst>
+                <a:ext uri="{28A0092B-C50C-407E-A947-70E740481C1C}">
+                  <a14:useLocalDpi xmlns:a14="http://schemas.microsoft.com/office/drawing/2010/main" val="0"/>
+                </a:ext>
+              </a:extLst>
+            </a:blip>
+            <a:stretch>
+              <a:fillRect/>
+            </a:stretch>
+          </p:blipFill>
+          <p:spPr>
+            <a:xfrm>
+              <a:off x="2803319" y="413397"/>
+              <a:ext cx="771908" cy="771908"/>
+            </a:xfrm>
+            <a:prstGeom prst="rect">
+              <a:avLst/>
+            </a:prstGeom>
+          </p:spPr>
+        </p:pic>
+        <p:pic>
+          <p:nvPicPr>
+            <p:cNvPr id="66" name="Picture 65">
+              <a:extLst>
+                <a:ext uri="{FF2B5EF4-FFF2-40B4-BE49-F238E27FC236}">
+                  <a16:creationId xmlns:a16="http://schemas.microsoft.com/office/drawing/2014/main" id="{66E58BA4-55C5-4249-BAD1-86292495D744}"/>
+                </a:ext>
+              </a:extLst>
+            </p:cNvPr>
+            <p:cNvPicPr>
+              <a:picLocks noChangeAspect="1"/>
+            </p:cNvPicPr>
+            <p:nvPr/>
+          </p:nvPicPr>
+          <p:blipFill>
+            <a:blip r:embed="rId3">
+              <a:extLst>
+                <a:ext uri="{28A0092B-C50C-407E-A947-70E740481C1C}">
+                  <a14:useLocalDpi xmlns:a14="http://schemas.microsoft.com/office/drawing/2010/main" val="0"/>
+                </a:ext>
+              </a:extLst>
+            </a:blip>
+            <a:stretch>
+              <a:fillRect/>
+            </a:stretch>
+          </p:blipFill>
+          <p:spPr>
+            <a:xfrm>
+              <a:off x="5971536" y="499461"/>
+              <a:ext cx="794135" cy="794135"/>
+            </a:xfrm>
+            <a:prstGeom prst="rect">
+              <a:avLst/>
+            </a:prstGeom>
+          </p:spPr>
+        </p:pic>
+      </p:grpSp>
+      <p:grpSp>
+        <p:nvGrpSpPr>
+          <p:cNvPr id="67" name="Group 66">
+            <a:extLst>
+              <a:ext uri="{FF2B5EF4-FFF2-40B4-BE49-F238E27FC236}">
+                <a16:creationId xmlns:a16="http://schemas.microsoft.com/office/drawing/2014/main" id="{B8766E42-1395-DB4B-8AF5-8889D4172F65}"/>
+              </a:ext>
+            </a:extLst>
+          </p:cNvPr>
+          <p:cNvGrpSpPr/>
+          <p:nvPr/>
+        </p:nvGrpSpPr>
+        <p:grpSpPr>
+          <a:xfrm>
+            <a:off x="4322081" y="5338740"/>
+            <a:ext cx="2737576" cy="654654"/>
+            <a:chOff x="2569133" y="413397"/>
+            <a:chExt cx="4196538" cy="1003545"/>
+          </a:xfrm>
+        </p:grpSpPr>
+        <p:cxnSp>
+          <p:nvCxnSpPr>
+            <p:cNvPr id="68" name="Straight Connector 67">
+              <a:extLst>
+                <a:ext uri="{FF2B5EF4-FFF2-40B4-BE49-F238E27FC236}">
+                  <a16:creationId xmlns:a16="http://schemas.microsoft.com/office/drawing/2014/main" id="{713A26E7-864E-394A-B32B-208D3A734304}"/>
+                </a:ext>
+              </a:extLst>
+            </p:cNvPr>
+            <p:cNvCxnSpPr/>
+            <p:nvPr/>
+          </p:nvCxnSpPr>
+          <p:spPr>
+            <a:xfrm>
+              <a:off x="2569133" y="1140336"/>
+              <a:ext cx="4191000" cy="0"/>
+            </a:xfrm>
+            <a:prstGeom prst="line">
+              <a:avLst/>
+            </a:prstGeom>
+            <a:ln w="38100" cap="flat" cmpd="sng" algn="ctr">
+              <a:solidFill>
+                <a:srgbClr val="000000"/>
+              </a:solidFill>
+              <a:prstDash val="solid"/>
+              <a:round/>
+              <a:headEnd type="none" w="med" len="med"/>
+              <a:tailEnd type="none" w="med" len="med"/>
+            </a:ln>
+            <a:effectLst/>
+          </p:spPr>
+          <p:style>
+            <a:lnRef idx="2">
+              <a:schemeClr val="accent1"/>
+            </a:lnRef>
+            <a:fillRef idx="0">
+              <a:schemeClr val="accent1"/>
+            </a:fillRef>
+            <a:effectRef idx="1">
+              <a:schemeClr val="accent1"/>
+            </a:effectRef>
+            <a:fontRef idx="minor">
+              <a:schemeClr val="tx1"/>
+            </a:fontRef>
+          </p:style>
+        </p:cxnSp>
+        <p:sp>
+          <p:nvSpPr>
+            <p:cNvPr id="69" name="Right Arrow 68">
+              <a:extLst>
+                <a:ext uri="{FF2B5EF4-FFF2-40B4-BE49-F238E27FC236}">
+                  <a16:creationId xmlns:a16="http://schemas.microsoft.com/office/drawing/2014/main" id="{B631BE1B-D695-AA46-8CDF-07955D999383}"/>
+                </a:ext>
+              </a:extLst>
+            </p:cNvPr>
+            <p:cNvSpPr/>
+            <p:nvPr/>
+          </p:nvSpPr>
+          <p:spPr>
+            <a:xfrm>
+              <a:off x="4740833" y="949836"/>
+              <a:ext cx="1168400" cy="350140"/>
+            </a:xfrm>
+            <a:prstGeom prst="rightArrow">
+              <a:avLst>
+                <a:gd name="adj1" fmla="val 100000"/>
+                <a:gd name="adj2" fmla="val 52194"/>
+              </a:avLst>
+            </a:prstGeom>
+            <a:solidFill>
+              <a:srgbClr val="92D050"/>
+            </a:solidFill>
+            <a:ln w="38100" cap="flat" cmpd="sng" algn="ctr">
+              <a:solidFill>
+                <a:srgbClr val="000000"/>
+              </a:solidFill>
+              <a:prstDash val="solid"/>
+              <a:round/>
+              <a:headEnd type="none" w="med" len="med"/>
+              <a:tailEnd type="none" w="med" len="med"/>
+            </a:ln>
+            <a:effectLst/>
+          </p:spPr>
+          <p:style>
+            <a:lnRef idx="1">
+              <a:schemeClr val="accent1"/>
+            </a:lnRef>
+            <a:fillRef idx="3">
+              <a:schemeClr val="accent1"/>
+            </a:fillRef>
+            <a:effectRef idx="2">
+              <a:schemeClr val="accent1"/>
+            </a:effectRef>
+            <a:fontRef idx="minor">
+              <a:schemeClr val="lt1"/>
+            </a:fontRef>
+          </p:style>
+          <p:txBody>
+            <a:bodyPr rtlCol="0" anchor="ctr"/>
+            <a:lstStyle/>
+            <a:p>
+              <a:pPr algn="ctr"/>
+              <a:endParaRPr lang="en-US" i="1" dirty="0">
+                <a:solidFill>
+                  <a:schemeClr val="tx1"/>
+                </a:solidFill>
+              </a:endParaRPr>
+            </a:p>
+          </p:txBody>
+        </p:sp>
+        <p:sp>
+          <p:nvSpPr>
+            <p:cNvPr id="70" name="Chord 69">
+              <a:extLst>
+                <a:ext uri="{FF2B5EF4-FFF2-40B4-BE49-F238E27FC236}">
+                  <a16:creationId xmlns:a16="http://schemas.microsoft.com/office/drawing/2014/main" id="{BCF400CA-2E47-2D48-B87B-24AC28F5C3E1}"/>
+                </a:ext>
+              </a:extLst>
+            </p:cNvPr>
+            <p:cNvSpPr/>
+            <p:nvPr/>
+          </p:nvSpPr>
+          <p:spPr>
+            <a:xfrm>
+              <a:off x="3734347" y="784736"/>
+              <a:ext cx="632206" cy="632206"/>
+            </a:xfrm>
+            <a:prstGeom prst="chord">
+              <a:avLst>
+                <a:gd name="adj1" fmla="val 10506229"/>
+                <a:gd name="adj2" fmla="val 301460"/>
+              </a:avLst>
+            </a:prstGeom>
+            <a:solidFill>
+              <a:schemeClr val="accent4">
+                <a:lumMod val="60000"/>
+                <a:lumOff val="40000"/>
+              </a:schemeClr>
+            </a:solidFill>
+            <a:ln w="38100" cap="flat" cmpd="sng" algn="ctr">
+              <a:solidFill>
+                <a:srgbClr val="000000"/>
+              </a:solidFill>
+              <a:prstDash val="solid"/>
+              <a:round/>
+              <a:headEnd type="none" w="med" len="med"/>
+              <a:tailEnd type="none" w="med" len="med"/>
+            </a:ln>
+            <a:effectLst/>
+          </p:spPr>
+          <p:style>
+            <a:lnRef idx="1">
+              <a:schemeClr val="accent1"/>
+            </a:lnRef>
+            <a:fillRef idx="3">
+              <a:schemeClr val="accent1"/>
+            </a:fillRef>
+            <a:effectRef idx="2">
+              <a:schemeClr val="accent1"/>
+            </a:effectRef>
+            <a:fontRef idx="minor">
+              <a:schemeClr val="lt1"/>
+            </a:fontRef>
+          </p:style>
+          <p:txBody>
+            <a:bodyPr rtlCol="0" anchor="ctr"/>
+            <a:lstStyle/>
+            <a:p>
+              <a:pPr algn="ctr"/>
+              <a:endParaRPr lang="en-US"/>
+            </a:p>
+          </p:txBody>
+        </p:sp>
+        <p:pic>
+          <p:nvPicPr>
+            <p:cNvPr id="71" name="Picture 70">
+              <a:extLst>
+                <a:ext uri="{FF2B5EF4-FFF2-40B4-BE49-F238E27FC236}">
+                  <a16:creationId xmlns:a16="http://schemas.microsoft.com/office/drawing/2014/main" id="{B3EDC701-4B82-D84A-863C-298E013D76C2}"/>
+                </a:ext>
+              </a:extLst>
+            </p:cNvPr>
+            <p:cNvPicPr>
+              <a:picLocks noChangeAspect="1"/>
+            </p:cNvPicPr>
+            <p:nvPr/>
+          </p:nvPicPr>
+          <p:blipFill>
+            <a:blip r:embed="rId2">
+              <a:extLst>
+                <a:ext uri="{28A0092B-C50C-407E-A947-70E740481C1C}">
+                  <a14:useLocalDpi xmlns:a14="http://schemas.microsoft.com/office/drawing/2010/main" val="0"/>
+                </a:ext>
+              </a:extLst>
+            </a:blip>
+            <a:stretch>
+              <a:fillRect/>
+            </a:stretch>
+          </p:blipFill>
+          <p:spPr>
+            <a:xfrm>
+              <a:off x="2803319" y="413397"/>
+              <a:ext cx="771908" cy="771908"/>
+            </a:xfrm>
+            <a:prstGeom prst="rect">
+              <a:avLst/>
+            </a:prstGeom>
+          </p:spPr>
+        </p:pic>
+        <p:pic>
+          <p:nvPicPr>
+            <p:cNvPr id="72" name="Picture 71">
+              <a:extLst>
+                <a:ext uri="{FF2B5EF4-FFF2-40B4-BE49-F238E27FC236}">
+                  <a16:creationId xmlns:a16="http://schemas.microsoft.com/office/drawing/2014/main" id="{AF812742-DBD7-2745-AB9A-F0D4CB4CB942}"/>
+                </a:ext>
+              </a:extLst>
+            </p:cNvPr>
+            <p:cNvPicPr>
+              <a:picLocks noChangeAspect="1"/>
+            </p:cNvPicPr>
+            <p:nvPr/>
+          </p:nvPicPr>
+          <p:blipFill>
+            <a:blip r:embed="rId3">
+              <a:extLst>
+                <a:ext uri="{28A0092B-C50C-407E-A947-70E740481C1C}">
+                  <a14:useLocalDpi xmlns:a14="http://schemas.microsoft.com/office/drawing/2010/main" val="0"/>
+                </a:ext>
+              </a:extLst>
+            </a:blip>
+            <a:stretch>
+              <a:fillRect/>
+            </a:stretch>
+          </p:blipFill>
+          <p:spPr>
+            <a:xfrm>
+              <a:off x="5971536" y="499461"/>
+              <a:ext cx="794135" cy="794135"/>
+            </a:xfrm>
+            <a:prstGeom prst="rect">
+              <a:avLst/>
+            </a:prstGeom>
+          </p:spPr>
+        </p:pic>
+      </p:grpSp>
+      <p:pic>
+        <p:nvPicPr>
+          <p:cNvPr id="75" name="Picture 74">
+            <a:extLst>
+              <a:ext uri="{FF2B5EF4-FFF2-40B4-BE49-F238E27FC236}">
+                <a16:creationId xmlns:a16="http://schemas.microsoft.com/office/drawing/2014/main" id="{C5A9F333-06BE-444F-9CDB-4E50B613F807}"/>
+              </a:ext>
+            </a:extLst>
+          </p:cNvPr>
+          <p:cNvPicPr>
+            <a:picLocks noChangeAspect="1"/>
+          </p:cNvPicPr>
+          <p:nvPr/>
+        </p:nvPicPr>
+        <p:blipFill rotWithShape="1">
+          <a:blip r:embed="rId4"/>
+          <a:srcRect/>
+          <a:stretch/>
+        </p:blipFill>
+        <p:spPr>
+          <a:xfrm>
+            <a:off x="5598943" y="4634425"/>
+            <a:ext cx="951389" cy="951389"/>
+          </a:xfrm>
+          <a:prstGeom prst="rect">
+            <a:avLst/>
+          </a:prstGeom>
+        </p:spPr>
+      </p:pic>
+      <p:cxnSp>
+        <p:nvCxnSpPr>
+          <p:cNvPr id="76" name="Straight Arrow Connector 75">
+            <a:extLst>
+              <a:ext uri="{FF2B5EF4-FFF2-40B4-BE49-F238E27FC236}">
+                <a16:creationId xmlns:a16="http://schemas.microsoft.com/office/drawing/2014/main" id="{74CE8574-C096-C04E-B270-D0D8CA3A3460}"/>
+              </a:ext>
+            </a:extLst>
+          </p:cNvPr>
+          <p:cNvCxnSpPr/>
+          <p:nvPr/>
+        </p:nvCxnSpPr>
+        <p:spPr>
+          <a:xfrm flipV="1">
+            <a:off x="6096000" y="5338740"/>
+            <a:ext cx="0" cy="343873"/>
+          </a:xfrm>
+          <a:prstGeom prst="straightConnector1">
+            <a:avLst/>
+          </a:prstGeom>
+          <a:ln w="28575">
+            <a:solidFill>
+              <a:schemeClr val="accent3">
+                <a:lumMod val="75000"/>
+              </a:schemeClr>
+            </a:solidFill>
+            <a:headEnd type="none" w="med" len="med"/>
+            <a:tailEnd type="triangle" w="med" len="med"/>
+          </a:ln>
+        </p:spPr>
+        <p:style>
+          <a:lnRef idx="1">
+            <a:schemeClr val="dk1"/>
+          </a:lnRef>
+          <a:fillRef idx="0">
+            <a:schemeClr val="dk1"/>
+          </a:fillRef>
+          <a:effectRef idx="0">
+            <a:schemeClr val="dk1"/>
+          </a:effectRef>
+          <a:fontRef idx="minor">
+            <a:schemeClr val="tx1"/>
+          </a:fontRef>
+        </p:style>
+      </p:cxnSp>
+      <p:sp>
+        <p:nvSpPr>
+          <p:cNvPr id="77" name="Rounded Rectangle 76">
+            <a:extLst>
+              <a:ext uri="{FF2B5EF4-FFF2-40B4-BE49-F238E27FC236}">
+                <a16:creationId xmlns:a16="http://schemas.microsoft.com/office/drawing/2014/main" id="{25EB1411-8CB7-A14D-8256-339A5F5C9518}"/>
+              </a:ext>
+            </a:extLst>
+          </p:cNvPr>
+          <p:cNvSpPr/>
+          <p:nvPr/>
+        </p:nvSpPr>
+        <p:spPr>
+          <a:xfrm>
+            <a:off x="1409971" y="4725606"/>
             <a:ext cx="3523071" cy="1483611"/>
           </a:xfrm>
           <a:prstGeom prst="roundRect">
@@ -9958,6 +11517,106 @@
           <a:p>
             <a:pPr algn="ctr"/>
             <a:endParaRPr lang="en-US"/>
+          </a:p>
+        </p:txBody>
+      </p:sp>
+    </p:spTree>
+    <p:extLst>
+      <p:ext uri="{BB962C8B-B14F-4D97-AF65-F5344CB8AC3E}">
+        <p14:creationId xmlns:p14="http://schemas.microsoft.com/office/powerpoint/2010/main" val="78963678"/>
+      </p:ext>
+    </p:extLst>
+  </p:cSld>
+  <p:clrMapOvr>
+    <a:masterClrMapping/>
+  </p:clrMapOvr>
+</p:sld>
+</file>
+
+<file path=ppt/slides/slide5.xml><?xml version="1.0" encoding="utf-8"?>
+<p:sld xmlns:a="http://schemas.openxmlformats.org/drawingml/2006/main" xmlns:r="http://schemas.openxmlformats.org/officeDocument/2006/relationships" xmlns:p="http://schemas.openxmlformats.org/presentationml/2006/main">
+  <p:cSld>
+    <p:spTree>
+      <p:nvGrpSpPr>
+        <p:cNvPr id="1" name=""/>
+        <p:cNvGrpSpPr/>
+        <p:nvPr/>
+      </p:nvGrpSpPr>
+      <p:grpSpPr>
+        <a:xfrm>
+          <a:off x="0" y="0"/>
+          <a:ext cx="0" cy="0"/>
+          <a:chOff x="0" y="0"/>
+          <a:chExt cx="0" cy="0"/>
+        </a:xfrm>
+      </p:grpSpPr>
+      <p:sp>
+        <p:nvSpPr>
+          <p:cNvPr id="73" name="TextBox 72">
+            <a:extLst>
+              <a:ext uri="{FF2B5EF4-FFF2-40B4-BE49-F238E27FC236}">
+                <a16:creationId xmlns:a16="http://schemas.microsoft.com/office/drawing/2014/main" id="{863769F8-02CE-034E-988B-4EF2BB33EA57}"/>
+              </a:ext>
+            </a:extLst>
+          </p:cNvPr>
+          <p:cNvSpPr txBox="1"/>
+          <p:nvPr/>
+        </p:nvSpPr>
+        <p:spPr>
+          <a:xfrm>
+            <a:off x="139700" y="165100"/>
+            <a:ext cx="1091966" cy="369332"/>
+          </a:xfrm>
+          <a:prstGeom prst="rect">
+            <a:avLst/>
+          </a:prstGeom>
+          <a:noFill/>
+        </p:spPr>
+        <p:txBody>
+          <a:bodyPr wrap="none" rtlCol="0">
+            <a:spAutoFit/>
+          </a:bodyPr>
+          <a:lstStyle/>
+          <a:p>
+            <a:r>
+              <a:rPr lang="en-US" dirty="0"/>
+              <a:t>Module C</a:t>
+            </a:r>
+          </a:p>
+        </p:txBody>
+      </p:sp>
+      <p:sp>
+        <p:nvSpPr>
+          <p:cNvPr id="109" name="TextBox 108">
+            <a:extLst>
+              <a:ext uri="{FF2B5EF4-FFF2-40B4-BE49-F238E27FC236}">
+                <a16:creationId xmlns:a16="http://schemas.microsoft.com/office/drawing/2014/main" id="{46299D71-34A0-674F-A4B1-1B36A54ABCC7}"/>
+              </a:ext>
+            </a:extLst>
+          </p:cNvPr>
+          <p:cNvSpPr txBox="1"/>
+          <p:nvPr/>
+        </p:nvSpPr>
+        <p:spPr>
+          <a:xfrm>
+            <a:off x="4631374" y="2447662"/>
+            <a:ext cx="610167" cy="369332"/>
+          </a:xfrm>
+          <a:prstGeom prst="rect">
+            <a:avLst/>
+          </a:prstGeom>
+          <a:noFill/>
+        </p:spPr>
+        <p:txBody>
+          <a:bodyPr wrap="none" rtlCol="0">
+            <a:spAutoFit/>
+          </a:bodyPr>
+          <a:lstStyle/>
+          <a:p>
+            <a:r>
+              <a:rPr lang="en-US" dirty="0"/>
+              <a:t>MAY</a:t>
+            </a:r>
           </a:p>
         </p:txBody>
       </p:sp>
@@ -10771,10 +12430,10 @@
       </p:sp>
       <p:sp>
         <p:nvSpPr>
-          <p:cNvPr id="141" name="Rounded Rectangle 140">
+          <p:cNvPr id="58" name="Rounded Rectangle 57">
             <a:extLst>
               <a:ext uri="{FF2B5EF4-FFF2-40B4-BE49-F238E27FC236}">
-                <a16:creationId xmlns:a16="http://schemas.microsoft.com/office/drawing/2014/main" id="{8375BC6D-7A31-404C-8FDB-428A5F10BD88}"/>
+                <a16:creationId xmlns:a16="http://schemas.microsoft.com/office/drawing/2014/main" id="{AD85080E-E6B0-3E4A-B49C-887DBBF07674}"/>
               </a:ext>
             </a:extLst>
           </p:cNvPr>
@@ -10783,8 +12442,8 @@
         </p:nvSpPr>
         <p:spPr>
           <a:xfrm>
-            <a:off x="5306439" y="1140450"/>
-            <a:ext cx="1979561" cy="1158398"/>
+            <a:off x="4336707" y="3102879"/>
+            <a:ext cx="2955581" cy="1483611"/>
           </a:xfrm>
           <a:prstGeom prst="roundRect">
             <a:avLst/>
@@ -10825,22 +12484,22 @@
       </p:sp>
       <p:cxnSp>
         <p:nvCxnSpPr>
-          <p:cNvPr id="142" name="Straight Arrow Connector 5">
+          <p:cNvPr id="59" name="Straight Arrow Connector 5">
             <a:extLst>
               <a:ext uri="{FF2B5EF4-FFF2-40B4-BE49-F238E27FC236}">
-                <a16:creationId xmlns:a16="http://schemas.microsoft.com/office/drawing/2014/main" id="{CE978D91-348E-864C-BEF7-EB9D4220A9B4}"/>
+                <a16:creationId xmlns:a16="http://schemas.microsoft.com/office/drawing/2014/main" id="{7F477DD8-F3AF-814B-B1D9-07D54BC0DD8E}"/>
               </a:ext>
             </a:extLst>
           </p:cNvPr>
           <p:cNvCxnSpPr>
             <a:cxnSpLocks/>
-            <a:endCxn id="154" idx="0"/>
+            <a:endCxn id="71" idx="0"/>
           </p:cNvCxnSpPr>
           <p:nvPr/>
         </p:nvCxnSpPr>
         <p:spPr>
           <a:xfrm flipV="1">
-            <a:off x="3332147" y="1428371"/>
+            <a:off x="3284005" y="3716013"/>
             <a:ext cx="1439006" cy="343873"/>
           </a:xfrm>
           <a:prstGeom prst="bentConnector4">
@@ -10875,10 +12534,10 @@
       </p:cxnSp>
       <p:cxnSp>
         <p:nvCxnSpPr>
-          <p:cNvPr id="143" name="Straight Connector 142">
+          <p:cNvPr id="60" name="Straight Connector 59">
             <a:extLst>
               <a:ext uri="{FF2B5EF4-FFF2-40B4-BE49-F238E27FC236}">
-                <a16:creationId xmlns:a16="http://schemas.microsoft.com/office/drawing/2014/main" id="{DF7AE9CA-0CAD-A641-A388-128A4D0B42D7}"/>
+                <a16:creationId xmlns:a16="http://schemas.microsoft.com/office/drawing/2014/main" id="{CF91583D-2BD6-8146-B27C-BF5F2F0938CA}"/>
               </a:ext>
             </a:extLst>
           </p:cNvPr>
@@ -10887,7 +12546,7 @@
         </p:nvCxnSpPr>
         <p:spPr>
           <a:xfrm>
-            <a:off x="4675903" y="1429216"/>
+            <a:off x="4627761" y="3716858"/>
             <a:ext cx="190500" cy="0"/>
           </a:xfrm>
           <a:prstGeom prst="line">
@@ -10917,10 +12576,10 @@
       </p:cxnSp>
       <p:grpSp>
         <p:nvGrpSpPr>
-          <p:cNvPr id="144" name="Group 143">
+          <p:cNvPr id="61" name="Group 60">
             <a:extLst>
               <a:ext uri="{FF2B5EF4-FFF2-40B4-BE49-F238E27FC236}">
-                <a16:creationId xmlns:a16="http://schemas.microsoft.com/office/drawing/2014/main" id="{4370DD09-E81F-CF4B-8305-DCF361F5BAC1}"/>
+                <a16:creationId xmlns:a16="http://schemas.microsoft.com/office/drawing/2014/main" id="{7ADE2DC8-5EC4-204C-B264-EF77B00220D0}"/>
               </a:ext>
             </a:extLst>
           </p:cNvPr>
@@ -10929,7 +12588,7 @@
         </p:nvGrpSpPr>
         <p:grpSpPr>
           <a:xfrm>
-            <a:off x="1525478" y="1428371"/>
+            <a:off x="1477336" y="3716013"/>
             <a:ext cx="2737576" cy="654654"/>
             <a:chOff x="2569133" y="413397"/>
             <a:chExt cx="4196538" cy="1003545"/>
@@ -10937,10 +12596,10 @@
         </p:grpSpPr>
         <p:cxnSp>
           <p:nvCxnSpPr>
-            <p:cNvPr id="145" name="Straight Connector 144">
+            <p:cNvPr id="62" name="Straight Connector 61">
               <a:extLst>
                 <a:ext uri="{FF2B5EF4-FFF2-40B4-BE49-F238E27FC236}">
-                  <a16:creationId xmlns:a16="http://schemas.microsoft.com/office/drawing/2014/main" id="{DDA3C73B-E94A-2A49-8927-1F24E8127942}"/>
+                  <a16:creationId xmlns:a16="http://schemas.microsoft.com/office/drawing/2014/main" id="{11C15139-E8CE-7F47-95CE-8CF0588E4CBD}"/>
                 </a:ext>
               </a:extLst>
             </p:cNvPr>
@@ -10983,10 +12642,10 @@
         </p:cxnSp>
         <p:sp>
           <p:nvSpPr>
-            <p:cNvPr id="146" name="Right Arrow 145">
+            <p:cNvPr id="63" name="Right Arrow 62">
               <a:extLst>
                 <a:ext uri="{FF2B5EF4-FFF2-40B4-BE49-F238E27FC236}">
-                  <a16:creationId xmlns:a16="http://schemas.microsoft.com/office/drawing/2014/main" id="{DC2A4733-954C-BF47-825E-DBDE6D3FC6D0}"/>
+                  <a16:creationId xmlns:a16="http://schemas.microsoft.com/office/drawing/2014/main" id="{2984D728-93BD-494F-A9DD-7E95E0231B63}"/>
                 </a:ext>
               </a:extLst>
             </p:cNvPr>
@@ -11047,10 +12706,10 @@
         </p:sp>
         <p:sp>
           <p:nvSpPr>
-            <p:cNvPr id="147" name="Chord 146">
+            <p:cNvPr id="64" name="Chord 63">
               <a:extLst>
                 <a:ext uri="{FF2B5EF4-FFF2-40B4-BE49-F238E27FC236}">
-                  <a16:creationId xmlns:a16="http://schemas.microsoft.com/office/drawing/2014/main" id="{AF81B31F-ACC4-7640-96D4-FAD849B6D908}"/>
+                  <a16:creationId xmlns:a16="http://schemas.microsoft.com/office/drawing/2014/main" id="{8224A461-F843-0142-AB94-C579F26AE4F2}"/>
                 </a:ext>
               </a:extLst>
             </p:cNvPr>
@@ -11110,10 +12769,10 @@
         </p:sp>
         <p:pic>
           <p:nvPicPr>
-            <p:cNvPr id="148" name="Picture 147">
+            <p:cNvPr id="65" name="Picture 64">
               <a:extLst>
                 <a:ext uri="{FF2B5EF4-FFF2-40B4-BE49-F238E27FC236}">
-                  <a16:creationId xmlns:a16="http://schemas.microsoft.com/office/drawing/2014/main" id="{5AEF3ACF-DFBD-6248-98D2-5429607DE638}"/>
+                  <a16:creationId xmlns:a16="http://schemas.microsoft.com/office/drawing/2014/main" id="{20DCF068-2C9A-4744-B6B7-E027C3049907}"/>
                 </a:ext>
               </a:extLst>
             </p:cNvPr>
@@ -11146,10 +12805,10 @@
         </p:pic>
         <p:pic>
           <p:nvPicPr>
-            <p:cNvPr id="149" name="Picture 148">
+            <p:cNvPr id="66" name="Picture 65">
               <a:extLst>
                 <a:ext uri="{FF2B5EF4-FFF2-40B4-BE49-F238E27FC236}">
-                  <a16:creationId xmlns:a16="http://schemas.microsoft.com/office/drawing/2014/main" id="{8926388C-92CD-134D-AAFB-0D5078916F5D}"/>
+                  <a16:creationId xmlns:a16="http://schemas.microsoft.com/office/drawing/2014/main" id="{6264B2F8-45AD-844B-97E6-D7B1B507AD60}"/>
                 </a:ext>
               </a:extLst>
             </p:cNvPr>
@@ -11183,10 +12842,10 @@
       </p:grpSp>
       <p:grpSp>
         <p:nvGrpSpPr>
-          <p:cNvPr id="150" name="Group 149">
+          <p:cNvPr id="67" name="Group 66">
             <a:extLst>
               <a:ext uri="{FF2B5EF4-FFF2-40B4-BE49-F238E27FC236}">
-                <a16:creationId xmlns:a16="http://schemas.microsoft.com/office/drawing/2014/main" id="{36DEDADE-0830-DB49-9015-2545E2177A31}"/>
+                <a16:creationId xmlns:a16="http://schemas.microsoft.com/office/drawing/2014/main" id="{B986FEA7-1F53-434F-9341-777F607666D7}"/>
               </a:ext>
             </a:extLst>
           </p:cNvPr>
@@ -11195,28 +12854,30 @@
         </p:nvGrpSpPr>
         <p:grpSpPr>
           <a:xfrm>
-            <a:off x="4366610" y="1428371"/>
-            <a:ext cx="2737576" cy="654654"/>
-            <a:chOff x="2569133" y="413397"/>
-            <a:chExt cx="4196538" cy="1003545"/>
+            <a:off x="4366610" y="3716013"/>
+            <a:ext cx="2689434" cy="654654"/>
+            <a:chOff x="2642932" y="413397"/>
+            <a:chExt cx="4122739" cy="1003545"/>
           </a:xfrm>
         </p:grpSpPr>
         <p:cxnSp>
           <p:nvCxnSpPr>
-            <p:cNvPr id="151" name="Straight Connector 150">
+            <p:cNvPr id="68" name="Straight Connector 67">
               <a:extLst>
                 <a:ext uri="{FF2B5EF4-FFF2-40B4-BE49-F238E27FC236}">
-                  <a16:creationId xmlns:a16="http://schemas.microsoft.com/office/drawing/2014/main" id="{E624C063-FF67-1049-86DE-E1D1B3B75895}"/>
+                  <a16:creationId xmlns:a16="http://schemas.microsoft.com/office/drawing/2014/main" id="{06FE3E9D-9160-9742-A5DC-B51601E68421}"/>
                 </a:ext>
               </a:extLst>
             </p:cNvPr>
-            <p:cNvCxnSpPr/>
+            <p:cNvCxnSpPr>
+              <a:cxnSpLocks/>
+            </p:cNvCxnSpPr>
             <p:nvPr/>
           </p:nvCxnSpPr>
           <p:spPr>
             <a:xfrm>
-              <a:off x="2569133" y="1140336"/>
-              <a:ext cx="4191000" cy="0"/>
+              <a:off x="2642932" y="1140335"/>
+              <a:ext cx="4117201" cy="0"/>
             </a:xfrm>
             <a:prstGeom prst="line">
               <a:avLst/>
@@ -11249,10 +12910,10 @@
         </p:cxnSp>
         <p:sp>
           <p:nvSpPr>
-            <p:cNvPr id="152" name="Right Arrow 151">
+            <p:cNvPr id="69" name="Right Arrow 68">
               <a:extLst>
                 <a:ext uri="{FF2B5EF4-FFF2-40B4-BE49-F238E27FC236}">
-                  <a16:creationId xmlns:a16="http://schemas.microsoft.com/office/drawing/2014/main" id="{DE9613FD-DB3A-1A40-B054-4E9D75DAAF4E}"/>
+                  <a16:creationId xmlns:a16="http://schemas.microsoft.com/office/drawing/2014/main" id="{411838C2-D16A-0B4F-BFA1-50225685D80E}"/>
                 </a:ext>
               </a:extLst>
             </p:cNvPr>
@@ -11313,10 +12974,10 @@
         </p:sp>
         <p:sp>
           <p:nvSpPr>
-            <p:cNvPr id="153" name="Chord 152">
+            <p:cNvPr id="70" name="Chord 69">
               <a:extLst>
                 <a:ext uri="{FF2B5EF4-FFF2-40B4-BE49-F238E27FC236}">
-                  <a16:creationId xmlns:a16="http://schemas.microsoft.com/office/drawing/2014/main" id="{C3808E6F-C75D-9A47-AB71-C7D0B68F71ED}"/>
+                  <a16:creationId xmlns:a16="http://schemas.microsoft.com/office/drawing/2014/main" id="{0550C654-FFF6-F943-A72E-DCE1718E20E7}"/>
                 </a:ext>
               </a:extLst>
             </p:cNvPr>
@@ -11376,10 +13037,10 @@
         </p:sp>
         <p:pic>
           <p:nvPicPr>
-            <p:cNvPr id="154" name="Picture 153">
+            <p:cNvPr id="71" name="Picture 70">
               <a:extLst>
                 <a:ext uri="{FF2B5EF4-FFF2-40B4-BE49-F238E27FC236}">
-                  <a16:creationId xmlns:a16="http://schemas.microsoft.com/office/drawing/2014/main" id="{F1C912A6-34C7-6B43-B7F8-A0F8A235866B}"/>
+                  <a16:creationId xmlns:a16="http://schemas.microsoft.com/office/drawing/2014/main" id="{6C031652-83EF-B645-90AF-EDCCD1E6AFD3}"/>
                 </a:ext>
               </a:extLst>
             </p:cNvPr>
@@ -11412,10 +13073,10 @@
         </p:pic>
         <p:pic>
           <p:nvPicPr>
-            <p:cNvPr id="155" name="Picture 154">
+            <p:cNvPr id="72" name="Picture 71">
               <a:extLst>
                 <a:ext uri="{FF2B5EF4-FFF2-40B4-BE49-F238E27FC236}">
-                  <a16:creationId xmlns:a16="http://schemas.microsoft.com/office/drawing/2014/main" id="{9D446153-FC94-4149-93AA-218AF4898F05}"/>
+                  <a16:creationId xmlns:a16="http://schemas.microsoft.com/office/drawing/2014/main" id="{E622A6F0-FEFE-5046-BB74-6646FC6DC992}"/>
                 </a:ext>
               </a:extLst>
             </p:cNvPr>
@@ -11449,10 +13110,10 @@
       </p:grpSp>
       <p:pic>
         <p:nvPicPr>
-          <p:cNvPr id="156" name="Picture 155">
+          <p:cNvPr id="75" name="Picture 74">
             <a:extLst>
               <a:ext uri="{FF2B5EF4-FFF2-40B4-BE49-F238E27FC236}">
-                <a16:creationId xmlns:a16="http://schemas.microsoft.com/office/drawing/2014/main" id="{235321AD-6816-FB4C-BEBA-85174CCD5CCA}"/>
+                <a16:creationId xmlns:a16="http://schemas.microsoft.com/office/drawing/2014/main" id="{DAA8A94D-CB3F-B547-B410-3AADFEBF288C}"/>
               </a:ext>
             </a:extLst>
           </p:cNvPr>
@@ -11468,7 +13129,7 @@
         </p:blipFill>
         <p:spPr>
           <a:xfrm>
-            <a:off x="5643472" y="724056"/>
+            <a:off x="5595330" y="3011698"/>
             <a:ext cx="951389" cy="951389"/>
           </a:xfrm>
           <a:prstGeom prst="rect">
@@ -11478,10 +13139,10 @@
       </p:pic>
       <p:cxnSp>
         <p:nvCxnSpPr>
-          <p:cNvPr id="157" name="Straight Arrow Connector 156">
+          <p:cNvPr id="76" name="Straight Arrow Connector 75">
             <a:extLst>
               <a:ext uri="{FF2B5EF4-FFF2-40B4-BE49-F238E27FC236}">
-                <a16:creationId xmlns:a16="http://schemas.microsoft.com/office/drawing/2014/main" id="{F430BAC5-AFD7-114B-8A18-81DCD578A55C}"/>
+                <a16:creationId xmlns:a16="http://schemas.microsoft.com/office/drawing/2014/main" id="{6FB592DD-8389-A745-BDED-86EA7E0D8B9C}"/>
               </a:ext>
             </a:extLst>
           </p:cNvPr>
@@ -11490,7 +13151,7 @@
         </p:nvCxnSpPr>
         <p:spPr>
           <a:xfrm flipV="1">
-            <a:off x="6140529" y="1428371"/>
+            <a:off x="6092387" y="3716013"/>
             <a:ext cx="0" cy="343873"/>
           </a:xfrm>
           <a:prstGeom prst="straightConnector1">
@@ -11524,7 +13185,7 @@
     </p:spTree>
     <p:extLst>
       <p:ext uri="{BB962C8B-B14F-4D97-AF65-F5344CB8AC3E}">
-        <p14:creationId xmlns:p14="http://schemas.microsoft.com/office/powerpoint/2010/main" val="78963678"/>
+        <p14:creationId xmlns:p14="http://schemas.microsoft.com/office/powerpoint/2010/main" val="1040098527"/>
       </p:ext>
     </p:extLst>
   </p:cSld>
@@ -11534,7 +13195,7 @@
 </p:sld>
 </file>
 
-<file path=ppt/slides/slide5.xml><?xml version="1.0" encoding="utf-8"?>
+<file path=ppt/slides/slide6.xml><?xml version="1.0" encoding="utf-8"?>
 <p:sld xmlns:a="http://schemas.openxmlformats.org/drawingml/2006/main" xmlns:r="http://schemas.openxmlformats.org/officeDocument/2006/relationships" xmlns:p="http://schemas.openxmlformats.org/presentationml/2006/main">
   <p:cSld>
     <p:spTree>
@@ -11671,7 +13332,7 @@
         <p:spPr>
           <a:xfrm>
             <a:off x="4002121" y="2917514"/>
-            <a:ext cx="3653930" cy="1483611"/>
+            <a:ext cx="1948231" cy="1483611"/>
           </a:xfrm>
           <a:prstGeom prst="roundRect">
             <a:avLst/>
@@ -11706,57 +13367,17 @@
           <a:lstStyle/>
           <a:p>
             <a:pPr algn="ctr"/>
-            <a:endParaRPr lang="en-US" dirty="0"/>
+            <a:r>
+              <a:rPr lang="en-US" dirty="0" err="1"/>
+              <a:t>TetR</a:t>
+            </a:r>
+            <a:r>
+              <a:rPr lang="en-US" dirty="0"/>
+              <a:t>-Regulated Production</a:t>
+            </a:r>
           </a:p>
         </p:txBody>
       </p:sp>
-      <p:cxnSp>
-        <p:nvCxnSpPr>
-          <p:cNvPr id="124" name="Straight Arrow Connector 5">
-            <a:extLst>
-              <a:ext uri="{FF2B5EF4-FFF2-40B4-BE49-F238E27FC236}">
-                <a16:creationId xmlns:a16="http://schemas.microsoft.com/office/drawing/2014/main" id="{89539812-804E-644F-BFCA-2B9DD3459350}"/>
-              </a:ext>
-            </a:extLst>
-          </p:cNvPr>
-          <p:cNvCxnSpPr>
-            <a:cxnSpLocks/>
-            <a:endCxn id="136" idx="0"/>
-          </p:cNvCxnSpPr>
-          <p:nvPr/>
-        </p:nvCxnSpPr>
-        <p:spPr>
-          <a:xfrm>
-            <a:off x="4770722" y="3308452"/>
-            <a:ext cx="316051" cy="222196"/>
-          </a:xfrm>
-          <a:prstGeom prst="bentConnector2">
-            <a:avLst/>
-          </a:prstGeom>
-          <a:ln>
-            <a:solidFill>
-              <a:srgbClr val="FF0000"/>
-            </a:solidFill>
-            <a:headEnd type="none"/>
-            <a:tailEnd type="none"/>
-          </a:ln>
-          <a:effectLst/>
-        </p:spPr>
-        <p:style>
-          <a:lnRef idx="2">
-            <a:schemeClr val="accent1"/>
-          </a:lnRef>
-          <a:fillRef idx="0">
-            <a:schemeClr val="accent1"/>
-          </a:fillRef>
-          <a:effectRef idx="1">
-            <a:schemeClr val="accent1"/>
-          </a:effectRef>
-          <a:fontRef idx="minor">
-            <a:schemeClr val="tx1"/>
-          </a:fontRef>
-        </p:style>
-      </p:cxnSp>
       <p:cxnSp>
         <p:nvCxnSpPr>
           <p:cNvPr id="125" name="Straight Connector 124">
@@ -11766,12 +13387,14 @@
               </a:ext>
             </a:extLst>
           </p:cNvPr>
-          <p:cNvCxnSpPr/>
+          <p:cNvCxnSpPr>
+            <a:cxnSpLocks/>
+          </p:cNvCxnSpPr>
           <p:nvPr/>
         </p:nvCxnSpPr>
         <p:spPr>
-          <a:xfrm>
-            <a:off x="4991523" y="3531493"/>
+          <a:xfrm rot="5400000">
+            <a:off x="3788822" y="3299209"/>
             <a:ext cx="190500" cy="0"/>
           </a:xfrm>
           <a:prstGeom prst="line">
@@ -12065,402 +13688,6 @@
           </p:spPr>
         </p:pic>
       </p:grpSp>
-      <p:grpSp>
-        <p:nvGrpSpPr>
-          <p:cNvPr id="132" name="Group 131">
-            <a:extLst>
-              <a:ext uri="{FF2B5EF4-FFF2-40B4-BE49-F238E27FC236}">
-                <a16:creationId xmlns:a16="http://schemas.microsoft.com/office/drawing/2014/main" id="{F8730F51-65CC-8145-A9A5-CBBF1D1919EC}"/>
-              </a:ext>
-            </a:extLst>
-          </p:cNvPr>
-          <p:cNvGrpSpPr/>
-          <p:nvPr/>
-        </p:nvGrpSpPr>
-        <p:grpSpPr>
-          <a:xfrm>
-            <a:off x="4730372" y="3530648"/>
-            <a:ext cx="2689434" cy="654654"/>
-            <a:chOff x="2642932" y="413397"/>
-            <a:chExt cx="4122739" cy="1003545"/>
-          </a:xfrm>
-        </p:grpSpPr>
-        <p:cxnSp>
-          <p:nvCxnSpPr>
-            <p:cNvPr id="133" name="Straight Connector 132">
-              <a:extLst>
-                <a:ext uri="{FF2B5EF4-FFF2-40B4-BE49-F238E27FC236}">
-                  <a16:creationId xmlns:a16="http://schemas.microsoft.com/office/drawing/2014/main" id="{033886BB-4AE9-5148-AC86-C38D4785D046}"/>
-                </a:ext>
-              </a:extLst>
-            </p:cNvPr>
-            <p:cNvCxnSpPr>
-              <a:cxnSpLocks/>
-            </p:cNvCxnSpPr>
-            <p:nvPr/>
-          </p:nvCxnSpPr>
-          <p:spPr>
-            <a:xfrm>
-              <a:off x="2642932" y="1140335"/>
-              <a:ext cx="4117201" cy="0"/>
-            </a:xfrm>
-            <a:prstGeom prst="line">
-              <a:avLst/>
-            </a:prstGeom>
-            <a:ln w="38100" cap="flat" cmpd="sng" algn="ctr">
-              <a:solidFill>
-                <a:srgbClr val="000000"/>
-              </a:solidFill>
-              <a:prstDash val="solid"/>
-              <a:round/>
-              <a:headEnd type="none" w="med" len="med"/>
-              <a:tailEnd type="none" w="med" len="med"/>
-            </a:ln>
-            <a:effectLst/>
-          </p:spPr>
-          <p:style>
-            <a:lnRef idx="2">
-              <a:schemeClr val="accent1"/>
-            </a:lnRef>
-            <a:fillRef idx="0">
-              <a:schemeClr val="accent1"/>
-            </a:fillRef>
-            <a:effectRef idx="1">
-              <a:schemeClr val="accent1"/>
-            </a:effectRef>
-            <a:fontRef idx="minor">
-              <a:schemeClr val="tx1"/>
-            </a:fontRef>
-          </p:style>
-        </p:cxnSp>
-        <p:sp>
-          <p:nvSpPr>
-            <p:cNvPr id="134" name="Right Arrow 133">
-              <a:extLst>
-                <a:ext uri="{FF2B5EF4-FFF2-40B4-BE49-F238E27FC236}">
-                  <a16:creationId xmlns:a16="http://schemas.microsoft.com/office/drawing/2014/main" id="{09CFEDCF-001E-2B46-8528-F5D89CE7D8E6}"/>
-                </a:ext>
-              </a:extLst>
-            </p:cNvPr>
-            <p:cNvSpPr/>
-            <p:nvPr/>
-          </p:nvSpPr>
-          <p:spPr>
-            <a:xfrm>
-              <a:off x="4740833" y="949836"/>
-              <a:ext cx="1168400" cy="350140"/>
-            </a:xfrm>
-            <a:prstGeom prst="rightArrow">
-              <a:avLst>
-                <a:gd name="adj1" fmla="val 100000"/>
-                <a:gd name="adj2" fmla="val 52194"/>
-              </a:avLst>
-            </a:prstGeom>
-            <a:solidFill>
-              <a:srgbClr val="92D050"/>
-            </a:solidFill>
-            <a:ln w="38100" cap="flat" cmpd="sng" algn="ctr">
-              <a:solidFill>
-                <a:srgbClr val="000000"/>
-              </a:solidFill>
-              <a:prstDash val="solid"/>
-              <a:round/>
-              <a:headEnd type="none" w="med" len="med"/>
-              <a:tailEnd type="none" w="med" len="med"/>
-            </a:ln>
-            <a:effectLst/>
-          </p:spPr>
-          <p:style>
-            <a:lnRef idx="1">
-              <a:schemeClr val="accent1"/>
-            </a:lnRef>
-            <a:fillRef idx="3">
-              <a:schemeClr val="accent1"/>
-            </a:fillRef>
-            <a:effectRef idx="2">
-              <a:schemeClr val="accent1"/>
-            </a:effectRef>
-            <a:fontRef idx="minor">
-              <a:schemeClr val="lt1"/>
-            </a:fontRef>
-          </p:style>
-          <p:txBody>
-            <a:bodyPr rtlCol="0" anchor="ctr"/>
-            <a:lstStyle/>
-            <a:p>
-              <a:pPr algn="ctr"/>
-              <a:endParaRPr lang="en-US" i="1" dirty="0">
-                <a:solidFill>
-                  <a:schemeClr val="tx1"/>
-                </a:solidFill>
-              </a:endParaRPr>
-            </a:p>
-          </p:txBody>
-        </p:sp>
-        <p:sp>
-          <p:nvSpPr>
-            <p:cNvPr id="135" name="Chord 134">
-              <a:extLst>
-                <a:ext uri="{FF2B5EF4-FFF2-40B4-BE49-F238E27FC236}">
-                  <a16:creationId xmlns:a16="http://schemas.microsoft.com/office/drawing/2014/main" id="{30C134E0-A2C4-0C48-8E1F-A00CC76F5697}"/>
-                </a:ext>
-              </a:extLst>
-            </p:cNvPr>
-            <p:cNvSpPr/>
-            <p:nvPr/>
-          </p:nvSpPr>
-          <p:spPr>
-            <a:xfrm>
-              <a:off x="3734347" y="784736"/>
-              <a:ext cx="632206" cy="632206"/>
-            </a:xfrm>
-            <a:prstGeom prst="chord">
-              <a:avLst>
-                <a:gd name="adj1" fmla="val 10506229"/>
-                <a:gd name="adj2" fmla="val 301460"/>
-              </a:avLst>
-            </a:prstGeom>
-            <a:solidFill>
-              <a:schemeClr val="accent4">
-                <a:lumMod val="60000"/>
-                <a:lumOff val="40000"/>
-              </a:schemeClr>
-            </a:solidFill>
-            <a:ln w="38100" cap="flat" cmpd="sng" algn="ctr">
-              <a:solidFill>
-                <a:srgbClr val="000000"/>
-              </a:solidFill>
-              <a:prstDash val="solid"/>
-              <a:round/>
-              <a:headEnd type="none" w="med" len="med"/>
-              <a:tailEnd type="none" w="med" len="med"/>
-            </a:ln>
-            <a:effectLst/>
-          </p:spPr>
-          <p:style>
-            <a:lnRef idx="1">
-              <a:schemeClr val="accent1"/>
-            </a:lnRef>
-            <a:fillRef idx="3">
-              <a:schemeClr val="accent1"/>
-            </a:fillRef>
-            <a:effectRef idx="2">
-              <a:schemeClr val="accent1"/>
-            </a:effectRef>
-            <a:fontRef idx="minor">
-              <a:schemeClr val="lt1"/>
-            </a:fontRef>
-          </p:style>
-          <p:txBody>
-            <a:bodyPr rtlCol="0" anchor="ctr"/>
-            <a:lstStyle/>
-            <a:p>
-              <a:pPr algn="ctr"/>
-              <a:endParaRPr lang="en-US"/>
-            </a:p>
-          </p:txBody>
-        </p:sp>
-        <p:pic>
-          <p:nvPicPr>
-            <p:cNvPr id="136" name="Picture 135">
-              <a:extLst>
-                <a:ext uri="{FF2B5EF4-FFF2-40B4-BE49-F238E27FC236}">
-                  <a16:creationId xmlns:a16="http://schemas.microsoft.com/office/drawing/2014/main" id="{1FB8AABB-8744-8A47-A8D8-29ABC5F7C269}"/>
-                </a:ext>
-              </a:extLst>
-            </p:cNvPr>
-            <p:cNvPicPr>
-              <a:picLocks noChangeAspect="1"/>
-            </p:cNvPicPr>
-            <p:nvPr/>
-          </p:nvPicPr>
-          <p:blipFill>
-            <a:blip r:embed="rId2">
-              <a:extLst>
-                <a:ext uri="{28A0092B-C50C-407E-A947-70E740481C1C}">
-                  <a14:useLocalDpi xmlns:a14="http://schemas.microsoft.com/office/drawing/2010/main" val="0"/>
-                </a:ext>
-              </a:extLst>
-            </a:blip>
-            <a:stretch>
-              <a:fillRect/>
-            </a:stretch>
-          </p:blipFill>
-          <p:spPr>
-            <a:xfrm>
-              <a:off x="2803319" y="413397"/>
-              <a:ext cx="771908" cy="771908"/>
-            </a:xfrm>
-            <a:prstGeom prst="rect">
-              <a:avLst/>
-            </a:prstGeom>
-          </p:spPr>
-        </p:pic>
-        <p:pic>
-          <p:nvPicPr>
-            <p:cNvPr id="137" name="Picture 136">
-              <a:extLst>
-                <a:ext uri="{FF2B5EF4-FFF2-40B4-BE49-F238E27FC236}">
-                  <a16:creationId xmlns:a16="http://schemas.microsoft.com/office/drawing/2014/main" id="{2AD66491-7699-F443-A45A-22CA296E7791}"/>
-                </a:ext>
-              </a:extLst>
-            </p:cNvPr>
-            <p:cNvPicPr>
-              <a:picLocks noChangeAspect="1"/>
-            </p:cNvPicPr>
-            <p:nvPr/>
-          </p:nvPicPr>
-          <p:blipFill>
-            <a:blip r:embed="rId3">
-              <a:extLst>
-                <a:ext uri="{28A0092B-C50C-407E-A947-70E740481C1C}">
-                  <a14:useLocalDpi xmlns:a14="http://schemas.microsoft.com/office/drawing/2010/main" val="0"/>
-                </a:ext>
-              </a:extLst>
-            </a:blip>
-            <a:stretch>
-              <a:fillRect/>
-            </a:stretch>
-          </p:blipFill>
-          <p:spPr>
-            <a:xfrm>
-              <a:off x="5971536" y="499461"/>
-              <a:ext cx="794135" cy="794135"/>
-            </a:xfrm>
-            <a:prstGeom prst="rect">
-              <a:avLst/>
-            </a:prstGeom>
-          </p:spPr>
-        </p:pic>
-      </p:grpSp>
-      <p:pic>
-        <p:nvPicPr>
-          <p:cNvPr id="138" name="Picture 137">
-            <a:extLst>
-              <a:ext uri="{FF2B5EF4-FFF2-40B4-BE49-F238E27FC236}">
-                <a16:creationId xmlns:a16="http://schemas.microsoft.com/office/drawing/2014/main" id="{919F43F9-0B0D-5841-A3CA-E6945F62917F}"/>
-              </a:ext>
-            </a:extLst>
-          </p:cNvPr>
-          <p:cNvPicPr>
-            <a:picLocks noChangeAspect="1"/>
-          </p:cNvPicPr>
-          <p:nvPr/>
-        </p:nvPicPr>
-        <p:blipFill rotWithShape="1">
-          <a:blip r:embed="rId4"/>
-          <a:srcRect/>
-          <a:stretch/>
-        </p:blipFill>
-        <p:spPr>
-          <a:xfrm>
-            <a:off x="5959092" y="2826333"/>
-            <a:ext cx="951389" cy="951389"/>
-          </a:xfrm>
-          <a:prstGeom prst="rect">
-            <a:avLst/>
-          </a:prstGeom>
-        </p:spPr>
-      </p:pic>
-      <p:cxnSp>
-        <p:nvCxnSpPr>
-          <p:cNvPr id="139" name="Straight Arrow Connector 138">
-            <a:extLst>
-              <a:ext uri="{FF2B5EF4-FFF2-40B4-BE49-F238E27FC236}">
-                <a16:creationId xmlns:a16="http://schemas.microsoft.com/office/drawing/2014/main" id="{5D7E226D-B084-C24A-9FE1-CC9461D55C78}"/>
-              </a:ext>
-            </a:extLst>
-          </p:cNvPr>
-          <p:cNvCxnSpPr/>
-          <p:nvPr/>
-        </p:nvCxnSpPr>
-        <p:spPr>
-          <a:xfrm flipV="1">
-            <a:off x="6456149" y="3530648"/>
-            <a:ext cx="0" cy="343873"/>
-          </a:xfrm>
-          <a:prstGeom prst="straightConnector1">
-            <a:avLst/>
-          </a:prstGeom>
-          <a:ln w="28575">
-            <a:solidFill>
-              <a:schemeClr val="accent3">
-                <a:lumMod val="75000"/>
-              </a:schemeClr>
-            </a:solidFill>
-            <a:headEnd type="none" w="med" len="med"/>
-            <a:tailEnd type="triangle" w="med" len="med"/>
-          </a:ln>
-        </p:spPr>
-        <p:style>
-          <a:lnRef idx="1">
-            <a:schemeClr val="dk1"/>
-          </a:lnRef>
-          <a:fillRef idx="0">
-            <a:schemeClr val="dk1"/>
-          </a:fillRef>
-          <a:effectRef idx="0">
-            <a:schemeClr val="dk1"/>
-          </a:effectRef>
-          <a:fontRef idx="minor">
-            <a:schemeClr val="tx1"/>
-          </a:fontRef>
-        </p:style>
-      </p:cxnSp>
-      <p:sp>
-        <p:nvSpPr>
-          <p:cNvPr id="140" name="Rounded Rectangle 139">
-            <a:extLst>
-              <a:ext uri="{FF2B5EF4-FFF2-40B4-BE49-F238E27FC236}">
-                <a16:creationId xmlns:a16="http://schemas.microsoft.com/office/drawing/2014/main" id="{BE624CF9-B96F-FF45-AF7A-430F8CDB248B}"/>
-              </a:ext>
-            </a:extLst>
-          </p:cNvPr>
-          <p:cNvSpPr/>
-          <p:nvPr/>
-        </p:nvSpPr>
-        <p:spPr>
-          <a:xfrm>
-            <a:off x="578572" y="2917514"/>
-            <a:ext cx="2860581" cy="1483611"/>
-          </a:xfrm>
-          <a:prstGeom prst="roundRect">
-            <a:avLst/>
-          </a:prstGeom>
-          <a:noFill/>
-          <a:ln w="12700" cap="flat" cmpd="sng" algn="ctr">
-            <a:solidFill>
-              <a:schemeClr val="tx2"/>
-            </a:solidFill>
-            <a:prstDash val="solid"/>
-            <a:round/>
-            <a:headEnd type="none" w="med" len="med"/>
-            <a:tailEnd type="none" w="med" len="med"/>
-          </a:ln>
-        </p:spPr>
-        <p:style>
-          <a:lnRef idx="0">
-            <a:scrgbClr r="0" g="0" b="0"/>
-          </a:lnRef>
-          <a:fillRef idx="0">
-            <a:scrgbClr r="0" g="0" b="0"/>
-          </a:fillRef>
-          <a:effectRef idx="0">
-            <a:scrgbClr r="0" g="0" b="0"/>
-          </a:effectRef>
-          <a:fontRef idx="minor">
-            <a:schemeClr val="dk1"/>
-          </a:fontRef>
-        </p:style>
-        <p:txBody>
-          <a:bodyPr rtlCol="0" anchor="ctr"/>
-          <a:lstStyle/>
-          <a:p>
-            <a:pPr algn="ctr"/>
-            <a:endParaRPr lang="en-US"/>
-          </a:p>
-        </p:txBody>
-      </p:sp>
       <p:sp>
         <p:nvSpPr>
           <p:cNvPr id="58" name="Rounded Rectangle 57">
@@ -12635,35 +13862,6 @@
           </a:prstGeom>
         </p:spPr>
       </p:pic>
-      <p:pic>
-        <p:nvPicPr>
-          <p:cNvPr id="62" name="Picture 61">
-            <a:extLst>
-              <a:ext uri="{FF2B5EF4-FFF2-40B4-BE49-F238E27FC236}">
-                <a16:creationId xmlns:a16="http://schemas.microsoft.com/office/drawing/2014/main" id="{50CC967E-5654-0F41-B0A0-E777A8B1B46F}"/>
-              </a:ext>
-            </a:extLst>
-          </p:cNvPr>
-          <p:cNvPicPr>
-            <a:picLocks noChangeAspect="1"/>
-          </p:cNvPicPr>
-          <p:nvPr/>
-        </p:nvPicPr>
-        <p:blipFill rotWithShape="1">
-          <a:blip r:embed="rId4"/>
-          <a:srcRect/>
-          <a:stretch/>
-        </p:blipFill>
-        <p:spPr>
-          <a:xfrm>
-            <a:off x="4069968" y="2845919"/>
-            <a:ext cx="951389" cy="951389"/>
-          </a:xfrm>
-          <a:prstGeom prst="rect">
-            <a:avLst/>
-          </a:prstGeom>
-        </p:spPr>
-      </p:pic>
       <p:cxnSp>
         <p:nvCxnSpPr>
           <p:cNvPr id="6" name="Straight Arrow Connector 5">
@@ -12752,199 +13950,6 @@
           </a:p>
         </p:txBody>
       </p:sp>
-      <p:sp>
-        <p:nvSpPr>
-          <p:cNvPr id="67" name="Rectangle 66">
-            <a:extLst>
-              <a:ext uri="{FF2B5EF4-FFF2-40B4-BE49-F238E27FC236}">
-                <a16:creationId xmlns:a16="http://schemas.microsoft.com/office/drawing/2014/main" id="{A9CFD0E9-DCAE-B447-9D6F-62E6C9FEBFAA}"/>
-              </a:ext>
-            </a:extLst>
-          </p:cNvPr>
-          <p:cNvSpPr/>
-          <p:nvPr/>
-        </p:nvSpPr>
-        <p:spPr>
-          <a:xfrm>
-            <a:off x="3444421" y="3193169"/>
-            <a:ext cx="72024" cy="217715"/>
-          </a:xfrm>
-          <a:prstGeom prst="rect">
-            <a:avLst/>
-          </a:prstGeom>
-          <a:ln w="12700">
-            <a:solidFill>
-              <a:schemeClr val="tx2"/>
-            </a:solidFill>
-          </a:ln>
-        </p:spPr>
-        <p:style>
-          <a:lnRef idx="2">
-            <a:schemeClr val="accent1"/>
-          </a:lnRef>
-          <a:fillRef idx="1">
-            <a:schemeClr val="lt1"/>
-          </a:fillRef>
-          <a:effectRef idx="0">
-            <a:schemeClr val="accent1"/>
-          </a:effectRef>
-          <a:fontRef idx="minor">
-            <a:schemeClr val="dk1"/>
-          </a:fontRef>
-        </p:style>
-        <p:txBody>
-          <a:bodyPr rtlCol="0" anchor="ctr"/>
-          <a:lstStyle/>
-          <a:p>
-            <a:pPr algn="ctr"/>
-            <a:endParaRPr lang="en-US"/>
-          </a:p>
-        </p:txBody>
-      </p:sp>
-      <p:cxnSp>
-        <p:nvCxnSpPr>
-          <p:cNvPr id="68" name="Straight Connector 67">
-            <a:extLst>
-              <a:ext uri="{FF2B5EF4-FFF2-40B4-BE49-F238E27FC236}">
-                <a16:creationId xmlns:a16="http://schemas.microsoft.com/office/drawing/2014/main" id="{7D7BF63B-A1F4-154C-8A4C-E6EC1EDD30FD}"/>
-              </a:ext>
-            </a:extLst>
-          </p:cNvPr>
-          <p:cNvCxnSpPr>
-            <a:cxnSpLocks/>
-          </p:cNvCxnSpPr>
-          <p:nvPr/>
-        </p:nvCxnSpPr>
-        <p:spPr>
-          <a:xfrm>
-            <a:off x="2679237" y="3308452"/>
-            <a:ext cx="759916" cy="0"/>
-          </a:xfrm>
-          <a:prstGeom prst="line">
-            <a:avLst/>
-          </a:prstGeom>
-          <a:ln>
-            <a:solidFill>
-              <a:schemeClr val="tx1">
-                <a:lumMod val="50000"/>
-                <a:lumOff val="50000"/>
-              </a:schemeClr>
-            </a:solidFill>
-            <a:prstDash val="dash"/>
-          </a:ln>
-          <a:effectLst/>
-        </p:spPr>
-        <p:style>
-          <a:lnRef idx="2">
-            <a:schemeClr val="accent1"/>
-          </a:lnRef>
-          <a:fillRef idx="0">
-            <a:schemeClr val="accent1"/>
-          </a:fillRef>
-          <a:effectRef idx="1">
-            <a:schemeClr val="accent1"/>
-          </a:effectRef>
-          <a:fontRef idx="minor">
-            <a:schemeClr val="tx1"/>
-          </a:fontRef>
-        </p:style>
-      </p:cxnSp>
-      <p:cxnSp>
-        <p:nvCxnSpPr>
-          <p:cNvPr id="70" name="Straight Connector 69">
-            <a:extLst>
-              <a:ext uri="{FF2B5EF4-FFF2-40B4-BE49-F238E27FC236}">
-                <a16:creationId xmlns:a16="http://schemas.microsoft.com/office/drawing/2014/main" id="{E56C4988-C2A8-004B-BAFC-C6E678A4118D}"/>
-              </a:ext>
-            </a:extLst>
-          </p:cNvPr>
-          <p:cNvCxnSpPr>
-            <a:cxnSpLocks/>
-          </p:cNvCxnSpPr>
-          <p:nvPr/>
-        </p:nvCxnSpPr>
-        <p:spPr>
-          <a:xfrm>
-            <a:off x="4046216" y="3307647"/>
-            <a:ext cx="269731" cy="0"/>
-          </a:xfrm>
-          <a:prstGeom prst="line">
-            <a:avLst/>
-          </a:prstGeom>
-          <a:ln>
-            <a:solidFill>
-              <a:schemeClr val="tx1">
-                <a:lumMod val="50000"/>
-                <a:lumOff val="50000"/>
-              </a:schemeClr>
-            </a:solidFill>
-            <a:prstDash val="dash"/>
-          </a:ln>
-          <a:effectLst/>
-        </p:spPr>
-        <p:style>
-          <a:lnRef idx="2">
-            <a:schemeClr val="accent1"/>
-          </a:lnRef>
-          <a:fillRef idx="0">
-            <a:schemeClr val="accent1"/>
-          </a:fillRef>
-          <a:effectRef idx="1">
-            <a:schemeClr val="accent1"/>
-          </a:effectRef>
-          <a:fontRef idx="minor">
-            <a:schemeClr val="tx1"/>
-          </a:fontRef>
-        </p:style>
-      </p:cxnSp>
-      <p:cxnSp>
-        <p:nvCxnSpPr>
-          <p:cNvPr id="72" name="Straight Connector 71">
-            <a:extLst>
-              <a:ext uri="{FF2B5EF4-FFF2-40B4-BE49-F238E27FC236}">
-                <a16:creationId xmlns:a16="http://schemas.microsoft.com/office/drawing/2014/main" id="{781EA4E3-CE8A-F94A-9507-A2CB5C0320BA}"/>
-              </a:ext>
-            </a:extLst>
-          </p:cNvPr>
-          <p:cNvCxnSpPr>
-            <a:cxnSpLocks/>
-          </p:cNvCxnSpPr>
-          <p:nvPr/>
-        </p:nvCxnSpPr>
-        <p:spPr>
-          <a:xfrm>
-            <a:off x="3533596" y="3312292"/>
-            <a:ext cx="382485" cy="0"/>
-          </a:xfrm>
-          <a:prstGeom prst="line">
-            <a:avLst/>
-          </a:prstGeom>
-          <a:ln>
-            <a:solidFill>
-              <a:schemeClr val="tx1">
-                <a:lumMod val="50000"/>
-                <a:lumOff val="50000"/>
-              </a:schemeClr>
-            </a:solidFill>
-            <a:prstDash val="dash"/>
-          </a:ln>
-          <a:effectLst/>
-        </p:spPr>
-        <p:style>
-          <a:lnRef idx="2">
-            <a:schemeClr val="accent1"/>
-          </a:lnRef>
-          <a:fillRef idx="0">
-            <a:schemeClr val="accent1"/>
-          </a:fillRef>
-          <a:effectRef idx="1">
-            <a:schemeClr val="accent1"/>
-          </a:effectRef>
-          <a:fontRef idx="minor">
-            <a:schemeClr val="tx1"/>
-          </a:fontRef>
-        </p:style>
-      </p:cxnSp>
       <p:sp>
         <p:nvSpPr>
           <p:cNvPr id="75" name="Rounded Rectangle 74">
@@ -13916,6 +14921,52 @@
           </a:p>
         </p:txBody>
       </p:sp>
+      <p:cxnSp>
+        <p:nvCxnSpPr>
+          <p:cNvPr id="63" name="Straight Arrow Connector 5">
+            <a:extLst>
+              <a:ext uri="{FF2B5EF4-FFF2-40B4-BE49-F238E27FC236}">
+                <a16:creationId xmlns:a16="http://schemas.microsoft.com/office/drawing/2014/main" id="{4639C3E4-48D6-B94D-B181-2F2C6B257FAC}"/>
+              </a:ext>
+            </a:extLst>
+          </p:cNvPr>
+          <p:cNvCxnSpPr>
+            <a:cxnSpLocks/>
+          </p:cNvCxnSpPr>
+          <p:nvPr/>
+        </p:nvCxnSpPr>
+        <p:spPr>
+          <a:xfrm>
+            <a:off x="2690111" y="3302027"/>
+            <a:ext cx="1193519" cy="0"/>
+          </a:xfrm>
+          <a:prstGeom prst="straightConnector1">
+            <a:avLst/>
+          </a:prstGeom>
+          <a:ln>
+            <a:solidFill>
+              <a:srgbClr val="FF0000"/>
+            </a:solidFill>
+            <a:headEnd type="none"/>
+            <a:tailEnd type="none"/>
+          </a:ln>
+          <a:effectLst/>
+        </p:spPr>
+        <p:style>
+          <a:lnRef idx="2">
+            <a:schemeClr val="accent1"/>
+          </a:lnRef>
+          <a:fillRef idx="0">
+            <a:schemeClr val="accent1"/>
+          </a:fillRef>
+          <a:effectRef idx="1">
+            <a:schemeClr val="accent1"/>
+          </a:effectRef>
+          <a:fontRef idx="minor">
+            <a:schemeClr val="tx1"/>
+          </a:fontRef>
+        </p:style>
+      </p:cxnSp>
     </p:spTree>
     <p:extLst>
       <p:ext uri="{BB962C8B-B14F-4D97-AF65-F5344CB8AC3E}">
@@ -13929,7 +14980,7 @@
 </p:sld>
 </file>
 
-<file path=ppt/slides/slide6.xml><?xml version="1.0" encoding="utf-8"?>
+<file path=ppt/slides/slide7.xml><?xml version="1.0" encoding="utf-8"?>
 <p:sld xmlns:a="http://schemas.openxmlformats.org/drawingml/2006/main" xmlns:r="http://schemas.openxmlformats.org/officeDocument/2006/relationships" xmlns:p="http://schemas.openxmlformats.org/presentationml/2006/main">
   <p:cSld>
     <p:spTree>
@@ -13983,10 +15034,10 @@
       </p:sp>
       <p:sp>
         <p:nvSpPr>
-          <p:cNvPr id="165" name="TextBox 164">
+          <p:cNvPr id="109" name="TextBox 108">
             <a:extLst>
               <a:ext uri="{FF2B5EF4-FFF2-40B4-BE49-F238E27FC236}">
-                <a16:creationId xmlns:a16="http://schemas.microsoft.com/office/drawing/2014/main" id="{80E42378-F9A9-BB48-B159-01E6D56E5DA7}"/>
+                <a16:creationId xmlns:a16="http://schemas.microsoft.com/office/drawing/2014/main" id="{46299D71-34A0-674F-A4B1-1B36A54ABCC7}"/>
               </a:ext>
             </a:extLst>
           </p:cNvPr>
@@ -13995,8 +15046,8 @@
         </p:nvSpPr>
         <p:spPr>
           <a:xfrm>
-            <a:off x="4568139" y="320586"/>
-            <a:ext cx="1435201" cy="369332"/>
+            <a:off x="4631374" y="534432"/>
+            <a:ext cx="2991075" cy="369332"/>
           </a:xfrm>
           <a:prstGeom prst="rect">
             <a:avLst/>
@@ -14011,7 +15062,2713 @@
           <a:p>
             <a:r>
               <a:rPr lang="en-US" dirty="0"/>
-              <a:t>SHOULD NOT</a:t>
+              <a:t>MAY – unintended interaction</a:t>
+            </a:r>
+          </a:p>
+        </p:txBody>
+      </p:sp>
+      <p:sp>
+        <p:nvSpPr>
+          <p:cNvPr id="75" name="Rounded Rectangle 74">
+            <a:extLst>
+              <a:ext uri="{FF2B5EF4-FFF2-40B4-BE49-F238E27FC236}">
+                <a16:creationId xmlns:a16="http://schemas.microsoft.com/office/drawing/2014/main" id="{066E2C9F-C867-D042-87BD-2583BF6BB03C}"/>
+              </a:ext>
+            </a:extLst>
+          </p:cNvPr>
+          <p:cNvSpPr/>
+          <p:nvPr/>
+        </p:nvSpPr>
+        <p:spPr>
+          <a:xfrm>
+            <a:off x="3993381" y="994945"/>
+            <a:ext cx="3653930" cy="1483611"/>
+          </a:xfrm>
+          <a:prstGeom prst="roundRect">
+            <a:avLst/>
+          </a:prstGeom>
+          <a:noFill/>
+          <a:ln w="12700" cap="flat" cmpd="sng" algn="ctr">
+            <a:solidFill>
+              <a:schemeClr val="tx2"/>
+            </a:solidFill>
+            <a:prstDash val="solid"/>
+            <a:round/>
+            <a:headEnd type="none" w="med" len="med"/>
+            <a:tailEnd type="none" w="med" len="med"/>
+          </a:ln>
+        </p:spPr>
+        <p:style>
+          <a:lnRef idx="0">
+            <a:scrgbClr r="0" g="0" b="0"/>
+          </a:lnRef>
+          <a:fillRef idx="0">
+            <a:scrgbClr r="0" g="0" b="0"/>
+          </a:fillRef>
+          <a:effectRef idx="0">
+            <a:scrgbClr r="0" g="0" b="0"/>
+          </a:effectRef>
+          <a:fontRef idx="minor">
+            <a:schemeClr val="dk1"/>
+          </a:fontRef>
+        </p:style>
+        <p:txBody>
+          <a:bodyPr rtlCol="0" anchor="ctr"/>
+          <a:lstStyle/>
+          <a:p>
+            <a:pPr algn="ctr"/>
+            <a:endParaRPr lang="en-US" dirty="0"/>
+          </a:p>
+        </p:txBody>
+      </p:sp>
+      <p:cxnSp>
+        <p:nvCxnSpPr>
+          <p:cNvPr id="76" name="Straight Arrow Connector 5">
+            <a:extLst>
+              <a:ext uri="{FF2B5EF4-FFF2-40B4-BE49-F238E27FC236}">
+                <a16:creationId xmlns:a16="http://schemas.microsoft.com/office/drawing/2014/main" id="{342B6265-6A50-594C-AE29-9B8A7B1FBB39}"/>
+              </a:ext>
+            </a:extLst>
+          </p:cNvPr>
+          <p:cNvCxnSpPr>
+            <a:cxnSpLocks/>
+          </p:cNvCxnSpPr>
+          <p:nvPr/>
+        </p:nvCxnSpPr>
+        <p:spPr>
+          <a:xfrm>
+            <a:off x="2712378" y="1367318"/>
+            <a:ext cx="2920458" cy="405145"/>
+          </a:xfrm>
+          <a:prstGeom prst="bentConnector3">
+            <a:avLst>
+              <a:gd name="adj1" fmla="val 99956"/>
+            </a:avLst>
+          </a:prstGeom>
+          <a:ln>
+            <a:solidFill>
+              <a:srgbClr val="FF0000"/>
+            </a:solidFill>
+            <a:headEnd type="none"/>
+            <a:tailEnd type="none"/>
+          </a:ln>
+          <a:effectLst/>
+        </p:spPr>
+        <p:style>
+          <a:lnRef idx="2">
+            <a:schemeClr val="accent1"/>
+          </a:lnRef>
+          <a:fillRef idx="0">
+            <a:schemeClr val="accent1"/>
+          </a:fillRef>
+          <a:effectRef idx="1">
+            <a:schemeClr val="accent1"/>
+          </a:effectRef>
+          <a:fontRef idx="minor">
+            <a:schemeClr val="tx1"/>
+          </a:fontRef>
+        </p:style>
+      </p:cxnSp>
+      <p:cxnSp>
+        <p:nvCxnSpPr>
+          <p:cNvPr id="77" name="Straight Connector 76">
+            <a:extLst>
+              <a:ext uri="{FF2B5EF4-FFF2-40B4-BE49-F238E27FC236}">
+                <a16:creationId xmlns:a16="http://schemas.microsoft.com/office/drawing/2014/main" id="{399F652F-FC73-EF4E-AB52-17E534E40A09}"/>
+              </a:ext>
+            </a:extLst>
+          </p:cNvPr>
+          <p:cNvCxnSpPr/>
+          <p:nvPr/>
+        </p:nvCxnSpPr>
+        <p:spPr>
+          <a:xfrm>
+            <a:off x="5537586" y="1773308"/>
+            <a:ext cx="190500" cy="0"/>
+          </a:xfrm>
+          <a:prstGeom prst="line">
+            <a:avLst/>
+          </a:prstGeom>
+          <a:ln>
+            <a:solidFill>
+              <a:srgbClr val="FF0000"/>
+            </a:solidFill>
+          </a:ln>
+          <a:effectLst/>
+        </p:spPr>
+        <p:style>
+          <a:lnRef idx="2">
+            <a:schemeClr val="accent1"/>
+          </a:lnRef>
+          <a:fillRef idx="0">
+            <a:schemeClr val="accent1"/>
+          </a:fillRef>
+          <a:effectRef idx="1">
+            <a:schemeClr val="accent1"/>
+          </a:effectRef>
+          <a:fontRef idx="minor">
+            <a:schemeClr val="tx1"/>
+          </a:fontRef>
+        </p:style>
+      </p:cxnSp>
+      <p:grpSp>
+        <p:nvGrpSpPr>
+          <p:cNvPr id="78" name="Group 77">
+            <a:extLst>
+              <a:ext uri="{FF2B5EF4-FFF2-40B4-BE49-F238E27FC236}">
+                <a16:creationId xmlns:a16="http://schemas.microsoft.com/office/drawing/2014/main" id="{7F322343-0C68-0D4E-8CA2-158D7319F27E}"/>
+              </a:ext>
+            </a:extLst>
+          </p:cNvPr>
+          <p:cNvGrpSpPr/>
+          <p:nvPr/>
+        </p:nvGrpSpPr>
+        <p:grpSpPr>
+          <a:xfrm>
+            <a:off x="640810" y="1608079"/>
+            <a:ext cx="2737576" cy="654654"/>
+            <a:chOff x="2569133" y="413397"/>
+            <a:chExt cx="4196538" cy="1003545"/>
+          </a:xfrm>
+        </p:grpSpPr>
+        <p:cxnSp>
+          <p:nvCxnSpPr>
+            <p:cNvPr id="79" name="Straight Connector 78">
+              <a:extLst>
+                <a:ext uri="{FF2B5EF4-FFF2-40B4-BE49-F238E27FC236}">
+                  <a16:creationId xmlns:a16="http://schemas.microsoft.com/office/drawing/2014/main" id="{B0C89411-CEFB-9D4A-A066-5A2E5F42B3CE}"/>
+                </a:ext>
+              </a:extLst>
+            </p:cNvPr>
+            <p:cNvCxnSpPr/>
+            <p:nvPr/>
+          </p:nvCxnSpPr>
+          <p:spPr>
+            <a:xfrm>
+              <a:off x="2569133" y="1140336"/>
+              <a:ext cx="4191000" cy="0"/>
+            </a:xfrm>
+            <a:prstGeom prst="line">
+              <a:avLst/>
+            </a:prstGeom>
+            <a:ln w="38100" cap="flat" cmpd="sng" algn="ctr">
+              <a:solidFill>
+                <a:srgbClr val="000000"/>
+              </a:solidFill>
+              <a:prstDash val="solid"/>
+              <a:round/>
+              <a:headEnd type="none" w="med" len="med"/>
+              <a:tailEnd type="none" w="med" len="med"/>
+            </a:ln>
+            <a:effectLst/>
+          </p:spPr>
+          <p:style>
+            <a:lnRef idx="2">
+              <a:schemeClr val="accent1"/>
+            </a:lnRef>
+            <a:fillRef idx="0">
+              <a:schemeClr val="accent1"/>
+            </a:fillRef>
+            <a:effectRef idx="1">
+              <a:schemeClr val="accent1"/>
+            </a:effectRef>
+            <a:fontRef idx="minor">
+              <a:schemeClr val="tx1"/>
+            </a:fontRef>
+          </p:style>
+        </p:cxnSp>
+        <p:sp>
+          <p:nvSpPr>
+            <p:cNvPr id="80" name="Right Arrow 79">
+              <a:extLst>
+                <a:ext uri="{FF2B5EF4-FFF2-40B4-BE49-F238E27FC236}">
+                  <a16:creationId xmlns:a16="http://schemas.microsoft.com/office/drawing/2014/main" id="{B8ED96CD-FBF9-0E43-BF87-344F542A2625}"/>
+                </a:ext>
+              </a:extLst>
+            </p:cNvPr>
+            <p:cNvSpPr/>
+            <p:nvPr/>
+          </p:nvSpPr>
+          <p:spPr>
+            <a:xfrm>
+              <a:off x="4740833" y="949836"/>
+              <a:ext cx="1168400" cy="350140"/>
+            </a:xfrm>
+            <a:prstGeom prst="rightArrow">
+              <a:avLst>
+                <a:gd name="adj1" fmla="val 100000"/>
+                <a:gd name="adj2" fmla="val 52194"/>
+              </a:avLst>
+            </a:prstGeom>
+            <a:solidFill>
+              <a:schemeClr val="accent2"/>
+            </a:solidFill>
+            <a:ln w="38100" cap="flat" cmpd="sng" algn="ctr">
+              <a:solidFill>
+                <a:srgbClr val="000000"/>
+              </a:solidFill>
+              <a:prstDash val="solid"/>
+              <a:round/>
+              <a:headEnd type="none" w="med" len="med"/>
+              <a:tailEnd type="none" w="med" len="med"/>
+            </a:ln>
+            <a:effectLst/>
+          </p:spPr>
+          <p:style>
+            <a:lnRef idx="1">
+              <a:schemeClr val="accent1"/>
+            </a:lnRef>
+            <a:fillRef idx="3">
+              <a:schemeClr val="accent1"/>
+            </a:fillRef>
+            <a:effectRef idx="2">
+              <a:schemeClr val="accent1"/>
+            </a:effectRef>
+            <a:fontRef idx="minor">
+              <a:schemeClr val="lt1"/>
+            </a:fontRef>
+          </p:style>
+          <p:txBody>
+            <a:bodyPr rtlCol="0" anchor="ctr"/>
+            <a:lstStyle/>
+            <a:p>
+              <a:pPr algn="ctr"/>
+              <a:endParaRPr lang="en-US" i="1" dirty="0">
+                <a:solidFill>
+                  <a:schemeClr val="tx1"/>
+                </a:solidFill>
+              </a:endParaRPr>
+            </a:p>
+          </p:txBody>
+        </p:sp>
+        <p:sp>
+          <p:nvSpPr>
+            <p:cNvPr id="81" name="Chord 80">
+              <a:extLst>
+                <a:ext uri="{FF2B5EF4-FFF2-40B4-BE49-F238E27FC236}">
+                  <a16:creationId xmlns:a16="http://schemas.microsoft.com/office/drawing/2014/main" id="{086B8700-13AF-4C49-B3F3-D2DF9BAFD9DA}"/>
+                </a:ext>
+              </a:extLst>
+            </p:cNvPr>
+            <p:cNvSpPr/>
+            <p:nvPr/>
+          </p:nvSpPr>
+          <p:spPr>
+            <a:xfrm>
+              <a:off x="3734347" y="784736"/>
+              <a:ext cx="632206" cy="632206"/>
+            </a:xfrm>
+            <a:prstGeom prst="chord">
+              <a:avLst>
+                <a:gd name="adj1" fmla="val 10506229"/>
+                <a:gd name="adj2" fmla="val 301460"/>
+              </a:avLst>
+            </a:prstGeom>
+            <a:solidFill>
+              <a:schemeClr val="accent4">
+                <a:lumMod val="60000"/>
+                <a:lumOff val="40000"/>
+              </a:schemeClr>
+            </a:solidFill>
+            <a:ln w="38100" cap="flat" cmpd="sng" algn="ctr">
+              <a:solidFill>
+                <a:srgbClr val="000000"/>
+              </a:solidFill>
+              <a:prstDash val="solid"/>
+              <a:round/>
+              <a:headEnd type="none" w="med" len="med"/>
+              <a:tailEnd type="none" w="med" len="med"/>
+            </a:ln>
+            <a:effectLst/>
+          </p:spPr>
+          <p:style>
+            <a:lnRef idx="1">
+              <a:schemeClr val="accent1"/>
+            </a:lnRef>
+            <a:fillRef idx="3">
+              <a:schemeClr val="accent1"/>
+            </a:fillRef>
+            <a:effectRef idx="2">
+              <a:schemeClr val="accent1"/>
+            </a:effectRef>
+            <a:fontRef idx="minor">
+              <a:schemeClr val="lt1"/>
+            </a:fontRef>
+          </p:style>
+          <p:txBody>
+            <a:bodyPr rtlCol="0" anchor="ctr"/>
+            <a:lstStyle/>
+            <a:p>
+              <a:pPr algn="ctr"/>
+              <a:endParaRPr lang="en-US"/>
+            </a:p>
+          </p:txBody>
+        </p:sp>
+        <p:pic>
+          <p:nvPicPr>
+            <p:cNvPr id="82" name="Picture 81">
+              <a:extLst>
+                <a:ext uri="{FF2B5EF4-FFF2-40B4-BE49-F238E27FC236}">
+                  <a16:creationId xmlns:a16="http://schemas.microsoft.com/office/drawing/2014/main" id="{895D932A-83E8-1841-82DF-C02B381DBEF6}"/>
+                </a:ext>
+              </a:extLst>
+            </p:cNvPr>
+            <p:cNvPicPr>
+              <a:picLocks noChangeAspect="1"/>
+            </p:cNvPicPr>
+            <p:nvPr/>
+          </p:nvPicPr>
+          <p:blipFill>
+            <a:blip r:embed="rId2">
+              <a:extLst>
+                <a:ext uri="{28A0092B-C50C-407E-A947-70E740481C1C}">
+                  <a14:useLocalDpi xmlns:a14="http://schemas.microsoft.com/office/drawing/2010/main" val="0"/>
+                </a:ext>
+              </a:extLst>
+            </a:blip>
+            <a:stretch>
+              <a:fillRect/>
+            </a:stretch>
+          </p:blipFill>
+          <p:spPr>
+            <a:xfrm>
+              <a:off x="2803319" y="413397"/>
+              <a:ext cx="771908" cy="771908"/>
+            </a:xfrm>
+            <a:prstGeom prst="rect">
+              <a:avLst/>
+            </a:prstGeom>
+          </p:spPr>
+        </p:pic>
+        <p:pic>
+          <p:nvPicPr>
+            <p:cNvPr id="83" name="Picture 82">
+              <a:extLst>
+                <a:ext uri="{FF2B5EF4-FFF2-40B4-BE49-F238E27FC236}">
+                  <a16:creationId xmlns:a16="http://schemas.microsoft.com/office/drawing/2014/main" id="{41997FDE-9127-5C40-A21A-8F0A953B25A6}"/>
+                </a:ext>
+              </a:extLst>
+            </p:cNvPr>
+            <p:cNvPicPr>
+              <a:picLocks noChangeAspect="1"/>
+            </p:cNvPicPr>
+            <p:nvPr/>
+          </p:nvPicPr>
+          <p:blipFill>
+            <a:blip r:embed="rId3">
+              <a:extLst>
+                <a:ext uri="{28A0092B-C50C-407E-A947-70E740481C1C}">
+                  <a14:useLocalDpi xmlns:a14="http://schemas.microsoft.com/office/drawing/2010/main" val="0"/>
+                </a:ext>
+              </a:extLst>
+            </a:blip>
+            <a:stretch>
+              <a:fillRect/>
+            </a:stretch>
+          </p:blipFill>
+          <p:spPr>
+            <a:xfrm>
+              <a:off x="5971536" y="499461"/>
+              <a:ext cx="794135" cy="794135"/>
+            </a:xfrm>
+            <a:prstGeom prst="rect">
+              <a:avLst/>
+            </a:prstGeom>
+          </p:spPr>
+        </p:pic>
+      </p:grpSp>
+      <p:grpSp>
+        <p:nvGrpSpPr>
+          <p:cNvPr id="84" name="Group 83">
+            <a:extLst>
+              <a:ext uri="{FF2B5EF4-FFF2-40B4-BE49-F238E27FC236}">
+                <a16:creationId xmlns:a16="http://schemas.microsoft.com/office/drawing/2014/main" id="{8F4E72CC-0763-DD43-8F06-9E182492ECAA}"/>
+              </a:ext>
+            </a:extLst>
+          </p:cNvPr>
+          <p:cNvGrpSpPr/>
+          <p:nvPr/>
+        </p:nvGrpSpPr>
+        <p:grpSpPr>
+          <a:xfrm>
+            <a:off x="4721632" y="1608079"/>
+            <a:ext cx="2689434" cy="654654"/>
+            <a:chOff x="2642932" y="413397"/>
+            <a:chExt cx="4122739" cy="1003545"/>
+          </a:xfrm>
+        </p:grpSpPr>
+        <p:cxnSp>
+          <p:nvCxnSpPr>
+            <p:cNvPr id="85" name="Straight Connector 84">
+              <a:extLst>
+                <a:ext uri="{FF2B5EF4-FFF2-40B4-BE49-F238E27FC236}">
+                  <a16:creationId xmlns:a16="http://schemas.microsoft.com/office/drawing/2014/main" id="{3B59A059-825F-6D4B-8853-4F47D3B0C6A4}"/>
+                </a:ext>
+              </a:extLst>
+            </p:cNvPr>
+            <p:cNvCxnSpPr>
+              <a:cxnSpLocks/>
+            </p:cNvCxnSpPr>
+            <p:nvPr/>
+          </p:nvCxnSpPr>
+          <p:spPr>
+            <a:xfrm>
+              <a:off x="2642932" y="1140335"/>
+              <a:ext cx="4117201" cy="0"/>
+            </a:xfrm>
+            <a:prstGeom prst="line">
+              <a:avLst/>
+            </a:prstGeom>
+            <a:ln w="38100" cap="flat" cmpd="sng" algn="ctr">
+              <a:solidFill>
+                <a:srgbClr val="000000"/>
+              </a:solidFill>
+              <a:prstDash val="solid"/>
+              <a:round/>
+              <a:headEnd type="none" w="med" len="med"/>
+              <a:tailEnd type="none" w="med" len="med"/>
+            </a:ln>
+            <a:effectLst/>
+          </p:spPr>
+          <p:style>
+            <a:lnRef idx="2">
+              <a:schemeClr val="accent1"/>
+            </a:lnRef>
+            <a:fillRef idx="0">
+              <a:schemeClr val="accent1"/>
+            </a:fillRef>
+            <a:effectRef idx="1">
+              <a:schemeClr val="accent1"/>
+            </a:effectRef>
+            <a:fontRef idx="minor">
+              <a:schemeClr val="tx1"/>
+            </a:fontRef>
+          </p:style>
+        </p:cxnSp>
+        <p:sp>
+          <p:nvSpPr>
+            <p:cNvPr id="86" name="Right Arrow 85">
+              <a:extLst>
+                <a:ext uri="{FF2B5EF4-FFF2-40B4-BE49-F238E27FC236}">
+                  <a16:creationId xmlns:a16="http://schemas.microsoft.com/office/drawing/2014/main" id="{0483E213-F299-6448-830E-1B9B22EA791C}"/>
+                </a:ext>
+              </a:extLst>
+            </p:cNvPr>
+            <p:cNvSpPr/>
+            <p:nvPr/>
+          </p:nvSpPr>
+          <p:spPr>
+            <a:xfrm>
+              <a:off x="4740833" y="949836"/>
+              <a:ext cx="1168400" cy="350140"/>
+            </a:xfrm>
+            <a:prstGeom prst="rightArrow">
+              <a:avLst>
+                <a:gd name="adj1" fmla="val 100000"/>
+                <a:gd name="adj2" fmla="val 52194"/>
+              </a:avLst>
+            </a:prstGeom>
+            <a:solidFill>
+              <a:srgbClr val="92D050"/>
+            </a:solidFill>
+            <a:ln w="38100" cap="flat" cmpd="sng" algn="ctr">
+              <a:solidFill>
+                <a:srgbClr val="000000"/>
+              </a:solidFill>
+              <a:prstDash val="solid"/>
+              <a:round/>
+              <a:headEnd type="none" w="med" len="med"/>
+              <a:tailEnd type="none" w="med" len="med"/>
+            </a:ln>
+            <a:effectLst/>
+          </p:spPr>
+          <p:style>
+            <a:lnRef idx="1">
+              <a:schemeClr val="accent1"/>
+            </a:lnRef>
+            <a:fillRef idx="3">
+              <a:schemeClr val="accent1"/>
+            </a:fillRef>
+            <a:effectRef idx="2">
+              <a:schemeClr val="accent1"/>
+            </a:effectRef>
+            <a:fontRef idx="minor">
+              <a:schemeClr val="lt1"/>
+            </a:fontRef>
+          </p:style>
+          <p:txBody>
+            <a:bodyPr rtlCol="0" anchor="ctr"/>
+            <a:lstStyle/>
+            <a:p>
+              <a:pPr algn="ctr"/>
+              <a:endParaRPr lang="en-US" i="1" dirty="0">
+                <a:solidFill>
+                  <a:schemeClr val="tx1"/>
+                </a:solidFill>
+              </a:endParaRPr>
+            </a:p>
+          </p:txBody>
+        </p:sp>
+        <p:sp>
+          <p:nvSpPr>
+            <p:cNvPr id="87" name="Chord 86">
+              <a:extLst>
+                <a:ext uri="{FF2B5EF4-FFF2-40B4-BE49-F238E27FC236}">
+                  <a16:creationId xmlns:a16="http://schemas.microsoft.com/office/drawing/2014/main" id="{1A32DF0C-A117-3C49-A6BF-F4F4FE92B5C3}"/>
+                </a:ext>
+              </a:extLst>
+            </p:cNvPr>
+            <p:cNvSpPr/>
+            <p:nvPr/>
+          </p:nvSpPr>
+          <p:spPr>
+            <a:xfrm>
+              <a:off x="3734347" y="784736"/>
+              <a:ext cx="632206" cy="632206"/>
+            </a:xfrm>
+            <a:prstGeom prst="chord">
+              <a:avLst>
+                <a:gd name="adj1" fmla="val 10506229"/>
+                <a:gd name="adj2" fmla="val 301460"/>
+              </a:avLst>
+            </a:prstGeom>
+            <a:solidFill>
+              <a:schemeClr val="accent4">
+                <a:lumMod val="60000"/>
+                <a:lumOff val="40000"/>
+              </a:schemeClr>
+            </a:solidFill>
+            <a:ln w="38100" cap="flat" cmpd="sng" algn="ctr">
+              <a:solidFill>
+                <a:srgbClr val="000000"/>
+              </a:solidFill>
+              <a:prstDash val="solid"/>
+              <a:round/>
+              <a:headEnd type="none" w="med" len="med"/>
+              <a:tailEnd type="none" w="med" len="med"/>
+            </a:ln>
+            <a:effectLst/>
+          </p:spPr>
+          <p:style>
+            <a:lnRef idx="1">
+              <a:schemeClr val="accent1"/>
+            </a:lnRef>
+            <a:fillRef idx="3">
+              <a:schemeClr val="accent1"/>
+            </a:fillRef>
+            <a:effectRef idx="2">
+              <a:schemeClr val="accent1"/>
+            </a:effectRef>
+            <a:fontRef idx="minor">
+              <a:schemeClr val="lt1"/>
+            </a:fontRef>
+          </p:style>
+          <p:txBody>
+            <a:bodyPr rtlCol="0" anchor="ctr"/>
+            <a:lstStyle/>
+            <a:p>
+              <a:pPr algn="ctr"/>
+              <a:endParaRPr lang="en-US"/>
+            </a:p>
+          </p:txBody>
+        </p:sp>
+        <p:pic>
+          <p:nvPicPr>
+            <p:cNvPr id="88" name="Picture 87">
+              <a:extLst>
+                <a:ext uri="{FF2B5EF4-FFF2-40B4-BE49-F238E27FC236}">
+                  <a16:creationId xmlns:a16="http://schemas.microsoft.com/office/drawing/2014/main" id="{6750FD3C-715E-0641-9E46-D448191C6B0A}"/>
+                </a:ext>
+              </a:extLst>
+            </p:cNvPr>
+            <p:cNvPicPr>
+              <a:picLocks noChangeAspect="1"/>
+            </p:cNvPicPr>
+            <p:nvPr/>
+          </p:nvPicPr>
+          <p:blipFill>
+            <a:blip r:embed="rId2">
+              <a:extLst>
+                <a:ext uri="{28A0092B-C50C-407E-A947-70E740481C1C}">
+                  <a14:useLocalDpi xmlns:a14="http://schemas.microsoft.com/office/drawing/2010/main" val="0"/>
+                </a:ext>
+              </a:extLst>
+            </a:blip>
+            <a:stretch>
+              <a:fillRect/>
+            </a:stretch>
+          </p:blipFill>
+          <p:spPr>
+            <a:xfrm>
+              <a:off x="2803319" y="413397"/>
+              <a:ext cx="771908" cy="771908"/>
+            </a:xfrm>
+            <a:prstGeom prst="rect">
+              <a:avLst/>
+            </a:prstGeom>
+          </p:spPr>
+        </p:pic>
+        <p:pic>
+          <p:nvPicPr>
+            <p:cNvPr id="93" name="Picture 92">
+              <a:extLst>
+                <a:ext uri="{FF2B5EF4-FFF2-40B4-BE49-F238E27FC236}">
+                  <a16:creationId xmlns:a16="http://schemas.microsoft.com/office/drawing/2014/main" id="{474AF545-491F-6C4D-9769-7040606050C8}"/>
+                </a:ext>
+              </a:extLst>
+            </p:cNvPr>
+            <p:cNvPicPr>
+              <a:picLocks noChangeAspect="1"/>
+            </p:cNvPicPr>
+            <p:nvPr/>
+          </p:nvPicPr>
+          <p:blipFill>
+            <a:blip r:embed="rId3">
+              <a:extLst>
+                <a:ext uri="{28A0092B-C50C-407E-A947-70E740481C1C}">
+                  <a14:useLocalDpi xmlns:a14="http://schemas.microsoft.com/office/drawing/2010/main" val="0"/>
+                </a:ext>
+              </a:extLst>
+            </a:blip>
+            <a:stretch>
+              <a:fillRect/>
+            </a:stretch>
+          </p:blipFill>
+          <p:spPr>
+            <a:xfrm>
+              <a:off x="5971536" y="499461"/>
+              <a:ext cx="794135" cy="794135"/>
+            </a:xfrm>
+            <a:prstGeom prst="rect">
+              <a:avLst/>
+            </a:prstGeom>
+          </p:spPr>
+        </p:pic>
+      </p:grpSp>
+      <p:pic>
+        <p:nvPicPr>
+          <p:cNvPr id="94" name="Picture 93">
+            <a:extLst>
+              <a:ext uri="{FF2B5EF4-FFF2-40B4-BE49-F238E27FC236}">
+                <a16:creationId xmlns:a16="http://schemas.microsoft.com/office/drawing/2014/main" id="{2CFF4F59-E5BD-354F-A758-1CF2303C8715}"/>
+              </a:ext>
+            </a:extLst>
+          </p:cNvPr>
+          <p:cNvPicPr>
+            <a:picLocks noChangeAspect="1"/>
+          </p:cNvPicPr>
+          <p:nvPr/>
+        </p:nvPicPr>
+        <p:blipFill rotWithShape="1">
+          <a:blip r:embed="rId4"/>
+          <a:srcRect/>
+          <a:stretch/>
+        </p:blipFill>
+        <p:spPr>
+          <a:xfrm>
+            <a:off x="5950352" y="903764"/>
+            <a:ext cx="951389" cy="951389"/>
+          </a:xfrm>
+          <a:prstGeom prst="rect">
+            <a:avLst/>
+          </a:prstGeom>
+        </p:spPr>
+      </p:pic>
+      <p:cxnSp>
+        <p:nvCxnSpPr>
+          <p:cNvPr id="95" name="Straight Arrow Connector 94">
+            <a:extLst>
+              <a:ext uri="{FF2B5EF4-FFF2-40B4-BE49-F238E27FC236}">
+                <a16:creationId xmlns:a16="http://schemas.microsoft.com/office/drawing/2014/main" id="{42D58A2C-3611-B24A-A463-78668FF47330}"/>
+              </a:ext>
+            </a:extLst>
+          </p:cNvPr>
+          <p:cNvCxnSpPr/>
+          <p:nvPr/>
+        </p:nvCxnSpPr>
+        <p:spPr>
+          <a:xfrm flipV="1">
+            <a:off x="6447409" y="1608079"/>
+            <a:ext cx="0" cy="343873"/>
+          </a:xfrm>
+          <a:prstGeom prst="straightConnector1">
+            <a:avLst/>
+          </a:prstGeom>
+          <a:ln w="28575">
+            <a:solidFill>
+              <a:schemeClr val="accent3">
+                <a:lumMod val="75000"/>
+              </a:schemeClr>
+            </a:solidFill>
+            <a:headEnd type="none" w="med" len="med"/>
+            <a:tailEnd type="triangle" w="med" len="med"/>
+          </a:ln>
+        </p:spPr>
+        <p:style>
+          <a:lnRef idx="1">
+            <a:schemeClr val="dk1"/>
+          </a:lnRef>
+          <a:fillRef idx="0">
+            <a:schemeClr val="dk1"/>
+          </a:fillRef>
+          <a:effectRef idx="0">
+            <a:schemeClr val="dk1"/>
+          </a:effectRef>
+          <a:fontRef idx="minor">
+            <a:schemeClr val="tx1"/>
+          </a:fontRef>
+        </p:style>
+      </p:cxnSp>
+      <p:pic>
+        <p:nvPicPr>
+          <p:cNvPr id="97" name="Picture 96">
+            <a:extLst>
+              <a:ext uri="{FF2B5EF4-FFF2-40B4-BE49-F238E27FC236}">
+                <a16:creationId xmlns:a16="http://schemas.microsoft.com/office/drawing/2014/main" id="{78A0D338-D3FD-5646-A888-9E8793E1A2DE}"/>
+              </a:ext>
+            </a:extLst>
+          </p:cNvPr>
+          <p:cNvPicPr>
+            <a:picLocks noChangeAspect="1"/>
+          </p:cNvPicPr>
+          <p:nvPr/>
+        </p:nvPicPr>
+        <p:blipFill rotWithShape="1">
+          <a:blip r:embed="rId4"/>
+          <a:srcRect/>
+          <a:stretch/>
+        </p:blipFill>
+        <p:spPr>
+          <a:xfrm>
+            <a:off x="1994993" y="905410"/>
+            <a:ext cx="951389" cy="951389"/>
+          </a:xfrm>
+          <a:prstGeom prst="rect">
+            <a:avLst/>
+          </a:prstGeom>
+        </p:spPr>
+      </p:pic>
+      <p:cxnSp>
+        <p:nvCxnSpPr>
+          <p:cNvPr id="100" name="Straight Arrow Connector 99">
+            <a:extLst>
+              <a:ext uri="{FF2B5EF4-FFF2-40B4-BE49-F238E27FC236}">
+                <a16:creationId xmlns:a16="http://schemas.microsoft.com/office/drawing/2014/main" id="{2A7DF399-D800-0444-89BB-AC1618A2CFE1}"/>
+              </a:ext>
+            </a:extLst>
+          </p:cNvPr>
+          <p:cNvCxnSpPr/>
+          <p:nvPr/>
+        </p:nvCxnSpPr>
+        <p:spPr>
+          <a:xfrm flipV="1">
+            <a:off x="2469417" y="1608079"/>
+            <a:ext cx="0" cy="343873"/>
+          </a:xfrm>
+          <a:prstGeom prst="straightConnector1">
+            <a:avLst/>
+          </a:prstGeom>
+          <a:ln w="38100">
+            <a:tailEnd type="triangle"/>
+          </a:ln>
+        </p:spPr>
+        <p:style>
+          <a:lnRef idx="1">
+            <a:schemeClr val="accent1"/>
+          </a:lnRef>
+          <a:fillRef idx="0">
+            <a:schemeClr val="accent1"/>
+          </a:fillRef>
+          <a:effectRef idx="0">
+            <a:schemeClr val="accent1"/>
+          </a:effectRef>
+          <a:fontRef idx="minor">
+            <a:schemeClr val="tx1"/>
+          </a:fontRef>
+        </p:style>
+      </p:cxnSp>
+      <p:sp>
+        <p:nvSpPr>
+          <p:cNvPr id="101" name="Rectangle 100">
+            <a:extLst>
+              <a:ext uri="{FF2B5EF4-FFF2-40B4-BE49-F238E27FC236}">
+                <a16:creationId xmlns:a16="http://schemas.microsoft.com/office/drawing/2014/main" id="{286F9938-088F-2249-A30A-F53EFC95520B}"/>
+              </a:ext>
+            </a:extLst>
+          </p:cNvPr>
+          <p:cNvSpPr/>
+          <p:nvPr/>
+        </p:nvSpPr>
+        <p:spPr>
+          <a:xfrm>
+            <a:off x="3919217" y="1745162"/>
+            <a:ext cx="72024" cy="217715"/>
+          </a:xfrm>
+          <a:prstGeom prst="rect">
+            <a:avLst/>
+          </a:prstGeom>
+          <a:ln w="12700">
+            <a:solidFill>
+              <a:schemeClr val="tx2"/>
+            </a:solidFill>
+          </a:ln>
+        </p:spPr>
+        <p:style>
+          <a:lnRef idx="2">
+            <a:schemeClr val="accent1"/>
+          </a:lnRef>
+          <a:fillRef idx="1">
+            <a:schemeClr val="lt1"/>
+          </a:fillRef>
+          <a:effectRef idx="0">
+            <a:schemeClr val="accent1"/>
+          </a:effectRef>
+          <a:fontRef idx="minor">
+            <a:schemeClr val="dk1"/>
+          </a:fontRef>
+        </p:style>
+        <p:txBody>
+          <a:bodyPr rtlCol="0" anchor="ctr"/>
+          <a:lstStyle/>
+          <a:p>
+            <a:pPr algn="ctr"/>
+            <a:endParaRPr lang="en-US"/>
+          </a:p>
+        </p:txBody>
+      </p:sp>
+      <p:sp>
+        <p:nvSpPr>
+          <p:cNvPr id="90" name="TextBox 89">
+            <a:extLst>
+              <a:ext uri="{FF2B5EF4-FFF2-40B4-BE49-F238E27FC236}">
+                <a16:creationId xmlns:a16="http://schemas.microsoft.com/office/drawing/2014/main" id="{FBBA4E10-2C09-A941-9978-0AD68583C6B9}"/>
+              </a:ext>
+            </a:extLst>
+          </p:cNvPr>
+          <p:cNvSpPr txBox="1"/>
+          <p:nvPr/>
+        </p:nvSpPr>
+        <p:spPr>
+          <a:xfrm>
+            <a:off x="4657049" y="2621229"/>
+            <a:ext cx="1205971" cy="369332"/>
+          </a:xfrm>
+          <a:prstGeom prst="rect">
+            <a:avLst/>
+          </a:prstGeom>
+          <a:noFill/>
+        </p:spPr>
+        <p:txBody>
+          <a:bodyPr wrap="none" rtlCol="0">
+            <a:spAutoFit/>
+          </a:bodyPr>
+          <a:lstStyle/>
+          <a:p>
+            <a:r>
+              <a:rPr lang="en-US" dirty="0"/>
+              <a:t>MUST NOT</a:t>
+            </a:r>
+          </a:p>
+        </p:txBody>
+      </p:sp>
+      <p:sp>
+        <p:nvSpPr>
+          <p:cNvPr id="162" name="Rounded Rectangle 161">
+            <a:extLst>
+              <a:ext uri="{FF2B5EF4-FFF2-40B4-BE49-F238E27FC236}">
+                <a16:creationId xmlns:a16="http://schemas.microsoft.com/office/drawing/2014/main" id="{C82D2A0A-BED7-7443-B490-294B1EFB4A55}"/>
+              </a:ext>
+            </a:extLst>
+          </p:cNvPr>
+          <p:cNvSpPr/>
+          <p:nvPr/>
+        </p:nvSpPr>
+        <p:spPr>
+          <a:xfrm>
+            <a:off x="3993381" y="4633754"/>
+            <a:ext cx="3653930" cy="1483611"/>
+          </a:xfrm>
+          <a:prstGeom prst="roundRect">
+            <a:avLst/>
+          </a:prstGeom>
+          <a:noFill/>
+          <a:ln w="12700" cap="flat" cmpd="sng" algn="ctr">
+            <a:solidFill>
+              <a:schemeClr val="tx2"/>
+            </a:solidFill>
+            <a:prstDash val="solid"/>
+            <a:round/>
+            <a:headEnd type="none" w="med" len="med"/>
+            <a:tailEnd type="none" w="med" len="med"/>
+          </a:ln>
+        </p:spPr>
+        <p:style>
+          <a:lnRef idx="0">
+            <a:scrgbClr r="0" g="0" b="0"/>
+          </a:lnRef>
+          <a:fillRef idx="0">
+            <a:scrgbClr r="0" g="0" b="0"/>
+          </a:fillRef>
+          <a:effectRef idx="0">
+            <a:scrgbClr r="0" g="0" b="0"/>
+          </a:effectRef>
+          <a:fontRef idx="minor">
+            <a:schemeClr val="dk1"/>
+          </a:fontRef>
+        </p:style>
+        <p:txBody>
+          <a:bodyPr rtlCol="0" anchor="ctr"/>
+          <a:lstStyle/>
+          <a:p>
+            <a:pPr algn="ctr"/>
+            <a:endParaRPr lang="en-US" dirty="0"/>
+          </a:p>
+        </p:txBody>
+      </p:sp>
+      <p:grpSp>
+        <p:nvGrpSpPr>
+          <p:cNvPr id="166" name="Group 165">
+            <a:extLst>
+              <a:ext uri="{FF2B5EF4-FFF2-40B4-BE49-F238E27FC236}">
+                <a16:creationId xmlns:a16="http://schemas.microsoft.com/office/drawing/2014/main" id="{A1A269D1-2219-4E46-9A33-B2B6D9FF8CF1}"/>
+              </a:ext>
+            </a:extLst>
+          </p:cNvPr>
+          <p:cNvGrpSpPr/>
+          <p:nvPr/>
+        </p:nvGrpSpPr>
+        <p:grpSpPr>
+          <a:xfrm>
+            <a:off x="640810" y="5246888"/>
+            <a:ext cx="2737576" cy="654654"/>
+            <a:chOff x="2569133" y="413397"/>
+            <a:chExt cx="4196538" cy="1003545"/>
+          </a:xfrm>
+        </p:grpSpPr>
+        <p:cxnSp>
+          <p:nvCxnSpPr>
+            <p:cNvPr id="167" name="Straight Connector 166">
+              <a:extLst>
+                <a:ext uri="{FF2B5EF4-FFF2-40B4-BE49-F238E27FC236}">
+                  <a16:creationId xmlns:a16="http://schemas.microsoft.com/office/drawing/2014/main" id="{D4F97BEB-40DB-074C-973F-39723F393DBA}"/>
+                </a:ext>
+              </a:extLst>
+            </p:cNvPr>
+            <p:cNvCxnSpPr/>
+            <p:nvPr/>
+          </p:nvCxnSpPr>
+          <p:spPr>
+            <a:xfrm>
+              <a:off x="2569133" y="1140336"/>
+              <a:ext cx="4191000" cy="0"/>
+            </a:xfrm>
+            <a:prstGeom prst="line">
+              <a:avLst/>
+            </a:prstGeom>
+            <a:ln w="38100" cap="flat" cmpd="sng" algn="ctr">
+              <a:solidFill>
+                <a:srgbClr val="000000"/>
+              </a:solidFill>
+              <a:prstDash val="solid"/>
+              <a:round/>
+              <a:headEnd type="none" w="med" len="med"/>
+              <a:tailEnd type="none" w="med" len="med"/>
+            </a:ln>
+            <a:effectLst/>
+          </p:spPr>
+          <p:style>
+            <a:lnRef idx="2">
+              <a:schemeClr val="accent1"/>
+            </a:lnRef>
+            <a:fillRef idx="0">
+              <a:schemeClr val="accent1"/>
+            </a:fillRef>
+            <a:effectRef idx="1">
+              <a:schemeClr val="accent1"/>
+            </a:effectRef>
+            <a:fontRef idx="minor">
+              <a:schemeClr val="tx1"/>
+            </a:fontRef>
+          </p:style>
+        </p:cxnSp>
+        <p:sp>
+          <p:nvSpPr>
+            <p:cNvPr id="168" name="Right Arrow 167">
+              <a:extLst>
+                <a:ext uri="{FF2B5EF4-FFF2-40B4-BE49-F238E27FC236}">
+                  <a16:creationId xmlns:a16="http://schemas.microsoft.com/office/drawing/2014/main" id="{BF42CD38-93DA-484A-884A-0849D8255A53}"/>
+                </a:ext>
+              </a:extLst>
+            </p:cNvPr>
+            <p:cNvSpPr/>
+            <p:nvPr/>
+          </p:nvSpPr>
+          <p:spPr>
+            <a:xfrm>
+              <a:off x="4740833" y="949836"/>
+              <a:ext cx="1168400" cy="350140"/>
+            </a:xfrm>
+            <a:prstGeom prst="rightArrow">
+              <a:avLst>
+                <a:gd name="adj1" fmla="val 100000"/>
+                <a:gd name="adj2" fmla="val 52194"/>
+              </a:avLst>
+            </a:prstGeom>
+            <a:solidFill>
+              <a:schemeClr val="accent2"/>
+            </a:solidFill>
+            <a:ln w="38100" cap="flat" cmpd="sng" algn="ctr">
+              <a:solidFill>
+                <a:srgbClr val="000000"/>
+              </a:solidFill>
+              <a:prstDash val="solid"/>
+              <a:round/>
+              <a:headEnd type="none" w="med" len="med"/>
+              <a:tailEnd type="none" w="med" len="med"/>
+            </a:ln>
+            <a:effectLst/>
+          </p:spPr>
+          <p:style>
+            <a:lnRef idx="1">
+              <a:schemeClr val="accent1"/>
+            </a:lnRef>
+            <a:fillRef idx="3">
+              <a:schemeClr val="accent1"/>
+            </a:fillRef>
+            <a:effectRef idx="2">
+              <a:schemeClr val="accent1"/>
+            </a:effectRef>
+            <a:fontRef idx="minor">
+              <a:schemeClr val="lt1"/>
+            </a:fontRef>
+          </p:style>
+          <p:txBody>
+            <a:bodyPr rtlCol="0" anchor="ctr"/>
+            <a:lstStyle/>
+            <a:p>
+              <a:pPr algn="ctr"/>
+              <a:endParaRPr lang="en-US" i="1" dirty="0">
+                <a:solidFill>
+                  <a:schemeClr val="tx1"/>
+                </a:solidFill>
+              </a:endParaRPr>
+            </a:p>
+          </p:txBody>
+        </p:sp>
+        <p:sp>
+          <p:nvSpPr>
+            <p:cNvPr id="169" name="Chord 168">
+              <a:extLst>
+                <a:ext uri="{FF2B5EF4-FFF2-40B4-BE49-F238E27FC236}">
+                  <a16:creationId xmlns:a16="http://schemas.microsoft.com/office/drawing/2014/main" id="{1863006A-D588-3F4C-9249-51E7759E520F}"/>
+                </a:ext>
+              </a:extLst>
+            </p:cNvPr>
+            <p:cNvSpPr/>
+            <p:nvPr/>
+          </p:nvSpPr>
+          <p:spPr>
+            <a:xfrm>
+              <a:off x="3734347" y="784736"/>
+              <a:ext cx="632206" cy="632206"/>
+            </a:xfrm>
+            <a:prstGeom prst="chord">
+              <a:avLst>
+                <a:gd name="adj1" fmla="val 10506229"/>
+                <a:gd name="adj2" fmla="val 301460"/>
+              </a:avLst>
+            </a:prstGeom>
+            <a:solidFill>
+              <a:schemeClr val="accent4">
+                <a:lumMod val="60000"/>
+                <a:lumOff val="40000"/>
+              </a:schemeClr>
+            </a:solidFill>
+            <a:ln w="38100" cap="flat" cmpd="sng" algn="ctr">
+              <a:solidFill>
+                <a:srgbClr val="000000"/>
+              </a:solidFill>
+              <a:prstDash val="solid"/>
+              <a:round/>
+              <a:headEnd type="none" w="med" len="med"/>
+              <a:tailEnd type="none" w="med" len="med"/>
+            </a:ln>
+            <a:effectLst/>
+          </p:spPr>
+          <p:style>
+            <a:lnRef idx="1">
+              <a:schemeClr val="accent1"/>
+            </a:lnRef>
+            <a:fillRef idx="3">
+              <a:schemeClr val="accent1"/>
+            </a:fillRef>
+            <a:effectRef idx="2">
+              <a:schemeClr val="accent1"/>
+            </a:effectRef>
+            <a:fontRef idx="minor">
+              <a:schemeClr val="lt1"/>
+            </a:fontRef>
+          </p:style>
+          <p:txBody>
+            <a:bodyPr rtlCol="0" anchor="ctr"/>
+            <a:lstStyle/>
+            <a:p>
+              <a:pPr algn="ctr"/>
+              <a:endParaRPr lang="en-US"/>
+            </a:p>
+          </p:txBody>
+        </p:sp>
+        <p:pic>
+          <p:nvPicPr>
+            <p:cNvPr id="170" name="Picture 169">
+              <a:extLst>
+                <a:ext uri="{FF2B5EF4-FFF2-40B4-BE49-F238E27FC236}">
+                  <a16:creationId xmlns:a16="http://schemas.microsoft.com/office/drawing/2014/main" id="{D13AE78E-C99D-2745-A728-58F98020602C}"/>
+                </a:ext>
+              </a:extLst>
+            </p:cNvPr>
+            <p:cNvPicPr>
+              <a:picLocks noChangeAspect="1"/>
+            </p:cNvPicPr>
+            <p:nvPr/>
+          </p:nvPicPr>
+          <p:blipFill>
+            <a:blip r:embed="rId2">
+              <a:extLst>
+                <a:ext uri="{28A0092B-C50C-407E-A947-70E740481C1C}">
+                  <a14:useLocalDpi xmlns:a14="http://schemas.microsoft.com/office/drawing/2010/main" val="0"/>
+                </a:ext>
+              </a:extLst>
+            </a:blip>
+            <a:stretch>
+              <a:fillRect/>
+            </a:stretch>
+          </p:blipFill>
+          <p:spPr>
+            <a:xfrm>
+              <a:off x="2803319" y="413397"/>
+              <a:ext cx="771908" cy="771908"/>
+            </a:xfrm>
+            <a:prstGeom prst="rect">
+              <a:avLst/>
+            </a:prstGeom>
+          </p:spPr>
+        </p:pic>
+        <p:pic>
+          <p:nvPicPr>
+            <p:cNvPr id="171" name="Picture 170">
+              <a:extLst>
+                <a:ext uri="{FF2B5EF4-FFF2-40B4-BE49-F238E27FC236}">
+                  <a16:creationId xmlns:a16="http://schemas.microsoft.com/office/drawing/2014/main" id="{A2478B08-6617-8649-AAF5-D487DE69FAD8}"/>
+                </a:ext>
+              </a:extLst>
+            </p:cNvPr>
+            <p:cNvPicPr>
+              <a:picLocks noChangeAspect="1"/>
+            </p:cNvPicPr>
+            <p:nvPr/>
+          </p:nvPicPr>
+          <p:blipFill>
+            <a:blip r:embed="rId3">
+              <a:extLst>
+                <a:ext uri="{28A0092B-C50C-407E-A947-70E740481C1C}">
+                  <a14:useLocalDpi xmlns:a14="http://schemas.microsoft.com/office/drawing/2010/main" val="0"/>
+                </a:ext>
+              </a:extLst>
+            </a:blip>
+            <a:stretch>
+              <a:fillRect/>
+            </a:stretch>
+          </p:blipFill>
+          <p:spPr>
+            <a:xfrm>
+              <a:off x="5971536" y="499461"/>
+              <a:ext cx="794135" cy="794135"/>
+            </a:xfrm>
+            <a:prstGeom prst="rect">
+              <a:avLst/>
+            </a:prstGeom>
+          </p:spPr>
+        </p:pic>
+      </p:grpSp>
+      <p:grpSp>
+        <p:nvGrpSpPr>
+          <p:cNvPr id="172" name="Group 171">
+            <a:extLst>
+              <a:ext uri="{FF2B5EF4-FFF2-40B4-BE49-F238E27FC236}">
+                <a16:creationId xmlns:a16="http://schemas.microsoft.com/office/drawing/2014/main" id="{D1E4C2CC-79AE-734C-9FD9-37D5821E1A40}"/>
+              </a:ext>
+            </a:extLst>
+          </p:cNvPr>
+          <p:cNvGrpSpPr/>
+          <p:nvPr/>
+        </p:nvGrpSpPr>
+        <p:grpSpPr>
+          <a:xfrm>
+            <a:off x="4721632" y="5246888"/>
+            <a:ext cx="2689434" cy="654654"/>
+            <a:chOff x="2642932" y="413397"/>
+            <a:chExt cx="4122739" cy="1003545"/>
+          </a:xfrm>
+        </p:grpSpPr>
+        <p:cxnSp>
+          <p:nvCxnSpPr>
+            <p:cNvPr id="173" name="Straight Connector 172">
+              <a:extLst>
+                <a:ext uri="{FF2B5EF4-FFF2-40B4-BE49-F238E27FC236}">
+                  <a16:creationId xmlns:a16="http://schemas.microsoft.com/office/drawing/2014/main" id="{FA9E355D-D759-3E46-9F52-67E4F895D359}"/>
+                </a:ext>
+              </a:extLst>
+            </p:cNvPr>
+            <p:cNvCxnSpPr>
+              <a:cxnSpLocks/>
+            </p:cNvCxnSpPr>
+            <p:nvPr/>
+          </p:nvCxnSpPr>
+          <p:spPr>
+            <a:xfrm>
+              <a:off x="2642932" y="1140335"/>
+              <a:ext cx="4117201" cy="0"/>
+            </a:xfrm>
+            <a:prstGeom prst="line">
+              <a:avLst/>
+            </a:prstGeom>
+            <a:ln w="38100" cap="flat" cmpd="sng" algn="ctr">
+              <a:solidFill>
+                <a:srgbClr val="000000"/>
+              </a:solidFill>
+              <a:prstDash val="solid"/>
+              <a:round/>
+              <a:headEnd type="none" w="med" len="med"/>
+              <a:tailEnd type="none" w="med" len="med"/>
+            </a:ln>
+            <a:effectLst/>
+          </p:spPr>
+          <p:style>
+            <a:lnRef idx="2">
+              <a:schemeClr val="accent1"/>
+            </a:lnRef>
+            <a:fillRef idx="0">
+              <a:schemeClr val="accent1"/>
+            </a:fillRef>
+            <a:effectRef idx="1">
+              <a:schemeClr val="accent1"/>
+            </a:effectRef>
+            <a:fontRef idx="minor">
+              <a:schemeClr val="tx1"/>
+            </a:fontRef>
+          </p:style>
+        </p:cxnSp>
+        <p:sp>
+          <p:nvSpPr>
+            <p:cNvPr id="174" name="Right Arrow 173">
+              <a:extLst>
+                <a:ext uri="{FF2B5EF4-FFF2-40B4-BE49-F238E27FC236}">
+                  <a16:creationId xmlns:a16="http://schemas.microsoft.com/office/drawing/2014/main" id="{FE112CB2-1B81-9B46-9F3D-1906B070B95B}"/>
+                </a:ext>
+              </a:extLst>
+            </p:cNvPr>
+            <p:cNvSpPr/>
+            <p:nvPr/>
+          </p:nvSpPr>
+          <p:spPr>
+            <a:xfrm>
+              <a:off x="4740833" y="949836"/>
+              <a:ext cx="1168400" cy="350140"/>
+            </a:xfrm>
+            <a:prstGeom prst="rightArrow">
+              <a:avLst>
+                <a:gd name="adj1" fmla="val 100000"/>
+                <a:gd name="adj2" fmla="val 52194"/>
+              </a:avLst>
+            </a:prstGeom>
+            <a:solidFill>
+              <a:srgbClr val="92D050"/>
+            </a:solidFill>
+            <a:ln w="38100" cap="flat" cmpd="sng" algn="ctr">
+              <a:solidFill>
+                <a:srgbClr val="000000"/>
+              </a:solidFill>
+              <a:prstDash val="solid"/>
+              <a:round/>
+              <a:headEnd type="none" w="med" len="med"/>
+              <a:tailEnd type="none" w="med" len="med"/>
+            </a:ln>
+            <a:effectLst/>
+          </p:spPr>
+          <p:style>
+            <a:lnRef idx="1">
+              <a:schemeClr val="accent1"/>
+            </a:lnRef>
+            <a:fillRef idx="3">
+              <a:schemeClr val="accent1"/>
+            </a:fillRef>
+            <a:effectRef idx="2">
+              <a:schemeClr val="accent1"/>
+            </a:effectRef>
+            <a:fontRef idx="minor">
+              <a:schemeClr val="lt1"/>
+            </a:fontRef>
+          </p:style>
+          <p:txBody>
+            <a:bodyPr rtlCol="0" anchor="ctr"/>
+            <a:lstStyle/>
+            <a:p>
+              <a:pPr algn="ctr"/>
+              <a:endParaRPr lang="en-US" i="1" dirty="0">
+                <a:solidFill>
+                  <a:schemeClr val="tx1"/>
+                </a:solidFill>
+              </a:endParaRPr>
+            </a:p>
+          </p:txBody>
+        </p:sp>
+        <p:sp>
+          <p:nvSpPr>
+            <p:cNvPr id="175" name="Chord 174">
+              <a:extLst>
+                <a:ext uri="{FF2B5EF4-FFF2-40B4-BE49-F238E27FC236}">
+                  <a16:creationId xmlns:a16="http://schemas.microsoft.com/office/drawing/2014/main" id="{B1EC7FB2-1033-644E-B928-0D3C56C8A5B7}"/>
+                </a:ext>
+              </a:extLst>
+            </p:cNvPr>
+            <p:cNvSpPr/>
+            <p:nvPr/>
+          </p:nvSpPr>
+          <p:spPr>
+            <a:xfrm>
+              <a:off x="3734347" y="784736"/>
+              <a:ext cx="632206" cy="632206"/>
+            </a:xfrm>
+            <a:prstGeom prst="chord">
+              <a:avLst>
+                <a:gd name="adj1" fmla="val 10506229"/>
+                <a:gd name="adj2" fmla="val 301460"/>
+              </a:avLst>
+            </a:prstGeom>
+            <a:solidFill>
+              <a:schemeClr val="accent4">
+                <a:lumMod val="60000"/>
+                <a:lumOff val="40000"/>
+              </a:schemeClr>
+            </a:solidFill>
+            <a:ln w="38100" cap="flat" cmpd="sng" algn="ctr">
+              <a:solidFill>
+                <a:srgbClr val="000000"/>
+              </a:solidFill>
+              <a:prstDash val="solid"/>
+              <a:round/>
+              <a:headEnd type="none" w="med" len="med"/>
+              <a:tailEnd type="none" w="med" len="med"/>
+            </a:ln>
+            <a:effectLst/>
+          </p:spPr>
+          <p:style>
+            <a:lnRef idx="1">
+              <a:schemeClr val="accent1"/>
+            </a:lnRef>
+            <a:fillRef idx="3">
+              <a:schemeClr val="accent1"/>
+            </a:fillRef>
+            <a:effectRef idx="2">
+              <a:schemeClr val="accent1"/>
+            </a:effectRef>
+            <a:fontRef idx="minor">
+              <a:schemeClr val="lt1"/>
+            </a:fontRef>
+          </p:style>
+          <p:txBody>
+            <a:bodyPr rtlCol="0" anchor="ctr"/>
+            <a:lstStyle/>
+            <a:p>
+              <a:pPr algn="ctr"/>
+              <a:endParaRPr lang="en-US"/>
+            </a:p>
+          </p:txBody>
+        </p:sp>
+        <p:pic>
+          <p:nvPicPr>
+            <p:cNvPr id="176" name="Picture 175">
+              <a:extLst>
+                <a:ext uri="{FF2B5EF4-FFF2-40B4-BE49-F238E27FC236}">
+                  <a16:creationId xmlns:a16="http://schemas.microsoft.com/office/drawing/2014/main" id="{2415E8A5-6101-8C4C-ABFC-B01A85D7ADDC}"/>
+                </a:ext>
+              </a:extLst>
+            </p:cNvPr>
+            <p:cNvPicPr>
+              <a:picLocks noChangeAspect="1"/>
+            </p:cNvPicPr>
+            <p:nvPr/>
+          </p:nvPicPr>
+          <p:blipFill>
+            <a:blip r:embed="rId2">
+              <a:extLst>
+                <a:ext uri="{28A0092B-C50C-407E-A947-70E740481C1C}">
+                  <a14:useLocalDpi xmlns:a14="http://schemas.microsoft.com/office/drawing/2010/main" val="0"/>
+                </a:ext>
+              </a:extLst>
+            </a:blip>
+            <a:stretch>
+              <a:fillRect/>
+            </a:stretch>
+          </p:blipFill>
+          <p:spPr>
+            <a:xfrm>
+              <a:off x="2803319" y="413397"/>
+              <a:ext cx="771908" cy="771908"/>
+            </a:xfrm>
+            <a:prstGeom prst="rect">
+              <a:avLst/>
+            </a:prstGeom>
+          </p:spPr>
+        </p:pic>
+        <p:pic>
+          <p:nvPicPr>
+            <p:cNvPr id="177" name="Picture 176">
+              <a:extLst>
+                <a:ext uri="{FF2B5EF4-FFF2-40B4-BE49-F238E27FC236}">
+                  <a16:creationId xmlns:a16="http://schemas.microsoft.com/office/drawing/2014/main" id="{98B98DA9-5E75-4245-BEA8-622655940BFE}"/>
+                </a:ext>
+              </a:extLst>
+            </p:cNvPr>
+            <p:cNvPicPr>
+              <a:picLocks noChangeAspect="1"/>
+            </p:cNvPicPr>
+            <p:nvPr/>
+          </p:nvPicPr>
+          <p:blipFill>
+            <a:blip r:embed="rId3">
+              <a:extLst>
+                <a:ext uri="{28A0092B-C50C-407E-A947-70E740481C1C}">
+                  <a14:useLocalDpi xmlns:a14="http://schemas.microsoft.com/office/drawing/2010/main" val="0"/>
+                </a:ext>
+              </a:extLst>
+            </a:blip>
+            <a:stretch>
+              <a:fillRect/>
+            </a:stretch>
+          </p:blipFill>
+          <p:spPr>
+            <a:xfrm>
+              <a:off x="5971536" y="499461"/>
+              <a:ext cx="794135" cy="794135"/>
+            </a:xfrm>
+            <a:prstGeom prst="rect">
+              <a:avLst/>
+            </a:prstGeom>
+          </p:spPr>
+        </p:pic>
+      </p:grpSp>
+      <p:pic>
+        <p:nvPicPr>
+          <p:cNvPr id="178" name="Picture 177">
+            <a:extLst>
+              <a:ext uri="{FF2B5EF4-FFF2-40B4-BE49-F238E27FC236}">
+                <a16:creationId xmlns:a16="http://schemas.microsoft.com/office/drawing/2014/main" id="{1067716B-72D8-D749-9DE3-E9181DF11549}"/>
+              </a:ext>
+            </a:extLst>
+          </p:cNvPr>
+          <p:cNvPicPr>
+            <a:picLocks noChangeAspect="1"/>
+          </p:cNvPicPr>
+          <p:nvPr/>
+        </p:nvPicPr>
+        <p:blipFill rotWithShape="1">
+          <a:blip r:embed="rId4"/>
+          <a:srcRect/>
+          <a:stretch/>
+        </p:blipFill>
+        <p:spPr>
+          <a:xfrm>
+            <a:off x="5950352" y="4542573"/>
+            <a:ext cx="951389" cy="951389"/>
+          </a:xfrm>
+          <a:prstGeom prst="rect">
+            <a:avLst/>
+          </a:prstGeom>
+        </p:spPr>
+      </p:pic>
+      <p:cxnSp>
+        <p:nvCxnSpPr>
+          <p:cNvPr id="179" name="Straight Arrow Connector 178">
+            <a:extLst>
+              <a:ext uri="{FF2B5EF4-FFF2-40B4-BE49-F238E27FC236}">
+                <a16:creationId xmlns:a16="http://schemas.microsoft.com/office/drawing/2014/main" id="{A997339F-9247-8441-AF07-59E9492066B3}"/>
+              </a:ext>
+            </a:extLst>
+          </p:cNvPr>
+          <p:cNvCxnSpPr/>
+          <p:nvPr/>
+        </p:nvCxnSpPr>
+        <p:spPr>
+          <a:xfrm flipV="1">
+            <a:off x="6447409" y="5246888"/>
+            <a:ext cx="0" cy="343873"/>
+          </a:xfrm>
+          <a:prstGeom prst="straightConnector1">
+            <a:avLst/>
+          </a:prstGeom>
+          <a:ln w="28575">
+            <a:solidFill>
+              <a:schemeClr val="accent3">
+                <a:lumMod val="75000"/>
+              </a:schemeClr>
+            </a:solidFill>
+            <a:headEnd type="none" w="med" len="med"/>
+            <a:tailEnd type="triangle" w="med" len="med"/>
+          </a:ln>
+        </p:spPr>
+        <p:style>
+          <a:lnRef idx="1">
+            <a:schemeClr val="dk1"/>
+          </a:lnRef>
+          <a:fillRef idx="0">
+            <a:schemeClr val="dk1"/>
+          </a:fillRef>
+          <a:effectRef idx="0">
+            <a:schemeClr val="dk1"/>
+          </a:effectRef>
+          <a:fontRef idx="minor">
+            <a:schemeClr val="tx1"/>
+          </a:fontRef>
+        </p:style>
+      </p:cxnSp>
+      <p:pic>
+        <p:nvPicPr>
+          <p:cNvPr id="181" name="Picture 180">
+            <a:extLst>
+              <a:ext uri="{FF2B5EF4-FFF2-40B4-BE49-F238E27FC236}">
+                <a16:creationId xmlns:a16="http://schemas.microsoft.com/office/drawing/2014/main" id="{A3540299-0FB1-A247-AFDA-F9889FC83261}"/>
+              </a:ext>
+            </a:extLst>
+          </p:cNvPr>
+          <p:cNvPicPr>
+            <a:picLocks noChangeAspect="1"/>
+          </p:cNvPicPr>
+          <p:nvPr/>
+        </p:nvPicPr>
+        <p:blipFill rotWithShape="1">
+          <a:blip r:embed="rId4"/>
+          <a:srcRect/>
+          <a:stretch/>
+        </p:blipFill>
+        <p:spPr>
+          <a:xfrm>
+            <a:off x="1994993" y="4544219"/>
+            <a:ext cx="951389" cy="951389"/>
+          </a:xfrm>
+          <a:prstGeom prst="rect">
+            <a:avLst/>
+          </a:prstGeom>
+        </p:spPr>
+      </p:pic>
+      <p:cxnSp>
+        <p:nvCxnSpPr>
+          <p:cNvPr id="182" name="Straight Arrow Connector 181">
+            <a:extLst>
+              <a:ext uri="{FF2B5EF4-FFF2-40B4-BE49-F238E27FC236}">
+                <a16:creationId xmlns:a16="http://schemas.microsoft.com/office/drawing/2014/main" id="{BA198446-6549-054E-87C9-06DA104A5A91}"/>
+              </a:ext>
+            </a:extLst>
+          </p:cNvPr>
+          <p:cNvCxnSpPr/>
+          <p:nvPr/>
+        </p:nvCxnSpPr>
+        <p:spPr>
+          <a:xfrm flipV="1">
+            <a:off x="2469417" y="5246888"/>
+            <a:ext cx="0" cy="343873"/>
+          </a:xfrm>
+          <a:prstGeom prst="straightConnector1">
+            <a:avLst/>
+          </a:prstGeom>
+          <a:ln w="38100">
+            <a:tailEnd type="triangle"/>
+          </a:ln>
+        </p:spPr>
+        <p:style>
+          <a:lnRef idx="1">
+            <a:schemeClr val="accent1"/>
+          </a:lnRef>
+          <a:fillRef idx="0">
+            <a:schemeClr val="accent1"/>
+          </a:fillRef>
+          <a:effectRef idx="0">
+            <a:schemeClr val="accent1"/>
+          </a:effectRef>
+          <a:fontRef idx="minor">
+            <a:schemeClr val="tx1"/>
+          </a:fontRef>
+        </p:style>
+      </p:cxnSp>
+      <p:sp>
+        <p:nvSpPr>
+          <p:cNvPr id="183" name="Rectangle 182">
+            <a:extLst>
+              <a:ext uri="{FF2B5EF4-FFF2-40B4-BE49-F238E27FC236}">
+                <a16:creationId xmlns:a16="http://schemas.microsoft.com/office/drawing/2014/main" id="{0DAD03DE-B266-0547-A9C1-DFE4698B211E}"/>
+              </a:ext>
+            </a:extLst>
+          </p:cNvPr>
+          <p:cNvSpPr/>
+          <p:nvPr/>
+        </p:nvSpPr>
+        <p:spPr>
+          <a:xfrm>
+            <a:off x="3919217" y="4909409"/>
+            <a:ext cx="72024" cy="217715"/>
+          </a:xfrm>
+          <a:prstGeom prst="rect">
+            <a:avLst/>
+          </a:prstGeom>
+          <a:ln w="12700">
+            <a:solidFill>
+              <a:schemeClr val="tx2"/>
+            </a:solidFill>
+          </a:ln>
+        </p:spPr>
+        <p:style>
+          <a:lnRef idx="2">
+            <a:schemeClr val="accent1"/>
+          </a:lnRef>
+          <a:fillRef idx="1">
+            <a:schemeClr val="lt1"/>
+          </a:fillRef>
+          <a:effectRef idx="0">
+            <a:schemeClr val="accent1"/>
+          </a:effectRef>
+          <a:fontRef idx="minor">
+            <a:schemeClr val="dk1"/>
+          </a:fontRef>
+        </p:style>
+        <p:txBody>
+          <a:bodyPr rtlCol="0" anchor="ctr"/>
+          <a:lstStyle/>
+          <a:p>
+            <a:pPr algn="ctr"/>
+            <a:endParaRPr lang="en-US"/>
+          </a:p>
+        </p:txBody>
+      </p:sp>
+      <p:sp>
+        <p:nvSpPr>
+          <p:cNvPr id="185" name="Rounded Rectangle 184">
+            <a:extLst>
+              <a:ext uri="{FF2B5EF4-FFF2-40B4-BE49-F238E27FC236}">
+                <a16:creationId xmlns:a16="http://schemas.microsoft.com/office/drawing/2014/main" id="{F21F226B-65DA-BA43-98CE-7C416E662743}"/>
+              </a:ext>
+            </a:extLst>
+          </p:cNvPr>
+          <p:cNvSpPr/>
+          <p:nvPr/>
+        </p:nvSpPr>
+        <p:spPr>
+          <a:xfrm>
+            <a:off x="3991241" y="2987563"/>
+            <a:ext cx="3653930" cy="1483611"/>
+          </a:xfrm>
+          <a:prstGeom prst="roundRect">
+            <a:avLst/>
+          </a:prstGeom>
+          <a:noFill/>
+          <a:ln w="12700" cap="flat" cmpd="sng" algn="ctr">
+            <a:solidFill>
+              <a:schemeClr val="tx2"/>
+            </a:solidFill>
+            <a:prstDash val="solid"/>
+            <a:round/>
+            <a:headEnd type="none" w="med" len="med"/>
+            <a:tailEnd type="none" w="med" len="med"/>
+          </a:ln>
+        </p:spPr>
+        <p:style>
+          <a:lnRef idx="0">
+            <a:scrgbClr r="0" g="0" b="0"/>
+          </a:lnRef>
+          <a:fillRef idx="0">
+            <a:scrgbClr r="0" g="0" b="0"/>
+          </a:fillRef>
+          <a:effectRef idx="0">
+            <a:scrgbClr r="0" g="0" b="0"/>
+          </a:effectRef>
+          <a:fontRef idx="minor">
+            <a:schemeClr val="dk1"/>
+          </a:fontRef>
+        </p:style>
+        <p:txBody>
+          <a:bodyPr rtlCol="0" anchor="ctr"/>
+          <a:lstStyle/>
+          <a:p>
+            <a:pPr algn="ctr"/>
+            <a:endParaRPr lang="en-US" dirty="0"/>
+          </a:p>
+        </p:txBody>
+      </p:sp>
+      <p:cxnSp>
+        <p:nvCxnSpPr>
+          <p:cNvPr id="186" name="Straight Arrow Connector 5">
+            <a:extLst>
+              <a:ext uri="{FF2B5EF4-FFF2-40B4-BE49-F238E27FC236}">
+                <a16:creationId xmlns:a16="http://schemas.microsoft.com/office/drawing/2014/main" id="{87207977-EDA0-C14B-B07D-8ADDC103871A}"/>
+              </a:ext>
+            </a:extLst>
+          </p:cNvPr>
+          <p:cNvCxnSpPr>
+            <a:cxnSpLocks/>
+            <a:endCxn id="198" idx="0"/>
+          </p:cNvCxnSpPr>
+          <p:nvPr/>
+        </p:nvCxnSpPr>
+        <p:spPr>
+          <a:xfrm>
+            <a:off x="2687971" y="3374458"/>
+            <a:ext cx="2387922" cy="226239"/>
+          </a:xfrm>
+          <a:prstGeom prst="bentConnector2">
+            <a:avLst/>
+          </a:prstGeom>
+          <a:ln>
+            <a:solidFill>
+              <a:srgbClr val="FF0000"/>
+            </a:solidFill>
+            <a:headEnd type="none"/>
+            <a:tailEnd type="none"/>
+          </a:ln>
+          <a:effectLst/>
+        </p:spPr>
+        <p:style>
+          <a:lnRef idx="2">
+            <a:schemeClr val="accent1"/>
+          </a:lnRef>
+          <a:fillRef idx="0">
+            <a:schemeClr val="accent1"/>
+          </a:fillRef>
+          <a:effectRef idx="1">
+            <a:schemeClr val="accent1"/>
+          </a:effectRef>
+          <a:fontRef idx="minor">
+            <a:schemeClr val="tx1"/>
+          </a:fontRef>
+        </p:style>
+      </p:cxnSp>
+      <p:cxnSp>
+        <p:nvCxnSpPr>
+          <p:cNvPr id="187" name="Straight Connector 186">
+            <a:extLst>
+              <a:ext uri="{FF2B5EF4-FFF2-40B4-BE49-F238E27FC236}">
+                <a16:creationId xmlns:a16="http://schemas.microsoft.com/office/drawing/2014/main" id="{D0E6D163-3094-6240-B0BD-D748E941406A}"/>
+              </a:ext>
+            </a:extLst>
+          </p:cNvPr>
+          <p:cNvCxnSpPr/>
+          <p:nvPr/>
+        </p:nvCxnSpPr>
+        <p:spPr>
+          <a:xfrm>
+            <a:off x="4980643" y="3601542"/>
+            <a:ext cx="190500" cy="0"/>
+          </a:xfrm>
+          <a:prstGeom prst="line">
+            <a:avLst/>
+          </a:prstGeom>
+          <a:ln>
+            <a:solidFill>
+              <a:srgbClr val="FF0000"/>
+            </a:solidFill>
+          </a:ln>
+          <a:effectLst/>
+        </p:spPr>
+        <p:style>
+          <a:lnRef idx="2">
+            <a:schemeClr val="accent1"/>
+          </a:lnRef>
+          <a:fillRef idx="0">
+            <a:schemeClr val="accent1"/>
+          </a:fillRef>
+          <a:effectRef idx="1">
+            <a:schemeClr val="accent1"/>
+          </a:effectRef>
+          <a:fontRef idx="minor">
+            <a:schemeClr val="tx1"/>
+          </a:fontRef>
+        </p:style>
+      </p:cxnSp>
+      <p:grpSp>
+        <p:nvGrpSpPr>
+          <p:cNvPr id="188" name="Group 187">
+            <a:extLst>
+              <a:ext uri="{FF2B5EF4-FFF2-40B4-BE49-F238E27FC236}">
+                <a16:creationId xmlns:a16="http://schemas.microsoft.com/office/drawing/2014/main" id="{70317CD3-D885-4242-80A4-917BE074F160}"/>
+              </a:ext>
+            </a:extLst>
+          </p:cNvPr>
+          <p:cNvGrpSpPr/>
+          <p:nvPr/>
+        </p:nvGrpSpPr>
+        <p:grpSpPr>
+          <a:xfrm>
+            <a:off x="638670" y="3600697"/>
+            <a:ext cx="2737576" cy="654654"/>
+            <a:chOff x="2569133" y="413397"/>
+            <a:chExt cx="4196538" cy="1003545"/>
+          </a:xfrm>
+        </p:grpSpPr>
+        <p:cxnSp>
+          <p:nvCxnSpPr>
+            <p:cNvPr id="189" name="Straight Connector 188">
+              <a:extLst>
+                <a:ext uri="{FF2B5EF4-FFF2-40B4-BE49-F238E27FC236}">
+                  <a16:creationId xmlns:a16="http://schemas.microsoft.com/office/drawing/2014/main" id="{A80BB70B-CE98-D845-BBC6-AF987255D847}"/>
+                </a:ext>
+              </a:extLst>
+            </p:cNvPr>
+            <p:cNvCxnSpPr/>
+            <p:nvPr/>
+          </p:nvCxnSpPr>
+          <p:spPr>
+            <a:xfrm>
+              <a:off x="2569133" y="1140336"/>
+              <a:ext cx="4191000" cy="0"/>
+            </a:xfrm>
+            <a:prstGeom prst="line">
+              <a:avLst/>
+            </a:prstGeom>
+            <a:ln w="38100" cap="flat" cmpd="sng" algn="ctr">
+              <a:solidFill>
+                <a:srgbClr val="000000"/>
+              </a:solidFill>
+              <a:prstDash val="solid"/>
+              <a:round/>
+              <a:headEnd type="none" w="med" len="med"/>
+              <a:tailEnd type="none" w="med" len="med"/>
+            </a:ln>
+            <a:effectLst/>
+          </p:spPr>
+          <p:style>
+            <a:lnRef idx="2">
+              <a:schemeClr val="accent1"/>
+            </a:lnRef>
+            <a:fillRef idx="0">
+              <a:schemeClr val="accent1"/>
+            </a:fillRef>
+            <a:effectRef idx="1">
+              <a:schemeClr val="accent1"/>
+            </a:effectRef>
+            <a:fontRef idx="minor">
+              <a:schemeClr val="tx1"/>
+            </a:fontRef>
+          </p:style>
+        </p:cxnSp>
+        <p:sp>
+          <p:nvSpPr>
+            <p:cNvPr id="190" name="Right Arrow 189">
+              <a:extLst>
+                <a:ext uri="{FF2B5EF4-FFF2-40B4-BE49-F238E27FC236}">
+                  <a16:creationId xmlns:a16="http://schemas.microsoft.com/office/drawing/2014/main" id="{1FE8D298-1B45-A94E-B09A-E60C6A59FB6D}"/>
+                </a:ext>
+              </a:extLst>
+            </p:cNvPr>
+            <p:cNvSpPr/>
+            <p:nvPr/>
+          </p:nvSpPr>
+          <p:spPr>
+            <a:xfrm>
+              <a:off x="4740833" y="949836"/>
+              <a:ext cx="1168400" cy="350140"/>
+            </a:xfrm>
+            <a:prstGeom prst="rightArrow">
+              <a:avLst>
+                <a:gd name="adj1" fmla="val 100000"/>
+                <a:gd name="adj2" fmla="val 52194"/>
+              </a:avLst>
+            </a:prstGeom>
+            <a:solidFill>
+              <a:schemeClr val="accent2"/>
+            </a:solidFill>
+            <a:ln w="38100" cap="flat" cmpd="sng" algn="ctr">
+              <a:solidFill>
+                <a:srgbClr val="000000"/>
+              </a:solidFill>
+              <a:prstDash val="solid"/>
+              <a:round/>
+              <a:headEnd type="none" w="med" len="med"/>
+              <a:tailEnd type="none" w="med" len="med"/>
+            </a:ln>
+            <a:effectLst/>
+          </p:spPr>
+          <p:style>
+            <a:lnRef idx="1">
+              <a:schemeClr val="accent1"/>
+            </a:lnRef>
+            <a:fillRef idx="3">
+              <a:schemeClr val="accent1"/>
+            </a:fillRef>
+            <a:effectRef idx="2">
+              <a:schemeClr val="accent1"/>
+            </a:effectRef>
+            <a:fontRef idx="minor">
+              <a:schemeClr val="lt1"/>
+            </a:fontRef>
+          </p:style>
+          <p:txBody>
+            <a:bodyPr rtlCol="0" anchor="ctr"/>
+            <a:lstStyle/>
+            <a:p>
+              <a:pPr algn="ctr"/>
+              <a:endParaRPr lang="en-US" i="1" dirty="0">
+                <a:solidFill>
+                  <a:schemeClr val="tx1"/>
+                </a:solidFill>
+              </a:endParaRPr>
+            </a:p>
+          </p:txBody>
+        </p:sp>
+        <p:sp>
+          <p:nvSpPr>
+            <p:cNvPr id="191" name="Chord 190">
+              <a:extLst>
+                <a:ext uri="{FF2B5EF4-FFF2-40B4-BE49-F238E27FC236}">
+                  <a16:creationId xmlns:a16="http://schemas.microsoft.com/office/drawing/2014/main" id="{8C9EA64E-F784-9D4D-8EF0-31D45D575E43}"/>
+                </a:ext>
+              </a:extLst>
+            </p:cNvPr>
+            <p:cNvSpPr/>
+            <p:nvPr/>
+          </p:nvSpPr>
+          <p:spPr>
+            <a:xfrm>
+              <a:off x="3734347" y="784736"/>
+              <a:ext cx="632206" cy="632206"/>
+            </a:xfrm>
+            <a:prstGeom prst="chord">
+              <a:avLst>
+                <a:gd name="adj1" fmla="val 10506229"/>
+                <a:gd name="adj2" fmla="val 301460"/>
+              </a:avLst>
+            </a:prstGeom>
+            <a:solidFill>
+              <a:schemeClr val="accent4">
+                <a:lumMod val="60000"/>
+                <a:lumOff val="40000"/>
+              </a:schemeClr>
+            </a:solidFill>
+            <a:ln w="38100" cap="flat" cmpd="sng" algn="ctr">
+              <a:solidFill>
+                <a:srgbClr val="000000"/>
+              </a:solidFill>
+              <a:prstDash val="solid"/>
+              <a:round/>
+              <a:headEnd type="none" w="med" len="med"/>
+              <a:tailEnd type="none" w="med" len="med"/>
+            </a:ln>
+            <a:effectLst/>
+          </p:spPr>
+          <p:style>
+            <a:lnRef idx="1">
+              <a:schemeClr val="accent1"/>
+            </a:lnRef>
+            <a:fillRef idx="3">
+              <a:schemeClr val="accent1"/>
+            </a:fillRef>
+            <a:effectRef idx="2">
+              <a:schemeClr val="accent1"/>
+            </a:effectRef>
+            <a:fontRef idx="minor">
+              <a:schemeClr val="lt1"/>
+            </a:fontRef>
+          </p:style>
+          <p:txBody>
+            <a:bodyPr rtlCol="0" anchor="ctr"/>
+            <a:lstStyle/>
+            <a:p>
+              <a:pPr algn="ctr"/>
+              <a:endParaRPr lang="en-US"/>
+            </a:p>
+          </p:txBody>
+        </p:sp>
+        <p:pic>
+          <p:nvPicPr>
+            <p:cNvPr id="192" name="Picture 191">
+              <a:extLst>
+                <a:ext uri="{FF2B5EF4-FFF2-40B4-BE49-F238E27FC236}">
+                  <a16:creationId xmlns:a16="http://schemas.microsoft.com/office/drawing/2014/main" id="{1268E7F0-E526-0B43-B77A-859EDFFB4A7C}"/>
+                </a:ext>
+              </a:extLst>
+            </p:cNvPr>
+            <p:cNvPicPr>
+              <a:picLocks noChangeAspect="1"/>
+            </p:cNvPicPr>
+            <p:nvPr/>
+          </p:nvPicPr>
+          <p:blipFill>
+            <a:blip r:embed="rId2">
+              <a:extLst>
+                <a:ext uri="{28A0092B-C50C-407E-A947-70E740481C1C}">
+                  <a14:useLocalDpi xmlns:a14="http://schemas.microsoft.com/office/drawing/2010/main" val="0"/>
+                </a:ext>
+              </a:extLst>
+            </a:blip>
+            <a:stretch>
+              <a:fillRect/>
+            </a:stretch>
+          </p:blipFill>
+          <p:spPr>
+            <a:xfrm>
+              <a:off x="2803319" y="413397"/>
+              <a:ext cx="771908" cy="771908"/>
+            </a:xfrm>
+            <a:prstGeom prst="rect">
+              <a:avLst/>
+            </a:prstGeom>
+          </p:spPr>
+        </p:pic>
+        <p:pic>
+          <p:nvPicPr>
+            <p:cNvPr id="193" name="Picture 192">
+              <a:extLst>
+                <a:ext uri="{FF2B5EF4-FFF2-40B4-BE49-F238E27FC236}">
+                  <a16:creationId xmlns:a16="http://schemas.microsoft.com/office/drawing/2014/main" id="{F1CF9CC8-C72F-474A-AA50-3C18CB9124DD}"/>
+                </a:ext>
+              </a:extLst>
+            </p:cNvPr>
+            <p:cNvPicPr>
+              <a:picLocks noChangeAspect="1"/>
+            </p:cNvPicPr>
+            <p:nvPr/>
+          </p:nvPicPr>
+          <p:blipFill>
+            <a:blip r:embed="rId3">
+              <a:extLst>
+                <a:ext uri="{28A0092B-C50C-407E-A947-70E740481C1C}">
+                  <a14:useLocalDpi xmlns:a14="http://schemas.microsoft.com/office/drawing/2010/main" val="0"/>
+                </a:ext>
+              </a:extLst>
+            </a:blip>
+            <a:stretch>
+              <a:fillRect/>
+            </a:stretch>
+          </p:blipFill>
+          <p:spPr>
+            <a:xfrm>
+              <a:off x="5971536" y="499461"/>
+              <a:ext cx="794135" cy="794135"/>
+            </a:xfrm>
+            <a:prstGeom prst="rect">
+              <a:avLst/>
+            </a:prstGeom>
+          </p:spPr>
+        </p:pic>
+      </p:grpSp>
+      <p:grpSp>
+        <p:nvGrpSpPr>
+          <p:cNvPr id="194" name="Group 193">
+            <a:extLst>
+              <a:ext uri="{FF2B5EF4-FFF2-40B4-BE49-F238E27FC236}">
+                <a16:creationId xmlns:a16="http://schemas.microsoft.com/office/drawing/2014/main" id="{A11176C5-C724-D14E-81C5-65AA8126FA77}"/>
+              </a:ext>
+            </a:extLst>
+          </p:cNvPr>
+          <p:cNvGrpSpPr/>
+          <p:nvPr/>
+        </p:nvGrpSpPr>
+        <p:grpSpPr>
+          <a:xfrm>
+            <a:off x="4719492" y="3600697"/>
+            <a:ext cx="2689434" cy="654654"/>
+            <a:chOff x="2642932" y="413397"/>
+            <a:chExt cx="4122739" cy="1003545"/>
+          </a:xfrm>
+        </p:grpSpPr>
+        <p:cxnSp>
+          <p:nvCxnSpPr>
+            <p:cNvPr id="195" name="Straight Connector 194">
+              <a:extLst>
+                <a:ext uri="{FF2B5EF4-FFF2-40B4-BE49-F238E27FC236}">
+                  <a16:creationId xmlns:a16="http://schemas.microsoft.com/office/drawing/2014/main" id="{BA7795F8-82F6-9646-8A24-AF55010FE1C0}"/>
+                </a:ext>
+              </a:extLst>
+            </p:cNvPr>
+            <p:cNvCxnSpPr>
+              <a:cxnSpLocks/>
+            </p:cNvCxnSpPr>
+            <p:nvPr/>
+          </p:nvCxnSpPr>
+          <p:spPr>
+            <a:xfrm>
+              <a:off x="2642932" y="1140335"/>
+              <a:ext cx="4117201" cy="0"/>
+            </a:xfrm>
+            <a:prstGeom prst="line">
+              <a:avLst/>
+            </a:prstGeom>
+            <a:ln w="38100" cap="flat" cmpd="sng" algn="ctr">
+              <a:solidFill>
+                <a:srgbClr val="000000"/>
+              </a:solidFill>
+              <a:prstDash val="solid"/>
+              <a:round/>
+              <a:headEnd type="none" w="med" len="med"/>
+              <a:tailEnd type="none" w="med" len="med"/>
+            </a:ln>
+            <a:effectLst/>
+          </p:spPr>
+          <p:style>
+            <a:lnRef idx="2">
+              <a:schemeClr val="accent1"/>
+            </a:lnRef>
+            <a:fillRef idx="0">
+              <a:schemeClr val="accent1"/>
+            </a:fillRef>
+            <a:effectRef idx="1">
+              <a:schemeClr val="accent1"/>
+            </a:effectRef>
+            <a:fontRef idx="minor">
+              <a:schemeClr val="tx1"/>
+            </a:fontRef>
+          </p:style>
+        </p:cxnSp>
+        <p:sp>
+          <p:nvSpPr>
+            <p:cNvPr id="196" name="Right Arrow 195">
+              <a:extLst>
+                <a:ext uri="{FF2B5EF4-FFF2-40B4-BE49-F238E27FC236}">
+                  <a16:creationId xmlns:a16="http://schemas.microsoft.com/office/drawing/2014/main" id="{FF65E66A-87C2-4948-A6B7-CC281896EE4A}"/>
+                </a:ext>
+              </a:extLst>
+            </p:cNvPr>
+            <p:cNvSpPr/>
+            <p:nvPr/>
+          </p:nvSpPr>
+          <p:spPr>
+            <a:xfrm>
+              <a:off x="4740833" y="949836"/>
+              <a:ext cx="1168400" cy="350140"/>
+            </a:xfrm>
+            <a:prstGeom prst="rightArrow">
+              <a:avLst>
+                <a:gd name="adj1" fmla="val 100000"/>
+                <a:gd name="adj2" fmla="val 52194"/>
+              </a:avLst>
+            </a:prstGeom>
+            <a:solidFill>
+              <a:srgbClr val="92D050"/>
+            </a:solidFill>
+            <a:ln w="38100" cap="flat" cmpd="sng" algn="ctr">
+              <a:solidFill>
+                <a:srgbClr val="000000"/>
+              </a:solidFill>
+              <a:prstDash val="solid"/>
+              <a:round/>
+              <a:headEnd type="none" w="med" len="med"/>
+              <a:tailEnd type="none" w="med" len="med"/>
+            </a:ln>
+            <a:effectLst/>
+          </p:spPr>
+          <p:style>
+            <a:lnRef idx="1">
+              <a:schemeClr val="accent1"/>
+            </a:lnRef>
+            <a:fillRef idx="3">
+              <a:schemeClr val="accent1"/>
+            </a:fillRef>
+            <a:effectRef idx="2">
+              <a:schemeClr val="accent1"/>
+            </a:effectRef>
+            <a:fontRef idx="minor">
+              <a:schemeClr val="lt1"/>
+            </a:fontRef>
+          </p:style>
+          <p:txBody>
+            <a:bodyPr rtlCol="0" anchor="ctr"/>
+            <a:lstStyle/>
+            <a:p>
+              <a:pPr algn="ctr"/>
+              <a:endParaRPr lang="en-US" i="1" dirty="0">
+                <a:solidFill>
+                  <a:schemeClr val="tx1"/>
+                </a:solidFill>
+              </a:endParaRPr>
+            </a:p>
+          </p:txBody>
+        </p:sp>
+        <p:sp>
+          <p:nvSpPr>
+            <p:cNvPr id="197" name="Chord 196">
+              <a:extLst>
+                <a:ext uri="{FF2B5EF4-FFF2-40B4-BE49-F238E27FC236}">
+                  <a16:creationId xmlns:a16="http://schemas.microsoft.com/office/drawing/2014/main" id="{810BAC14-E281-7844-B3A4-8BF3503088FE}"/>
+                </a:ext>
+              </a:extLst>
+            </p:cNvPr>
+            <p:cNvSpPr/>
+            <p:nvPr/>
+          </p:nvSpPr>
+          <p:spPr>
+            <a:xfrm>
+              <a:off x="3734347" y="784736"/>
+              <a:ext cx="632206" cy="632206"/>
+            </a:xfrm>
+            <a:prstGeom prst="chord">
+              <a:avLst>
+                <a:gd name="adj1" fmla="val 10506229"/>
+                <a:gd name="adj2" fmla="val 301460"/>
+              </a:avLst>
+            </a:prstGeom>
+            <a:solidFill>
+              <a:schemeClr val="accent4">
+                <a:lumMod val="60000"/>
+                <a:lumOff val="40000"/>
+              </a:schemeClr>
+            </a:solidFill>
+            <a:ln w="38100" cap="flat" cmpd="sng" algn="ctr">
+              <a:solidFill>
+                <a:srgbClr val="000000"/>
+              </a:solidFill>
+              <a:prstDash val="solid"/>
+              <a:round/>
+              <a:headEnd type="none" w="med" len="med"/>
+              <a:tailEnd type="none" w="med" len="med"/>
+            </a:ln>
+            <a:effectLst/>
+          </p:spPr>
+          <p:style>
+            <a:lnRef idx="1">
+              <a:schemeClr val="accent1"/>
+            </a:lnRef>
+            <a:fillRef idx="3">
+              <a:schemeClr val="accent1"/>
+            </a:fillRef>
+            <a:effectRef idx="2">
+              <a:schemeClr val="accent1"/>
+            </a:effectRef>
+            <a:fontRef idx="minor">
+              <a:schemeClr val="lt1"/>
+            </a:fontRef>
+          </p:style>
+          <p:txBody>
+            <a:bodyPr rtlCol="0" anchor="ctr"/>
+            <a:lstStyle/>
+            <a:p>
+              <a:pPr algn="ctr"/>
+              <a:endParaRPr lang="en-US"/>
+            </a:p>
+          </p:txBody>
+        </p:sp>
+        <p:pic>
+          <p:nvPicPr>
+            <p:cNvPr id="198" name="Picture 197">
+              <a:extLst>
+                <a:ext uri="{FF2B5EF4-FFF2-40B4-BE49-F238E27FC236}">
+                  <a16:creationId xmlns:a16="http://schemas.microsoft.com/office/drawing/2014/main" id="{0B64CE8A-E2C4-3146-800F-8D7220257BF3}"/>
+                </a:ext>
+              </a:extLst>
+            </p:cNvPr>
+            <p:cNvPicPr>
+              <a:picLocks noChangeAspect="1"/>
+            </p:cNvPicPr>
+            <p:nvPr/>
+          </p:nvPicPr>
+          <p:blipFill>
+            <a:blip r:embed="rId2">
+              <a:extLst>
+                <a:ext uri="{28A0092B-C50C-407E-A947-70E740481C1C}">
+                  <a14:useLocalDpi xmlns:a14="http://schemas.microsoft.com/office/drawing/2010/main" val="0"/>
+                </a:ext>
+              </a:extLst>
+            </a:blip>
+            <a:stretch>
+              <a:fillRect/>
+            </a:stretch>
+          </p:blipFill>
+          <p:spPr>
+            <a:xfrm>
+              <a:off x="2803319" y="413397"/>
+              <a:ext cx="771908" cy="771908"/>
+            </a:xfrm>
+            <a:prstGeom prst="rect">
+              <a:avLst/>
+            </a:prstGeom>
+          </p:spPr>
+        </p:pic>
+        <p:pic>
+          <p:nvPicPr>
+            <p:cNvPr id="199" name="Picture 198">
+              <a:extLst>
+                <a:ext uri="{FF2B5EF4-FFF2-40B4-BE49-F238E27FC236}">
+                  <a16:creationId xmlns:a16="http://schemas.microsoft.com/office/drawing/2014/main" id="{8EF4F2F1-EC55-BD47-9DAF-457A7332B637}"/>
+                </a:ext>
+              </a:extLst>
+            </p:cNvPr>
+            <p:cNvPicPr>
+              <a:picLocks noChangeAspect="1"/>
+            </p:cNvPicPr>
+            <p:nvPr/>
+          </p:nvPicPr>
+          <p:blipFill>
+            <a:blip r:embed="rId3">
+              <a:extLst>
+                <a:ext uri="{28A0092B-C50C-407E-A947-70E740481C1C}">
+                  <a14:useLocalDpi xmlns:a14="http://schemas.microsoft.com/office/drawing/2010/main" val="0"/>
+                </a:ext>
+              </a:extLst>
+            </a:blip>
+            <a:stretch>
+              <a:fillRect/>
+            </a:stretch>
+          </p:blipFill>
+          <p:spPr>
+            <a:xfrm>
+              <a:off x="5971536" y="499461"/>
+              <a:ext cx="794135" cy="794135"/>
+            </a:xfrm>
+            <a:prstGeom prst="rect">
+              <a:avLst/>
+            </a:prstGeom>
+          </p:spPr>
+        </p:pic>
+      </p:grpSp>
+      <p:pic>
+        <p:nvPicPr>
+          <p:cNvPr id="200" name="Picture 199">
+            <a:extLst>
+              <a:ext uri="{FF2B5EF4-FFF2-40B4-BE49-F238E27FC236}">
+                <a16:creationId xmlns:a16="http://schemas.microsoft.com/office/drawing/2014/main" id="{F2CD6312-DE94-B847-BE19-D302B3577875}"/>
+              </a:ext>
+            </a:extLst>
+          </p:cNvPr>
+          <p:cNvPicPr>
+            <a:picLocks noChangeAspect="1"/>
+          </p:cNvPicPr>
+          <p:nvPr/>
+        </p:nvPicPr>
+        <p:blipFill rotWithShape="1">
+          <a:blip r:embed="rId4"/>
+          <a:srcRect/>
+          <a:stretch/>
+        </p:blipFill>
+        <p:spPr>
+          <a:xfrm>
+            <a:off x="5948212" y="2896382"/>
+            <a:ext cx="951389" cy="951389"/>
+          </a:xfrm>
+          <a:prstGeom prst="rect">
+            <a:avLst/>
+          </a:prstGeom>
+        </p:spPr>
+      </p:pic>
+      <p:cxnSp>
+        <p:nvCxnSpPr>
+          <p:cNvPr id="201" name="Straight Arrow Connector 200">
+            <a:extLst>
+              <a:ext uri="{FF2B5EF4-FFF2-40B4-BE49-F238E27FC236}">
+                <a16:creationId xmlns:a16="http://schemas.microsoft.com/office/drawing/2014/main" id="{D06AF7BC-E48F-CD45-BAD1-92408AABF821}"/>
+              </a:ext>
+            </a:extLst>
+          </p:cNvPr>
+          <p:cNvCxnSpPr/>
+          <p:nvPr/>
+        </p:nvCxnSpPr>
+        <p:spPr>
+          <a:xfrm flipV="1">
+            <a:off x="6445269" y="3600697"/>
+            <a:ext cx="0" cy="343873"/>
+          </a:xfrm>
+          <a:prstGeom prst="straightConnector1">
+            <a:avLst/>
+          </a:prstGeom>
+          <a:ln w="28575">
+            <a:solidFill>
+              <a:schemeClr val="accent3">
+                <a:lumMod val="75000"/>
+              </a:schemeClr>
+            </a:solidFill>
+            <a:headEnd type="none" w="med" len="med"/>
+            <a:tailEnd type="triangle" w="med" len="med"/>
+          </a:ln>
+        </p:spPr>
+        <p:style>
+          <a:lnRef idx="1">
+            <a:schemeClr val="dk1"/>
+          </a:lnRef>
+          <a:fillRef idx="0">
+            <a:schemeClr val="dk1"/>
+          </a:fillRef>
+          <a:effectRef idx="0">
+            <a:schemeClr val="dk1"/>
+          </a:effectRef>
+          <a:fontRef idx="minor">
+            <a:schemeClr val="tx1"/>
+          </a:fontRef>
+        </p:style>
+      </p:cxnSp>
+      <p:pic>
+        <p:nvPicPr>
+          <p:cNvPr id="203" name="Picture 202">
+            <a:extLst>
+              <a:ext uri="{FF2B5EF4-FFF2-40B4-BE49-F238E27FC236}">
+                <a16:creationId xmlns:a16="http://schemas.microsoft.com/office/drawing/2014/main" id="{822033F9-ADAF-DF44-B7B4-1B10AAD7411D}"/>
+              </a:ext>
+            </a:extLst>
+          </p:cNvPr>
+          <p:cNvPicPr>
+            <a:picLocks noChangeAspect="1"/>
+          </p:cNvPicPr>
+          <p:nvPr/>
+        </p:nvPicPr>
+        <p:blipFill rotWithShape="1">
+          <a:blip r:embed="rId4"/>
+          <a:srcRect/>
+          <a:stretch/>
+        </p:blipFill>
+        <p:spPr>
+          <a:xfrm>
+            <a:off x="1992853" y="2898028"/>
+            <a:ext cx="951389" cy="951389"/>
+          </a:xfrm>
+          <a:prstGeom prst="rect">
+            <a:avLst/>
+          </a:prstGeom>
+        </p:spPr>
+      </p:pic>
+      <p:cxnSp>
+        <p:nvCxnSpPr>
+          <p:cNvPr id="204" name="Straight Arrow Connector 203">
+            <a:extLst>
+              <a:ext uri="{FF2B5EF4-FFF2-40B4-BE49-F238E27FC236}">
+                <a16:creationId xmlns:a16="http://schemas.microsoft.com/office/drawing/2014/main" id="{85578696-5668-D245-B173-BFE3BEB3EA62}"/>
+              </a:ext>
+            </a:extLst>
+          </p:cNvPr>
+          <p:cNvCxnSpPr/>
+          <p:nvPr/>
+        </p:nvCxnSpPr>
+        <p:spPr>
+          <a:xfrm flipV="1">
+            <a:off x="2467277" y="3600697"/>
+            <a:ext cx="0" cy="343873"/>
+          </a:xfrm>
+          <a:prstGeom prst="straightConnector1">
+            <a:avLst/>
+          </a:prstGeom>
+          <a:ln w="38100">
+            <a:tailEnd type="triangle"/>
+          </a:ln>
+        </p:spPr>
+        <p:style>
+          <a:lnRef idx="1">
+            <a:schemeClr val="accent1"/>
+          </a:lnRef>
+          <a:fillRef idx="0">
+            <a:schemeClr val="accent1"/>
+          </a:fillRef>
+          <a:effectRef idx="0">
+            <a:schemeClr val="accent1"/>
+          </a:effectRef>
+          <a:fontRef idx="minor">
+            <a:schemeClr val="tx1"/>
+          </a:fontRef>
+        </p:style>
+      </p:cxnSp>
+      <p:sp>
+        <p:nvSpPr>
+          <p:cNvPr id="205" name="Rectangle 204">
+            <a:extLst>
+              <a:ext uri="{FF2B5EF4-FFF2-40B4-BE49-F238E27FC236}">
+                <a16:creationId xmlns:a16="http://schemas.microsoft.com/office/drawing/2014/main" id="{9C98DBBB-28B7-D54C-85A6-E58DBF335FBA}"/>
+              </a:ext>
+            </a:extLst>
+          </p:cNvPr>
+          <p:cNvSpPr/>
+          <p:nvPr/>
+        </p:nvSpPr>
+        <p:spPr>
+          <a:xfrm>
+            <a:off x="3917077" y="3735830"/>
+            <a:ext cx="72024" cy="217715"/>
+          </a:xfrm>
+          <a:prstGeom prst="rect">
+            <a:avLst/>
+          </a:prstGeom>
+          <a:ln w="12700">
+            <a:solidFill>
+              <a:schemeClr val="tx2"/>
+            </a:solidFill>
+          </a:ln>
+        </p:spPr>
+        <p:style>
+          <a:lnRef idx="2">
+            <a:schemeClr val="accent1"/>
+          </a:lnRef>
+          <a:fillRef idx="1">
+            <a:schemeClr val="lt1"/>
+          </a:fillRef>
+          <a:effectRef idx="0">
+            <a:schemeClr val="accent1"/>
+          </a:effectRef>
+          <a:fontRef idx="minor">
+            <a:schemeClr val="dk1"/>
+          </a:fontRef>
+        </p:style>
+        <p:txBody>
+          <a:bodyPr rtlCol="0" anchor="ctr"/>
+          <a:lstStyle/>
+          <a:p>
+            <a:pPr algn="ctr"/>
+            <a:endParaRPr lang="en-US"/>
+          </a:p>
+        </p:txBody>
+      </p:sp>
+      <p:cxnSp>
+        <p:nvCxnSpPr>
+          <p:cNvPr id="207" name="Straight Connector 206">
+            <a:extLst>
+              <a:ext uri="{FF2B5EF4-FFF2-40B4-BE49-F238E27FC236}">
+                <a16:creationId xmlns:a16="http://schemas.microsoft.com/office/drawing/2014/main" id="{ED6F8D44-5200-9643-A502-8975C06D6E9F}"/>
+              </a:ext>
+            </a:extLst>
+          </p:cNvPr>
+          <p:cNvCxnSpPr>
+            <a:cxnSpLocks/>
+          </p:cNvCxnSpPr>
+          <p:nvPr/>
+        </p:nvCxnSpPr>
+        <p:spPr>
+          <a:xfrm rot="5400000">
+            <a:off x="3788822" y="5014995"/>
+            <a:ext cx="190500" cy="0"/>
+          </a:xfrm>
+          <a:prstGeom prst="line">
+            <a:avLst/>
+          </a:prstGeom>
+          <a:ln>
+            <a:solidFill>
+              <a:srgbClr val="FF0000"/>
+            </a:solidFill>
+          </a:ln>
+          <a:effectLst/>
+        </p:spPr>
+        <p:style>
+          <a:lnRef idx="2">
+            <a:schemeClr val="accent1"/>
+          </a:lnRef>
+          <a:fillRef idx="0">
+            <a:schemeClr val="accent1"/>
+          </a:fillRef>
+          <a:effectRef idx="1">
+            <a:schemeClr val="accent1"/>
+          </a:effectRef>
+          <a:fontRef idx="minor">
+            <a:schemeClr val="tx1"/>
+          </a:fontRef>
+        </p:style>
+      </p:cxnSp>
+      <p:cxnSp>
+        <p:nvCxnSpPr>
+          <p:cNvPr id="208" name="Straight Arrow Connector 5">
+            <a:extLst>
+              <a:ext uri="{FF2B5EF4-FFF2-40B4-BE49-F238E27FC236}">
+                <a16:creationId xmlns:a16="http://schemas.microsoft.com/office/drawing/2014/main" id="{64B7D57C-A579-834B-AD55-C8D7DE7039EF}"/>
+              </a:ext>
+            </a:extLst>
+          </p:cNvPr>
+          <p:cNvCxnSpPr>
+            <a:cxnSpLocks/>
+          </p:cNvCxnSpPr>
+          <p:nvPr/>
+        </p:nvCxnSpPr>
+        <p:spPr>
+          <a:xfrm>
+            <a:off x="2690111" y="5017813"/>
+            <a:ext cx="1193519" cy="0"/>
+          </a:xfrm>
+          <a:prstGeom prst="straightConnector1">
+            <a:avLst/>
+          </a:prstGeom>
+          <a:ln>
+            <a:solidFill>
+              <a:srgbClr val="FF0000"/>
+            </a:solidFill>
+            <a:headEnd type="none"/>
+            <a:tailEnd type="none"/>
+          </a:ln>
+          <a:effectLst/>
+        </p:spPr>
+        <p:style>
+          <a:lnRef idx="2">
+            <a:schemeClr val="accent1"/>
+          </a:lnRef>
+          <a:fillRef idx="0">
+            <a:schemeClr val="accent1"/>
+          </a:fillRef>
+          <a:effectRef idx="1">
+            <a:schemeClr val="accent1"/>
+          </a:effectRef>
+          <a:fontRef idx="minor">
+            <a:schemeClr val="tx1"/>
+          </a:fontRef>
+        </p:style>
+      </p:cxnSp>
+    </p:spTree>
+    <p:extLst>
+      <p:ext uri="{BB962C8B-B14F-4D97-AF65-F5344CB8AC3E}">
+        <p14:creationId xmlns:p14="http://schemas.microsoft.com/office/powerpoint/2010/main" val="2149637727"/>
+      </p:ext>
+    </p:extLst>
+  </p:cSld>
+  <p:clrMapOvr>
+    <a:masterClrMapping/>
+  </p:clrMapOvr>
+</p:sld>
+</file>
+
+<file path=ppt/slides/slide8.xml><?xml version="1.0" encoding="utf-8"?>
+<p:sld xmlns:a="http://schemas.openxmlformats.org/drawingml/2006/main" xmlns:r="http://schemas.openxmlformats.org/officeDocument/2006/relationships" xmlns:p="http://schemas.openxmlformats.org/presentationml/2006/main">
+  <p:cSld>
+    <p:spTree>
+      <p:nvGrpSpPr>
+        <p:cNvPr id="1" name=""/>
+        <p:cNvGrpSpPr/>
+        <p:nvPr/>
+      </p:nvGrpSpPr>
+      <p:grpSpPr>
+        <a:xfrm>
+          <a:off x="0" y="0"/>
+          <a:ext cx="0" cy="0"/>
+          <a:chOff x="0" y="0"/>
+          <a:chExt cx="0" cy="0"/>
+        </a:xfrm>
+      </p:grpSpPr>
+      <p:sp>
+        <p:nvSpPr>
+          <p:cNvPr id="73" name="TextBox 72">
+            <a:extLst>
+              <a:ext uri="{FF2B5EF4-FFF2-40B4-BE49-F238E27FC236}">
+                <a16:creationId xmlns:a16="http://schemas.microsoft.com/office/drawing/2014/main" id="{863769F8-02CE-034E-988B-4EF2BB33EA57}"/>
+              </a:ext>
+            </a:extLst>
+          </p:cNvPr>
+          <p:cNvSpPr txBox="1"/>
+          <p:nvPr/>
+        </p:nvSpPr>
+        <p:spPr>
+          <a:xfrm>
+            <a:off x="139700" y="165100"/>
+            <a:ext cx="1111202" cy="369332"/>
+          </a:xfrm>
+          <a:prstGeom prst="rect">
+            <a:avLst/>
+          </a:prstGeom>
+          <a:noFill/>
+        </p:spPr>
+        <p:txBody>
+          <a:bodyPr wrap="none" rtlCol="0">
+            <a:spAutoFit/>
+          </a:bodyPr>
+          <a:lstStyle/>
+          <a:p>
+            <a:r>
+              <a:rPr lang="en-US" dirty="0"/>
+              <a:t>Module D</a:t>
             </a:r>
           </a:p>
         </p:txBody>
@@ -14031,7 +17788,7 @@
         <p:spPr>
           <a:xfrm>
             <a:off x="4631374" y="2447662"/>
-            <a:ext cx="1205971" cy="369332"/>
+            <a:ext cx="610167" cy="369332"/>
           </a:xfrm>
           <a:prstGeom prst="rect">
             <a:avLst/>
@@ -14046,7 +17803,7 @@
           <a:p>
             <a:r>
               <a:rPr lang="en-US" dirty="0"/>
-              <a:t>MUST NOT</a:t>
+              <a:t>MAY</a:t>
             </a:r>
           </a:p>
         </p:txBody>
@@ -15053,6 +18810,102 @@
       </p:sp>
       <p:cxnSp>
         <p:nvCxnSpPr>
+          <p:cNvPr id="68" name="Straight Connector 67">
+            <a:extLst>
+              <a:ext uri="{FF2B5EF4-FFF2-40B4-BE49-F238E27FC236}">
+                <a16:creationId xmlns:a16="http://schemas.microsoft.com/office/drawing/2014/main" id="{7D7BF63B-A1F4-154C-8A4C-E6EC1EDD30FD}"/>
+              </a:ext>
+            </a:extLst>
+          </p:cNvPr>
+          <p:cNvCxnSpPr>
+            <a:cxnSpLocks/>
+          </p:cNvCxnSpPr>
+          <p:nvPr/>
+        </p:nvCxnSpPr>
+        <p:spPr>
+          <a:xfrm>
+            <a:off x="2679237" y="3308452"/>
+            <a:ext cx="759916" cy="0"/>
+          </a:xfrm>
+          <a:prstGeom prst="line">
+            <a:avLst/>
+          </a:prstGeom>
+          <a:ln>
+            <a:solidFill>
+              <a:schemeClr val="tx1">
+                <a:lumMod val="50000"/>
+                <a:lumOff val="50000"/>
+              </a:schemeClr>
+            </a:solidFill>
+            <a:prstDash val="dash"/>
+          </a:ln>
+          <a:effectLst/>
+        </p:spPr>
+        <p:style>
+          <a:lnRef idx="2">
+            <a:schemeClr val="accent1"/>
+          </a:lnRef>
+          <a:fillRef idx="0">
+            <a:schemeClr val="accent1"/>
+          </a:fillRef>
+          <a:effectRef idx="1">
+            <a:schemeClr val="accent1"/>
+          </a:effectRef>
+          <a:fontRef idx="minor">
+            <a:schemeClr val="tx1"/>
+          </a:fontRef>
+        </p:style>
+      </p:cxnSp>
+      <p:cxnSp>
+        <p:nvCxnSpPr>
+          <p:cNvPr id="70" name="Straight Connector 69">
+            <a:extLst>
+              <a:ext uri="{FF2B5EF4-FFF2-40B4-BE49-F238E27FC236}">
+                <a16:creationId xmlns:a16="http://schemas.microsoft.com/office/drawing/2014/main" id="{E56C4988-C2A8-004B-BAFC-C6E678A4118D}"/>
+              </a:ext>
+            </a:extLst>
+          </p:cNvPr>
+          <p:cNvCxnSpPr>
+            <a:cxnSpLocks/>
+          </p:cNvCxnSpPr>
+          <p:nvPr/>
+        </p:nvCxnSpPr>
+        <p:spPr>
+          <a:xfrm>
+            <a:off x="4046216" y="3307647"/>
+            <a:ext cx="269731" cy="0"/>
+          </a:xfrm>
+          <a:prstGeom prst="line">
+            <a:avLst/>
+          </a:prstGeom>
+          <a:ln>
+            <a:solidFill>
+              <a:schemeClr val="tx1">
+                <a:lumMod val="50000"/>
+                <a:lumOff val="50000"/>
+              </a:schemeClr>
+            </a:solidFill>
+            <a:prstDash val="dash"/>
+          </a:ln>
+          <a:effectLst/>
+        </p:spPr>
+        <p:style>
+          <a:lnRef idx="2">
+            <a:schemeClr val="accent1"/>
+          </a:lnRef>
+          <a:fillRef idx="0">
+            <a:schemeClr val="accent1"/>
+          </a:fillRef>
+          <a:effectRef idx="1">
+            <a:schemeClr val="accent1"/>
+          </a:effectRef>
+          <a:fontRef idx="minor">
+            <a:schemeClr val="tx1"/>
+          </a:fontRef>
+        </p:style>
+      </p:cxnSp>
+      <p:cxnSp>
+        <p:nvCxnSpPr>
           <p:cNvPr id="72" name="Straight Connector 71">
             <a:extLst>
               <a:ext uri="{FF2B5EF4-FFF2-40B4-BE49-F238E27FC236}">
@@ -15101,10 +18954,197 @@
       </p:cxnSp>
       <p:sp>
         <p:nvSpPr>
-          <p:cNvPr id="75" name="Rounded Rectangle 74">
+          <p:cNvPr id="56" name="TextBox 55">
             <a:extLst>
               <a:ext uri="{FF2B5EF4-FFF2-40B4-BE49-F238E27FC236}">
-                <a16:creationId xmlns:a16="http://schemas.microsoft.com/office/drawing/2014/main" id="{066E2C9F-C867-D042-87BD-2583BF6BB03C}"/>
+                <a16:creationId xmlns:a16="http://schemas.microsoft.com/office/drawing/2014/main" id="{3DC31A4D-E4AF-BA43-8077-3FCFF3A4D2C6}"/>
+              </a:ext>
+            </a:extLst>
+          </p:cNvPr>
+          <p:cNvSpPr txBox="1"/>
+          <p:nvPr/>
+        </p:nvSpPr>
+        <p:spPr>
+          <a:xfrm>
+            <a:off x="5638113" y="360481"/>
+            <a:ext cx="3066160" cy="523220"/>
+          </a:xfrm>
+          <a:prstGeom prst="rect">
+            <a:avLst/>
+          </a:prstGeom>
+          <a:noFill/>
+        </p:spPr>
+        <p:txBody>
+          <a:bodyPr wrap="none" rtlCol="0">
+            <a:spAutoFit/>
+          </a:bodyPr>
+          <a:lstStyle/>
+          <a:p>
+            <a:r>
+              <a:rPr lang="en-US" sz="2800" b="1" dirty="0">
+                <a:solidFill>
+                  <a:srgbClr val="FF0000"/>
+                </a:solidFill>
+              </a:rPr>
+              <a:t>OBSOLETE: </a:t>
+            </a:r>
+            <a:r>
+              <a:rPr lang="en-US" sz="2800" b="1" dirty="0" err="1">
+                <a:solidFill>
+                  <a:srgbClr val="FF0000"/>
+                </a:solidFill>
+              </a:rPr>
+              <a:t>MapsTo</a:t>
+            </a:r>
+            <a:endParaRPr lang="en-US" sz="2800" b="1" dirty="0">
+              <a:solidFill>
+                <a:srgbClr val="FF0000"/>
+              </a:solidFill>
+            </a:endParaRPr>
+          </a:p>
+        </p:txBody>
+      </p:sp>
+    </p:spTree>
+    <p:extLst>
+      <p:ext uri="{BB962C8B-B14F-4D97-AF65-F5344CB8AC3E}">
+        <p14:creationId xmlns:p14="http://schemas.microsoft.com/office/powerpoint/2010/main" val="2131841584"/>
+      </p:ext>
+    </p:extLst>
+  </p:cSld>
+  <p:clrMapOvr>
+    <a:masterClrMapping/>
+  </p:clrMapOvr>
+</p:sld>
+</file>
+
+<file path=ppt/slides/slide9.xml><?xml version="1.0" encoding="utf-8"?>
+<p:sld xmlns:a="http://schemas.openxmlformats.org/drawingml/2006/main" xmlns:r="http://schemas.openxmlformats.org/officeDocument/2006/relationships" xmlns:p="http://schemas.openxmlformats.org/presentationml/2006/main">
+  <p:cSld>
+    <p:spTree>
+      <p:nvGrpSpPr>
+        <p:cNvPr id="1" name=""/>
+        <p:cNvGrpSpPr/>
+        <p:nvPr/>
+      </p:nvGrpSpPr>
+      <p:grpSpPr>
+        <a:xfrm>
+          <a:off x="0" y="0"/>
+          <a:ext cx="0" cy="0"/>
+          <a:chOff x="0" y="0"/>
+          <a:chExt cx="0" cy="0"/>
+        </a:xfrm>
+      </p:grpSpPr>
+      <p:sp>
+        <p:nvSpPr>
+          <p:cNvPr id="73" name="TextBox 72">
+            <a:extLst>
+              <a:ext uri="{FF2B5EF4-FFF2-40B4-BE49-F238E27FC236}">
+                <a16:creationId xmlns:a16="http://schemas.microsoft.com/office/drawing/2014/main" id="{863769F8-02CE-034E-988B-4EF2BB33EA57}"/>
+              </a:ext>
+            </a:extLst>
+          </p:cNvPr>
+          <p:cNvSpPr txBox="1"/>
+          <p:nvPr/>
+        </p:nvSpPr>
+        <p:spPr>
+          <a:xfrm>
+            <a:off x="139700" y="165100"/>
+            <a:ext cx="1111202" cy="369332"/>
+          </a:xfrm>
+          <a:prstGeom prst="rect">
+            <a:avLst/>
+          </a:prstGeom>
+          <a:noFill/>
+        </p:spPr>
+        <p:txBody>
+          <a:bodyPr wrap="none" rtlCol="0">
+            <a:spAutoFit/>
+          </a:bodyPr>
+          <a:lstStyle/>
+          <a:p>
+            <a:r>
+              <a:rPr lang="en-US" dirty="0"/>
+              <a:t>Module D</a:t>
+            </a:r>
+          </a:p>
+        </p:txBody>
+      </p:sp>
+      <p:sp>
+        <p:nvSpPr>
+          <p:cNvPr id="165" name="TextBox 164">
+            <a:extLst>
+              <a:ext uri="{FF2B5EF4-FFF2-40B4-BE49-F238E27FC236}">
+                <a16:creationId xmlns:a16="http://schemas.microsoft.com/office/drawing/2014/main" id="{80E42378-F9A9-BB48-B159-01E6D56E5DA7}"/>
+              </a:ext>
+            </a:extLst>
+          </p:cNvPr>
+          <p:cNvSpPr txBox="1"/>
+          <p:nvPr/>
+        </p:nvSpPr>
+        <p:spPr>
+          <a:xfrm>
+            <a:off x="3335521" y="320586"/>
+            <a:ext cx="1435201" cy="369332"/>
+          </a:xfrm>
+          <a:prstGeom prst="rect">
+            <a:avLst/>
+          </a:prstGeom>
+          <a:noFill/>
+        </p:spPr>
+        <p:txBody>
+          <a:bodyPr wrap="none" rtlCol="0">
+            <a:spAutoFit/>
+          </a:bodyPr>
+          <a:lstStyle/>
+          <a:p>
+            <a:r>
+              <a:rPr lang="en-US" dirty="0"/>
+              <a:t>SHOULD NOT</a:t>
+            </a:r>
+          </a:p>
+        </p:txBody>
+      </p:sp>
+      <p:sp>
+        <p:nvSpPr>
+          <p:cNvPr id="109" name="TextBox 108">
+            <a:extLst>
+              <a:ext uri="{FF2B5EF4-FFF2-40B4-BE49-F238E27FC236}">
+                <a16:creationId xmlns:a16="http://schemas.microsoft.com/office/drawing/2014/main" id="{46299D71-34A0-674F-A4B1-1B36A54ABCC7}"/>
+              </a:ext>
+            </a:extLst>
+          </p:cNvPr>
+          <p:cNvSpPr txBox="1"/>
+          <p:nvPr/>
+        </p:nvSpPr>
+        <p:spPr>
+          <a:xfrm>
+            <a:off x="4631374" y="2447662"/>
+            <a:ext cx="1205971" cy="369332"/>
+          </a:xfrm>
+          <a:prstGeom prst="rect">
+            <a:avLst/>
+          </a:prstGeom>
+          <a:noFill/>
+        </p:spPr>
+        <p:txBody>
+          <a:bodyPr wrap="none" rtlCol="0">
+            <a:spAutoFit/>
+          </a:bodyPr>
+          <a:lstStyle/>
+          <a:p>
+            <a:r>
+              <a:rPr lang="en-US" dirty="0"/>
+              <a:t>MUST NOT</a:t>
+            </a:r>
+          </a:p>
+        </p:txBody>
+      </p:sp>
+      <p:sp>
+        <p:nvSpPr>
+          <p:cNvPr id="123" name="Rounded Rectangle 122">
+            <a:extLst>
+              <a:ext uri="{FF2B5EF4-FFF2-40B4-BE49-F238E27FC236}">
+                <a16:creationId xmlns:a16="http://schemas.microsoft.com/office/drawing/2014/main" id="{B63430C6-EB59-9245-8AC6-BE3948C72C3B}"/>
               </a:ext>
             </a:extLst>
           </p:cNvPr>
@@ -15113,7 +19153,7 @@
         </p:nvSpPr>
         <p:spPr>
           <a:xfrm>
-            <a:off x="3993381" y="4633754"/>
+            <a:off x="4002121" y="2917514"/>
             <a:ext cx="3653930" cy="1483611"/>
           </a:xfrm>
           <a:prstGeom prst="roundRect">
@@ -15155,23 +19195,23 @@
       </p:sp>
       <p:cxnSp>
         <p:nvCxnSpPr>
-          <p:cNvPr id="76" name="Straight Arrow Connector 5">
+          <p:cNvPr id="124" name="Straight Arrow Connector 5">
             <a:extLst>
               <a:ext uri="{FF2B5EF4-FFF2-40B4-BE49-F238E27FC236}">
-                <a16:creationId xmlns:a16="http://schemas.microsoft.com/office/drawing/2014/main" id="{342B6265-6A50-594C-AE29-9B8A7B1FBB39}"/>
+                <a16:creationId xmlns:a16="http://schemas.microsoft.com/office/drawing/2014/main" id="{89539812-804E-644F-BFCA-2B9DD3459350}"/>
               </a:ext>
             </a:extLst>
           </p:cNvPr>
           <p:cNvCxnSpPr>
             <a:cxnSpLocks/>
-            <a:endCxn id="88" idx="0"/>
+            <a:endCxn id="136" idx="0"/>
           </p:cNvCxnSpPr>
           <p:nvPr/>
         </p:nvCxnSpPr>
         <p:spPr>
           <a:xfrm>
-            <a:off x="2690111" y="5020649"/>
-            <a:ext cx="2387922" cy="226239"/>
+            <a:off x="4770722" y="3308452"/>
+            <a:ext cx="316051" cy="222196"/>
           </a:xfrm>
           <a:prstGeom prst="bentConnector2">
             <a:avLst/>
@@ -15202,10 +19242,10 @@
       </p:cxnSp>
       <p:cxnSp>
         <p:nvCxnSpPr>
-          <p:cNvPr id="77" name="Straight Connector 76">
+          <p:cNvPr id="125" name="Straight Connector 124">
             <a:extLst>
               <a:ext uri="{FF2B5EF4-FFF2-40B4-BE49-F238E27FC236}">
-                <a16:creationId xmlns:a16="http://schemas.microsoft.com/office/drawing/2014/main" id="{399F652F-FC73-EF4E-AB52-17E534E40A09}"/>
+                <a16:creationId xmlns:a16="http://schemas.microsoft.com/office/drawing/2014/main" id="{18FF364C-9A1E-7042-BFF5-08FA96FEECB8}"/>
               </a:ext>
             </a:extLst>
           </p:cNvPr>
@@ -15214,7 +19254,7 @@
         </p:nvCxnSpPr>
         <p:spPr>
           <a:xfrm>
-            <a:off x="4982783" y="5247733"/>
+            <a:off x="4991523" y="3531493"/>
             <a:ext cx="190500" cy="0"/>
           </a:xfrm>
           <a:prstGeom prst="line">
@@ -15244,10 +19284,10 @@
       </p:cxnSp>
       <p:grpSp>
         <p:nvGrpSpPr>
-          <p:cNvPr id="78" name="Group 77">
+          <p:cNvPr id="126" name="Group 125">
             <a:extLst>
               <a:ext uri="{FF2B5EF4-FFF2-40B4-BE49-F238E27FC236}">
-                <a16:creationId xmlns:a16="http://schemas.microsoft.com/office/drawing/2014/main" id="{7F322343-0C68-0D4E-8CA2-158D7319F27E}"/>
+                <a16:creationId xmlns:a16="http://schemas.microsoft.com/office/drawing/2014/main" id="{C8CBB5D3-2A82-F347-8768-A0E26939D826}"/>
               </a:ext>
             </a:extLst>
           </p:cNvPr>
@@ -15256,7 +19296,7 @@
         </p:nvGrpSpPr>
         <p:grpSpPr>
           <a:xfrm>
-            <a:off x="640810" y="5246888"/>
+            <a:off x="649550" y="3530648"/>
             <a:ext cx="2737576" cy="654654"/>
             <a:chOff x="2569133" y="413397"/>
             <a:chExt cx="4196538" cy="1003545"/>
@@ -15264,10 +19304,10 @@
         </p:grpSpPr>
         <p:cxnSp>
           <p:nvCxnSpPr>
-            <p:cNvPr id="79" name="Straight Connector 78">
+            <p:cNvPr id="127" name="Straight Connector 126">
               <a:extLst>
                 <a:ext uri="{FF2B5EF4-FFF2-40B4-BE49-F238E27FC236}">
-                  <a16:creationId xmlns:a16="http://schemas.microsoft.com/office/drawing/2014/main" id="{B0C89411-CEFB-9D4A-A066-5A2E5F42B3CE}"/>
+                  <a16:creationId xmlns:a16="http://schemas.microsoft.com/office/drawing/2014/main" id="{28511621-3697-E641-87CC-23BBD46DE63C}"/>
                 </a:ext>
               </a:extLst>
             </p:cNvPr>
@@ -15310,10 +19350,10 @@
         </p:cxnSp>
         <p:sp>
           <p:nvSpPr>
-            <p:cNvPr id="80" name="Right Arrow 79">
+            <p:cNvPr id="128" name="Right Arrow 127">
               <a:extLst>
                 <a:ext uri="{FF2B5EF4-FFF2-40B4-BE49-F238E27FC236}">
-                  <a16:creationId xmlns:a16="http://schemas.microsoft.com/office/drawing/2014/main" id="{B8ED96CD-FBF9-0E43-BF87-344F542A2625}"/>
+                  <a16:creationId xmlns:a16="http://schemas.microsoft.com/office/drawing/2014/main" id="{05B9150A-7BF8-8643-B2E6-51C25F8533DE}"/>
                 </a:ext>
               </a:extLst>
             </p:cNvPr>
@@ -15374,10 +19414,10 @@
         </p:sp>
         <p:sp>
           <p:nvSpPr>
-            <p:cNvPr id="81" name="Chord 80">
+            <p:cNvPr id="129" name="Chord 128">
               <a:extLst>
                 <a:ext uri="{FF2B5EF4-FFF2-40B4-BE49-F238E27FC236}">
-                  <a16:creationId xmlns:a16="http://schemas.microsoft.com/office/drawing/2014/main" id="{086B8700-13AF-4C49-B3F3-D2DF9BAFD9DA}"/>
+                  <a16:creationId xmlns:a16="http://schemas.microsoft.com/office/drawing/2014/main" id="{4318A2A1-B0F5-BC40-90DF-B4C6ED3A8E7E}"/>
                 </a:ext>
               </a:extLst>
             </p:cNvPr>
@@ -15437,10 +19477,10 @@
         </p:sp>
         <p:pic>
           <p:nvPicPr>
-            <p:cNvPr id="82" name="Picture 81">
+            <p:cNvPr id="130" name="Picture 129">
               <a:extLst>
                 <a:ext uri="{FF2B5EF4-FFF2-40B4-BE49-F238E27FC236}">
-                  <a16:creationId xmlns:a16="http://schemas.microsoft.com/office/drawing/2014/main" id="{895D932A-83E8-1841-82DF-C02B381DBEF6}"/>
+                  <a16:creationId xmlns:a16="http://schemas.microsoft.com/office/drawing/2014/main" id="{48935D8D-7844-4F4E-9097-0A290CBDF431}"/>
                 </a:ext>
               </a:extLst>
             </p:cNvPr>
@@ -15473,10 +19513,10 @@
         </p:pic>
         <p:pic>
           <p:nvPicPr>
-            <p:cNvPr id="83" name="Picture 82">
+            <p:cNvPr id="131" name="Picture 130">
               <a:extLst>
                 <a:ext uri="{FF2B5EF4-FFF2-40B4-BE49-F238E27FC236}">
-                  <a16:creationId xmlns:a16="http://schemas.microsoft.com/office/drawing/2014/main" id="{41997FDE-9127-5C40-A21A-8F0A953B25A6}"/>
+                  <a16:creationId xmlns:a16="http://schemas.microsoft.com/office/drawing/2014/main" id="{84E8D291-662F-9E42-858A-FAC31250F0BD}"/>
                 </a:ext>
               </a:extLst>
             </p:cNvPr>
@@ -15510,10 +19550,10 @@
       </p:grpSp>
       <p:grpSp>
         <p:nvGrpSpPr>
-          <p:cNvPr id="84" name="Group 83">
+          <p:cNvPr id="132" name="Group 131">
             <a:extLst>
               <a:ext uri="{FF2B5EF4-FFF2-40B4-BE49-F238E27FC236}">
-                <a16:creationId xmlns:a16="http://schemas.microsoft.com/office/drawing/2014/main" id="{8F4E72CC-0763-DD43-8F06-9E182492ECAA}"/>
+                <a16:creationId xmlns:a16="http://schemas.microsoft.com/office/drawing/2014/main" id="{F8730F51-65CC-8145-A9A5-CBBF1D1919EC}"/>
               </a:ext>
             </a:extLst>
           </p:cNvPr>
@@ -15522,7 +19562,7 @@
         </p:nvGrpSpPr>
         <p:grpSpPr>
           <a:xfrm>
-            <a:off x="4721632" y="5246888"/>
+            <a:off x="4730372" y="3530648"/>
             <a:ext cx="2689434" cy="654654"/>
             <a:chOff x="2642932" y="413397"/>
             <a:chExt cx="4122739" cy="1003545"/>
@@ -15530,10 +19570,10 @@
         </p:grpSpPr>
         <p:cxnSp>
           <p:nvCxnSpPr>
-            <p:cNvPr id="85" name="Straight Connector 84">
+            <p:cNvPr id="133" name="Straight Connector 132">
               <a:extLst>
                 <a:ext uri="{FF2B5EF4-FFF2-40B4-BE49-F238E27FC236}">
-                  <a16:creationId xmlns:a16="http://schemas.microsoft.com/office/drawing/2014/main" id="{3B59A059-825F-6D4B-8853-4F47D3B0C6A4}"/>
+                  <a16:creationId xmlns:a16="http://schemas.microsoft.com/office/drawing/2014/main" id="{033886BB-4AE9-5148-AC86-C38D4785D046}"/>
                 </a:ext>
               </a:extLst>
             </p:cNvPr>
@@ -15578,10 +19618,10 @@
         </p:cxnSp>
         <p:sp>
           <p:nvSpPr>
-            <p:cNvPr id="86" name="Right Arrow 85">
+            <p:cNvPr id="134" name="Right Arrow 133">
               <a:extLst>
                 <a:ext uri="{FF2B5EF4-FFF2-40B4-BE49-F238E27FC236}">
-                  <a16:creationId xmlns:a16="http://schemas.microsoft.com/office/drawing/2014/main" id="{0483E213-F299-6448-830E-1B9B22EA791C}"/>
+                  <a16:creationId xmlns:a16="http://schemas.microsoft.com/office/drawing/2014/main" id="{09CFEDCF-001E-2B46-8528-F5D89CE7D8E6}"/>
                 </a:ext>
               </a:extLst>
             </p:cNvPr>
@@ -15642,10 +19682,10 @@
         </p:sp>
         <p:sp>
           <p:nvSpPr>
-            <p:cNvPr id="87" name="Chord 86">
+            <p:cNvPr id="135" name="Chord 134">
               <a:extLst>
                 <a:ext uri="{FF2B5EF4-FFF2-40B4-BE49-F238E27FC236}">
-                  <a16:creationId xmlns:a16="http://schemas.microsoft.com/office/drawing/2014/main" id="{1A32DF0C-A117-3C49-A6BF-F4F4FE92B5C3}"/>
+                  <a16:creationId xmlns:a16="http://schemas.microsoft.com/office/drawing/2014/main" id="{30C134E0-A2C4-0C48-8E1F-A00CC76F5697}"/>
                 </a:ext>
               </a:extLst>
             </p:cNvPr>
@@ -15705,10 +19745,10 @@
         </p:sp>
         <p:pic>
           <p:nvPicPr>
-            <p:cNvPr id="88" name="Picture 87">
+            <p:cNvPr id="136" name="Picture 135">
               <a:extLst>
                 <a:ext uri="{FF2B5EF4-FFF2-40B4-BE49-F238E27FC236}">
-                  <a16:creationId xmlns:a16="http://schemas.microsoft.com/office/drawing/2014/main" id="{6750FD3C-715E-0641-9E46-D448191C6B0A}"/>
+                  <a16:creationId xmlns:a16="http://schemas.microsoft.com/office/drawing/2014/main" id="{1FB8AABB-8744-8A47-A8D8-29ABC5F7C269}"/>
                 </a:ext>
               </a:extLst>
             </p:cNvPr>
@@ -15741,10 +19781,10 @@
         </p:pic>
         <p:pic>
           <p:nvPicPr>
-            <p:cNvPr id="93" name="Picture 92">
+            <p:cNvPr id="137" name="Picture 136">
               <a:extLst>
                 <a:ext uri="{FF2B5EF4-FFF2-40B4-BE49-F238E27FC236}">
-                  <a16:creationId xmlns:a16="http://schemas.microsoft.com/office/drawing/2014/main" id="{474AF545-491F-6C4D-9769-7040606050C8}"/>
+                  <a16:creationId xmlns:a16="http://schemas.microsoft.com/office/drawing/2014/main" id="{2AD66491-7699-F443-A45A-22CA296E7791}"/>
                 </a:ext>
               </a:extLst>
             </p:cNvPr>
@@ -15778,10 +19818,10 @@
       </p:grpSp>
       <p:pic>
         <p:nvPicPr>
-          <p:cNvPr id="94" name="Picture 93">
+          <p:cNvPr id="138" name="Picture 137">
             <a:extLst>
               <a:ext uri="{FF2B5EF4-FFF2-40B4-BE49-F238E27FC236}">
-                <a16:creationId xmlns:a16="http://schemas.microsoft.com/office/drawing/2014/main" id="{2CFF4F59-E5BD-354F-A758-1CF2303C8715}"/>
+                <a16:creationId xmlns:a16="http://schemas.microsoft.com/office/drawing/2014/main" id="{919F43F9-0B0D-5841-A3CA-E6945F62917F}"/>
               </a:ext>
             </a:extLst>
           </p:cNvPr>
@@ -15797,7 +19837,7 @@
         </p:blipFill>
         <p:spPr>
           <a:xfrm>
-            <a:off x="5950352" y="4542573"/>
+            <a:off x="5959092" y="2826333"/>
             <a:ext cx="951389" cy="951389"/>
           </a:xfrm>
           <a:prstGeom prst="rect">
@@ -15807,10 +19847,10 @@
       </p:pic>
       <p:cxnSp>
         <p:nvCxnSpPr>
-          <p:cNvPr id="95" name="Straight Arrow Connector 94">
+          <p:cNvPr id="139" name="Straight Arrow Connector 138">
             <a:extLst>
               <a:ext uri="{FF2B5EF4-FFF2-40B4-BE49-F238E27FC236}">
-                <a16:creationId xmlns:a16="http://schemas.microsoft.com/office/drawing/2014/main" id="{42D58A2C-3611-B24A-A463-78668FF47330}"/>
+                <a16:creationId xmlns:a16="http://schemas.microsoft.com/office/drawing/2014/main" id="{5D7E226D-B084-C24A-9FE1-CC9461D55C78}"/>
               </a:ext>
             </a:extLst>
           </p:cNvPr>
@@ -15819,7 +19859,7 @@
         </p:nvCxnSpPr>
         <p:spPr>
           <a:xfrm flipV="1">
-            <a:off x="6447409" y="5246888"/>
+            <a:off x="6456149" y="3530648"/>
             <a:ext cx="0" cy="343873"/>
           </a:xfrm>
           <a:prstGeom prst="straightConnector1">
@@ -15852,10 +19892,10 @@
       </p:cxnSp>
       <p:sp>
         <p:nvSpPr>
-          <p:cNvPr id="96" name="Rounded Rectangle 95">
+          <p:cNvPr id="140" name="Rounded Rectangle 139">
             <a:extLst>
               <a:ext uri="{FF2B5EF4-FFF2-40B4-BE49-F238E27FC236}">
-                <a16:creationId xmlns:a16="http://schemas.microsoft.com/office/drawing/2014/main" id="{3F67A115-F152-F94B-AF1A-8B6EC3C5CFEA}"/>
+                <a16:creationId xmlns:a16="http://schemas.microsoft.com/office/drawing/2014/main" id="{BE624CF9-B96F-FF45-AF7A-430F8CDB248B}"/>
               </a:ext>
             </a:extLst>
           </p:cNvPr>
@@ -15864,7 +19904,7 @@
         </p:nvSpPr>
         <p:spPr>
           <a:xfrm>
-            <a:off x="569832" y="4633754"/>
+            <a:off x="578572" y="2917514"/>
             <a:ext cx="2860581" cy="1483611"/>
           </a:xfrm>
           <a:prstGeom prst="roundRect">
@@ -15906,10 +19946,10 @@
       </p:sp>
       <p:pic>
         <p:nvPicPr>
-          <p:cNvPr id="97" name="Picture 96">
+          <p:cNvPr id="61" name="Picture 60">
             <a:extLst>
               <a:ext uri="{FF2B5EF4-FFF2-40B4-BE49-F238E27FC236}">
-                <a16:creationId xmlns:a16="http://schemas.microsoft.com/office/drawing/2014/main" id="{78A0D338-D3FD-5646-A888-9E8793E1A2DE}"/>
+                <a16:creationId xmlns:a16="http://schemas.microsoft.com/office/drawing/2014/main" id="{CF4D7D85-A4F9-2B46-9117-DC775D515ADF}"/>
               </a:ext>
             </a:extLst>
           </p:cNvPr>
@@ -15925,7 +19965,36 @@
         </p:blipFill>
         <p:spPr>
           <a:xfrm>
-            <a:off x="1994993" y="4544219"/>
+            <a:off x="2003733" y="2827979"/>
+            <a:ext cx="951389" cy="951389"/>
+          </a:xfrm>
+          <a:prstGeom prst="rect">
+            <a:avLst/>
+          </a:prstGeom>
+        </p:spPr>
+      </p:pic>
+      <p:pic>
+        <p:nvPicPr>
+          <p:cNvPr id="62" name="Picture 61">
+            <a:extLst>
+              <a:ext uri="{FF2B5EF4-FFF2-40B4-BE49-F238E27FC236}">
+                <a16:creationId xmlns:a16="http://schemas.microsoft.com/office/drawing/2014/main" id="{50CC967E-5654-0F41-B0A0-E777A8B1B46F}"/>
+              </a:ext>
+            </a:extLst>
+          </p:cNvPr>
+          <p:cNvPicPr>
+            <a:picLocks noChangeAspect="1"/>
+          </p:cNvPicPr>
+          <p:nvPr/>
+        </p:nvPicPr>
+        <p:blipFill rotWithShape="1">
+          <a:blip r:embed="rId4"/>
+          <a:srcRect/>
+          <a:stretch/>
+        </p:blipFill>
+        <p:spPr>
+          <a:xfrm>
+            <a:off x="4069968" y="2845919"/>
             <a:ext cx="951389" cy="951389"/>
           </a:xfrm>
           <a:prstGeom prst="rect">
@@ -15935,10 +20004,10 @@
       </p:pic>
       <p:cxnSp>
         <p:nvCxnSpPr>
-          <p:cNvPr id="100" name="Straight Arrow Connector 99">
+          <p:cNvPr id="6" name="Straight Arrow Connector 5">
             <a:extLst>
               <a:ext uri="{FF2B5EF4-FFF2-40B4-BE49-F238E27FC236}">
-                <a16:creationId xmlns:a16="http://schemas.microsoft.com/office/drawing/2014/main" id="{2A7DF399-D800-0444-89BB-AC1618A2CFE1}"/>
+                <a16:creationId xmlns:a16="http://schemas.microsoft.com/office/drawing/2014/main" id="{CD1B60FD-5CA1-9C44-90B8-F1FE45B5DA86}"/>
               </a:ext>
             </a:extLst>
           </p:cNvPr>
@@ -15947,7 +20016,7 @@
         </p:nvCxnSpPr>
         <p:spPr>
           <a:xfrm flipV="1">
-            <a:off x="2469417" y="5246888"/>
+            <a:off x="2478157" y="3530648"/>
             <a:ext cx="0" cy="343873"/>
           </a:xfrm>
           <a:prstGeom prst="straightConnector1">
@@ -15974,10 +20043,10 @@
       </p:cxnSp>
       <p:sp>
         <p:nvSpPr>
-          <p:cNvPr id="101" name="Rectangle 100">
+          <p:cNvPr id="66" name="Rectangle 65">
             <a:extLst>
               <a:ext uri="{FF2B5EF4-FFF2-40B4-BE49-F238E27FC236}">
-                <a16:creationId xmlns:a16="http://schemas.microsoft.com/office/drawing/2014/main" id="{286F9938-088F-2249-A30A-F53EFC95520B}"/>
+                <a16:creationId xmlns:a16="http://schemas.microsoft.com/office/drawing/2014/main" id="{337CAEC5-5859-6143-8788-CF5AC99E4114}"/>
               </a:ext>
             </a:extLst>
           </p:cNvPr>
@@ -15986,7 +20055,7 @@
         </p:nvSpPr>
         <p:spPr>
           <a:xfrm>
-            <a:off x="3919217" y="5383971"/>
+            <a:off x="3927957" y="3193169"/>
             <a:ext cx="72024" cy="217715"/>
           </a:xfrm>
           <a:prstGeom prst="rect">
@@ -16023,10 +20092,10 @@
       </p:sp>
       <p:sp>
         <p:nvSpPr>
-          <p:cNvPr id="102" name="Rectangle 101">
+          <p:cNvPr id="67" name="Rectangle 66">
             <a:extLst>
               <a:ext uri="{FF2B5EF4-FFF2-40B4-BE49-F238E27FC236}">
-                <a16:creationId xmlns:a16="http://schemas.microsoft.com/office/drawing/2014/main" id="{72E8FA23-C4E9-DA4C-BF8A-F83D87F21551}"/>
+                <a16:creationId xmlns:a16="http://schemas.microsoft.com/office/drawing/2014/main" id="{A9CFD0E9-DCAE-B447-9D6F-62E6C9FEBFAA}"/>
               </a:ext>
             </a:extLst>
           </p:cNvPr>
@@ -16035,7 +20104,7 @@
         </p:nvSpPr>
         <p:spPr>
           <a:xfrm>
-            <a:off x="3435681" y="5383971"/>
+            <a:off x="3444421" y="3193169"/>
             <a:ext cx="72024" cy="217715"/>
           </a:xfrm>
           <a:prstGeom prst="rect">
@@ -16070,6 +20139,54 @@
           </a:p>
         </p:txBody>
       </p:sp>
+      <p:cxnSp>
+        <p:nvCxnSpPr>
+          <p:cNvPr id="72" name="Straight Connector 71">
+            <a:extLst>
+              <a:ext uri="{FF2B5EF4-FFF2-40B4-BE49-F238E27FC236}">
+                <a16:creationId xmlns:a16="http://schemas.microsoft.com/office/drawing/2014/main" id="{781EA4E3-CE8A-F94A-9507-A2CB5C0320BA}"/>
+              </a:ext>
+            </a:extLst>
+          </p:cNvPr>
+          <p:cNvCxnSpPr>
+            <a:cxnSpLocks/>
+          </p:cNvCxnSpPr>
+          <p:nvPr/>
+        </p:nvCxnSpPr>
+        <p:spPr>
+          <a:xfrm>
+            <a:off x="3533596" y="3312292"/>
+            <a:ext cx="382485" cy="0"/>
+          </a:xfrm>
+          <a:prstGeom prst="line">
+            <a:avLst/>
+          </a:prstGeom>
+          <a:ln>
+            <a:solidFill>
+              <a:schemeClr val="tx1">
+                <a:lumMod val="50000"/>
+                <a:lumOff val="50000"/>
+              </a:schemeClr>
+            </a:solidFill>
+            <a:prstDash val="dash"/>
+          </a:ln>
+          <a:effectLst/>
+        </p:spPr>
+        <p:style>
+          <a:lnRef idx="2">
+            <a:schemeClr val="accent1"/>
+          </a:lnRef>
+          <a:fillRef idx="0">
+            <a:schemeClr val="accent1"/>
+          </a:fillRef>
+          <a:effectRef idx="1">
+            <a:schemeClr val="accent1"/>
+          </a:effectRef>
+          <a:fontRef idx="minor">
+            <a:schemeClr val="tx1"/>
+          </a:fontRef>
+        </p:style>
+      </p:cxnSp>
       <p:sp>
         <p:nvSpPr>
           <p:cNvPr id="115" name="Rounded Rectangle 114">
@@ -17118,10 +21235,62 @@
           </a:fontRef>
         </p:style>
       </p:cxnSp>
+      <p:sp>
+        <p:nvSpPr>
+          <p:cNvPr id="89" name="TextBox 88">
+            <a:extLst>
+              <a:ext uri="{FF2B5EF4-FFF2-40B4-BE49-F238E27FC236}">
+                <a16:creationId xmlns:a16="http://schemas.microsoft.com/office/drawing/2014/main" id="{E44256E9-4420-9645-85CC-0722F6895179}"/>
+              </a:ext>
+            </a:extLst>
+          </p:cNvPr>
+          <p:cNvSpPr txBox="1"/>
+          <p:nvPr/>
+        </p:nvSpPr>
+        <p:spPr>
+          <a:xfrm>
+            <a:off x="5638113" y="360481"/>
+            <a:ext cx="3066160" cy="523220"/>
+          </a:xfrm>
+          <a:prstGeom prst="rect">
+            <a:avLst/>
+          </a:prstGeom>
+          <a:noFill/>
+        </p:spPr>
+        <p:txBody>
+          <a:bodyPr wrap="none" rtlCol="0">
+            <a:spAutoFit/>
+          </a:bodyPr>
+          <a:lstStyle/>
+          <a:p>
+            <a:r>
+              <a:rPr lang="en-US" sz="2800" b="1" dirty="0">
+                <a:solidFill>
+                  <a:srgbClr val="FF0000"/>
+                </a:solidFill>
+              </a:rPr>
+              <a:t>OBSOLETE: </a:t>
+            </a:r>
+            <a:r>
+              <a:rPr lang="en-US" sz="2800" b="1" dirty="0" err="1">
+                <a:solidFill>
+                  <a:srgbClr val="FF0000"/>
+                </a:solidFill>
+              </a:rPr>
+              <a:t>MapsTo</a:t>
+            </a:r>
+            <a:endParaRPr lang="en-US" sz="2800" b="1" dirty="0">
+              <a:solidFill>
+                <a:srgbClr val="FF0000"/>
+              </a:solidFill>
+            </a:endParaRPr>
+          </a:p>
+        </p:txBody>
+      </p:sp>
     </p:spTree>
     <p:extLst>
       <p:ext uri="{BB962C8B-B14F-4D97-AF65-F5344CB8AC3E}">
-        <p14:creationId xmlns:p14="http://schemas.microsoft.com/office/powerpoint/2010/main" val="2149637727"/>
+        <p14:creationId xmlns:p14="http://schemas.microsoft.com/office/powerpoint/2010/main" val="1691776081"/>
       </p:ext>
     </p:extLst>
   </p:cSld>

--- a/specification/imgsrc/modules.pptx
+++ b/specification/imgsrc/modules.pptx
@@ -3716,35 +3716,6 @@
           </p:spPr>
         </p:pic>
       </p:grpSp>
-      <p:pic>
-        <p:nvPicPr>
-          <p:cNvPr id="71" name="Picture 70">
-            <a:extLst>
-              <a:ext uri="{FF2B5EF4-FFF2-40B4-BE49-F238E27FC236}">
-                <a16:creationId xmlns:a16="http://schemas.microsoft.com/office/drawing/2014/main" id="{3266F264-8477-BA4A-BDC8-58B07A3C38BF}"/>
-              </a:ext>
-            </a:extLst>
-          </p:cNvPr>
-          <p:cNvPicPr>
-            <a:picLocks noChangeAspect="1"/>
-          </p:cNvPicPr>
-          <p:nvPr/>
-        </p:nvPicPr>
-        <p:blipFill rotWithShape="1">
-          <a:blip r:embed="rId4"/>
-          <a:srcRect/>
-          <a:stretch/>
-        </p:blipFill>
-        <p:spPr>
-          <a:xfrm>
-            <a:off x="5598943" y="678119"/>
-            <a:ext cx="951389" cy="951389"/>
-          </a:xfrm>
-          <a:prstGeom prst="rect">
-            <a:avLst/>
-          </a:prstGeom>
-        </p:spPr>
-      </p:pic>
       <p:sp>
         <p:nvSpPr>
           <p:cNvPr id="3" name="Rectangle 2">
@@ -4549,6 +4520,61 @@
           </a:p>
         </p:txBody>
       </p:sp>
+      <p:sp>
+        <p:nvSpPr>
+          <p:cNvPr id="35" name="Rounded Rectangle 34">
+            <a:extLst>
+              <a:ext uri="{FF2B5EF4-FFF2-40B4-BE49-F238E27FC236}">
+                <a16:creationId xmlns:a16="http://schemas.microsoft.com/office/drawing/2014/main" id="{AB735F75-C160-DD41-8DDA-ED8ED2C81D4F}"/>
+              </a:ext>
+            </a:extLst>
+          </p:cNvPr>
+          <p:cNvSpPr/>
+          <p:nvPr/>
+        </p:nvSpPr>
+        <p:spPr>
+          <a:xfrm>
+            <a:off x="5838118" y="1083510"/>
+            <a:ext cx="515764" cy="282671"/>
+          </a:xfrm>
+          <a:prstGeom prst="roundRect">
+            <a:avLst>
+              <a:gd name="adj" fmla="val 50000"/>
+            </a:avLst>
+          </a:prstGeom>
+          <a:solidFill>
+            <a:schemeClr val="bg1"/>
+          </a:solidFill>
+          <a:ln w="19050">
+            <a:solidFill>
+              <a:schemeClr val="tx1"/>
+            </a:solidFill>
+          </a:ln>
+          <a:effectLst/>
+        </p:spPr>
+        <p:style>
+          <a:lnRef idx="1">
+            <a:schemeClr val="accent1"/>
+          </a:lnRef>
+          <a:fillRef idx="3">
+            <a:schemeClr val="accent1"/>
+          </a:fillRef>
+          <a:effectRef idx="2">
+            <a:schemeClr val="accent1"/>
+          </a:effectRef>
+          <a:fontRef idx="minor">
+            <a:schemeClr val="lt1"/>
+          </a:fontRef>
+        </p:style>
+        <p:txBody>
+          <a:bodyPr rtlCol="0" anchor="ctr"/>
+          <a:lstStyle/>
+          <a:p>
+            <a:pPr algn="ctr"/>
+            <a:endParaRPr lang="en-US"/>
+          </a:p>
+        </p:txBody>
+      </p:sp>
     </p:spTree>
     <p:extLst>
       <p:ext uri="{BB962C8B-B14F-4D97-AF65-F5344CB8AC3E}">
@@ -5267,35 +5293,6 @@
           </p:spPr>
         </p:pic>
       </p:grpSp>
-      <p:pic>
-        <p:nvPicPr>
-          <p:cNvPr id="161" name="Picture 160">
-            <a:extLst>
-              <a:ext uri="{FF2B5EF4-FFF2-40B4-BE49-F238E27FC236}">
-                <a16:creationId xmlns:a16="http://schemas.microsoft.com/office/drawing/2014/main" id="{2002AE8A-0E32-984A-B7E2-1AB3BC4FE7A9}"/>
-              </a:ext>
-            </a:extLst>
-          </p:cNvPr>
-          <p:cNvPicPr>
-            <a:picLocks noChangeAspect="1"/>
-          </p:cNvPicPr>
-          <p:nvPr/>
-        </p:nvPicPr>
-        <p:blipFill rotWithShape="1">
-          <a:blip r:embed="rId4"/>
-          <a:srcRect/>
-          <a:stretch/>
-        </p:blipFill>
-        <p:spPr>
-          <a:xfrm>
-            <a:off x="5677942" y="1083897"/>
-            <a:ext cx="951389" cy="951389"/>
-          </a:xfrm>
-          <a:prstGeom prst="rect">
-            <a:avLst/>
-          </a:prstGeom>
-        </p:spPr>
-      </p:pic>
       <p:cxnSp>
         <p:nvCxnSpPr>
           <p:cNvPr id="162" name="Straight Arrow Connector 161">
@@ -6141,6 +6138,61 @@
           </a:p>
         </p:txBody>
       </p:sp>
+      <p:sp>
+        <p:nvSpPr>
+          <p:cNvPr id="34" name="Rounded Rectangle 33">
+            <a:extLst>
+              <a:ext uri="{FF2B5EF4-FFF2-40B4-BE49-F238E27FC236}">
+                <a16:creationId xmlns:a16="http://schemas.microsoft.com/office/drawing/2014/main" id="{98C3C896-45CB-DE49-952C-8CADE0F23902}"/>
+              </a:ext>
+            </a:extLst>
+          </p:cNvPr>
+          <p:cNvSpPr/>
+          <p:nvPr/>
+        </p:nvSpPr>
+        <p:spPr>
+          <a:xfrm>
+            <a:off x="5910036" y="1473926"/>
+            <a:ext cx="515764" cy="282671"/>
+          </a:xfrm>
+          <a:prstGeom prst="roundRect">
+            <a:avLst>
+              <a:gd name="adj" fmla="val 50000"/>
+            </a:avLst>
+          </a:prstGeom>
+          <a:solidFill>
+            <a:schemeClr val="bg1"/>
+          </a:solidFill>
+          <a:ln w="19050">
+            <a:solidFill>
+              <a:schemeClr val="tx1"/>
+            </a:solidFill>
+          </a:ln>
+          <a:effectLst/>
+        </p:spPr>
+        <p:style>
+          <a:lnRef idx="1">
+            <a:schemeClr val="accent1"/>
+          </a:lnRef>
+          <a:fillRef idx="3">
+            <a:schemeClr val="accent1"/>
+          </a:fillRef>
+          <a:effectRef idx="2">
+            <a:schemeClr val="accent1"/>
+          </a:effectRef>
+          <a:fontRef idx="minor">
+            <a:schemeClr val="lt1"/>
+          </a:fontRef>
+        </p:style>
+        <p:txBody>
+          <a:bodyPr rtlCol="0" anchor="ctr"/>
+          <a:lstStyle/>
+          <a:p>
+            <a:pPr algn="ctr"/>
+            <a:endParaRPr lang="en-US"/>
+          </a:p>
+        </p:txBody>
+      </p:sp>
     </p:spTree>
     <p:extLst>
       <p:ext uri="{BB962C8B-B14F-4D97-AF65-F5344CB8AC3E}">
@@ -9888,35 +9940,6 @@
           </p:spPr>
         </p:pic>
       </p:grpSp>
-      <p:pic>
-        <p:nvPicPr>
-          <p:cNvPr id="120" name="Picture 119">
-            <a:extLst>
-              <a:ext uri="{FF2B5EF4-FFF2-40B4-BE49-F238E27FC236}">
-                <a16:creationId xmlns:a16="http://schemas.microsoft.com/office/drawing/2014/main" id="{32D3CC70-76C8-9146-A50D-3EE9971EC759}"/>
-              </a:ext>
-            </a:extLst>
-          </p:cNvPr>
-          <p:cNvPicPr>
-            <a:picLocks noChangeAspect="1"/>
-          </p:cNvPicPr>
-          <p:nvPr/>
-        </p:nvPicPr>
-        <p:blipFill rotWithShape="1">
-          <a:blip r:embed="rId4"/>
-          <a:srcRect/>
-          <a:stretch/>
-        </p:blipFill>
-        <p:spPr>
-          <a:xfrm>
-            <a:off x="5598943" y="2873455"/>
-            <a:ext cx="951389" cy="951389"/>
-          </a:xfrm>
-          <a:prstGeom prst="rect">
-            <a:avLst/>
-          </a:prstGeom>
-        </p:spPr>
-      </p:pic>
       <p:cxnSp>
         <p:nvCxnSpPr>
           <p:cNvPr id="121" name="Straight Arrow Connector 120">
@@ -10640,35 +10663,6 @@
           </p:spPr>
         </p:pic>
       </p:grpSp>
-      <p:pic>
-        <p:nvPicPr>
-          <p:cNvPr id="156" name="Picture 155">
-            <a:extLst>
-              <a:ext uri="{FF2B5EF4-FFF2-40B4-BE49-F238E27FC236}">
-                <a16:creationId xmlns:a16="http://schemas.microsoft.com/office/drawing/2014/main" id="{235321AD-6816-FB4C-BEBA-85174CCD5CCA}"/>
-              </a:ext>
-            </a:extLst>
-          </p:cNvPr>
-          <p:cNvPicPr>
-            <a:picLocks noChangeAspect="1"/>
-          </p:cNvPicPr>
-          <p:nvPr/>
-        </p:nvPicPr>
-        <p:blipFill rotWithShape="1">
-          <a:blip r:embed="rId4"/>
-          <a:srcRect/>
-          <a:stretch/>
-        </p:blipFill>
-        <p:spPr>
-          <a:xfrm>
-            <a:off x="5643472" y="724056"/>
-            <a:ext cx="951389" cy="951389"/>
-          </a:xfrm>
-          <a:prstGeom prst="rect">
-            <a:avLst/>
-          </a:prstGeom>
-        </p:spPr>
-      </p:pic>
       <p:cxnSp>
         <p:nvCxnSpPr>
           <p:cNvPr id="157" name="Straight Arrow Connector 156">
@@ -10678,13 +10672,15 @@
               </a:ext>
             </a:extLst>
           </p:cNvPr>
-          <p:cNvCxnSpPr/>
+          <p:cNvCxnSpPr>
+            <a:cxnSpLocks/>
+          </p:cNvCxnSpPr>
           <p:nvPr/>
         </p:nvCxnSpPr>
         <p:spPr>
           <a:xfrm flipV="1">
-            <a:off x="6140529" y="1428371"/>
-            <a:ext cx="0" cy="343873"/>
+            <a:off x="6140529" y="1263988"/>
+            <a:ext cx="0" cy="508256"/>
           </a:xfrm>
           <a:prstGeom prst="straightConnector1">
             <a:avLst/>
@@ -11392,35 +11388,6 @@
           </p:spPr>
         </p:pic>
       </p:grpSp>
-      <p:pic>
-        <p:nvPicPr>
-          <p:cNvPr id="75" name="Picture 74">
-            <a:extLst>
-              <a:ext uri="{FF2B5EF4-FFF2-40B4-BE49-F238E27FC236}">
-                <a16:creationId xmlns:a16="http://schemas.microsoft.com/office/drawing/2014/main" id="{C5A9F333-06BE-444F-9CDB-4E50B613F807}"/>
-              </a:ext>
-            </a:extLst>
-          </p:cNvPr>
-          <p:cNvPicPr>
-            <a:picLocks noChangeAspect="1"/>
-          </p:cNvPicPr>
-          <p:nvPr/>
-        </p:nvPicPr>
-        <p:blipFill rotWithShape="1">
-          <a:blip r:embed="rId4"/>
-          <a:srcRect/>
-          <a:stretch/>
-        </p:blipFill>
-        <p:spPr>
-          <a:xfrm>
-            <a:off x="5598943" y="4634425"/>
-            <a:ext cx="951389" cy="951389"/>
-          </a:xfrm>
-          <a:prstGeom prst="rect">
-            <a:avLst/>
-          </a:prstGeom>
-        </p:spPr>
-      </p:pic>
       <p:cxnSp>
         <p:nvCxnSpPr>
           <p:cNvPr id="76" name="Straight Arrow Connector 75">
@@ -11509,6 +11476,171 @@
           </a:effectRef>
           <a:fontRef idx="minor">
             <a:schemeClr val="dk1"/>
+          </a:fontRef>
+        </p:style>
+        <p:txBody>
+          <a:bodyPr rtlCol="0" anchor="ctr"/>
+          <a:lstStyle/>
+          <a:p>
+            <a:pPr algn="ctr"/>
+            <a:endParaRPr lang="en-US"/>
+          </a:p>
+        </p:txBody>
+      </p:sp>
+      <p:sp>
+        <p:nvSpPr>
+          <p:cNvPr id="78" name="Rounded Rectangle 77">
+            <a:extLst>
+              <a:ext uri="{FF2B5EF4-FFF2-40B4-BE49-F238E27FC236}">
+                <a16:creationId xmlns:a16="http://schemas.microsoft.com/office/drawing/2014/main" id="{2874FE98-31D4-B84B-84D1-8BD7BE94FC2B}"/>
+              </a:ext>
+            </a:extLst>
+          </p:cNvPr>
+          <p:cNvSpPr/>
+          <p:nvPr/>
+        </p:nvSpPr>
+        <p:spPr>
+          <a:xfrm>
+            <a:off x="5868940" y="991044"/>
+            <a:ext cx="515764" cy="282671"/>
+          </a:xfrm>
+          <a:prstGeom prst="roundRect">
+            <a:avLst>
+              <a:gd name="adj" fmla="val 50000"/>
+            </a:avLst>
+          </a:prstGeom>
+          <a:solidFill>
+            <a:schemeClr val="bg1"/>
+          </a:solidFill>
+          <a:ln w="19050">
+            <a:solidFill>
+              <a:schemeClr val="tx1"/>
+            </a:solidFill>
+          </a:ln>
+          <a:effectLst/>
+        </p:spPr>
+        <p:style>
+          <a:lnRef idx="1">
+            <a:schemeClr val="accent1"/>
+          </a:lnRef>
+          <a:fillRef idx="3">
+            <a:schemeClr val="accent1"/>
+          </a:fillRef>
+          <a:effectRef idx="2">
+            <a:schemeClr val="accent1"/>
+          </a:effectRef>
+          <a:fontRef idx="minor">
+            <a:schemeClr val="lt1"/>
+          </a:fontRef>
+        </p:style>
+        <p:txBody>
+          <a:bodyPr rtlCol="0" anchor="ctr"/>
+          <a:lstStyle/>
+          <a:p>
+            <a:pPr algn="ctr"/>
+            <a:endParaRPr lang="en-US"/>
+          </a:p>
+        </p:txBody>
+      </p:sp>
+      <p:sp>
+        <p:nvSpPr>
+          <p:cNvPr id="79" name="Rounded Rectangle 78">
+            <a:extLst>
+              <a:ext uri="{FF2B5EF4-FFF2-40B4-BE49-F238E27FC236}">
+                <a16:creationId xmlns:a16="http://schemas.microsoft.com/office/drawing/2014/main" id="{756A1F8E-6DF3-804C-8609-17144AFF777A}"/>
+              </a:ext>
+            </a:extLst>
+          </p:cNvPr>
+          <p:cNvSpPr/>
+          <p:nvPr/>
+        </p:nvSpPr>
+        <p:spPr>
+          <a:xfrm>
+            <a:off x="5838118" y="3293153"/>
+            <a:ext cx="515764" cy="282671"/>
+          </a:xfrm>
+          <a:prstGeom prst="roundRect">
+            <a:avLst>
+              <a:gd name="adj" fmla="val 50000"/>
+            </a:avLst>
+          </a:prstGeom>
+          <a:solidFill>
+            <a:schemeClr val="bg1"/>
+          </a:solidFill>
+          <a:ln w="19050">
+            <a:solidFill>
+              <a:schemeClr val="tx1"/>
+            </a:solidFill>
+          </a:ln>
+          <a:effectLst/>
+        </p:spPr>
+        <p:style>
+          <a:lnRef idx="1">
+            <a:schemeClr val="accent1"/>
+          </a:lnRef>
+          <a:fillRef idx="3">
+            <a:schemeClr val="accent1"/>
+          </a:fillRef>
+          <a:effectRef idx="2">
+            <a:schemeClr val="accent1"/>
+          </a:effectRef>
+          <a:fontRef idx="minor">
+            <a:schemeClr val="lt1"/>
+          </a:fontRef>
+        </p:style>
+        <p:txBody>
+          <a:bodyPr rtlCol="0" anchor="ctr"/>
+          <a:lstStyle/>
+          <a:p>
+            <a:pPr algn="ctr"/>
+            <a:endParaRPr lang="en-US"/>
+          </a:p>
+        </p:txBody>
+      </p:sp>
+      <p:sp>
+        <p:nvSpPr>
+          <p:cNvPr id="80" name="Rounded Rectangle 79">
+            <a:extLst>
+              <a:ext uri="{FF2B5EF4-FFF2-40B4-BE49-F238E27FC236}">
+                <a16:creationId xmlns:a16="http://schemas.microsoft.com/office/drawing/2014/main" id="{14259E52-B5C6-0B4C-8521-3790946F9178}"/>
+              </a:ext>
+            </a:extLst>
+          </p:cNvPr>
+          <p:cNvSpPr/>
+          <p:nvPr/>
+        </p:nvSpPr>
+        <p:spPr>
+          <a:xfrm>
+            <a:off x="5838118" y="5044030"/>
+            <a:ext cx="515764" cy="282671"/>
+          </a:xfrm>
+          <a:prstGeom prst="roundRect">
+            <a:avLst>
+              <a:gd name="adj" fmla="val 50000"/>
+            </a:avLst>
+          </a:prstGeom>
+          <a:solidFill>
+            <a:schemeClr val="bg1"/>
+          </a:solidFill>
+          <a:ln w="19050">
+            <a:solidFill>
+              <a:schemeClr val="tx1"/>
+            </a:solidFill>
+          </a:ln>
+          <a:effectLst/>
+        </p:spPr>
+        <p:style>
+          <a:lnRef idx="1">
+            <a:schemeClr val="accent1"/>
+          </a:lnRef>
+          <a:fillRef idx="3">
+            <a:schemeClr val="accent1"/>
+          </a:fillRef>
+          <a:effectRef idx="2">
+            <a:schemeClr val="accent1"/>
+          </a:effectRef>
+          <a:fontRef idx="minor">
+            <a:schemeClr val="lt1"/>
           </a:fontRef>
         </p:style>
         <p:txBody>
@@ -12300,35 +12432,6 @@
           </p:spPr>
         </p:pic>
       </p:grpSp>
-      <p:pic>
-        <p:nvPicPr>
-          <p:cNvPr id="138" name="Picture 137">
-            <a:extLst>
-              <a:ext uri="{FF2B5EF4-FFF2-40B4-BE49-F238E27FC236}">
-                <a16:creationId xmlns:a16="http://schemas.microsoft.com/office/drawing/2014/main" id="{919F43F9-0B0D-5841-A3CA-E6945F62917F}"/>
-              </a:ext>
-            </a:extLst>
-          </p:cNvPr>
-          <p:cNvPicPr>
-            <a:picLocks noChangeAspect="1"/>
-          </p:cNvPicPr>
-          <p:nvPr/>
-        </p:nvPicPr>
-        <p:blipFill rotWithShape="1">
-          <a:blip r:embed="rId4"/>
-          <a:srcRect/>
-          <a:stretch/>
-        </p:blipFill>
-        <p:spPr>
-          <a:xfrm>
-            <a:off x="5595330" y="4697642"/>
-            <a:ext cx="951389" cy="951389"/>
-          </a:xfrm>
-          <a:prstGeom prst="rect">
-            <a:avLst/>
-          </a:prstGeom>
-        </p:spPr>
-      </p:pic>
       <p:cxnSp>
         <p:nvCxnSpPr>
           <p:cNvPr id="139" name="Straight Arrow Connector 138">
@@ -13108,35 +13211,6 @@
           </p:spPr>
         </p:pic>
       </p:grpSp>
-      <p:pic>
-        <p:nvPicPr>
-          <p:cNvPr id="75" name="Picture 74">
-            <a:extLst>
-              <a:ext uri="{FF2B5EF4-FFF2-40B4-BE49-F238E27FC236}">
-                <a16:creationId xmlns:a16="http://schemas.microsoft.com/office/drawing/2014/main" id="{DAA8A94D-CB3F-B547-B410-3AADFEBF288C}"/>
-              </a:ext>
-            </a:extLst>
-          </p:cNvPr>
-          <p:cNvPicPr>
-            <a:picLocks noChangeAspect="1"/>
-          </p:cNvPicPr>
-          <p:nvPr/>
-        </p:nvPicPr>
-        <p:blipFill rotWithShape="1">
-          <a:blip r:embed="rId4"/>
-          <a:srcRect/>
-          <a:stretch/>
-        </p:blipFill>
-        <p:spPr>
-          <a:xfrm>
-            <a:off x="5595330" y="3011698"/>
-            <a:ext cx="951389" cy="951389"/>
-          </a:xfrm>
-          <a:prstGeom prst="rect">
-            <a:avLst/>
-          </a:prstGeom>
-        </p:spPr>
-      </p:pic>
       <p:cxnSp>
         <p:nvCxnSpPr>
           <p:cNvPr id="76" name="Straight Arrow Connector 75">
@@ -13182,6 +13256,116 @@
           </a:fontRef>
         </p:style>
       </p:cxnSp>
+      <p:sp>
+        <p:nvSpPr>
+          <p:cNvPr id="78" name="Rounded Rectangle 77">
+            <a:extLst>
+              <a:ext uri="{FF2B5EF4-FFF2-40B4-BE49-F238E27FC236}">
+                <a16:creationId xmlns:a16="http://schemas.microsoft.com/office/drawing/2014/main" id="{C39A89D2-18CE-9343-BFAA-670B0B16E22C}"/>
+              </a:ext>
+            </a:extLst>
+          </p:cNvPr>
+          <p:cNvSpPr/>
+          <p:nvPr/>
+        </p:nvSpPr>
+        <p:spPr>
+          <a:xfrm>
+            <a:off x="5838118" y="3414362"/>
+            <a:ext cx="515764" cy="282671"/>
+          </a:xfrm>
+          <a:prstGeom prst="roundRect">
+            <a:avLst>
+              <a:gd name="adj" fmla="val 50000"/>
+            </a:avLst>
+          </a:prstGeom>
+          <a:solidFill>
+            <a:schemeClr val="bg1"/>
+          </a:solidFill>
+          <a:ln w="19050">
+            <a:solidFill>
+              <a:schemeClr val="tx1"/>
+            </a:solidFill>
+          </a:ln>
+          <a:effectLst/>
+        </p:spPr>
+        <p:style>
+          <a:lnRef idx="1">
+            <a:schemeClr val="accent1"/>
+          </a:lnRef>
+          <a:fillRef idx="3">
+            <a:schemeClr val="accent1"/>
+          </a:fillRef>
+          <a:effectRef idx="2">
+            <a:schemeClr val="accent1"/>
+          </a:effectRef>
+          <a:fontRef idx="minor">
+            <a:schemeClr val="lt1"/>
+          </a:fontRef>
+        </p:style>
+        <p:txBody>
+          <a:bodyPr rtlCol="0" anchor="ctr"/>
+          <a:lstStyle/>
+          <a:p>
+            <a:pPr algn="ctr"/>
+            <a:endParaRPr lang="en-US"/>
+          </a:p>
+        </p:txBody>
+      </p:sp>
+      <p:sp>
+        <p:nvSpPr>
+          <p:cNvPr id="79" name="Rounded Rectangle 78">
+            <a:extLst>
+              <a:ext uri="{FF2B5EF4-FFF2-40B4-BE49-F238E27FC236}">
+                <a16:creationId xmlns:a16="http://schemas.microsoft.com/office/drawing/2014/main" id="{2D712EE0-8BF2-F34C-A4D2-A5E9A3D84BFA}"/>
+              </a:ext>
+            </a:extLst>
+          </p:cNvPr>
+          <p:cNvSpPr/>
+          <p:nvPr/>
+        </p:nvSpPr>
+        <p:spPr>
+          <a:xfrm>
+            <a:off x="5834505" y="5109832"/>
+            <a:ext cx="515764" cy="282671"/>
+          </a:xfrm>
+          <a:prstGeom prst="roundRect">
+            <a:avLst>
+              <a:gd name="adj" fmla="val 50000"/>
+            </a:avLst>
+          </a:prstGeom>
+          <a:solidFill>
+            <a:schemeClr val="bg1"/>
+          </a:solidFill>
+          <a:ln w="19050">
+            <a:solidFill>
+              <a:schemeClr val="tx1"/>
+            </a:solidFill>
+          </a:ln>
+          <a:effectLst/>
+        </p:spPr>
+        <p:style>
+          <a:lnRef idx="1">
+            <a:schemeClr val="accent1"/>
+          </a:lnRef>
+          <a:fillRef idx="3">
+            <a:schemeClr val="accent1"/>
+          </a:fillRef>
+          <a:effectRef idx="2">
+            <a:schemeClr val="accent1"/>
+          </a:effectRef>
+          <a:fontRef idx="minor">
+            <a:schemeClr val="lt1"/>
+          </a:fontRef>
+        </p:style>
+        <p:txBody>
+          <a:bodyPr rtlCol="0" anchor="ctr"/>
+          <a:lstStyle/>
+          <a:p>
+            <a:pPr algn="ctr"/>
+            <a:endParaRPr lang="en-US"/>
+          </a:p>
+        </p:txBody>
+      </p:sp>
     </p:spTree>
     <p:extLst>
       <p:ext uri="{BB962C8B-B14F-4D97-AF65-F5344CB8AC3E}">
@@ -13833,35 +14017,6 @@
           </a:p>
         </p:txBody>
       </p:sp>
-      <p:pic>
-        <p:nvPicPr>
-          <p:cNvPr id="61" name="Picture 60">
-            <a:extLst>
-              <a:ext uri="{FF2B5EF4-FFF2-40B4-BE49-F238E27FC236}">
-                <a16:creationId xmlns:a16="http://schemas.microsoft.com/office/drawing/2014/main" id="{CF4D7D85-A4F9-2B46-9117-DC775D515ADF}"/>
-              </a:ext>
-            </a:extLst>
-          </p:cNvPr>
-          <p:cNvPicPr>
-            <a:picLocks noChangeAspect="1"/>
-          </p:cNvPicPr>
-          <p:nvPr/>
-        </p:nvPicPr>
-        <p:blipFill rotWithShape="1">
-          <a:blip r:embed="rId4"/>
-          <a:srcRect/>
-          <a:stretch/>
-        </p:blipFill>
-        <p:spPr>
-          <a:xfrm>
-            <a:off x="2003733" y="2827979"/>
-            <a:ext cx="951389" cy="951389"/>
-          </a:xfrm>
-          <a:prstGeom prst="rect">
-            <a:avLst/>
-          </a:prstGeom>
-        </p:spPr>
-      </p:pic>
       <p:cxnSp>
         <p:nvCxnSpPr>
           <p:cNvPr id="6" name="Straight Arrow Connector 5">
@@ -13871,13 +14026,16 @@
               </a:ext>
             </a:extLst>
           </p:cNvPr>
-          <p:cNvCxnSpPr/>
+          <p:cNvCxnSpPr>
+            <a:cxnSpLocks/>
+            <a:endCxn id="74" idx="2"/>
+          </p:cNvCxnSpPr>
           <p:nvPr/>
         </p:nvCxnSpPr>
         <p:spPr>
           <a:xfrm flipV="1">
-            <a:off x="2478157" y="3530648"/>
-            <a:ext cx="0" cy="343873"/>
+            <a:off x="2478157" y="3457804"/>
+            <a:ext cx="0" cy="416718"/>
           </a:xfrm>
           <a:prstGeom prst="straightConnector1">
             <a:avLst/>
@@ -14627,35 +14785,6 @@
           </p:spPr>
         </p:pic>
       </p:grpSp>
-      <p:pic>
-        <p:nvPicPr>
-          <p:cNvPr id="94" name="Picture 93">
-            <a:extLst>
-              <a:ext uri="{FF2B5EF4-FFF2-40B4-BE49-F238E27FC236}">
-                <a16:creationId xmlns:a16="http://schemas.microsoft.com/office/drawing/2014/main" id="{2CFF4F59-E5BD-354F-A758-1CF2303C8715}"/>
-              </a:ext>
-            </a:extLst>
-          </p:cNvPr>
-          <p:cNvPicPr>
-            <a:picLocks noChangeAspect="1"/>
-          </p:cNvPicPr>
-          <p:nvPr/>
-        </p:nvPicPr>
-        <p:blipFill rotWithShape="1">
-          <a:blip r:embed="rId4"/>
-          <a:srcRect/>
-          <a:stretch/>
-        </p:blipFill>
-        <p:spPr>
-          <a:xfrm>
-            <a:off x="5950352" y="4542573"/>
-            <a:ext cx="951389" cy="951389"/>
-          </a:xfrm>
-          <a:prstGeom prst="rect">
-            <a:avLst/>
-          </a:prstGeom>
-        </p:spPr>
-      </p:pic>
       <p:cxnSp>
         <p:nvCxnSpPr>
           <p:cNvPr id="95" name="Straight Arrow Connector 94">
@@ -14755,35 +14884,6 @@
           </a:p>
         </p:txBody>
       </p:sp>
-      <p:pic>
-        <p:nvPicPr>
-          <p:cNvPr id="97" name="Picture 96">
-            <a:extLst>
-              <a:ext uri="{FF2B5EF4-FFF2-40B4-BE49-F238E27FC236}">
-                <a16:creationId xmlns:a16="http://schemas.microsoft.com/office/drawing/2014/main" id="{78A0D338-D3FD-5646-A888-9E8793E1A2DE}"/>
-              </a:ext>
-            </a:extLst>
-          </p:cNvPr>
-          <p:cNvPicPr>
-            <a:picLocks noChangeAspect="1"/>
-          </p:cNvPicPr>
-          <p:nvPr/>
-        </p:nvPicPr>
-        <p:blipFill rotWithShape="1">
-          <a:blip r:embed="rId4"/>
-          <a:srcRect/>
-          <a:stretch/>
-        </p:blipFill>
-        <p:spPr>
-          <a:xfrm>
-            <a:off x="1994993" y="4544219"/>
-            <a:ext cx="951389" cy="951389"/>
-          </a:xfrm>
-          <a:prstGeom prst="rect">
-            <a:avLst/>
-          </a:prstGeom>
-        </p:spPr>
-      </p:pic>
       <p:cxnSp>
         <p:nvCxnSpPr>
           <p:cNvPr id="100" name="Straight Arrow Connector 99">
@@ -14793,13 +14893,16 @@
               </a:ext>
             </a:extLst>
           </p:cNvPr>
-          <p:cNvCxnSpPr/>
+          <p:cNvCxnSpPr>
+            <a:cxnSpLocks/>
+            <a:endCxn id="71" idx="2"/>
+          </p:cNvCxnSpPr>
           <p:nvPr/>
         </p:nvCxnSpPr>
         <p:spPr>
           <a:xfrm flipV="1">
-            <a:off x="2469417" y="5246888"/>
-            <a:ext cx="0" cy="343873"/>
+            <a:off x="2469417" y="5167281"/>
+            <a:ext cx="8740" cy="423482"/>
           </a:xfrm>
           <a:prstGeom prst="straightConnector1">
             <a:avLst/>
@@ -14967,6 +15070,171 @@
           </a:fontRef>
         </p:style>
       </p:cxnSp>
+      <p:sp>
+        <p:nvSpPr>
+          <p:cNvPr id="69" name="Rounded Rectangle 68">
+            <a:extLst>
+              <a:ext uri="{FF2B5EF4-FFF2-40B4-BE49-F238E27FC236}">
+                <a16:creationId xmlns:a16="http://schemas.microsoft.com/office/drawing/2014/main" id="{7E8E490B-C072-8248-AF41-FF0E871D9C80}"/>
+              </a:ext>
+            </a:extLst>
+          </p:cNvPr>
+          <p:cNvSpPr/>
+          <p:nvPr/>
+        </p:nvSpPr>
+        <p:spPr>
+          <a:xfrm>
+            <a:off x="6189527" y="4954763"/>
+            <a:ext cx="515764" cy="282671"/>
+          </a:xfrm>
+          <a:prstGeom prst="roundRect">
+            <a:avLst>
+              <a:gd name="adj" fmla="val 50000"/>
+            </a:avLst>
+          </a:prstGeom>
+          <a:solidFill>
+            <a:schemeClr val="bg1"/>
+          </a:solidFill>
+          <a:ln w="19050">
+            <a:solidFill>
+              <a:schemeClr val="tx1"/>
+            </a:solidFill>
+          </a:ln>
+          <a:effectLst/>
+        </p:spPr>
+        <p:style>
+          <a:lnRef idx="1">
+            <a:schemeClr val="accent1"/>
+          </a:lnRef>
+          <a:fillRef idx="3">
+            <a:schemeClr val="accent1"/>
+          </a:fillRef>
+          <a:effectRef idx="2">
+            <a:schemeClr val="accent1"/>
+          </a:effectRef>
+          <a:fontRef idx="minor">
+            <a:schemeClr val="lt1"/>
+          </a:fontRef>
+        </p:style>
+        <p:txBody>
+          <a:bodyPr rtlCol="0" anchor="ctr"/>
+          <a:lstStyle/>
+          <a:p>
+            <a:pPr algn="ctr"/>
+            <a:endParaRPr lang="en-US"/>
+          </a:p>
+        </p:txBody>
+      </p:sp>
+      <p:sp>
+        <p:nvSpPr>
+          <p:cNvPr id="71" name="Rounded Rectangle 70">
+            <a:extLst>
+              <a:ext uri="{FF2B5EF4-FFF2-40B4-BE49-F238E27FC236}">
+                <a16:creationId xmlns:a16="http://schemas.microsoft.com/office/drawing/2014/main" id="{75B78B04-B869-2B4A-B502-2E4109539C72}"/>
+              </a:ext>
+            </a:extLst>
+          </p:cNvPr>
+          <p:cNvSpPr/>
+          <p:nvPr/>
+        </p:nvSpPr>
+        <p:spPr>
+          <a:xfrm>
+            <a:off x="2220275" y="4884610"/>
+            <a:ext cx="515764" cy="282671"/>
+          </a:xfrm>
+          <a:prstGeom prst="roundRect">
+            <a:avLst>
+              <a:gd name="adj" fmla="val 50000"/>
+            </a:avLst>
+          </a:prstGeom>
+          <a:solidFill>
+            <a:schemeClr val="bg1"/>
+          </a:solidFill>
+          <a:ln w="19050">
+            <a:solidFill>
+              <a:schemeClr val="tx1"/>
+            </a:solidFill>
+          </a:ln>
+          <a:effectLst/>
+        </p:spPr>
+        <p:style>
+          <a:lnRef idx="1">
+            <a:schemeClr val="accent1"/>
+          </a:lnRef>
+          <a:fillRef idx="3">
+            <a:schemeClr val="accent1"/>
+          </a:fillRef>
+          <a:effectRef idx="2">
+            <a:schemeClr val="accent1"/>
+          </a:effectRef>
+          <a:fontRef idx="minor">
+            <a:schemeClr val="lt1"/>
+          </a:fontRef>
+        </p:style>
+        <p:txBody>
+          <a:bodyPr rtlCol="0" anchor="ctr"/>
+          <a:lstStyle/>
+          <a:p>
+            <a:pPr algn="ctr"/>
+            <a:endParaRPr lang="en-US"/>
+          </a:p>
+        </p:txBody>
+      </p:sp>
+      <p:sp>
+        <p:nvSpPr>
+          <p:cNvPr id="74" name="Rounded Rectangle 73">
+            <a:extLst>
+              <a:ext uri="{FF2B5EF4-FFF2-40B4-BE49-F238E27FC236}">
+                <a16:creationId xmlns:a16="http://schemas.microsoft.com/office/drawing/2014/main" id="{21758698-E1B7-704E-8683-62467100641A}"/>
+              </a:ext>
+            </a:extLst>
+          </p:cNvPr>
+          <p:cNvSpPr/>
+          <p:nvPr/>
+        </p:nvSpPr>
+        <p:spPr>
+          <a:xfrm>
+            <a:off x="2220275" y="3175133"/>
+            <a:ext cx="515764" cy="282671"/>
+          </a:xfrm>
+          <a:prstGeom prst="roundRect">
+            <a:avLst>
+              <a:gd name="adj" fmla="val 50000"/>
+            </a:avLst>
+          </a:prstGeom>
+          <a:solidFill>
+            <a:schemeClr val="bg1"/>
+          </a:solidFill>
+          <a:ln w="19050">
+            <a:solidFill>
+              <a:schemeClr val="tx1"/>
+            </a:solidFill>
+          </a:ln>
+          <a:effectLst/>
+        </p:spPr>
+        <p:style>
+          <a:lnRef idx="1">
+            <a:schemeClr val="accent1"/>
+          </a:lnRef>
+          <a:fillRef idx="3">
+            <a:schemeClr val="accent1"/>
+          </a:fillRef>
+          <a:effectRef idx="2">
+            <a:schemeClr val="accent1"/>
+          </a:effectRef>
+          <a:fontRef idx="minor">
+            <a:schemeClr val="lt1"/>
+          </a:fontRef>
+        </p:style>
+        <p:txBody>
+          <a:bodyPr rtlCol="0" anchor="ctr"/>
+          <a:lstStyle/>
+          <a:p>
+            <a:pPr algn="ctr"/>
+            <a:endParaRPr lang="en-US"/>
+          </a:p>
+        </p:txBody>
+      </p:sp>
     </p:spTree>
     <p:extLst>
       <p:ext uri="{BB962C8B-B14F-4D97-AF65-F5344CB8AC3E}">
@@ -15745,35 +16013,6 @@
           </p:spPr>
         </p:pic>
       </p:grpSp>
-      <p:pic>
-        <p:nvPicPr>
-          <p:cNvPr id="94" name="Picture 93">
-            <a:extLst>
-              <a:ext uri="{FF2B5EF4-FFF2-40B4-BE49-F238E27FC236}">
-                <a16:creationId xmlns:a16="http://schemas.microsoft.com/office/drawing/2014/main" id="{2CFF4F59-E5BD-354F-A758-1CF2303C8715}"/>
-              </a:ext>
-            </a:extLst>
-          </p:cNvPr>
-          <p:cNvPicPr>
-            <a:picLocks noChangeAspect="1"/>
-          </p:cNvPicPr>
-          <p:nvPr/>
-        </p:nvPicPr>
-        <p:blipFill rotWithShape="1">
-          <a:blip r:embed="rId4"/>
-          <a:srcRect/>
-          <a:stretch/>
-        </p:blipFill>
-        <p:spPr>
-          <a:xfrm>
-            <a:off x="5950352" y="903764"/>
-            <a:ext cx="951389" cy="951389"/>
-          </a:xfrm>
-          <a:prstGeom prst="rect">
-            <a:avLst/>
-          </a:prstGeom>
-        </p:spPr>
-      </p:pic>
       <p:cxnSp>
         <p:nvCxnSpPr>
           <p:cNvPr id="95" name="Straight Arrow Connector 94">
@@ -15819,35 +16058,6 @@
           </a:fontRef>
         </p:style>
       </p:cxnSp>
-      <p:pic>
-        <p:nvPicPr>
-          <p:cNvPr id="97" name="Picture 96">
-            <a:extLst>
-              <a:ext uri="{FF2B5EF4-FFF2-40B4-BE49-F238E27FC236}">
-                <a16:creationId xmlns:a16="http://schemas.microsoft.com/office/drawing/2014/main" id="{78A0D338-D3FD-5646-A888-9E8793E1A2DE}"/>
-              </a:ext>
-            </a:extLst>
-          </p:cNvPr>
-          <p:cNvPicPr>
-            <a:picLocks noChangeAspect="1"/>
-          </p:cNvPicPr>
-          <p:nvPr/>
-        </p:nvPicPr>
-        <p:blipFill rotWithShape="1">
-          <a:blip r:embed="rId4"/>
-          <a:srcRect/>
-          <a:stretch/>
-        </p:blipFill>
-        <p:spPr>
-          <a:xfrm>
-            <a:off x="1994993" y="905410"/>
-            <a:ext cx="951389" cy="951389"/>
-          </a:xfrm>
-          <a:prstGeom prst="rect">
-            <a:avLst/>
-          </a:prstGeom>
-        </p:spPr>
-      </p:pic>
       <p:cxnSp>
         <p:nvCxnSpPr>
           <p:cNvPr id="100" name="Straight Arrow Connector 99">
@@ -15857,13 +16067,16 @@
               </a:ext>
             </a:extLst>
           </p:cNvPr>
-          <p:cNvCxnSpPr/>
+          <p:cNvCxnSpPr>
+            <a:cxnSpLocks/>
+            <a:endCxn id="214" idx="2"/>
+          </p:cNvCxnSpPr>
           <p:nvPr/>
         </p:nvCxnSpPr>
         <p:spPr>
-          <a:xfrm flipV="1">
-            <a:off x="2469417" y="1608079"/>
-            <a:ext cx="0" cy="343873"/>
+          <a:xfrm flipH="1" flipV="1">
+            <a:off x="2467277" y="1498136"/>
+            <a:ext cx="2140" cy="453818"/>
           </a:xfrm>
           <a:prstGeom prst="straightConnector1">
             <a:avLst/>
@@ -16559,35 +16772,6 @@
           </p:spPr>
         </p:pic>
       </p:grpSp>
-      <p:pic>
-        <p:nvPicPr>
-          <p:cNvPr id="178" name="Picture 177">
-            <a:extLst>
-              <a:ext uri="{FF2B5EF4-FFF2-40B4-BE49-F238E27FC236}">
-                <a16:creationId xmlns:a16="http://schemas.microsoft.com/office/drawing/2014/main" id="{1067716B-72D8-D749-9DE3-E9181DF11549}"/>
-              </a:ext>
-            </a:extLst>
-          </p:cNvPr>
-          <p:cNvPicPr>
-            <a:picLocks noChangeAspect="1"/>
-          </p:cNvPicPr>
-          <p:nvPr/>
-        </p:nvPicPr>
-        <p:blipFill rotWithShape="1">
-          <a:blip r:embed="rId4"/>
-          <a:srcRect/>
-          <a:stretch/>
-        </p:blipFill>
-        <p:spPr>
-          <a:xfrm>
-            <a:off x="5950352" y="4542573"/>
-            <a:ext cx="951389" cy="951389"/>
-          </a:xfrm>
-          <a:prstGeom prst="rect">
-            <a:avLst/>
-          </a:prstGeom>
-        </p:spPr>
-      </p:pic>
       <p:cxnSp>
         <p:nvCxnSpPr>
           <p:cNvPr id="179" name="Straight Arrow Connector 178">
@@ -16633,35 +16817,6 @@
           </a:fontRef>
         </p:style>
       </p:cxnSp>
-      <p:pic>
-        <p:nvPicPr>
-          <p:cNvPr id="181" name="Picture 180">
-            <a:extLst>
-              <a:ext uri="{FF2B5EF4-FFF2-40B4-BE49-F238E27FC236}">
-                <a16:creationId xmlns:a16="http://schemas.microsoft.com/office/drawing/2014/main" id="{A3540299-0FB1-A247-AFDA-F9889FC83261}"/>
-              </a:ext>
-            </a:extLst>
-          </p:cNvPr>
-          <p:cNvPicPr>
-            <a:picLocks noChangeAspect="1"/>
-          </p:cNvPicPr>
-          <p:nvPr/>
-        </p:nvPicPr>
-        <p:blipFill rotWithShape="1">
-          <a:blip r:embed="rId4"/>
-          <a:srcRect/>
-          <a:stretch/>
-        </p:blipFill>
-        <p:spPr>
-          <a:xfrm>
-            <a:off x="1994993" y="4544219"/>
-            <a:ext cx="951389" cy="951389"/>
-          </a:xfrm>
-          <a:prstGeom prst="rect">
-            <a:avLst/>
-          </a:prstGeom>
-        </p:spPr>
-      </p:pic>
       <p:cxnSp>
         <p:nvCxnSpPr>
           <p:cNvPr id="182" name="Straight Arrow Connector 181">
@@ -16671,13 +16826,15 @@
               </a:ext>
             </a:extLst>
           </p:cNvPr>
-          <p:cNvCxnSpPr/>
+          <p:cNvCxnSpPr>
+            <a:cxnSpLocks/>
+          </p:cNvCxnSpPr>
           <p:nvPr/>
         </p:nvCxnSpPr>
         <p:spPr>
           <a:xfrm flipV="1">
-            <a:off x="2469417" y="5246888"/>
-            <a:ext cx="0" cy="343873"/>
+            <a:off x="2469417" y="5154423"/>
+            <a:ext cx="0" cy="436338"/>
           </a:xfrm>
           <a:prstGeom prst="straightConnector1">
             <a:avLst/>
@@ -17427,35 +17584,6 @@
           </p:spPr>
         </p:pic>
       </p:grpSp>
-      <p:pic>
-        <p:nvPicPr>
-          <p:cNvPr id="200" name="Picture 199">
-            <a:extLst>
-              <a:ext uri="{FF2B5EF4-FFF2-40B4-BE49-F238E27FC236}">
-                <a16:creationId xmlns:a16="http://schemas.microsoft.com/office/drawing/2014/main" id="{F2CD6312-DE94-B847-BE19-D302B3577875}"/>
-              </a:ext>
-            </a:extLst>
-          </p:cNvPr>
-          <p:cNvPicPr>
-            <a:picLocks noChangeAspect="1"/>
-          </p:cNvPicPr>
-          <p:nvPr/>
-        </p:nvPicPr>
-        <p:blipFill rotWithShape="1">
-          <a:blip r:embed="rId4"/>
-          <a:srcRect/>
-          <a:stretch/>
-        </p:blipFill>
-        <p:spPr>
-          <a:xfrm>
-            <a:off x="5948212" y="2896382"/>
-            <a:ext cx="951389" cy="951389"/>
-          </a:xfrm>
-          <a:prstGeom prst="rect">
-            <a:avLst/>
-          </a:prstGeom>
-        </p:spPr>
-      </p:pic>
       <p:cxnSp>
         <p:nvCxnSpPr>
           <p:cNvPr id="201" name="Straight Arrow Connector 200">
@@ -17501,35 +17629,6 @@
           </a:fontRef>
         </p:style>
       </p:cxnSp>
-      <p:pic>
-        <p:nvPicPr>
-          <p:cNvPr id="203" name="Picture 202">
-            <a:extLst>
-              <a:ext uri="{FF2B5EF4-FFF2-40B4-BE49-F238E27FC236}">
-                <a16:creationId xmlns:a16="http://schemas.microsoft.com/office/drawing/2014/main" id="{822033F9-ADAF-DF44-B7B4-1B10AAD7411D}"/>
-              </a:ext>
-            </a:extLst>
-          </p:cNvPr>
-          <p:cNvPicPr>
-            <a:picLocks noChangeAspect="1"/>
-          </p:cNvPicPr>
-          <p:nvPr/>
-        </p:nvPicPr>
-        <p:blipFill rotWithShape="1">
-          <a:blip r:embed="rId4"/>
-          <a:srcRect/>
-          <a:stretch/>
-        </p:blipFill>
-        <p:spPr>
-          <a:xfrm>
-            <a:off x="1992853" y="2898028"/>
-            <a:ext cx="951389" cy="951389"/>
-          </a:xfrm>
-          <a:prstGeom prst="rect">
-            <a:avLst/>
-          </a:prstGeom>
-        </p:spPr>
-      </p:pic>
       <p:cxnSp>
         <p:nvCxnSpPr>
           <p:cNvPr id="204" name="Straight Arrow Connector 203">
@@ -17539,13 +17638,15 @@
               </a:ext>
             </a:extLst>
           </p:cNvPr>
-          <p:cNvCxnSpPr/>
+          <p:cNvCxnSpPr>
+            <a:cxnSpLocks/>
+          </p:cNvCxnSpPr>
           <p:nvPr/>
         </p:nvCxnSpPr>
         <p:spPr>
           <a:xfrm flipV="1">
-            <a:off x="2467277" y="3600697"/>
-            <a:ext cx="0" cy="343873"/>
+            <a:off x="2467277" y="3497958"/>
+            <a:ext cx="0" cy="446612"/>
           </a:xfrm>
           <a:prstGeom prst="straightConnector1">
             <a:avLst/>
@@ -17708,6 +17809,336 @@
           </a:fontRef>
         </p:style>
       </p:cxnSp>
+      <p:sp>
+        <p:nvSpPr>
+          <p:cNvPr id="209" name="Rounded Rectangle 208">
+            <a:extLst>
+              <a:ext uri="{FF2B5EF4-FFF2-40B4-BE49-F238E27FC236}">
+                <a16:creationId xmlns:a16="http://schemas.microsoft.com/office/drawing/2014/main" id="{8D862FBF-59FB-6447-AD92-008CA9CD103F}"/>
+              </a:ext>
+            </a:extLst>
+          </p:cNvPr>
+          <p:cNvSpPr/>
+          <p:nvPr/>
+        </p:nvSpPr>
+        <p:spPr>
+          <a:xfrm>
+            <a:off x="6189527" y="4954763"/>
+            <a:ext cx="515764" cy="282671"/>
+          </a:xfrm>
+          <a:prstGeom prst="roundRect">
+            <a:avLst>
+              <a:gd name="adj" fmla="val 50000"/>
+            </a:avLst>
+          </a:prstGeom>
+          <a:solidFill>
+            <a:schemeClr val="bg1"/>
+          </a:solidFill>
+          <a:ln w="19050">
+            <a:solidFill>
+              <a:schemeClr val="tx1"/>
+            </a:solidFill>
+          </a:ln>
+          <a:effectLst/>
+        </p:spPr>
+        <p:style>
+          <a:lnRef idx="1">
+            <a:schemeClr val="accent1"/>
+          </a:lnRef>
+          <a:fillRef idx="3">
+            <a:schemeClr val="accent1"/>
+          </a:fillRef>
+          <a:effectRef idx="2">
+            <a:schemeClr val="accent1"/>
+          </a:effectRef>
+          <a:fontRef idx="minor">
+            <a:schemeClr val="lt1"/>
+          </a:fontRef>
+        </p:style>
+        <p:txBody>
+          <a:bodyPr rtlCol="0" anchor="ctr"/>
+          <a:lstStyle/>
+          <a:p>
+            <a:pPr algn="ctr"/>
+            <a:endParaRPr lang="en-US"/>
+          </a:p>
+        </p:txBody>
+      </p:sp>
+      <p:sp>
+        <p:nvSpPr>
+          <p:cNvPr id="210" name="Rounded Rectangle 209">
+            <a:extLst>
+              <a:ext uri="{FF2B5EF4-FFF2-40B4-BE49-F238E27FC236}">
+                <a16:creationId xmlns:a16="http://schemas.microsoft.com/office/drawing/2014/main" id="{D08C9DE2-821E-924C-9355-AC6CBD360BA0}"/>
+              </a:ext>
+            </a:extLst>
+          </p:cNvPr>
+          <p:cNvSpPr/>
+          <p:nvPr/>
+        </p:nvSpPr>
+        <p:spPr>
+          <a:xfrm>
+            <a:off x="2220275" y="4884610"/>
+            <a:ext cx="515764" cy="282671"/>
+          </a:xfrm>
+          <a:prstGeom prst="roundRect">
+            <a:avLst>
+              <a:gd name="adj" fmla="val 50000"/>
+            </a:avLst>
+          </a:prstGeom>
+          <a:solidFill>
+            <a:schemeClr val="bg1"/>
+          </a:solidFill>
+          <a:ln w="19050">
+            <a:solidFill>
+              <a:schemeClr val="tx1"/>
+            </a:solidFill>
+          </a:ln>
+          <a:effectLst/>
+        </p:spPr>
+        <p:style>
+          <a:lnRef idx="1">
+            <a:schemeClr val="accent1"/>
+          </a:lnRef>
+          <a:fillRef idx="3">
+            <a:schemeClr val="accent1"/>
+          </a:fillRef>
+          <a:effectRef idx="2">
+            <a:schemeClr val="accent1"/>
+          </a:effectRef>
+          <a:fontRef idx="minor">
+            <a:schemeClr val="lt1"/>
+          </a:fontRef>
+        </p:style>
+        <p:txBody>
+          <a:bodyPr rtlCol="0" anchor="ctr"/>
+          <a:lstStyle/>
+          <a:p>
+            <a:pPr algn="ctr"/>
+            <a:endParaRPr lang="en-US"/>
+          </a:p>
+        </p:txBody>
+      </p:sp>
+      <p:sp>
+        <p:nvSpPr>
+          <p:cNvPr id="211" name="Rounded Rectangle 210">
+            <a:extLst>
+              <a:ext uri="{FF2B5EF4-FFF2-40B4-BE49-F238E27FC236}">
+                <a16:creationId xmlns:a16="http://schemas.microsoft.com/office/drawing/2014/main" id="{002F4467-70D0-EF48-B845-712C2ABD8989}"/>
+              </a:ext>
+            </a:extLst>
+          </p:cNvPr>
+          <p:cNvSpPr/>
+          <p:nvPr/>
+        </p:nvSpPr>
+        <p:spPr>
+          <a:xfrm>
+            <a:off x="2220275" y="3226503"/>
+            <a:ext cx="515764" cy="282671"/>
+          </a:xfrm>
+          <a:prstGeom prst="roundRect">
+            <a:avLst>
+              <a:gd name="adj" fmla="val 50000"/>
+            </a:avLst>
+          </a:prstGeom>
+          <a:solidFill>
+            <a:schemeClr val="bg1"/>
+          </a:solidFill>
+          <a:ln w="19050">
+            <a:solidFill>
+              <a:schemeClr val="tx1"/>
+            </a:solidFill>
+          </a:ln>
+          <a:effectLst/>
+        </p:spPr>
+        <p:style>
+          <a:lnRef idx="1">
+            <a:schemeClr val="accent1"/>
+          </a:lnRef>
+          <a:fillRef idx="3">
+            <a:schemeClr val="accent1"/>
+          </a:fillRef>
+          <a:effectRef idx="2">
+            <a:schemeClr val="accent1"/>
+          </a:effectRef>
+          <a:fontRef idx="minor">
+            <a:schemeClr val="lt1"/>
+          </a:fontRef>
+        </p:style>
+        <p:txBody>
+          <a:bodyPr rtlCol="0" anchor="ctr"/>
+          <a:lstStyle/>
+          <a:p>
+            <a:pPr algn="ctr"/>
+            <a:endParaRPr lang="en-US"/>
+          </a:p>
+        </p:txBody>
+      </p:sp>
+      <p:sp>
+        <p:nvSpPr>
+          <p:cNvPr id="212" name="Rounded Rectangle 211">
+            <a:extLst>
+              <a:ext uri="{FF2B5EF4-FFF2-40B4-BE49-F238E27FC236}">
+                <a16:creationId xmlns:a16="http://schemas.microsoft.com/office/drawing/2014/main" id="{E345E0B9-12F5-1F4C-B426-9311BC143B72}"/>
+              </a:ext>
+            </a:extLst>
+          </p:cNvPr>
+          <p:cNvSpPr/>
+          <p:nvPr/>
+        </p:nvSpPr>
+        <p:spPr>
+          <a:xfrm>
+            <a:off x="6174548" y="3308572"/>
+            <a:ext cx="515764" cy="282671"/>
+          </a:xfrm>
+          <a:prstGeom prst="roundRect">
+            <a:avLst>
+              <a:gd name="adj" fmla="val 50000"/>
+            </a:avLst>
+          </a:prstGeom>
+          <a:solidFill>
+            <a:schemeClr val="bg1"/>
+          </a:solidFill>
+          <a:ln w="19050">
+            <a:solidFill>
+              <a:schemeClr val="tx1"/>
+            </a:solidFill>
+          </a:ln>
+          <a:effectLst/>
+        </p:spPr>
+        <p:style>
+          <a:lnRef idx="1">
+            <a:schemeClr val="accent1"/>
+          </a:lnRef>
+          <a:fillRef idx="3">
+            <a:schemeClr val="accent1"/>
+          </a:fillRef>
+          <a:effectRef idx="2">
+            <a:schemeClr val="accent1"/>
+          </a:effectRef>
+          <a:fontRef idx="minor">
+            <a:schemeClr val="lt1"/>
+          </a:fontRef>
+        </p:style>
+        <p:txBody>
+          <a:bodyPr rtlCol="0" anchor="ctr"/>
+          <a:lstStyle/>
+          <a:p>
+            <a:pPr algn="ctr"/>
+            <a:endParaRPr lang="en-US"/>
+          </a:p>
+        </p:txBody>
+      </p:sp>
+      <p:sp>
+        <p:nvSpPr>
+          <p:cNvPr id="213" name="Rounded Rectangle 212">
+            <a:extLst>
+              <a:ext uri="{FF2B5EF4-FFF2-40B4-BE49-F238E27FC236}">
+                <a16:creationId xmlns:a16="http://schemas.microsoft.com/office/drawing/2014/main" id="{41E3AFF9-F632-EE48-A666-DC42506BCFEA}"/>
+              </a:ext>
+            </a:extLst>
+          </p:cNvPr>
+          <p:cNvSpPr/>
+          <p:nvPr/>
+        </p:nvSpPr>
+        <p:spPr>
+          <a:xfrm>
+            <a:off x="6189527" y="1315954"/>
+            <a:ext cx="515764" cy="282671"/>
+          </a:xfrm>
+          <a:prstGeom prst="roundRect">
+            <a:avLst>
+              <a:gd name="adj" fmla="val 50000"/>
+            </a:avLst>
+          </a:prstGeom>
+          <a:solidFill>
+            <a:schemeClr val="bg1"/>
+          </a:solidFill>
+          <a:ln w="19050">
+            <a:solidFill>
+              <a:schemeClr val="tx1"/>
+            </a:solidFill>
+          </a:ln>
+          <a:effectLst/>
+        </p:spPr>
+        <p:style>
+          <a:lnRef idx="1">
+            <a:schemeClr val="accent1"/>
+          </a:lnRef>
+          <a:fillRef idx="3">
+            <a:schemeClr val="accent1"/>
+          </a:fillRef>
+          <a:effectRef idx="2">
+            <a:schemeClr val="accent1"/>
+          </a:effectRef>
+          <a:fontRef idx="minor">
+            <a:schemeClr val="lt1"/>
+          </a:fontRef>
+        </p:style>
+        <p:txBody>
+          <a:bodyPr rtlCol="0" anchor="ctr"/>
+          <a:lstStyle/>
+          <a:p>
+            <a:pPr algn="ctr"/>
+            <a:endParaRPr lang="en-US"/>
+          </a:p>
+        </p:txBody>
+      </p:sp>
+      <p:sp>
+        <p:nvSpPr>
+          <p:cNvPr id="214" name="Rounded Rectangle 213">
+            <a:extLst>
+              <a:ext uri="{FF2B5EF4-FFF2-40B4-BE49-F238E27FC236}">
+                <a16:creationId xmlns:a16="http://schemas.microsoft.com/office/drawing/2014/main" id="{559561F5-1590-F745-B22C-FE9075101618}"/>
+              </a:ext>
+            </a:extLst>
+          </p:cNvPr>
+          <p:cNvSpPr/>
+          <p:nvPr/>
+        </p:nvSpPr>
+        <p:spPr>
+          <a:xfrm>
+            <a:off x="2209395" y="1215465"/>
+            <a:ext cx="515764" cy="282671"/>
+          </a:xfrm>
+          <a:prstGeom prst="roundRect">
+            <a:avLst>
+              <a:gd name="adj" fmla="val 50000"/>
+            </a:avLst>
+          </a:prstGeom>
+          <a:solidFill>
+            <a:schemeClr val="bg1"/>
+          </a:solidFill>
+          <a:ln w="19050">
+            <a:solidFill>
+              <a:schemeClr val="tx1"/>
+            </a:solidFill>
+          </a:ln>
+          <a:effectLst/>
+        </p:spPr>
+        <p:style>
+          <a:lnRef idx="1">
+            <a:schemeClr val="accent1"/>
+          </a:lnRef>
+          <a:fillRef idx="3">
+            <a:schemeClr val="accent1"/>
+          </a:fillRef>
+          <a:effectRef idx="2">
+            <a:schemeClr val="accent1"/>
+          </a:effectRef>
+          <a:fontRef idx="minor">
+            <a:schemeClr val="lt1"/>
+          </a:fontRef>
+        </p:style>
+        <p:txBody>
+          <a:bodyPr rtlCol="0" anchor="ctr"/>
+          <a:lstStyle/>
+          <a:p>
+            <a:pPr algn="ctr"/>
+            <a:endParaRPr lang="en-US"/>
+          </a:p>
+        </p:txBody>
+      </p:sp>
     </p:spTree>
     <p:extLst>
       <p:ext uri="{BB962C8B-B14F-4D97-AF65-F5344CB8AC3E}">

--- a/specification/imgsrc/modules.pptx
+++ b/specification/imgsrc/modules.pptx
@@ -9,11 +9,8 @@
     <p:sldId id="262" r:id="rId3"/>
     <p:sldId id="263" r:id="rId4"/>
     <p:sldId id="264" r:id="rId5"/>
-    <p:sldId id="267" r:id="rId6"/>
-    <p:sldId id="265" r:id="rId7"/>
-    <p:sldId id="266" r:id="rId8"/>
-    <p:sldId id="268" r:id="rId9"/>
-    <p:sldId id="269" r:id="rId10"/>
+    <p:sldId id="265" r:id="rId6"/>
+    <p:sldId id="266" r:id="rId7"/>
   </p:sldIdLst>
   <p:sldSz cx="9144000" cy="6858000" type="screen4x3"/>
   <p:notesSz cx="6858000" cy="9144000"/>
@@ -310,7 +307,7 @@
           <a:p>
             <a:fld id="{EBC7FFC8-011D-1246-B320-9C4FD100F423}" type="datetimeFigureOut">
               <a:rPr lang="en-US" smtClean="0"/>
-              <a:t>3/24/21</a:t>
+              <a:t>11/4/18</a:t>
             </a:fld>
             <a:endParaRPr lang="en-US"/>
           </a:p>
@@ -478,7 +475,7 @@
           <a:p>
             <a:fld id="{EBC7FFC8-011D-1246-B320-9C4FD100F423}" type="datetimeFigureOut">
               <a:rPr lang="en-US" smtClean="0"/>
-              <a:t>3/24/21</a:t>
+              <a:t>11/4/18</a:t>
             </a:fld>
             <a:endParaRPr lang="en-US"/>
           </a:p>
@@ -656,7 +653,7 @@
           <a:p>
             <a:fld id="{EBC7FFC8-011D-1246-B320-9C4FD100F423}" type="datetimeFigureOut">
               <a:rPr lang="en-US" smtClean="0"/>
-              <a:t>3/24/21</a:t>
+              <a:t>11/4/18</a:t>
             </a:fld>
             <a:endParaRPr lang="en-US"/>
           </a:p>
@@ -824,7 +821,7 @@
           <a:p>
             <a:fld id="{EBC7FFC8-011D-1246-B320-9C4FD100F423}" type="datetimeFigureOut">
               <a:rPr lang="en-US" smtClean="0"/>
-              <a:t>3/24/21</a:t>
+              <a:t>11/4/18</a:t>
             </a:fld>
             <a:endParaRPr lang="en-US"/>
           </a:p>
@@ -1069,7 +1066,7 @@
           <a:p>
             <a:fld id="{EBC7FFC8-011D-1246-B320-9C4FD100F423}" type="datetimeFigureOut">
               <a:rPr lang="en-US" smtClean="0"/>
-              <a:t>3/24/21</a:t>
+              <a:t>11/4/18</a:t>
             </a:fld>
             <a:endParaRPr lang="en-US"/>
           </a:p>
@@ -1354,7 +1351,7 @@
           <a:p>
             <a:fld id="{EBC7FFC8-011D-1246-B320-9C4FD100F423}" type="datetimeFigureOut">
               <a:rPr lang="en-US" smtClean="0"/>
-              <a:t>3/24/21</a:t>
+              <a:t>11/4/18</a:t>
             </a:fld>
             <a:endParaRPr lang="en-US"/>
           </a:p>
@@ -1773,7 +1770,7 @@
           <a:p>
             <a:fld id="{EBC7FFC8-011D-1246-B320-9C4FD100F423}" type="datetimeFigureOut">
               <a:rPr lang="en-US" smtClean="0"/>
-              <a:t>3/24/21</a:t>
+              <a:t>11/4/18</a:t>
             </a:fld>
             <a:endParaRPr lang="en-US"/>
           </a:p>
@@ -1890,7 +1887,7 @@
           <a:p>
             <a:fld id="{EBC7FFC8-011D-1246-B320-9C4FD100F423}" type="datetimeFigureOut">
               <a:rPr lang="en-US" smtClean="0"/>
-              <a:t>3/24/21</a:t>
+              <a:t>11/4/18</a:t>
             </a:fld>
             <a:endParaRPr lang="en-US"/>
           </a:p>
@@ -1985,7 +1982,7 @@
           <a:p>
             <a:fld id="{EBC7FFC8-011D-1246-B320-9C4FD100F423}" type="datetimeFigureOut">
               <a:rPr lang="en-US" smtClean="0"/>
-              <a:t>3/24/21</a:t>
+              <a:t>11/4/18</a:t>
             </a:fld>
             <a:endParaRPr lang="en-US"/>
           </a:p>
@@ -2260,7 +2257,7 @@
           <a:p>
             <a:fld id="{EBC7FFC8-011D-1246-B320-9C4FD100F423}" type="datetimeFigureOut">
               <a:rPr lang="en-US" smtClean="0"/>
-              <a:t>3/24/21</a:t>
+              <a:t>11/4/18</a:t>
             </a:fld>
             <a:endParaRPr lang="en-US"/>
           </a:p>
@@ -2512,7 +2509,7 @@
           <a:p>
             <a:fld id="{EBC7FFC8-011D-1246-B320-9C4FD100F423}" type="datetimeFigureOut">
               <a:rPr lang="en-US" smtClean="0"/>
-              <a:t>3/24/21</a:t>
+              <a:t>11/4/18</a:t>
             </a:fld>
             <a:endParaRPr lang="en-US"/>
           </a:p>
@@ -2723,7 +2720,7 @@
           <a:p>
             <a:fld id="{EBC7FFC8-011D-1246-B320-9C4FD100F423}" type="datetimeFigureOut">
               <a:rPr lang="en-US" smtClean="0"/>
-              <a:t>3/24/21</a:t>
+              <a:t>11/4/18</a:t>
             </a:fld>
             <a:endParaRPr lang="en-US"/>
           </a:p>
@@ -3716,6 +3713,35 @@
           </p:spPr>
         </p:pic>
       </p:grpSp>
+      <p:pic>
+        <p:nvPicPr>
+          <p:cNvPr id="71" name="Picture 70">
+            <a:extLst>
+              <a:ext uri="{FF2B5EF4-FFF2-40B4-BE49-F238E27FC236}">
+                <a16:creationId xmlns:a16="http://schemas.microsoft.com/office/drawing/2014/main" id="{3266F264-8477-BA4A-BDC8-58B07A3C38BF}"/>
+              </a:ext>
+            </a:extLst>
+          </p:cNvPr>
+          <p:cNvPicPr>
+            <a:picLocks noChangeAspect="1"/>
+          </p:cNvPicPr>
+          <p:nvPr/>
+        </p:nvPicPr>
+        <p:blipFill rotWithShape="1">
+          <a:blip r:embed="rId4"/>
+          <a:srcRect/>
+          <a:stretch/>
+        </p:blipFill>
+        <p:spPr>
+          <a:xfrm>
+            <a:off x="5598943" y="678119"/>
+            <a:ext cx="951389" cy="951389"/>
+          </a:xfrm>
+          <a:prstGeom prst="rect">
+            <a:avLst/>
+          </a:prstGeom>
+        </p:spPr>
+      </p:pic>
       <p:sp>
         <p:nvSpPr>
           <p:cNvPr id="3" name="Rectangle 2">
@@ -4520,61 +4546,6 @@
           </a:p>
         </p:txBody>
       </p:sp>
-      <p:sp>
-        <p:nvSpPr>
-          <p:cNvPr id="35" name="Rounded Rectangle 34">
-            <a:extLst>
-              <a:ext uri="{FF2B5EF4-FFF2-40B4-BE49-F238E27FC236}">
-                <a16:creationId xmlns:a16="http://schemas.microsoft.com/office/drawing/2014/main" id="{AB735F75-C160-DD41-8DDA-ED8ED2C81D4F}"/>
-              </a:ext>
-            </a:extLst>
-          </p:cNvPr>
-          <p:cNvSpPr/>
-          <p:nvPr/>
-        </p:nvSpPr>
-        <p:spPr>
-          <a:xfrm>
-            <a:off x="5838118" y="1083510"/>
-            <a:ext cx="515764" cy="282671"/>
-          </a:xfrm>
-          <a:prstGeom prst="roundRect">
-            <a:avLst>
-              <a:gd name="adj" fmla="val 50000"/>
-            </a:avLst>
-          </a:prstGeom>
-          <a:solidFill>
-            <a:schemeClr val="bg1"/>
-          </a:solidFill>
-          <a:ln w="19050">
-            <a:solidFill>
-              <a:schemeClr val="tx1"/>
-            </a:solidFill>
-          </a:ln>
-          <a:effectLst/>
-        </p:spPr>
-        <p:style>
-          <a:lnRef idx="1">
-            <a:schemeClr val="accent1"/>
-          </a:lnRef>
-          <a:fillRef idx="3">
-            <a:schemeClr val="accent1"/>
-          </a:fillRef>
-          <a:effectRef idx="2">
-            <a:schemeClr val="accent1"/>
-          </a:effectRef>
-          <a:fontRef idx="minor">
-            <a:schemeClr val="lt1"/>
-          </a:fontRef>
-        </p:style>
-        <p:txBody>
-          <a:bodyPr rtlCol="0" anchor="ctr"/>
-          <a:lstStyle/>
-          <a:p>
-            <a:pPr algn="ctr"/>
-            <a:endParaRPr lang="en-US"/>
-          </a:p>
-        </p:txBody>
-      </p:sp>
     </p:spTree>
     <p:extLst>
       <p:ext uri="{BB962C8B-B14F-4D97-AF65-F5344CB8AC3E}">
@@ -5293,6 +5264,35 @@
           </p:spPr>
         </p:pic>
       </p:grpSp>
+      <p:pic>
+        <p:nvPicPr>
+          <p:cNvPr id="161" name="Picture 160">
+            <a:extLst>
+              <a:ext uri="{FF2B5EF4-FFF2-40B4-BE49-F238E27FC236}">
+                <a16:creationId xmlns:a16="http://schemas.microsoft.com/office/drawing/2014/main" id="{2002AE8A-0E32-984A-B7E2-1AB3BC4FE7A9}"/>
+              </a:ext>
+            </a:extLst>
+          </p:cNvPr>
+          <p:cNvPicPr>
+            <a:picLocks noChangeAspect="1"/>
+          </p:cNvPicPr>
+          <p:nvPr/>
+        </p:nvPicPr>
+        <p:blipFill rotWithShape="1">
+          <a:blip r:embed="rId4"/>
+          <a:srcRect/>
+          <a:stretch/>
+        </p:blipFill>
+        <p:spPr>
+          <a:xfrm>
+            <a:off x="5677942" y="1083897"/>
+            <a:ext cx="951389" cy="951389"/>
+          </a:xfrm>
+          <a:prstGeom prst="rect">
+            <a:avLst/>
+          </a:prstGeom>
+        </p:spPr>
+      </p:pic>
       <p:cxnSp>
         <p:nvCxnSpPr>
           <p:cNvPr id="162" name="Straight Arrow Connector 161">
@@ -6138,61 +6138,6 @@
           </a:p>
         </p:txBody>
       </p:sp>
-      <p:sp>
-        <p:nvSpPr>
-          <p:cNvPr id="34" name="Rounded Rectangle 33">
-            <a:extLst>
-              <a:ext uri="{FF2B5EF4-FFF2-40B4-BE49-F238E27FC236}">
-                <a16:creationId xmlns:a16="http://schemas.microsoft.com/office/drawing/2014/main" id="{98C3C896-45CB-DE49-952C-8CADE0F23902}"/>
-              </a:ext>
-            </a:extLst>
-          </p:cNvPr>
-          <p:cNvSpPr/>
-          <p:nvPr/>
-        </p:nvSpPr>
-        <p:spPr>
-          <a:xfrm>
-            <a:off x="5910036" y="1473926"/>
-            <a:ext cx="515764" cy="282671"/>
-          </a:xfrm>
-          <a:prstGeom prst="roundRect">
-            <a:avLst>
-              <a:gd name="adj" fmla="val 50000"/>
-            </a:avLst>
-          </a:prstGeom>
-          <a:solidFill>
-            <a:schemeClr val="bg1"/>
-          </a:solidFill>
-          <a:ln w="19050">
-            <a:solidFill>
-              <a:schemeClr val="tx1"/>
-            </a:solidFill>
-          </a:ln>
-          <a:effectLst/>
-        </p:spPr>
-        <p:style>
-          <a:lnRef idx="1">
-            <a:schemeClr val="accent1"/>
-          </a:lnRef>
-          <a:fillRef idx="3">
-            <a:schemeClr val="accent1"/>
-          </a:fillRef>
-          <a:effectRef idx="2">
-            <a:schemeClr val="accent1"/>
-          </a:effectRef>
-          <a:fontRef idx="minor">
-            <a:schemeClr val="lt1"/>
-          </a:fontRef>
-        </p:style>
-        <p:txBody>
-          <a:bodyPr rtlCol="0" anchor="ctr"/>
-          <a:lstStyle/>
-          <a:p>
-            <a:pPr algn="ctr"/>
-            <a:endParaRPr lang="en-US"/>
-          </a:p>
-        </p:txBody>
-      </p:sp>
     </p:spTree>
     <p:extLst>
       <p:ext uri="{BB962C8B-B14F-4D97-AF65-F5344CB8AC3E}">
@@ -9072,58 +9017,6 @@
               <a:rPr lang="en-US" dirty="0"/>
               <a:t>MUST NOT</a:t>
             </a:r>
-          </a:p>
-        </p:txBody>
-      </p:sp>
-      <p:sp>
-        <p:nvSpPr>
-          <p:cNvPr id="2" name="TextBox 1">
-            <a:extLst>
-              <a:ext uri="{FF2B5EF4-FFF2-40B4-BE49-F238E27FC236}">
-                <a16:creationId xmlns:a16="http://schemas.microsoft.com/office/drawing/2014/main" id="{F5545641-1C0B-1F41-8F02-C3654FE412AB}"/>
-              </a:ext>
-            </a:extLst>
-          </p:cNvPr>
-          <p:cNvSpPr txBox="1"/>
-          <p:nvPr/>
-        </p:nvSpPr>
-        <p:spPr>
-          <a:xfrm>
-            <a:off x="5638113" y="360481"/>
-            <a:ext cx="3066160" cy="523220"/>
-          </a:xfrm>
-          <a:prstGeom prst="rect">
-            <a:avLst/>
-          </a:prstGeom>
-          <a:noFill/>
-        </p:spPr>
-        <p:txBody>
-          <a:bodyPr wrap="none" rtlCol="0">
-            <a:spAutoFit/>
-          </a:bodyPr>
-          <a:lstStyle/>
-          <a:p>
-            <a:r>
-              <a:rPr lang="en-US" sz="2800" b="1" dirty="0">
-                <a:solidFill>
-                  <a:srgbClr val="FF0000"/>
-                </a:solidFill>
-              </a:rPr>
-              <a:t>OBSOLETE: </a:t>
-            </a:r>
-            <a:r>
-              <a:rPr lang="en-US" sz="2800" b="1" dirty="0" err="1">
-                <a:solidFill>
-                  <a:srgbClr val="FF0000"/>
-                </a:solidFill>
-              </a:rPr>
-              <a:t>MapsTo</a:t>
-            </a:r>
-            <a:endParaRPr lang="en-US" sz="2800" b="1" dirty="0">
-              <a:solidFill>
-                <a:srgbClr val="FF0000"/>
-              </a:solidFill>
-            </a:endParaRPr>
           </a:p>
         </p:txBody>
       </p:sp>
@@ -9940,6 +9833,35 @@
           </p:spPr>
         </p:pic>
       </p:grpSp>
+      <p:pic>
+        <p:nvPicPr>
+          <p:cNvPr id="120" name="Picture 119">
+            <a:extLst>
+              <a:ext uri="{FF2B5EF4-FFF2-40B4-BE49-F238E27FC236}">
+                <a16:creationId xmlns:a16="http://schemas.microsoft.com/office/drawing/2014/main" id="{32D3CC70-76C8-9146-A50D-3EE9971EC759}"/>
+              </a:ext>
+            </a:extLst>
+          </p:cNvPr>
+          <p:cNvPicPr>
+            <a:picLocks noChangeAspect="1"/>
+          </p:cNvPicPr>
+          <p:nvPr/>
+        </p:nvPicPr>
+        <p:blipFill rotWithShape="1">
+          <a:blip r:embed="rId4"/>
+          <a:srcRect/>
+          <a:stretch/>
+        </p:blipFill>
+        <p:spPr>
+          <a:xfrm>
+            <a:off x="5598943" y="2873455"/>
+            <a:ext cx="951389" cy="951389"/>
+          </a:xfrm>
+          <a:prstGeom prst="rect">
+            <a:avLst/>
+          </a:prstGeom>
+        </p:spPr>
+      </p:pic>
       <p:cxnSp>
         <p:nvCxnSpPr>
           <p:cNvPr id="121" name="Straight Arrow Connector 120">
@@ -9985,6 +9907,868 @@
           </a:fontRef>
         </p:style>
       </p:cxnSp>
+      <p:sp>
+        <p:nvSpPr>
+          <p:cNvPr id="122" name="Rounded Rectangle 121">
+            <a:extLst>
+              <a:ext uri="{FF2B5EF4-FFF2-40B4-BE49-F238E27FC236}">
+                <a16:creationId xmlns:a16="http://schemas.microsoft.com/office/drawing/2014/main" id="{6BD11C3A-9B49-AD48-91F8-AE141E1A0930}"/>
+              </a:ext>
+            </a:extLst>
+          </p:cNvPr>
+          <p:cNvSpPr/>
+          <p:nvPr/>
+        </p:nvSpPr>
+        <p:spPr>
+          <a:xfrm>
+            <a:off x="1409971" y="2964636"/>
+            <a:ext cx="3523071" cy="1483611"/>
+          </a:xfrm>
+          <a:prstGeom prst="roundRect">
+            <a:avLst/>
+          </a:prstGeom>
+          <a:noFill/>
+          <a:ln w="12700" cap="flat" cmpd="sng" algn="ctr">
+            <a:solidFill>
+              <a:schemeClr val="tx2"/>
+            </a:solidFill>
+            <a:prstDash val="solid"/>
+            <a:round/>
+            <a:headEnd type="none" w="med" len="med"/>
+            <a:tailEnd type="none" w="med" len="med"/>
+          </a:ln>
+        </p:spPr>
+        <p:style>
+          <a:lnRef idx="0">
+            <a:scrgbClr r="0" g="0" b="0"/>
+          </a:lnRef>
+          <a:fillRef idx="0">
+            <a:scrgbClr r="0" g="0" b="0"/>
+          </a:fillRef>
+          <a:effectRef idx="0">
+            <a:scrgbClr r="0" g="0" b="0"/>
+          </a:effectRef>
+          <a:fontRef idx="minor">
+            <a:schemeClr val="dk1"/>
+          </a:fontRef>
+        </p:style>
+        <p:txBody>
+          <a:bodyPr rtlCol="0" anchor="ctr"/>
+          <a:lstStyle/>
+          <a:p>
+            <a:pPr algn="ctr"/>
+            <a:endParaRPr lang="en-US"/>
+          </a:p>
+        </p:txBody>
+      </p:sp>
+      <p:sp>
+        <p:nvSpPr>
+          <p:cNvPr id="123" name="Rounded Rectangle 122">
+            <a:extLst>
+              <a:ext uri="{FF2B5EF4-FFF2-40B4-BE49-F238E27FC236}">
+                <a16:creationId xmlns:a16="http://schemas.microsoft.com/office/drawing/2014/main" id="{B63430C6-EB59-9245-8AC6-BE3948C72C3B}"/>
+              </a:ext>
+            </a:extLst>
+          </p:cNvPr>
+          <p:cNvSpPr/>
+          <p:nvPr/>
+        </p:nvSpPr>
+        <p:spPr>
+          <a:xfrm>
+            <a:off x="4336707" y="4788823"/>
+            <a:ext cx="2955581" cy="1483611"/>
+          </a:xfrm>
+          <a:prstGeom prst="roundRect">
+            <a:avLst/>
+          </a:prstGeom>
+          <a:noFill/>
+          <a:ln w="12700" cap="flat" cmpd="sng" algn="ctr">
+            <a:solidFill>
+              <a:schemeClr val="tx2"/>
+            </a:solidFill>
+            <a:prstDash val="solid"/>
+            <a:round/>
+            <a:headEnd type="none" w="med" len="med"/>
+            <a:tailEnd type="none" w="med" len="med"/>
+          </a:ln>
+        </p:spPr>
+        <p:style>
+          <a:lnRef idx="0">
+            <a:scrgbClr r="0" g="0" b="0"/>
+          </a:lnRef>
+          <a:fillRef idx="0">
+            <a:scrgbClr r="0" g="0" b="0"/>
+          </a:fillRef>
+          <a:effectRef idx="0">
+            <a:scrgbClr r="0" g="0" b="0"/>
+          </a:effectRef>
+          <a:fontRef idx="minor">
+            <a:schemeClr val="dk1"/>
+          </a:fontRef>
+        </p:style>
+        <p:txBody>
+          <a:bodyPr rtlCol="0" anchor="ctr"/>
+          <a:lstStyle/>
+          <a:p>
+            <a:pPr algn="ctr"/>
+            <a:endParaRPr lang="en-US" dirty="0"/>
+          </a:p>
+        </p:txBody>
+      </p:sp>
+      <p:cxnSp>
+        <p:nvCxnSpPr>
+          <p:cNvPr id="124" name="Straight Arrow Connector 5">
+            <a:extLst>
+              <a:ext uri="{FF2B5EF4-FFF2-40B4-BE49-F238E27FC236}">
+                <a16:creationId xmlns:a16="http://schemas.microsoft.com/office/drawing/2014/main" id="{89539812-804E-644F-BFCA-2B9DD3459350}"/>
+              </a:ext>
+            </a:extLst>
+          </p:cNvPr>
+          <p:cNvCxnSpPr>
+            <a:cxnSpLocks/>
+            <a:endCxn id="136" idx="0"/>
+          </p:cNvCxnSpPr>
+          <p:nvPr/>
+        </p:nvCxnSpPr>
+        <p:spPr>
+          <a:xfrm flipV="1">
+            <a:off x="3284005" y="5401957"/>
+            <a:ext cx="1439006" cy="343873"/>
+          </a:xfrm>
+          <a:prstGeom prst="bentConnector4">
+            <a:avLst>
+              <a:gd name="adj1" fmla="val 20"/>
+              <a:gd name="adj2" fmla="val 166478"/>
+            </a:avLst>
+          </a:prstGeom>
+          <a:ln>
+            <a:solidFill>
+              <a:srgbClr val="FF0000"/>
+            </a:solidFill>
+            <a:headEnd type="none"/>
+            <a:tailEnd type="none"/>
+          </a:ln>
+          <a:effectLst/>
+        </p:spPr>
+        <p:style>
+          <a:lnRef idx="2">
+            <a:schemeClr val="accent1"/>
+          </a:lnRef>
+          <a:fillRef idx="0">
+            <a:schemeClr val="accent1"/>
+          </a:fillRef>
+          <a:effectRef idx="1">
+            <a:schemeClr val="accent1"/>
+          </a:effectRef>
+          <a:fontRef idx="minor">
+            <a:schemeClr val="tx1"/>
+          </a:fontRef>
+        </p:style>
+      </p:cxnSp>
+      <p:cxnSp>
+        <p:nvCxnSpPr>
+          <p:cNvPr id="125" name="Straight Connector 124">
+            <a:extLst>
+              <a:ext uri="{FF2B5EF4-FFF2-40B4-BE49-F238E27FC236}">
+                <a16:creationId xmlns:a16="http://schemas.microsoft.com/office/drawing/2014/main" id="{18FF364C-9A1E-7042-BFF5-08FA96FEECB8}"/>
+              </a:ext>
+            </a:extLst>
+          </p:cNvPr>
+          <p:cNvCxnSpPr/>
+          <p:nvPr/>
+        </p:nvCxnSpPr>
+        <p:spPr>
+          <a:xfrm>
+            <a:off x="4627761" y="5402802"/>
+            <a:ext cx="190500" cy="0"/>
+          </a:xfrm>
+          <a:prstGeom prst="line">
+            <a:avLst/>
+          </a:prstGeom>
+          <a:ln>
+            <a:solidFill>
+              <a:srgbClr val="FF0000"/>
+            </a:solidFill>
+          </a:ln>
+          <a:effectLst/>
+        </p:spPr>
+        <p:style>
+          <a:lnRef idx="2">
+            <a:schemeClr val="accent1"/>
+          </a:lnRef>
+          <a:fillRef idx="0">
+            <a:schemeClr val="accent1"/>
+          </a:fillRef>
+          <a:effectRef idx="1">
+            <a:schemeClr val="accent1"/>
+          </a:effectRef>
+          <a:fontRef idx="minor">
+            <a:schemeClr val="tx1"/>
+          </a:fontRef>
+        </p:style>
+      </p:cxnSp>
+      <p:grpSp>
+        <p:nvGrpSpPr>
+          <p:cNvPr id="126" name="Group 125">
+            <a:extLst>
+              <a:ext uri="{FF2B5EF4-FFF2-40B4-BE49-F238E27FC236}">
+                <a16:creationId xmlns:a16="http://schemas.microsoft.com/office/drawing/2014/main" id="{C8CBB5D3-2A82-F347-8768-A0E26939D826}"/>
+              </a:ext>
+            </a:extLst>
+          </p:cNvPr>
+          <p:cNvGrpSpPr/>
+          <p:nvPr/>
+        </p:nvGrpSpPr>
+        <p:grpSpPr>
+          <a:xfrm>
+            <a:off x="1477336" y="5401957"/>
+            <a:ext cx="2737576" cy="654654"/>
+            <a:chOff x="2569133" y="413397"/>
+            <a:chExt cx="4196538" cy="1003545"/>
+          </a:xfrm>
+        </p:grpSpPr>
+        <p:cxnSp>
+          <p:nvCxnSpPr>
+            <p:cNvPr id="127" name="Straight Connector 126">
+              <a:extLst>
+                <a:ext uri="{FF2B5EF4-FFF2-40B4-BE49-F238E27FC236}">
+                  <a16:creationId xmlns:a16="http://schemas.microsoft.com/office/drawing/2014/main" id="{28511621-3697-E641-87CC-23BBD46DE63C}"/>
+                </a:ext>
+              </a:extLst>
+            </p:cNvPr>
+            <p:cNvCxnSpPr/>
+            <p:nvPr/>
+          </p:nvCxnSpPr>
+          <p:spPr>
+            <a:xfrm>
+              <a:off x="2569133" y="1140336"/>
+              <a:ext cx="4191000" cy="0"/>
+            </a:xfrm>
+            <a:prstGeom prst="line">
+              <a:avLst/>
+            </a:prstGeom>
+            <a:ln w="38100" cap="flat" cmpd="sng" algn="ctr">
+              <a:solidFill>
+                <a:srgbClr val="000000"/>
+              </a:solidFill>
+              <a:prstDash val="solid"/>
+              <a:round/>
+              <a:headEnd type="none" w="med" len="med"/>
+              <a:tailEnd type="none" w="med" len="med"/>
+            </a:ln>
+            <a:effectLst/>
+          </p:spPr>
+          <p:style>
+            <a:lnRef idx="2">
+              <a:schemeClr val="accent1"/>
+            </a:lnRef>
+            <a:fillRef idx="0">
+              <a:schemeClr val="accent1"/>
+            </a:fillRef>
+            <a:effectRef idx="1">
+              <a:schemeClr val="accent1"/>
+            </a:effectRef>
+            <a:fontRef idx="minor">
+              <a:schemeClr val="tx1"/>
+            </a:fontRef>
+          </p:style>
+        </p:cxnSp>
+        <p:sp>
+          <p:nvSpPr>
+            <p:cNvPr id="128" name="Right Arrow 127">
+              <a:extLst>
+                <a:ext uri="{FF2B5EF4-FFF2-40B4-BE49-F238E27FC236}">
+                  <a16:creationId xmlns:a16="http://schemas.microsoft.com/office/drawing/2014/main" id="{05B9150A-7BF8-8643-B2E6-51C25F8533DE}"/>
+                </a:ext>
+              </a:extLst>
+            </p:cNvPr>
+            <p:cNvSpPr/>
+            <p:nvPr/>
+          </p:nvSpPr>
+          <p:spPr>
+            <a:xfrm>
+              <a:off x="4740833" y="949836"/>
+              <a:ext cx="1168400" cy="350140"/>
+            </a:xfrm>
+            <a:prstGeom prst="rightArrow">
+              <a:avLst>
+                <a:gd name="adj1" fmla="val 100000"/>
+                <a:gd name="adj2" fmla="val 52194"/>
+              </a:avLst>
+            </a:prstGeom>
+            <a:solidFill>
+              <a:schemeClr val="accent2"/>
+            </a:solidFill>
+            <a:ln w="38100" cap="flat" cmpd="sng" algn="ctr">
+              <a:solidFill>
+                <a:srgbClr val="000000"/>
+              </a:solidFill>
+              <a:prstDash val="solid"/>
+              <a:round/>
+              <a:headEnd type="none" w="med" len="med"/>
+              <a:tailEnd type="none" w="med" len="med"/>
+            </a:ln>
+            <a:effectLst/>
+          </p:spPr>
+          <p:style>
+            <a:lnRef idx="1">
+              <a:schemeClr val="accent1"/>
+            </a:lnRef>
+            <a:fillRef idx="3">
+              <a:schemeClr val="accent1"/>
+            </a:fillRef>
+            <a:effectRef idx="2">
+              <a:schemeClr val="accent1"/>
+            </a:effectRef>
+            <a:fontRef idx="minor">
+              <a:schemeClr val="lt1"/>
+            </a:fontRef>
+          </p:style>
+          <p:txBody>
+            <a:bodyPr rtlCol="0" anchor="ctr"/>
+            <a:lstStyle/>
+            <a:p>
+              <a:pPr algn="ctr"/>
+              <a:endParaRPr lang="en-US" i="1" dirty="0">
+                <a:solidFill>
+                  <a:schemeClr val="tx1"/>
+                </a:solidFill>
+              </a:endParaRPr>
+            </a:p>
+          </p:txBody>
+        </p:sp>
+        <p:sp>
+          <p:nvSpPr>
+            <p:cNvPr id="129" name="Chord 128">
+              <a:extLst>
+                <a:ext uri="{FF2B5EF4-FFF2-40B4-BE49-F238E27FC236}">
+                  <a16:creationId xmlns:a16="http://schemas.microsoft.com/office/drawing/2014/main" id="{4318A2A1-B0F5-BC40-90DF-B4C6ED3A8E7E}"/>
+                </a:ext>
+              </a:extLst>
+            </p:cNvPr>
+            <p:cNvSpPr/>
+            <p:nvPr/>
+          </p:nvSpPr>
+          <p:spPr>
+            <a:xfrm>
+              <a:off x="3734347" y="784736"/>
+              <a:ext cx="632206" cy="632206"/>
+            </a:xfrm>
+            <a:prstGeom prst="chord">
+              <a:avLst>
+                <a:gd name="adj1" fmla="val 10506229"/>
+                <a:gd name="adj2" fmla="val 301460"/>
+              </a:avLst>
+            </a:prstGeom>
+            <a:solidFill>
+              <a:schemeClr val="accent4">
+                <a:lumMod val="60000"/>
+                <a:lumOff val="40000"/>
+              </a:schemeClr>
+            </a:solidFill>
+            <a:ln w="38100" cap="flat" cmpd="sng" algn="ctr">
+              <a:solidFill>
+                <a:srgbClr val="000000"/>
+              </a:solidFill>
+              <a:prstDash val="solid"/>
+              <a:round/>
+              <a:headEnd type="none" w="med" len="med"/>
+              <a:tailEnd type="none" w="med" len="med"/>
+            </a:ln>
+            <a:effectLst/>
+          </p:spPr>
+          <p:style>
+            <a:lnRef idx="1">
+              <a:schemeClr val="accent1"/>
+            </a:lnRef>
+            <a:fillRef idx="3">
+              <a:schemeClr val="accent1"/>
+            </a:fillRef>
+            <a:effectRef idx="2">
+              <a:schemeClr val="accent1"/>
+            </a:effectRef>
+            <a:fontRef idx="minor">
+              <a:schemeClr val="lt1"/>
+            </a:fontRef>
+          </p:style>
+          <p:txBody>
+            <a:bodyPr rtlCol="0" anchor="ctr"/>
+            <a:lstStyle/>
+            <a:p>
+              <a:pPr algn="ctr"/>
+              <a:endParaRPr lang="en-US"/>
+            </a:p>
+          </p:txBody>
+        </p:sp>
+        <p:pic>
+          <p:nvPicPr>
+            <p:cNvPr id="130" name="Picture 129">
+              <a:extLst>
+                <a:ext uri="{FF2B5EF4-FFF2-40B4-BE49-F238E27FC236}">
+                  <a16:creationId xmlns:a16="http://schemas.microsoft.com/office/drawing/2014/main" id="{48935D8D-7844-4F4E-9097-0A290CBDF431}"/>
+                </a:ext>
+              </a:extLst>
+            </p:cNvPr>
+            <p:cNvPicPr>
+              <a:picLocks noChangeAspect="1"/>
+            </p:cNvPicPr>
+            <p:nvPr/>
+          </p:nvPicPr>
+          <p:blipFill>
+            <a:blip r:embed="rId2">
+              <a:extLst>
+                <a:ext uri="{28A0092B-C50C-407E-A947-70E740481C1C}">
+                  <a14:useLocalDpi xmlns:a14="http://schemas.microsoft.com/office/drawing/2010/main" val="0"/>
+                </a:ext>
+              </a:extLst>
+            </a:blip>
+            <a:stretch>
+              <a:fillRect/>
+            </a:stretch>
+          </p:blipFill>
+          <p:spPr>
+            <a:xfrm>
+              <a:off x="2803319" y="413397"/>
+              <a:ext cx="771908" cy="771908"/>
+            </a:xfrm>
+            <a:prstGeom prst="rect">
+              <a:avLst/>
+            </a:prstGeom>
+          </p:spPr>
+        </p:pic>
+        <p:pic>
+          <p:nvPicPr>
+            <p:cNvPr id="131" name="Picture 130">
+              <a:extLst>
+                <a:ext uri="{FF2B5EF4-FFF2-40B4-BE49-F238E27FC236}">
+                  <a16:creationId xmlns:a16="http://schemas.microsoft.com/office/drawing/2014/main" id="{84E8D291-662F-9E42-858A-FAC31250F0BD}"/>
+                </a:ext>
+              </a:extLst>
+            </p:cNvPr>
+            <p:cNvPicPr>
+              <a:picLocks noChangeAspect="1"/>
+            </p:cNvPicPr>
+            <p:nvPr/>
+          </p:nvPicPr>
+          <p:blipFill>
+            <a:blip r:embed="rId3">
+              <a:extLst>
+                <a:ext uri="{28A0092B-C50C-407E-A947-70E740481C1C}">
+                  <a14:useLocalDpi xmlns:a14="http://schemas.microsoft.com/office/drawing/2010/main" val="0"/>
+                </a:ext>
+              </a:extLst>
+            </a:blip>
+            <a:stretch>
+              <a:fillRect/>
+            </a:stretch>
+          </p:blipFill>
+          <p:spPr>
+            <a:xfrm>
+              <a:off x="5971536" y="499461"/>
+              <a:ext cx="794135" cy="794135"/>
+            </a:xfrm>
+            <a:prstGeom prst="rect">
+              <a:avLst/>
+            </a:prstGeom>
+          </p:spPr>
+        </p:pic>
+      </p:grpSp>
+      <p:grpSp>
+        <p:nvGrpSpPr>
+          <p:cNvPr id="132" name="Group 131">
+            <a:extLst>
+              <a:ext uri="{FF2B5EF4-FFF2-40B4-BE49-F238E27FC236}">
+                <a16:creationId xmlns:a16="http://schemas.microsoft.com/office/drawing/2014/main" id="{F8730F51-65CC-8145-A9A5-CBBF1D1919EC}"/>
+              </a:ext>
+            </a:extLst>
+          </p:cNvPr>
+          <p:cNvGrpSpPr/>
+          <p:nvPr/>
+        </p:nvGrpSpPr>
+        <p:grpSpPr>
+          <a:xfrm>
+            <a:off x="4366610" y="5401957"/>
+            <a:ext cx="2689434" cy="654654"/>
+            <a:chOff x="2642932" y="413397"/>
+            <a:chExt cx="4122739" cy="1003545"/>
+          </a:xfrm>
+        </p:grpSpPr>
+        <p:cxnSp>
+          <p:nvCxnSpPr>
+            <p:cNvPr id="133" name="Straight Connector 132">
+              <a:extLst>
+                <a:ext uri="{FF2B5EF4-FFF2-40B4-BE49-F238E27FC236}">
+                  <a16:creationId xmlns:a16="http://schemas.microsoft.com/office/drawing/2014/main" id="{033886BB-4AE9-5148-AC86-C38D4785D046}"/>
+                </a:ext>
+              </a:extLst>
+            </p:cNvPr>
+            <p:cNvCxnSpPr>
+              <a:cxnSpLocks/>
+            </p:cNvCxnSpPr>
+            <p:nvPr/>
+          </p:nvCxnSpPr>
+          <p:spPr>
+            <a:xfrm>
+              <a:off x="2642932" y="1140335"/>
+              <a:ext cx="4117201" cy="0"/>
+            </a:xfrm>
+            <a:prstGeom prst="line">
+              <a:avLst/>
+            </a:prstGeom>
+            <a:ln w="38100" cap="flat" cmpd="sng" algn="ctr">
+              <a:solidFill>
+                <a:srgbClr val="000000"/>
+              </a:solidFill>
+              <a:prstDash val="solid"/>
+              <a:round/>
+              <a:headEnd type="none" w="med" len="med"/>
+              <a:tailEnd type="none" w="med" len="med"/>
+            </a:ln>
+            <a:effectLst/>
+          </p:spPr>
+          <p:style>
+            <a:lnRef idx="2">
+              <a:schemeClr val="accent1"/>
+            </a:lnRef>
+            <a:fillRef idx="0">
+              <a:schemeClr val="accent1"/>
+            </a:fillRef>
+            <a:effectRef idx="1">
+              <a:schemeClr val="accent1"/>
+            </a:effectRef>
+            <a:fontRef idx="minor">
+              <a:schemeClr val="tx1"/>
+            </a:fontRef>
+          </p:style>
+        </p:cxnSp>
+        <p:sp>
+          <p:nvSpPr>
+            <p:cNvPr id="134" name="Right Arrow 133">
+              <a:extLst>
+                <a:ext uri="{FF2B5EF4-FFF2-40B4-BE49-F238E27FC236}">
+                  <a16:creationId xmlns:a16="http://schemas.microsoft.com/office/drawing/2014/main" id="{09CFEDCF-001E-2B46-8528-F5D89CE7D8E6}"/>
+                </a:ext>
+              </a:extLst>
+            </p:cNvPr>
+            <p:cNvSpPr/>
+            <p:nvPr/>
+          </p:nvSpPr>
+          <p:spPr>
+            <a:xfrm>
+              <a:off x="4740833" y="949836"/>
+              <a:ext cx="1168400" cy="350140"/>
+            </a:xfrm>
+            <a:prstGeom prst="rightArrow">
+              <a:avLst>
+                <a:gd name="adj1" fmla="val 100000"/>
+                <a:gd name="adj2" fmla="val 52194"/>
+              </a:avLst>
+            </a:prstGeom>
+            <a:solidFill>
+              <a:srgbClr val="92D050"/>
+            </a:solidFill>
+            <a:ln w="38100" cap="flat" cmpd="sng" algn="ctr">
+              <a:solidFill>
+                <a:srgbClr val="000000"/>
+              </a:solidFill>
+              <a:prstDash val="solid"/>
+              <a:round/>
+              <a:headEnd type="none" w="med" len="med"/>
+              <a:tailEnd type="none" w="med" len="med"/>
+            </a:ln>
+            <a:effectLst/>
+          </p:spPr>
+          <p:style>
+            <a:lnRef idx="1">
+              <a:schemeClr val="accent1"/>
+            </a:lnRef>
+            <a:fillRef idx="3">
+              <a:schemeClr val="accent1"/>
+            </a:fillRef>
+            <a:effectRef idx="2">
+              <a:schemeClr val="accent1"/>
+            </a:effectRef>
+            <a:fontRef idx="minor">
+              <a:schemeClr val="lt1"/>
+            </a:fontRef>
+          </p:style>
+          <p:txBody>
+            <a:bodyPr rtlCol="0" anchor="ctr"/>
+            <a:lstStyle/>
+            <a:p>
+              <a:pPr algn="ctr"/>
+              <a:endParaRPr lang="en-US" i="1" dirty="0">
+                <a:solidFill>
+                  <a:schemeClr val="tx1"/>
+                </a:solidFill>
+              </a:endParaRPr>
+            </a:p>
+          </p:txBody>
+        </p:sp>
+        <p:sp>
+          <p:nvSpPr>
+            <p:cNvPr id="135" name="Chord 134">
+              <a:extLst>
+                <a:ext uri="{FF2B5EF4-FFF2-40B4-BE49-F238E27FC236}">
+                  <a16:creationId xmlns:a16="http://schemas.microsoft.com/office/drawing/2014/main" id="{30C134E0-A2C4-0C48-8E1F-A00CC76F5697}"/>
+                </a:ext>
+              </a:extLst>
+            </p:cNvPr>
+            <p:cNvSpPr/>
+            <p:nvPr/>
+          </p:nvSpPr>
+          <p:spPr>
+            <a:xfrm>
+              <a:off x="3734347" y="784736"/>
+              <a:ext cx="632206" cy="632206"/>
+            </a:xfrm>
+            <a:prstGeom prst="chord">
+              <a:avLst>
+                <a:gd name="adj1" fmla="val 10506229"/>
+                <a:gd name="adj2" fmla="val 301460"/>
+              </a:avLst>
+            </a:prstGeom>
+            <a:solidFill>
+              <a:schemeClr val="accent4">
+                <a:lumMod val="60000"/>
+                <a:lumOff val="40000"/>
+              </a:schemeClr>
+            </a:solidFill>
+            <a:ln w="38100" cap="flat" cmpd="sng" algn="ctr">
+              <a:solidFill>
+                <a:srgbClr val="000000"/>
+              </a:solidFill>
+              <a:prstDash val="solid"/>
+              <a:round/>
+              <a:headEnd type="none" w="med" len="med"/>
+              <a:tailEnd type="none" w="med" len="med"/>
+            </a:ln>
+            <a:effectLst/>
+          </p:spPr>
+          <p:style>
+            <a:lnRef idx="1">
+              <a:schemeClr val="accent1"/>
+            </a:lnRef>
+            <a:fillRef idx="3">
+              <a:schemeClr val="accent1"/>
+            </a:fillRef>
+            <a:effectRef idx="2">
+              <a:schemeClr val="accent1"/>
+            </a:effectRef>
+            <a:fontRef idx="minor">
+              <a:schemeClr val="lt1"/>
+            </a:fontRef>
+          </p:style>
+          <p:txBody>
+            <a:bodyPr rtlCol="0" anchor="ctr"/>
+            <a:lstStyle/>
+            <a:p>
+              <a:pPr algn="ctr"/>
+              <a:endParaRPr lang="en-US"/>
+            </a:p>
+          </p:txBody>
+        </p:sp>
+        <p:pic>
+          <p:nvPicPr>
+            <p:cNvPr id="136" name="Picture 135">
+              <a:extLst>
+                <a:ext uri="{FF2B5EF4-FFF2-40B4-BE49-F238E27FC236}">
+                  <a16:creationId xmlns:a16="http://schemas.microsoft.com/office/drawing/2014/main" id="{1FB8AABB-8744-8A47-A8D8-29ABC5F7C269}"/>
+                </a:ext>
+              </a:extLst>
+            </p:cNvPr>
+            <p:cNvPicPr>
+              <a:picLocks noChangeAspect="1"/>
+            </p:cNvPicPr>
+            <p:nvPr/>
+          </p:nvPicPr>
+          <p:blipFill>
+            <a:blip r:embed="rId2">
+              <a:extLst>
+                <a:ext uri="{28A0092B-C50C-407E-A947-70E740481C1C}">
+                  <a14:useLocalDpi xmlns:a14="http://schemas.microsoft.com/office/drawing/2010/main" val="0"/>
+                </a:ext>
+              </a:extLst>
+            </a:blip>
+            <a:stretch>
+              <a:fillRect/>
+            </a:stretch>
+          </p:blipFill>
+          <p:spPr>
+            <a:xfrm>
+              <a:off x="2803319" y="413397"/>
+              <a:ext cx="771908" cy="771908"/>
+            </a:xfrm>
+            <a:prstGeom prst="rect">
+              <a:avLst/>
+            </a:prstGeom>
+          </p:spPr>
+        </p:pic>
+        <p:pic>
+          <p:nvPicPr>
+            <p:cNvPr id="137" name="Picture 136">
+              <a:extLst>
+                <a:ext uri="{FF2B5EF4-FFF2-40B4-BE49-F238E27FC236}">
+                  <a16:creationId xmlns:a16="http://schemas.microsoft.com/office/drawing/2014/main" id="{2AD66491-7699-F443-A45A-22CA296E7791}"/>
+                </a:ext>
+              </a:extLst>
+            </p:cNvPr>
+            <p:cNvPicPr>
+              <a:picLocks noChangeAspect="1"/>
+            </p:cNvPicPr>
+            <p:nvPr/>
+          </p:nvPicPr>
+          <p:blipFill>
+            <a:blip r:embed="rId3">
+              <a:extLst>
+                <a:ext uri="{28A0092B-C50C-407E-A947-70E740481C1C}">
+                  <a14:useLocalDpi xmlns:a14="http://schemas.microsoft.com/office/drawing/2010/main" val="0"/>
+                </a:ext>
+              </a:extLst>
+            </a:blip>
+            <a:stretch>
+              <a:fillRect/>
+            </a:stretch>
+          </p:blipFill>
+          <p:spPr>
+            <a:xfrm>
+              <a:off x="5971536" y="499461"/>
+              <a:ext cx="794135" cy="794135"/>
+            </a:xfrm>
+            <a:prstGeom prst="rect">
+              <a:avLst/>
+            </a:prstGeom>
+          </p:spPr>
+        </p:pic>
+      </p:grpSp>
+      <p:pic>
+        <p:nvPicPr>
+          <p:cNvPr id="138" name="Picture 137">
+            <a:extLst>
+              <a:ext uri="{FF2B5EF4-FFF2-40B4-BE49-F238E27FC236}">
+                <a16:creationId xmlns:a16="http://schemas.microsoft.com/office/drawing/2014/main" id="{919F43F9-0B0D-5841-A3CA-E6945F62917F}"/>
+              </a:ext>
+            </a:extLst>
+          </p:cNvPr>
+          <p:cNvPicPr>
+            <a:picLocks noChangeAspect="1"/>
+          </p:cNvPicPr>
+          <p:nvPr/>
+        </p:nvPicPr>
+        <p:blipFill rotWithShape="1">
+          <a:blip r:embed="rId4"/>
+          <a:srcRect/>
+          <a:stretch/>
+        </p:blipFill>
+        <p:spPr>
+          <a:xfrm>
+            <a:off x="5595330" y="4697642"/>
+            <a:ext cx="951389" cy="951389"/>
+          </a:xfrm>
+          <a:prstGeom prst="rect">
+            <a:avLst/>
+          </a:prstGeom>
+        </p:spPr>
+      </p:pic>
+      <p:cxnSp>
+        <p:nvCxnSpPr>
+          <p:cNvPr id="139" name="Straight Arrow Connector 138">
+            <a:extLst>
+              <a:ext uri="{FF2B5EF4-FFF2-40B4-BE49-F238E27FC236}">
+                <a16:creationId xmlns:a16="http://schemas.microsoft.com/office/drawing/2014/main" id="{5D7E226D-B084-C24A-9FE1-CC9461D55C78}"/>
+              </a:ext>
+            </a:extLst>
+          </p:cNvPr>
+          <p:cNvCxnSpPr/>
+          <p:nvPr/>
+        </p:nvCxnSpPr>
+        <p:spPr>
+          <a:xfrm flipV="1">
+            <a:off x="6092387" y="5401957"/>
+            <a:ext cx="0" cy="343873"/>
+          </a:xfrm>
+          <a:prstGeom prst="straightConnector1">
+            <a:avLst/>
+          </a:prstGeom>
+          <a:ln w="28575">
+            <a:solidFill>
+              <a:schemeClr val="accent3">
+                <a:lumMod val="75000"/>
+              </a:schemeClr>
+            </a:solidFill>
+            <a:headEnd type="none" w="med" len="med"/>
+            <a:tailEnd type="triangle" w="med" len="med"/>
+          </a:ln>
+        </p:spPr>
+        <p:style>
+          <a:lnRef idx="1">
+            <a:schemeClr val="dk1"/>
+          </a:lnRef>
+          <a:fillRef idx="0">
+            <a:schemeClr val="dk1"/>
+          </a:fillRef>
+          <a:effectRef idx="0">
+            <a:schemeClr val="dk1"/>
+          </a:effectRef>
+          <a:fontRef idx="minor">
+            <a:schemeClr val="tx1"/>
+          </a:fontRef>
+        </p:style>
+      </p:cxnSp>
+      <p:sp>
+        <p:nvSpPr>
+          <p:cNvPr id="140" name="Rounded Rectangle 139">
+            <a:extLst>
+              <a:ext uri="{FF2B5EF4-FFF2-40B4-BE49-F238E27FC236}">
+                <a16:creationId xmlns:a16="http://schemas.microsoft.com/office/drawing/2014/main" id="{BE624CF9-B96F-FF45-AF7A-430F8CDB248B}"/>
+              </a:ext>
+            </a:extLst>
+          </p:cNvPr>
+          <p:cNvSpPr/>
+          <p:nvPr/>
+        </p:nvSpPr>
+        <p:spPr>
+          <a:xfrm>
+            <a:off x="1406358" y="4788823"/>
+            <a:ext cx="2860581" cy="1483611"/>
+          </a:xfrm>
+          <a:prstGeom prst="roundRect">
+            <a:avLst/>
+          </a:prstGeom>
+          <a:noFill/>
+          <a:ln w="12700" cap="flat" cmpd="sng" algn="ctr">
+            <a:solidFill>
+              <a:schemeClr val="tx2"/>
+            </a:solidFill>
+            <a:prstDash val="solid"/>
+            <a:round/>
+            <a:headEnd type="none" w="med" len="med"/>
+            <a:tailEnd type="none" w="med" len="med"/>
+          </a:ln>
+        </p:spPr>
+        <p:style>
+          <a:lnRef idx="0">
+            <a:scrgbClr r="0" g="0" b="0"/>
+          </a:lnRef>
+          <a:fillRef idx="0">
+            <a:scrgbClr r="0" g="0" b="0"/>
+          </a:fillRef>
+          <a:effectRef idx="0">
+            <a:scrgbClr r="0" g="0" b="0"/>
+          </a:effectRef>
+          <a:fontRef idx="minor">
+            <a:schemeClr val="dk1"/>
+          </a:fontRef>
+        </p:style>
+        <p:txBody>
+          <a:bodyPr rtlCol="0" anchor="ctr"/>
+          <a:lstStyle/>
+          <a:p>
+            <a:pPr algn="ctr"/>
+            <a:endParaRPr lang="en-US"/>
+          </a:p>
+        </p:txBody>
+      </p:sp>
       <p:sp>
         <p:nvSpPr>
           <p:cNvPr id="141" name="Rounded Rectangle 140">
@@ -10663,6 +11447,35 @@
           </p:spPr>
         </p:pic>
       </p:grpSp>
+      <p:pic>
+        <p:nvPicPr>
+          <p:cNvPr id="156" name="Picture 155">
+            <a:extLst>
+              <a:ext uri="{FF2B5EF4-FFF2-40B4-BE49-F238E27FC236}">
+                <a16:creationId xmlns:a16="http://schemas.microsoft.com/office/drawing/2014/main" id="{235321AD-6816-FB4C-BEBA-85174CCD5CCA}"/>
+              </a:ext>
+            </a:extLst>
+          </p:cNvPr>
+          <p:cNvPicPr>
+            <a:picLocks noChangeAspect="1"/>
+          </p:cNvPicPr>
+          <p:nvPr/>
+        </p:nvPicPr>
+        <p:blipFill rotWithShape="1">
+          <a:blip r:embed="rId4"/>
+          <a:srcRect/>
+          <a:stretch/>
+        </p:blipFill>
+        <p:spPr>
+          <a:xfrm>
+            <a:off x="5643472" y="724056"/>
+            <a:ext cx="951389" cy="951389"/>
+          </a:xfrm>
+          <a:prstGeom prst="rect">
+            <a:avLst/>
+          </a:prstGeom>
+        </p:spPr>
+      </p:pic>
       <p:cxnSp>
         <p:nvCxnSpPr>
           <p:cNvPr id="157" name="Straight Arrow Connector 156">
@@ -10672,15 +11485,13 @@
               </a:ext>
             </a:extLst>
           </p:cNvPr>
-          <p:cNvCxnSpPr>
-            <a:cxnSpLocks/>
-          </p:cNvCxnSpPr>
+          <p:cNvCxnSpPr/>
           <p:nvPr/>
         </p:nvCxnSpPr>
         <p:spPr>
           <a:xfrm flipV="1">
-            <a:off x="6140529" y="1263988"/>
-            <a:ext cx="0" cy="508256"/>
+            <a:off x="6140529" y="1428371"/>
+            <a:ext cx="0" cy="343873"/>
           </a:xfrm>
           <a:prstGeom prst="straightConnector1">
             <a:avLst/>
@@ -10710,948 +11521,6 @@
           </a:fontRef>
         </p:style>
       </p:cxnSp>
-      <p:sp>
-        <p:nvSpPr>
-          <p:cNvPr id="58" name="Rounded Rectangle 57">
-            <a:extLst>
-              <a:ext uri="{FF2B5EF4-FFF2-40B4-BE49-F238E27FC236}">
-                <a16:creationId xmlns:a16="http://schemas.microsoft.com/office/drawing/2014/main" id="{1D93E74B-72CB-7644-B277-D54016BCB940}"/>
-              </a:ext>
-            </a:extLst>
-          </p:cNvPr>
-          <p:cNvSpPr/>
-          <p:nvPr/>
-        </p:nvSpPr>
-        <p:spPr>
-          <a:xfrm>
-            <a:off x="5011056" y="4725606"/>
-            <a:ext cx="2230415" cy="1483611"/>
-          </a:xfrm>
-          <a:prstGeom prst="roundRect">
-            <a:avLst/>
-          </a:prstGeom>
-          <a:noFill/>
-          <a:ln w="12700" cap="flat" cmpd="sng" algn="ctr">
-            <a:solidFill>
-              <a:schemeClr val="tx2"/>
-            </a:solidFill>
-            <a:prstDash val="solid"/>
-            <a:round/>
-            <a:headEnd type="none" w="med" len="med"/>
-            <a:tailEnd type="none" w="med" len="med"/>
-          </a:ln>
-        </p:spPr>
-        <p:style>
-          <a:lnRef idx="0">
-            <a:scrgbClr r="0" g="0" b="0"/>
-          </a:lnRef>
-          <a:fillRef idx="0">
-            <a:scrgbClr r="0" g="0" b="0"/>
-          </a:fillRef>
-          <a:effectRef idx="0">
-            <a:scrgbClr r="0" g="0" b="0"/>
-          </a:effectRef>
-          <a:fontRef idx="minor">
-            <a:schemeClr val="dk1"/>
-          </a:fontRef>
-        </p:style>
-        <p:txBody>
-          <a:bodyPr rtlCol="0" anchor="ctr"/>
-          <a:lstStyle/>
-          <a:p>
-            <a:pPr algn="ctr"/>
-            <a:endParaRPr lang="en-US" dirty="0"/>
-          </a:p>
-        </p:txBody>
-      </p:sp>
-      <p:cxnSp>
-        <p:nvCxnSpPr>
-          <p:cNvPr id="59" name="Straight Arrow Connector 5">
-            <a:extLst>
-              <a:ext uri="{FF2B5EF4-FFF2-40B4-BE49-F238E27FC236}">
-                <a16:creationId xmlns:a16="http://schemas.microsoft.com/office/drawing/2014/main" id="{86FB86C7-F280-6F41-ADD6-23245A272290}"/>
-              </a:ext>
-            </a:extLst>
-          </p:cNvPr>
-          <p:cNvCxnSpPr>
-            <a:cxnSpLocks/>
-            <a:endCxn id="71" idx="0"/>
-          </p:cNvCxnSpPr>
-          <p:nvPr/>
-        </p:nvCxnSpPr>
-        <p:spPr>
-          <a:xfrm flipV="1">
-            <a:off x="3287618" y="5338740"/>
-            <a:ext cx="1439006" cy="343873"/>
-          </a:xfrm>
-          <a:prstGeom prst="bentConnector4">
-            <a:avLst>
-              <a:gd name="adj1" fmla="val 20"/>
-              <a:gd name="adj2" fmla="val 166478"/>
-            </a:avLst>
-          </a:prstGeom>
-          <a:ln>
-            <a:solidFill>
-              <a:srgbClr val="FF0000"/>
-            </a:solidFill>
-            <a:headEnd type="none"/>
-            <a:tailEnd type="none"/>
-          </a:ln>
-          <a:effectLst/>
-        </p:spPr>
-        <p:style>
-          <a:lnRef idx="2">
-            <a:schemeClr val="accent1"/>
-          </a:lnRef>
-          <a:fillRef idx="0">
-            <a:schemeClr val="accent1"/>
-          </a:fillRef>
-          <a:effectRef idx="1">
-            <a:schemeClr val="accent1"/>
-          </a:effectRef>
-          <a:fontRef idx="minor">
-            <a:schemeClr val="tx1"/>
-          </a:fontRef>
-        </p:style>
-      </p:cxnSp>
-      <p:cxnSp>
-        <p:nvCxnSpPr>
-          <p:cNvPr id="60" name="Straight Connector 59">
-            <a:extLst>
-              <a:ext uri="{FF2B5EF4-FFF2-40B4-BE49-F238E27FC236}">
-                <a16:creationId xmlns:a16="http://schemas.microsoft.com/office/drawing/2014/main" id="{FC1EA3C2-6DA6-6944-9A00-9D7097DCCCB1}"/>
-              </a:ext>
-            </a:extLst>
-          </p:cNvPr>
-          <p:cNvCxnSpPr/>
-          <p:nvPr/>
-        </p:nvCxnSpPr>
-        <p:spPr>
-          <a:xfrm>
-            <a:off x="4631374" y="5339585"/>
-            <a:ext cx="190500" cy="0"/>
-          </a:xfrm>
-          <a:prstGeom prst="line">
-            <a:avLst/>
-          </a:prstGeom>
-          <a:ln>
-            <a:solidFill>
-              <a:srgbClr val="FF0000"/>
-            </a:solidFill>
-          </a:ln>
-          <a:effectLst/>
-        </p:spPr>
-        <p:style>
-          <a:lnRef idx="2">
-            <a:schemeClr val="accent1"/>
-          </a:lnRef>
-          <a:fillRef idx="0">
-            <a:schemeClr val="accent1"/>
-          </a:fillRef>
-          <a:effectRef idx="1">
-            <a:schemeClr val="accent1"/>
-          </a:effectRef>
-          <a:fontRef idx="minor">
-            <a:schemeClr val="tx1"/>
-          </a:fontRef>
-        </p:style>
-      </p:cxnSp>
-      <p:grpSp>
-        <p:nvGrpSpPr>
-          <p:cNvPr id="61" name="Group 60">
-            <a:extLst>
-              <a:ext uri="{FF2B5EF4-FFF2-40B4-BE49-F238E27FC236}">
-                <a16:creationId xmlns:a16="http://schemas.microsoft.com/office/drawing/2014/main" id="{30A33245-D54D-8749-A49C-2ABBCE9748DA}"/>
-              </a:ext>
-            </a:extLst>
-          </p:cNvPr>
-          <p:cNvGrpSpPr/>
-          <p:nvPr/>
-        </p:nvGrpSpPr>
-        <p:grpSpPr>
-          <a:xfrm>
-            <a:off x="1480949" y="5338740"/>
-            <a:ext cx="2737576" cy="654654"/>
-            <a:chOff x="2569133" y="413397"/>
-            <a:chExt cx="4196538" cy="1003545"/>
-          </a:xfrm>
-        </p:grpSpPr>
-        <p:cxnSp>
-          <p:nvCxnSpPr>
-            <p:cNvPr id="62" name="Straight Connector 61">
-              <a:extLst>
-                <a:ext uri="{FF2B5EF4-FFF2-40B4-BE49-F238E27FC236}">
-                  <a16:creationId xmlns:a16="http://schemas.microsoft.com/office/drawing/2014/main" id="{98C643EF-B32F-4A41-9AB8-E788F3957F37}"/>
-                </a:ext>
-              </a:extLst>
-            </p:cNvPr>
-            <p:cNvCxnSpPr/>
-            <p:nvPr/>
-          </p:nvCxnSpPr>
-          <p:spPr>
-            <a:xfrm>
-              <a:off x="2569133" y="1140336"/>
-              <a:ext cx="4191000" cy="0"/>
-            </a:xfrm>
-            <a:prstGeom prst="line">
-              <a:avLst/>
-            </a:prstGeom>
-            <a:ln w="38100" cap="flat" cmpd="sng" algn="ctr">
-              <a:solidFill>
-                <a:srgbClr val="000000"/>
-              </a:solidFill>
-              <a:prstDash val="solid"/>
-              <a:round/>
-              <a:headEnd type="none" w="med" len="med"/>
-              <a:tailEnd type="none" w="med" len="med"/>
-            </a:ln>
-            <a:effectLst/>
-          </p:spPr>
-          <p:style>
-            <a:lnRef idx="2">
-              <a:schemeClr val="accent1"/>
-            </a:lnRef>
-            <a:fillRef idx="0">
-              <a:schemeClr val="accent1"/>
-            </a:fillRef>
-            <a:effectRef idx="1">
-              <a:schemeClr val="accent1"/>
-            </a:effectRef>
-            <a:fontRef idx="minor">
-              <a:schemeClr val="tx1"/>
-            </a:fontRef>
-          </p:style>
-        </p:cxnSp>
-        <p:sp>
-          <p:nvSpPr>
-            <p:cNvPr id="63" name="Right Arrow 62">
-              <a:extLst>
-                <a:ext uri="{FF2B5EF4-FFF2-40B4-BE49-F238E27FC236}">
-                  <a16:creationId xmlns:a16="http://schemas.microsoft.com/office/drawing/2014/main" id="{BE490107-379A-DA48-98CE-23EA73A34451}"/>
-                </a:ext>
-              </a:extLst>
-            </p:cNvPr>
-            <p:cNvSpPr/>
-            <p:nvPr/>
-          </p:nvSpPr>
-          <p:spPr>
-            <a:xfrm>
-              <a:off x="4740833" y="949836"/>
-              <a:ext cx="1168400" cy="350140"/>
-            </a:xfrm>
-            <a:prstGeom prst="rightArrow">
-              <a:avLst>
-                <a:gd name="adj1" fmla="val 100000"/>
-                <a:gd name="adj2" fmla="val 52194"/>
-              </a:avLst>
-            </a:prstGeom>
-            <a:solidFill>
-              <a:schemeClr val="accent2"/>
-            </a:solidFill>
-            <a:ln w="38100" cap="flat" cmpd="sng" algn="ctr">
-              <a:solidFill>
-                <a:srgbClr val="000000"/>
-              </a:solidFill>
-              <a:prstDash val="solid"/>
-              <a:round/>
-              <a:headEnd type="none" w="med" len="med"/>
-              <a:tailEnd type="none" w="med" len="med"/>
-            </a:ln>
-            <a:effectLst/>
-          </p:spPr>
-          <p:style>
-            <a:lnRef idx="1">
-              <a:schemeClr val="accent1"/>
-            </a:lnRef>
-            <a:fillRef idx="3">
-              <a:schemeClr val="accent1"/>
-            </a:fillRef>
-            <a:effectRef idx="2">
-              <a:schemeClr val="accent1"/>
-            </a:effectRef>
-            <a:fontRef idx="minor">
-              <a:schemeClr val="lt1"/>
-            </a:fontRef>
-          </p:style>
-          <p:txBody>
-            <a:bodyPr rtlCol="0" anchor="ctr"/>
-            <a:lstStyle/>
-            <a:p>
-              <a:pPr algn="ctr"/>
-              <a:endParaRPr lang="en-US" i="1" dirty="0">
-                <a:solidFill>
-                  <a:schemeClr val="tx1"/>
-                </a:solidFill>
-              </a:endParaRPr>
-            </a:p>
-          </p:txBody>
-        </p:sp>
-        <p:sp>
-          <p:nvSpPr>
-            <p:cNvPr id="64" name="Chord 63">
-              <a:extLst>
-                <a:ext uri="{FF2B5EF4-FFF2-40B4-BE49-F238E27FC236}">
-                  <a16:creationId xmlns:a16="http://schemas.microsoft.com/office/drawing/2014/main" id="{D6F2EFD3-E96F-C248-9CFF-FDC57E65616B}"/>
-                </a:ext>
-              </a:extLst>
-            </p:cNvPr>
-            <p:cNvSpPr/>
-            <p:nvPr/>
-          </p:nvSpPr>
-          <p:spPr>
-            <a:xfrm>
-              <a:off x="3734347" y="784736"/>
-              <a:ext cx="632206" cy="632206"/>
-            </a:xfrm>
-            <a:prstGeom prst="chord">
-              <a:avLst>
-                <a:gd name="adj1" fmla="val 10506229"/>
-                <a:gd name="adj2" fmla="val 301460"/>
-              </a:avLst>
-            </a:prstGeom>
-            <a:solidFill>
-              <a:schemeClr val="accent4">
-                <a:lumMod val="60000"/>
-                <a:lumOff val="40000"/>
-              </a:schemeClr>
-            </a:solidFill>
-            <a:ln w="38100" cap="flat" cmpd="sng" algn="ctr">
-              <a:solidFill>
-                <a:srgbClr val="000000"/>
-              </a:solidFill>
-              <a:prstDash val="solid"/>
-              <a:round/>
-              <a:headEnd type="none" w="med" len="med"/>
-              <a:tailEnd type="none" w="med" len="med"/>
-            </a:ln>
-            <a:effectLst/>
-          </p:spPr>
-          <p:style>
-            <a:lnRef idx="1">
-              <a:schemeClr val="accent1"/>
-            </a:lnRef>
-            <a:fillRef idx="3">
-              <a:schemeClr val="accent1"/>
-            </a:fillRef>
-            <a:effectRef idx="2">
-              <a:schemeClr val="accent1"/>
-            </a:effectRef>
-            <a:fontRef idx="minor">
-              <a:schemeClr val="lt1"/>
-            </a:fontRef>
-          </p:style>
-          <p:txBody>
-            <a:bodyPr rtlCol="0" anchor="ctr"/>
-            <a:lstStyle/>
-            <a:p>
-              <a:pPr algn="ctr"/>
-              <a:endParaRPr lang="en-US"/>
-            </a:p>
-          </p:txBody>
-        </p:sp>
-        <p:pic>
-          <p:nvPicPr>
-            <p:cNvPr id="65" name="Picture 64">
-              <a:extLst>
-                <a:ext uri="{FF2B5EF4-FFF2-40B4-BE49-F238E27FC236}">
-                  <a16:creationId xmlns:a16="http://schemas.microsoft.com/office/drawing/2014/main" id="{286E7833-957E-F440-8D42-9AB7E035E8E1}"/>
-                </a:ext>
-              </a:extLst>
-            </p:cNvPr>
-            <p:cNvPicPr>
-              <a:picLocks noChangeAspect="1"/>
-            </p:cNvPicPr>
-            <p:nvPr/>
-          </p:nvPicPr>
-          <p:blipFill>
-            <a:blip r:embed="rId2">
-              <a:extLst>
-                <a:ext uri="{28A0092B-C50C-407E-A947-70E740481C1C}">
-                  <a14:useLocalDpi xmlns:a14="http://schemas.microsoft.com/office/drawing/2010/main" val="0"/>
-                </a:ext>
-              </a:extLst>
-            </a:blip>
-            <a:stretch>
-              <a:fillRect/>
-            </a:stretch>
-          </p:blipFill>
-          <p:spPr>
-            <a:xfrm>
-              <a:off x="2803319" y="413397"/>
-              <a:ext cx="771908" cy="771908"/>
-            </a:xfrm>
-            <a:prstGeom prst="rect">
-              <a:avLst/>
-            </a:prstGeom>
-          </p:spPr>
-        </p:pic>
-        <p:pic>
-          <p:nvPicPr>
-            <p:cNvPr id="66" name="Picture 65">
-              <a:extLst>
-                <a:ext uri="{FF2B5EF4-FFF2-40B4-BE49-F238E27FC236}">
-                  <a16:creationId xmlns:a16="http://schemas.microsoft.com/office/drawing/2014/main" id="{66E58BA4-55C5-4249-BAD1-86292495D744}"/>
-                </a:ext>
-              </a:extLst>
-            </p:cNvPr>
-            <p:cNvPicPr>
-              <a:picLocks noChangeAspect="1"/>
-            </p:cNvPicPr>
-            <p:nvPr/>
-          </p:nvPicPr>
-          <p:blipFill>
-            <a:blip r:embed="rId3">
-              <a:extLst>
-                <a:ext uri="{28A0092B-C50C-407E-A947-70E740481C1C}">
-                  <a14:useLocalDpi xmlns:a14="http://schemas.microsoft.com/office/drawing/2010/main" val="0"/>
-                </a:ext>
-              </a:extLst>
-            </a:blip>
-            <a:stretch>
-              <a:fillRect/>
-            </a:stretch>
-          </p:blipFill>
-          <p:spPr>
-            <a:xfrm>
-              <a:off x="5971536" y="499461"/>
-              <a:ext cx="794135" cy="794135"/>
-            </a:xfrm>
-            <a:prstGeom prst="rect">
-              <a:avLst/>
-            </a:prstGeom>
-          </p:spPr>
-        </p:pic>
-      </p:grpSp>
-      <p:grpSp>
-        <p:nvGrpSpPr>
-          <p:cNvPr id="67" name="Group 66">
-            <a:extLst>
-              <a:ext uri="{FF2B5EF4-FFF2-40B4-BE49-F238E27FC236}">
-                <a16:creationId xmlns:a16="http://schemas.microsoft.com/office/drawing/2014/main" id="{B8766E42-1395-DB4B-8AF5-8889D4172F65}"/>
-              </a:ext>
-            </a:extLst>
-          </p:cNvPr>
-          <p:cNvGrpSpPr/>
-          <p:nvPr/>
-        </p:nvGrpSpPr>
-        <p:grpSpPr>
-          <a:xfrm>
-            <a:off x="4322081" y="5338740"/>
-            <a:ext cx="2737576" cy="654654"/>
-            <a:chOff x="2569133" y="413397"/>
-            <a:chExt cx="4196538" cy="1003545"/>
-          </a:xfrm>
-        </p:grpSpPr>
-        <p:cxnSp>
-          <p:nvCxnSpPr>
-            <p:cNvPr id="68" name="Straight Connector 67">
-              <a:extLst>
-                <a:ext uri="{FF2B5EF4-FFF2-40B4-BE49-F238E27FC236}">
-                  <a16:creationId xmlns:a16="http://schemas.microsoft.com/office/drawing/2014/main" id="{713A26E7-864E-394A-B32B-208D3A734304}"/>
-                </a:ext>
-              </a:extLst>
-            </p:cNvPr>
-            <p:cNvCxnSpPr/>
-            <p:nvPr/>
-          </p:nvCxnSpPr>
-          <p:spPr>
-            <a:xfrm>
-              <a:off x="2569133" y="1140336"/>
-              <a:ext cx="4191000" cy="0"/>
-            </a:xfrm>
-            <a:prstGeom prst="line">
-              <a:avLst/>
-            </a:prstGeom>
-            <a:ln w="38100" cap="flat" cmpd="sng" algn="ctr">
-              <a:solidFill>
-                <a:srgbClr val="000000"/>
-              </a:solidFill>
-              <a:prstDash val="solid"/>
-              <a:round/>
-              <a:headEnd type="none" w="med" len="med"/>
-              <a:tailEnd type="none" w="med" len="med"/>
-            </a:ln>
-            <a:effectLst/>
-          </p:spPr>
-          <p:style>
-            <a:lnRef idx="2">
-              <a:schemeClr val="accent1"/>
-            </a:lnRef>
-            <a:fillRef idx="0">
-              <a:schemeClr val="accent1"/>
-            </a:fillRef>
-            <a:effectRef idx="1">
-              <a:schemeClr val="accent1"/>
-            </a:effectRef>
-            <a:fontRef idx="minor">
-              <a:schemeClr val="tx1"/>
-            </a:fontRef>
-          </p:style>
-        </p:cxnSp>
-        <p:sp>
-          <p:nvSpPr>
-            <p:cNvPr id="69" name="Right Arrow 68">
-              <a:extLst>
-                <a:ext uri="{FF2B5EF4-FFF2-40B4-BE49-F238E27FC236}">
-                  <a16:creationId xmlns:a16="http://schemas.microsoft.com/office/drawing/2014/main" id="{B631BE1B-D695-AA46-8CDF-07955D999383}"/>
-                </a:ext>
-              </a:extLst>
-            </p:cNvPr>
-            <p:cNvSpPr/>
-            <p:nvPr/>
-          </p:nvSpPr>
-          <p:spPr>
-            <a:xfrm>
-              <a:off x="4740833" y="949836"/>
-              <a:ext cx="1168400" cy="350140"/>
-            </a:xfrm>
-            <a:prstGeom prst="rightArrow">
-              <a:avLst>
-                <a:gd name="adj1" fmla="val 100000"/>
-                <a:gd name="adj2" fmla="val 52194"/>
-              </a:avLst>
-            </a:prstGeom>
-            <a:solidFill>
-              <a:srgbClr val="92D050"/>
-            </a:solidFill>
-            <a:ln w="38100" cap="flat" cmpd="sng" algn="ctr">
-              <a:solidFill>
-                <a:srgbClr val="000000"/>
-              </a:solidFill>
-              <a:prstDash val="solid"/>
-              <a:round/>
-              <a:headEnd type="none" w="med" len="med"/>
-              <a:tailEnd type="none" w="med" len="med"/>
-            </a:ln>
-            <a:effectLst/>
-          </p:spPr>
-          <p:style>
-            <a:lnRef idx="1">
-              <a:schemeClr val="accent1"/>
-            </a:lnRef>
-            <a:fillRef idx="3">
-              <a:schemeClr val="accent1"/>
-            </a:fillRef>
-            <a:effectRef idx="2">
-              <a:schemeClr val="accent1"/>
-            </a:effectRef>
-            <a:fontRef idx="minor">
-              <a:schemeClr val="lt1"/>
-            </a:fontRef>
-          </p:style>
-          <p:txBody>
-            <a:bodyPr rtlCol="0" anchor="ctr"/>
-            <a:lstStyle/>
-            <a:p>
-              <a:pPr algn="ctr"/>
-              <a:endParaRPr lang="en-US" i="1" dirty="0">
-                <a:solidFill>
-                  <a:schemeClr val="tx1"/>
-                </a:solidFill>
-              </a:endParaRPr>
-            </a:p>
-          </p:txBody>
-        </p:sp>
-        <p:sp>
-          <p:nvSpPr>
-            <p:cNvPr id="70" name="Chord 69">
-              <a:extLst>
-                <a:ext uri="{FF2B5EF4-FFF2-40B4-BE49-F238E27FC236}">
-                  <a16:creationId xmlns:a16="http://schemas.microsoft.com/office/drawing/2014/main" id="{BCF400CA-2E47-2D48-B87B-24AC28F5C3E1}"/>
-                </a:ext>
-              </a:extLst>
-            </p:cNvPr>
-            <p:cNvSpPr/>
-            <p:nvPr/>
-          </p:nvSpPr>
-          <p:spPr>
-            <a:xfrm>
-              <a:off x="3734347" y="784736"/>
-              <a:ext cx="632206" cy="632206"/>
-            </a:xfrm>
-            <a:prstGeom prst="chord">
-              <a:avLst>
-                <a:gd name="adj1" fmla="val 10506229"/>
-                <a:gd name="adj2" fmla="val 301460"/>
-              </a:avLst>
-            </a:prstGeom>
-            <a:solidFill>
-              <a:schemeClr val="accent4">
-                <a:lumMod val="60000"/>
-                <a:lumOff val="40000"/>
-              </a:schemeClr>
-            </a:solidFill>
-            <a:ln w="38100" cap="flat" cmpd="sng" algn="ctr">
-              <a:solidFill>
-                <a:srgbClr val="000000"/>
-              </a:solidFill>
-              <a:prstDash val="solid"/>
-              <a:round/>
-              <a:headEnd type="none" w="med" len="med"/>
-              <a:tailEnd type="none" w="med" len="med"/>
-            </a:ln>
-            <a:effectLst/>
-          </p:spPr>
-          <p:style>
-            <a:lnRef idx="1">
-              <a:schemeClr val="accent1"/>
-            </a:lnRef>
-            <a:fillRef idx="3">
-              <a:schemeClr val="accent1"/>
-            </a:fillRef>
-            <a:effectRef idx="2">
-              <a:schemeClr val="accent1"/>
-            </a:effectRef>
-            <a:fontRef idx="minor">
-              <a:schemeClr val="lt1"/>
-            </a:fontRef>
-          </p:style>
-          <p:txBody>
-            <a:bodyPr rtlCol="0" anchor="ctr"/>
-            <a:lstStyle/>
-            <a:p>
-              <a:pPr algn="ctr"/>
-              <a:endParaRPr lang="en-US"/>
-            </a:p>
-          </p:txBody>
-        </p:sp>
-        <p:pic>
-          <p:nvPicPr>
-            <p:cNvPr id="71" name="Picture 70">
-              <a:extLst>
-                <a:ext uri="{FF2B5EF4-FFF2-40B4-BE49-F238E27FC236}">
-                  <a16:creationId xmlns:a16="http://schemas.microsoft.com/office/drawing/2014/main" id="{B3EDC701-4B82-D84A-863C-298E013D76C2}"/>
-                </a:ext>
-              </a:extLst>
-            </p:cNvPr>
-            <p:cNvPicPr>
-              <a:picLocks noChangeAspect="1"/>
-            </p:cNvPicPr>
-            <p:nvPr/>
-          </p:nvPicPr>
-          <p:blipFill>
-            <a:blip r:embed="rId2">
-              <a:extLst>
-                <a:ext uri="{28A0092B-C50C-407E-A947-70E740481C1C}">
-                  <a14:useLocalDpi xmlns:a14="http://schemas.microsoft.com/office/drawing/2010/main" val="0"/>
-                </a:ext>
-              </a:extLst>
-            </a:blip>
-            <a:stretch>
-              <a:fillRect/>
-            </a:stretch>
-          </p:blipFill>
-          <p:spPr>
-            <a:xfrm>
-              <a:off x="2803319" y="413397"/>
-              <a:ext cx="771908" cy="771908"/>
-            </a:xfrm>
-            <a:prstGeom prst="rect">
-              <a:avLst/>
-            </a:prstGeom>
-          </p:spPr>
-        </p:pic>
-        <p:pic>
-          <p:nvPicPr>
-            <p:cNvPr id="72" name="Picture 71">
-              <a:extLst>
-                <a:ext uri="{FF2B5EF4-FFF2-40B4-BE49-F238E27FC236}">
-                  <a16:creationId xmlns:a16="http://schemas.microsoft.com/office/drawing/2014/main" id="{AF812742-DBD7-2745-AB9A-F0D4CB4CB942}"/>
-                </a:ext>
-              </a:extLst>
-            </p:cNvPr>
-            <p:cNvPicPr>
-              <a:picLocks noChangeAspect="1"/>
-            </p:cNvPicPr>
-            <p:nvPr/>
-          </p:nvPicPr>
-          <p:blipFill>
-            <a:blip r:embed="rId3">
-              <a:extLst>
-                <a:ext uri="{28A0092B-C50C-407E-A947-70E740481C1C}">
-                  <a14:useLocalDpi xmlns:a14="http://schemas.microsoft.com/office/drawing/2010/main" val="0"/>
-                </a:ext>
-              </a:extLst>
-            </a:blip>
-            <a:stretch>
-              <a:fillRect/>
-            </a:stretch>
-          </p:blipFill>
-          <p:spPr>
-            <a:xfrm>
-              <a:off x="5971536" y="499461"/>
-              <a:ext cx="794135" cy="794135"/>
-            </a:xfrm>
-            <a:prstGeom prst="rect">
-              <a:avLst/>
-            </a:prstGeom>
-          </p:spPr>
-        </p:pic>
-      </p:grpSp>
-      <p:cxnSp>
-        <p:nvCxnSpPr>
-          <p:cNvPr id="76" name="Straight Arrow Connector 75">
-            <a:extLst>
-              <a:ext uri="{FF2B5EF4-FFF2-40B4-BE49-F238E27FC236}">
-                <a16:creationId xmlns:a16="http://schemas.microsoft.com/office/drawing/2014/main" id="{74CE8574-C096-C04E-B270-D0D8CA3A3460}"/>
-              </a:ext>
-            </a:extLst>
-          </p:cNvPr>
-          <p:cNvCxnSpPr/>
-          <p:nvPr/>
-        </p:nvCxnSpPr>
-        <p:spPr>
-          <a:xfrm flipV="1">
-            <a:off x="6096000" y="5338740"/>
-            <a:ext cx="0" cy="343873"/>
-          </a:xfrm>
-          <a:prstGeom prst="straightConnector1">
-            <a:avLst/>
-          </a:prstGeom>
-          <a:ln w="28575">
-            <a:solidFill>
-              <a:schemeClr val="accent3">
-                <a:lumMod val="75000"/>
-              </a:schemeClr>
-            </a:solidFill>
-            <a:headEnd type="none" w="med" len="med"/>
-            <a:tailEnd type="triangle" w="med" len="med"/>
-          </a:ln>
-        </p:spPr>
-        <p:style>
-          <a:lnRef idx="1">
-            <a:schemeClr val="dk1"/>
-          </a:lnRef>
-          <a:fillRef idx="0">
-            <a:schemeClr val="dk1"/>
-          </a:fillRef>
-          <a:effectRef idx="0">
-            <a:schemeClr val="dk1"/>
-          </a:effectRef>
-          <a:fontRef idx="minor">
-            <a:schemeClr val="tx1"/>
-          </a:fontRef>
-        </p:style>
-      </p:cxnSp>
-      <p:sp>
-        <p:nvSpPr>
-          <p:cNvPr id="77" name="Rounded Rectangle 76">
-            <a:extLst>
-              <a:ext uri="{FF2B5EF4-FFF2-40B4-BE49-F238E27FC236}">
-                <a16:creationId xmlns:a16="http://schemas.microsoft.com/office/drawing/2014/main" id="{25EB1411-8CB7-A14D-8256-339A5F5C9518}"/>
-              </a:ext>
-            </a:extLst>
-          </p:cNvPr>
-          <p:cNvSpPr/>
-          <p:nvPr/>
-        </p:nvSpPr>
-        <p:spPr>
-          <a:xfrm>
-            <a:off x="1409971" y="4725606"/>
-            <a:ext cx="3523071" cy="1483611"/>
-          </a:xfrm>
-          <a:prstGeom prst="roundRect">
-            <a:avLst/>
-          </a:prstGeom>
-          <a:noFill/>
-          <a:ln w="12700" cap="flat" cmpd="sng" algn="ctr">
-            <a:solidFill>
-              <a:schemeClr val="tx2"/>
-            </a:solidFill>
-            <a:prstDash val="solid"/>
-            <a:round/>
-            <a:headEnd type="none" w="med" len="med"/>
-            <a:tailEnd type="none" w="med" len="med"/>
-          </a:ln>
-        </p:spPr>
-        <p:style>
-          <a:lnRef idx="0">
-            <a:scrgbClr r="0" g="0" b="0"/>
-          </a:lnRef>
-          <a:fillRef idx="0">
-            <a:scrgbClr r="0" g="0" b="0"/>
-          </a:fillRef>
-          <a:effectRef idx="0">
-            <a:scrgbClr r="0" g="0" b="0"/>
-          </a:effectRef>
-          <a:fontRef idx="minor">
-            <a:schemeClr val="dk1"/>
-          </a:fontRef>
-        </p:style>
-        <p:txBody>
-          <a:bodyPr rtlCol="0" anchor="ctr"/>
-          <a:lstStyle/>
-          <a:p>
-            <a:pPr algn="ctr"/>
-            <a:endParaRPr lang="en-US"/>
-          </a:p>
-        </p:txBody>
-      </p:sp>
-      <p:sp>
-        <p:nvSpPr>
-          <p:cNvPr id="78" name="Rounded Rectangle 77">
-            <a:extLst>
-              <a:ext uri="{FF2B5EF4-FFF2-40B4-BE49-F238E27FC236}">
-                <a16:creationId xmlns:a16="http://schemas.microsoft.com/office/drawing/2014/main" id="{2874FE98-31D4-B84B-84D1-8BD7BE94FC2B}"/>
-              </a:ext>
-            </a:extLst>
-          </p:cNvPr>
-          <p:cNvSpPr/>
-          <p:nvPr/>
-        </p:nvSpPr>
-        <p:spPr>
-          <a:xfrm>
-            <a:off x="5868940" y="991044"/>
-            <a:ext cx="515764" cy="282671"/>
-          </a:xfrm>
-          <a:prstGeom prst="roundRect">
-            <a:avLst>
-              <a:gd name="adj" fmla="val 50000"/>
-            </a:avLst>
-          </a:prstGeom>
-          <a:solidFill>
-            <a:schemeClr val="bg1"/>
-          </a:solidFill>
-          <a:ln w="19050">
-            <a:solidFill>
-              <a:schemeClr val="tx1"/>
-            </a:solidFill>
-          </a:ln>
-          <a:effectLst/>
-        </p:spPr>
-        <p:style>
-          <a:lnRef idx="1">
-            <a:schemeClr val="accent1"/>
-          </a:lnRef>
-          <a:fillRef idx="3">
-            <a:schemeClr val="accent1"/>
-          </a:fillRef>
-          <a:effectRef idx="2">
-            <a:schemeClr val="accent1"/>
-          </a:effectRef>
-          <a:fontRef idx="minor">
-            <a:schemeClr val="lt1"/>
-          </a:fontRef>
-        </p:style>
-        <p:txBody>
-          <a:bodyPr rtlCol="0" anchor="ctr"/>
-          <a:lstStyle/>
-          <a:p>
-            <a:pPr algn="ctr"/>
-            <a:endParaRPr lang="en-US"/>
-          </a:p>
-        </p:txBody>
-      </p:sp>
-      <p:sp>
-        <p:nvSpPr>
-          <p:cNvPr id="79" name="Rounded Rectangle 78">
-            <a:extLst>
-              <a:ext uri="{FF2B5EF4-FFF2-40B4-BE49-F238E27FC236}">
-                <a16:creationId xmlns:a16="http://schemas.microsoft.com/office/drawing/2014/main" id="{756A1F8E-6DF3-804C-8609-17144AFF777A}"/>
-              </a:ext>
-            </a:extLst>
-          </p:cNvPr>
-          <p:cNvSpPr/>
-          <p:nvPr/>
-        </p:nvSpPr>
-        <p:spPr>
-          <a:xfrm>
-            <a:off x="5838118" y="3293153"/>
-            <a:ext cx="515764" cy="282671"/>
-          </a:xfrm>
-          <a:prstGeom prst="roundRect">
-            <a:avLst>
-              <a:gd name="adj" fmla="val 50000"/>
-            </a:avLst>
-          </a:prstGeom>
-          <a:solidFill>
-            <a:schemeClr val="bg1"/>
-          </a:solidFill>
-          <a:ln w="19050">
-            <a:solidFill>
-              <a:schemeClr val="tx1"/>
-            </a:solidFill>
-          </a:ln>
-          <a:effectLst/>
-        </p:spPr>
-        <p:style>
-          <a:lnRef idx="1">
-            <a:schemeClr val="accent1"/>
-          </a:lnRef>
-          <a:fillRef idx="3">
-            <a:schemeClr val="accent1"/>
-          </a:fillRef>
-          <a:effectRef idx="2">
-            <a:schemeClr val="accent1"/>
-          </a:effectRef>
-          <a:fontRef idx="minor">
-            <a:schemeClr val="lt1"/>
-          </a:fontRef>
-        </p:style>
-        <p:txBody>
-          <a:bodyPr rtlCol="0" anchor="ctr"/>
-          <a:lstStyle/>
-          <a:p>
-            <a:pPr algn="ctr"/>
-            <a:endParaRPr lang="en-US"/>
-          </a:p>
-        </p:txBody>
-      </p:sp>
-      <p:sp>
-        <p:nvSpPr>
-          <p:cNvPr id="80" name="Rounded Rectangle 79">
-            <a:extLst>
-              <a:ext uri="{FF2B5EF4-FFF2-40B4-BE49-F238E27FC236}">
-                <a16:creationId xmlns:a16="http://schemas.microsoft.com/office/drawing/2014/main" id="{14259E52-B5C6-0B4C-8521-3790946F9178}"/>
-              </a:ext>
-            </a:extLst>
-          </p:cNvPr>
-          <p:cNvSpPr/>
-          <p:nvPr/>
-        </p:nvSpPr>
-        <p:spPr>
-          <a:xfrm>
-            <a:off x="5838118" y="5044030"/>
-            <a:ext cx="515764" cy="282671"/>
-          </a:xfrm>
-          <a:prstGeom prst="roundRect">
-            <a:avLst>
-              <a:gd name="adj" fmla="val 50000"/>
-            </a:avLst>
-          </a:prstGeom>
-          <a:solidFill>
-            <a:schemeClr val="bg1"/>
-          </a:solidFill>
-          <a:ln w="19050">
-            <a:solidFill>
-              <a:schemeClr val="tx1"/>
-            </a:solidFill>
-          </a:ln>
-          <a:effectLst/>
-        </p:spPr>
-        <p:style>
-          <a:lnRef idx="1">
-            <a:schemeClr val="accent1"/>
-          </a:lnRef>
-          <a:fillRef idx="3">
-            <a:schemeClr val="accent1"/>
-          </a:fillRef>
-          <a:effectRef idx="2">
-            <a:schemeClr val="accent1"/>
-          </a:effectRef>
-          <a:fontRef idx="minor">
-            <a:schemeClr val="lt1"/>
-          </a:fontRef>
-        </p:style>
-        <p:txBody>
-          <a:bodyPr rtlCol="0" anchor="ctr"/>
-          <a:lstStyle/>
-          <a:p>
-            <a:pPr algn="ctr"/>
-            <a:endParaRPr lang="en-US"/>
-          </a:p>
-        </p:txBody>
-      </p:sp>
     </p:spTree>
     <p:extLst>
       <p:ext uri="{BB962C8B-B14F-4D97-AF65-F5344CB8AC3E}">
@@ -11697,7 +11566,7 @@
         <p:spPr>
           <a:xfrm>
             <a:off x="139700" y="165100"/>
-            <a:ext cx="1091966" cy="369332"/>
+            <a:ext cx="1111202" cy="369332"/>
           </a:xfrm>
           <a:prstGeom prst="rect">
             <a:avLst/>
@@ -11712,7 +11581,42 @@
           <a:p>
             <a:r>
               <a:rPr lang="en-US" dirty="0"/>
-              <a:t>Module C</a:t>
+              <a:t>Module D</a:t>
+            </a:r>
+          </a:p>
+        </p:txBody>
+      </p:sp>
+      <p:sp>
+        <p:nvSpPr>
+          <p:cNvPr id="165" name="TextBox 164">
+            <a:extLst>
+              <a:ext uri="{FF2B5EF4-FFF2-40B4-BE49-F238E27FC236}">
+                <a16:creationId xmlns:a16="http://schemas.microsoft.com/office/drawing/2014/main" id="{80E42378-F9A9-BB48-B159-01E6D56E5DA7}"/>
+              </a:ext>
+            </a:extLst>
+          </p:cNvPr>
+          <p:cNvSpPr txBox="1"/>
+          <p:nvPr/>
+        </p:nvSpPr>
+        <p:spPr>
+          <a:xfrm>
+            <a:off x="4568139" y="320586"/>
+            <a:ext cx="610167" cy="369332"/>
+          </a:xfrm>
+          <a:prstGeom prst="rect">
+            <a:avLst/>
+          </a:prstGeom>
+          <a:noFill/>
+        </p:spPr>
+        <p:txBody>
+          <a:bodyPr wrap="none" rtlCol="0">
+            <a:spAutoFit/>
+          </a:bodyPr>
+          <a:lstStyle/>
+          <a:p>
+            <a:r>
+              <a:rPr lang="en-US" dirty="0"/>
+              <a:t>MAY</a:t>
             </a:r>
           </a:p>
         </p:txBody>
@@ -11766,8 +11670,8 @@
         </p:nvSpPr>
         <p:spPr>
           <a:xfrm>
-            <a:off x="4336707" y="4788823"/>
-            <a:ext cx="2955581" cy="1483611"/>
+            <a:off x="4002121" y="2917514"/>
+            <a:ext cx="3653930" cy="1483611"/>
           </a:xfrm>
           <a:prstGeom prst="roundRect">
             <a:avLst/>
@@ -11822,15 +11726,12 @@
           <p:nvPr/>
         </p:nvCxnSpPr>
         <p:spPr>
-          <a:xfrm flipV="1">
-            <a:off x="3284005" y="5401957"/>
-            <a:ext cx="1439006" cy="343873"/>
-          </a:xfrm>
-          <a:prstGeom prst="bentConnector4">
-            <a:avLst>
-              <a:gd name="adj1" fmla="val 20"/>
-              <a:gd name="adj2" fmla="val 166478"/>
-            </a:avLst>
+          <a:xfrm>
+            <a:off x="4770722" y="3308452"/>
+            <a:ext cx="316051" cy="222196"/>
+          </a:xfrm>
+          <a:prstGeom prst="bentConnector2">
+            <a:avLst/>
           </a:prstGeom>
           <a:ln>
             <a:solidFill>
@@ -11870,1715 +11771,7 @@
         </p:nvCxnSpPr>
         <p:spPr>
           <a:xfrm>
-            <a:off x="4627761" y="5402802"/>
-            <a:ext cx="190500" cy="0"/>
-          </a:xfrm>
-          <a:prstGeom prst="line">
-            <a:avLst/>
-          </a:prstGeom>
-          <a:ln>
-            <a:solidFill>
-              <a:srgbClr val="FF0000"/>
-            </a:solidFill>
-          </a:ln>
-          <a:effectLst/>
-        </p:spPr>
-        <p:style>
-          <a:lnRef idx="2">
-            <a:schemeClr val="accent1"/>
-          </a:lnRef>
-          <a:fillRef idx="0">
-            <a:schemeClr val="accent1"/>
-          </a:fillRef>
-          <a:effectRef idx="1">
-            <a:schemeClr val="accent1"/>
-          </a:effectRef>
-          <a:fontRef idx="minor">
-            <a:schemeClr val="tx1"/>
-          </a:fontRef>
-        </p:style>
-      </p:cxnSp>
-      <p:grpSp>
-        <p:nvGrpSpPr>
-          <p:cNvPr id="126" name="Group 125">
-            <a:extLst>
-              <a:ext uri="{FF2B5EF4-FFF2-40B4-BE49-F238E27FC236}">
-                <a16:creationId xmlns:a16="http://schemas.microsoft.com/office/drawing/2014/main" id="{C8CBB5D3-2A82-F347-8768-A0E26939D826}"/>
-              </a:ext>
-            </a:extLst>
-          </p:cNvPr>
-          <p:cNvGrpSpPr/>
-          <p:nvPr/>
-        </p:nvGrpSpPr>
-        <p:grpSpPr>
-          <a:xfrm>
-            <a:off x="1477336" y="5401957"/>
-            <a:ext cx="2737576" cy="654654"/>
-            <a:chOff x="2569133" y="413397"/>
-            <a:chExt cx="4196538" cy="1003545"/>
-          </a:xfrm>
-        </p:grpSpPr>
-        <p:cxnSp>
-          <p:nvCxnSpPr>
-            <p:cNvPr id="127" name="Straight Connector 126">
-              <a:extLst>
-                <a:ext uri="{FF2B5EF4-FFF2-40B4-BE49-F238E27FC236}">
-                  <a16:creationId xmlns:a16="http://schemas.microsoft.com/office/drawing/2014/main" id="{28511621-3697-E641-87CC-23BBD46DE63C}"/>
-                </a:ext>
-              </a:extLst>
-            </p:cNvPr>
-            <p:cNvCxnSpPr/>
-            <p:nvPr/>
-          </p:nvCxnSpPr>
-          <p:spPr>
-            <a:xfrm>
-              <a:off x="2569133" y="1140336"/>
-              <a:ext cx="4191000" cy="0"/>
-            </a:xfrm>
-            <a:prstGeom prst="line">
-              <a:avLst/>
-            </a:prstGeom>
-            <a:ln w="38100" cap="flat" cmpd="sng" algn="ctr">
-              <a:solidFill>
-                <a:srgbClr val="000000"/>
-              </a:solidFill>
-              <a:prstDash val="solid"/>
-              <a:round/>
-              <a:headEnd type="none" w="med" len="med"/>
-              <a:tailEnd type="none" w="med" len="med"/>
-            </a:ln>
-            <a:effectLst/>
-          </p:spPr>
-          <p:style>
-            <a:lnRef idx="2">
-              <a:schemeClr val="accent1"/>
-            </a:lnRef>
-            <a:fillRef idx="0">
-              <a:schemeClr val="accent1"/>
-            </a:fillRef>
-            <a:effectRef idx="1">
-              <a:schemeClr val="accent1"/>
-            </a:effectRef>
-            <a:fontRef idx="minor">
-              <a:schemeClr val="tx1"/>
-            </a:fontRef>
-          </p:style>
-        </p:cxnSp>
-        <p:sp>
-          <p:nvSpPr>
-            <p:cNvPr id="128" name="Right Arrow 127">
-              <a:extLst>
-                <a:ext uri="{FF2B5EF4-FFF2-40B4-BE49-F238E27FC236}">
-                  <a16:creationId xmlns:a16="http://schemas.microsoft.com/office/drawing/2014/main" id="{05B9150A-7BF8-8643-B2E6-51C25F8533DE}"/>
-                </a:ext>
-              </a:extLst>
-            </p:cNvPr>
-            <p:cNvSpPr/>
-            <p:nvPr/>
-          </p:nvSpPr>
-          <p:spPr>
-            <a:xfrm>
-              <a:off x="4740833" y="949836"/>
-              <a:ext cx="1168400" cy="350140"/>
-            </a:xfrm>
-            <a:prstGeom prst="rightArrow">
-              <a:avLst>
-                <a:gd name="adj1" fmla="val 100000"/>
-                <a:gd name="adj2" fmla="val 52194"/>
-              </a:avLst>
-            </a:prstGeom>
-            <a:solidFill>
-              <a:schemeClr val="accent2"/>
-            </a:solidFill>
-            <a:ln w="38100" cap="flat" cmpd="sng" algn="ctr">
-              <a:solidFill>
-                <a:srgbClr val="000000"/>
-              </a:solidFill>
-              <a:prstDash val="solid"/>
-              <a:round/>
-              <a:headEnd type="none" w="med" len="med"/>
-              <a:tailEnd type="none" w="med" len="med"/>
-            </a:ln>
-            <a:effectLst/>
-          </p:spPr>
-          <p:style>
-            <a:lnRef idx="1">
-              <a:schemeClr val="accent1"/>
-            </a:lnRef>
-            <a:fillRef idx="3">
-              <a:schemeClr val="accent1"/>
-            </a:fillRef>
-            <a:effectRef idx="2">
-              <a:schemeClr val="accent1"/>
-            </a:effectRef>
-            <a:fontRef idx="minor">
-              <a:schemeClr val="lt1"/>
-            </a:fontRef>
-          </p:style>
-          <p:txBody>
-            <a:bodyPr rtlCol="0" anchor="ctr"/>
-            <a:lstStyle/>
-            <a:p>
-              <a:pPr algn="ctr"/>
-              <a:endParaRPr lang="en-US" i="1" dirty="0">
-                <a:solidFill>
-                  <a:schemeClr val="tx1"/>
-                </a:solidFill>
-              </a:endParaRPr>
-            </a:p>
-          </p:txBody>
-        </p:sp>
-        <p:sp>
-          <p:nvSpPr>
-            <p:cNvPr id="129" name="Chord 128">
-              <a:extLst>
-                <a:ext uri="{FF2B5EF4-FFF2-40B4-BE49-F238E27FC236}">
-                  <a16:creationId xmlns:a16="http://schemas.microsoft.com/office/drawing/2014/main" id="{4318A2A1-B0F5-BC40-90DF-B4C6ED3A8E7E}"/>
-                </a:ext>
-              </a:extLst>
-            </p:cNvPr>
-            <p:cNvSpPr/>
-            <p:nvPr/>
-          </p:nvSpPr>
-          <p:spPr>
-            <a:xfrm>
-              <a:off x="3734347" y="784736"/>
-              <a:ext cx="632206" cy="632206"/>
-            </a:xfrm>
-            <a:prstGeom prst="chord">
-              <a:avLst>
-                <a:gd name="adj1" fmla="val 10506229"/>
-                <a:gd name="adj2" fmla="val 301460"/>
-              </a:avLst>
-            </a:prstGeom>
-            <a:solidFill>
-              <a:schemeClr val="accent4">
-                <a:lumMod val="60000"/>
-                <a:lumOff val="40000"/>
-              </a:schemeClr>
-            </a:solidFill>
-            <a:ln w="38100" cap="flat" cmpd="sng" algn="ctr">
-              <a:solidFill>
-                <a:srgbClr val="000000"/>
-              </a:solidFill>
-              <a:prstDash val="solid"/>
-              <a:round/>
-              <a:headEnd type="none" w="med" len="med"/>
-              <a:tailEnd type="none" w="med" len="med"/>
-            </a:ln>
-            <a:effectLst/>
-          </p:spPr>
-          <p:style>
-            <a:lnRef idx="1">
-              <a:schemeClr val="accent1"/>
-            </a:lnRef>
-            <a:fillRef idx="3">
-              <a:schemeClr val="accent1"/>
-            </a:fillRef>
-            <a:effectRef idx="2">
-              <a:schemeClr val="accent1"/>
-            </a:effectRef>
-            <a:fontRef idx="minor">
-              <a:schemeClr val="lt1"/>
-            </a:fontRef>
-          </p:style>
-          <p:txBody>
-            <a:bodyPr rtlCol="0" anchor="ctr"/>
-            <a:lstStyle/>
-            <a:p>
-              <a:pPr algn="ctr"/>
-              <a:endParaRPr lang="en-US"/>
-            </a:p>
-          </p:txBody>
-        </p:sp>
-        <p:pic>
-          <p:nvPicPr>
-            <p:cNvPr id="130" name="Picture 129">
-              <a:extLst>
-                <a:ext uri="{FF2B5EF4-FFF2-40B4-BE49-F238E27FC236}">
-                  <a16:creationId xmlns:a16="http://schemas.microsoft.com/office/drawing/2014/main" id="{48935D8D-7844-4F4E-9097-0A290CBDF431}"/>
-                </a:ext>
-              </a:extLst>
-            </p:cNvPr>
-            <p:cNvPicPr>
-              <a:picLocks noChangeAspect="1"/>
-            </p:cNvPicPr>
-            <p:nvPr/>
-          </p:nvPicPr>
-          <p:blipFill>
-            <a:blip r:embed="rId2">
-              <a:extLst>
-                <a:ext uri="{28A0092B-C50C-407E-A947-70E740481C1C}">
-                  <a14:useLocalDpi xmlns:a14="http://schemas.microsoft.com/office/drawing/2010/main" val="0"/>
-                </a:ext>
-              </a:extLst>
-            </a:blip>
-            <a:stretch>
-              <a:fillRect/>
-            </a:stretch>
-          </p:blipFill>
-          <p:spPr>
-            <a:xfrm>
-              <a:off x="2803319" y="413397"/>
-              <a:ext cx="771908" cy="771908"/>
-            </a:xfrm>
-            <a:prstGeom prst="rect">
-              <a:avLst/>
-            </a:prstGeom>
-          </p:spPr>
-        </p:pic>
-        <p:pic>
-          <p:nvPicPr>
-            <p:cNvPr id="131" name="Picture 130">
-              <a:extLst>
-                <a:ext uri="{FF2B5EF4-FFF2-40B4-BE49-F238E27FC236}">
-                  <a16:creationId xmlns:a16="http://schemas.microsoft.com/office/drawing/2014/main" id="{84E8D291-662F-9E42-858A-FAC31250F0BD}"/>
-                </a:ext>
-              </a:extLst>
-            </p:cNvPr>
-            <p:cNvPicPr>
-              <a:picLocks noChangeAspect="1"/>
-            </p:cNvPicPr>
-            <p:nvPr/>
-          </p:nvPicPr>
-          <p:blipFill>
-            <a:blip r:embed="rId3">
-              <a:extLst>
-                <a:ext uri="{28A0092B-C50C-407E-A947-70E740481C1C}">
-                  <a14:useLocalDpi xmlns:a14="http://schemas.microsoft.com/office/drawing/2010/main" val="0"/>
-                </a:ext>
-              </a:extLst>
-            </a:blip>
-            <a:stretch>
-              <a:fillRect/>
-            </a:stretch>
-          </p:blipFill>
-          <p:spPr>
-            <a:xfrm>
-              <a:off x="5971536" y="499461"/>
-              <a:ext cx="794135" cy="794135"/>
-            </a:xfrm>
-            <a:prstGeom prst="rect">
-              <a:avLst/>
-            </a:prstGeom>
-          </p:spPr>
-        </p:pic>
-      </p:grpSp>
-      <p:grpSp>
-        <p:nvGrpSpPr>
-          <p:cNvPr id="132" name="Group 131">
-            <a:extLst>
-              <a:ext uri="{FF2B5EF4-FFF2-40B4-BE49-F238E27FC236}">
-                <a16:creationId xmlns:a16="http://schemas.microsoft.com/office/drawing/2014/main" id="{F8730F51-65CC-8145-A9A5-CBBF1D1919EC}"/>
-              </a:ext>
-            </a:extLst>
-          </p:cNvPr>
-          <p:cNvGrpSpPr/>
-          <p:nvPr/>
-        </p:nvGrpSpPr>
-        <p:grpSpPr>
-          <a:xfrm>
-            <a:off x="4366610" y="5401957"/>
-            <a:ext cx="2689434" cy="654654"/>
-            <a:chOff x="2642932" y="413397"/>
-            <a:chExt cx="4122739" cy="1003545"/>
-          </a:xfrm>
-        </p:grpSpPr>
-        <p:cxnSp>
-          <p:nvCxnSpPr>
-            <p:cNvPr id="133" name="Straight Connector 132">
-              <a:extLst>
-                <a:ext uri="{FF2B5EF4-FFF2-40B4-BE49-F238E27FC236}">
-                  <a16:creationId xmlns:a16="http://schemas.microsoft.com/office/drawing/2014/main" id="{033886BB-4AE9-5148-AC86-C38D4785D046}"/>
-                </a:ext>
-              </a:extLst>
-            </p:cNvPr>
-            <p:cNvCxnSpPr>
-              <a:cxnSpLocks/>
-            </p:cNvCxnSpPr>
-            <p:nvPr/>
-          </p:nvCxnSpPr>
-          <p:spPr>
-            <a:xfrm>
-              <a:off x="2642932" y="1140335"/>
-              <a:ext cx="4117201" cy="0"/>
-            </a:xfrm>
-            <a:prstGeom prst="line">
-              <a:avLst/>
-            </a:prstGeom>
-            <a:ln w="38100" cap="flat" cmpd="sng" algn="ctr">
-              <a:solidFill>
-                <a:srgbClr val="000000"/>
-              </a:solidFill>
-              <a:prstDash val="solid"/>
-              <a:round/>
-              <a:headEnd type="none" w="med" len="med"/>
-              <a:tailEnd type="none" w="med" len="med"/>
-            </a:ln>
-            <a:effectLst/>
-          </p:spPr>
-          <p:style>
-            <a:lnRef idx="2">
-              <a:schemeClr val="accent1"/>
-            </a:lnRef>
-            <a:fillRef idx="0">
-              <a:schemeClr val="accent1"/>
-            </a:fillRef>
-            <a:effectRef idx="1">
-              <a:schemeClr val="accent1"/>
-            </a:effectRef>
-            <a:fontRef idx="minor">
-              <a:schemeClr val="tx1"/>
-            </a:fontRef>
-          </p:style>
-        </p:cxnSp>
-        <p:sp>
-          <p:nvSpPr>
-            <p:cNvPr id="134" name="Right Arrow 133">
-              <a:extLst>
-                <a:ext uri="{FF2B5EF4-FFF2-40B4-BE49-F238E27FC236}">
-                  <a16:creationId xmlns:a16="http://schemas.microsoft.com/office/drawing/2014/main" id="{09CFEDCF-001E-2B46-8528-F5D89CE7D8E6}"/>
-                </a:ext>
-              </a:extLst>
-            </p:cNvPr>
-            <p:cNvSpPr/>
-            <p:nvPr/>
-          </p:nvSpPr>
-          <p:spPr>
-            <a:xfrm>
-              <a:off x="4740833" y="949836"/>
-              <a:ext cx="1168400" cy="350140"/>
-            </a:xfrm>
-            <a:prstGeom prst="rightArrow">
-              <a:avLst>
-                <a:gd name="adj1" fmla="val 100000"/>
-                <a:gd name="adj2" fmla="val 52194"/>
-              </a:avLst>
-            </a:prstGeom>
-            <a:solidFill>
-              <a:srgbClr val="92D050"/>
-            </a:solidFill>
-            <a:ln w="38100" cap="flat" cmpd="sng" algn="ctr">
-              <a:solidFill>
-                <a:srgbClr val="000000"/>
-              </a:solidFill>
-              <a:prstDash val="solid"/>
-              <a:round/>
-              <a:headEnd type="none" w="med" len="med"/>
-              <a:tailEnd type="none" w="med" len="med"/>
-            </a:ln>
-            <a:effectLst/>
-          </p:spPr>
-          <p:style>
-            <a:lnRef idx="1">
-              <a:schemeClr val="accent1"/>
-            </a:lnRef>
-            <a:fillRef idx="3">
-              <a:schemeClr val="accent1"/>
-            </a:fillRef>
-            <a:effectRef idx="2">
-              <a:schemeClr val="accent1"/>
-            </a:effectRef>
-            <a:fontRef idx="minor">
-              <a:schemeClr val="lt1"/>
-            </a:fontRef>
-          </p:style>
-          <p:txBody>
-            <a:bodyPr rtlCol="0" anchor="ctr"/>
-            <a:lstStyle/>
-            <a:p>
-              <a:pPr algn="ctr"/>
-              <a:endParaRPr lang="en-US" i="1" dirty="0">
-                <a:solidFill>
-                  <a:schemeClr val="tx1"/>
-                </a:solidFill>
-              </a:endParaRPr>
-            </a:p>
-          </p:txBody>
-        </p:sp>
-        <p:sp>
-          <p:nvSpPr>
-            <p:cNvPr id="135" name="Chord 134">
-              <a:extLst>
-                <a:ext uri="{FF2B5EF4-FFF2-40B4-BE49-F238E27FC236}">
-                  <a16:creationId xmlns:a16="http://schemas.microsoft.com/office/drawing/2014/main" id="{30C134E0-A2C4-0C48-8E1F-A00CC76F5697}"/>
-                </a:ext>
-              </a:extLst>
-            </p:cNvPr>
-            <p:cNvSpPr/>
-            <p:nvPr/>
-          </p:nvSpPr>
-          <p:spPr>
-            <a:xfrm>
-              <a:off x="3734347" y="784736"/>
-              <a:ext cx="632206" cy="632206"/>
-            </a:xfrm>
-            <a:prstGeom prst="chord">
-              <a:avLst>
-                <a:gd name="adj1" fmla="val 10506229"/>
-                <a:gd name="adj2" fmla="val 301460"/>
-              </a:avLst>
-            </a:prstGeom>
-            <a:solidFill>
-              <a:schemeClr val="accent4">
-                <a:lumMod val="60000"/>
-                <a:lumOff val="40000"/>
-              </a:schemeClr>
-            </a:solidFill>
-            <a:ln w="38100" cap="flat" cmpd="sng" algn="ctr">
-              <a:solidFill>
-                <a:srgbClr val="000000"/>
-              </a:solidFill>
-              <a:prstDash val="solid"/>
-              <a:round/>
-              <a:headEnd type="none" w="med" len="med"/>
-              <a:tailEnd type="none" w="med" len="med"/>
-            </a:ln>
-            <a:effectLst/>
-          </p:spPr>
-          <p:style>
-            <a:lnRef idx="1">
-              <a:schemeClr val="accent1"/>
-            </a:lnRef>
-            <a:fillRef idx="3">
-              <a:schemeClr val="accent1"/>
-            </a:fillRef>
-            <a:effectRef idx="2">
-              <a:schemeClr val="accent1"/>
-            </a:effectRef>
-            <a:fontRef idx="minor">
-              <a:schemeClr val="lt1"/>
-            </a:fontRef>
-          </p:style>
-          <p:txBody>
-            <a:bodyPr rtlCol="0" anchor="ctr"/>
-            <a:lstStyle/>
-            <a:p>
-              <a:pPr algn="ctr"/>
-              <a:endParaRPr lang="en-US"/>
-            </a:p>
-          </p:txBody>
-        </p:sp>
-        <p:pic>
-          <p:nvPicPr>
-            <p:cNvPr id="136" name="Picture 135">
-              <a:extLst>
-                <a:ext uri="{FF2B5EF4-FFF2-40B4-BE49-F238E27FC236}">
-                  <a16:creationId xmlns:a16="http://schemas.microsoft.com/office/drawing/2014/main" id="{1FB8AABB-8744-8A47-A8D8-29ABC5F7C269}"/>
-                </a:ext>
-              </a:extLst>
-            </p:cNvPr>
-            <p:cNvPicPr>
-              <a:picLocks noChangeAspect="1"/>
-            </p:cNvPicPr>
-            <p:nvPr/>
-          </p:nvPicPr>
-          <p:blipFill>
-            <a:blip r:embed="rId2">
-              <a:extLst>
-                <a:ext uri="{28A0092B-C50C-407E-A947-70E740481C1C}">
-                  <a14:useLocalDpi xmlns:a14="http://schemas.microsoft.com/office/drawing/2010/main" val="0"/>
-                </a:ext>
-              </a:extLst>
-            </a:blip>
-            <a:stretch>
-              <a:fillRect/>
-            </a:stretch>
-          </p:blipFill>
-          <p:spPr>
-            <a:xfrm>
-              <a:off x="2803319" y="413397"/>
-              <a:ext cx="771908" cy="771908"/>
-            </a:xfrm>
-            <a:prstGeom prst="rect">
-              <a:avLst/>
-            </a:prstGeom>
-          </p:spPr>
-        </p:pic>
-        <p:pic>
-          <p:nvPicPr>
-            <p:cNvPr id="137" name="Picture 136">
-              <a:extLst>
-                <a:ext uri="{FF2B5EF4-FFF2-40B4-BE49-F238E27FC236}">
-                  <a16:creationId xmlns:a16="http://schemas.microsoft.com/office/drawing/2014/main" id="{2AD66491-7699-F443-A45A-22CA296E7791}"/>
-                </a:ext>
-              </a:extLst>
-            </p:cNvPr>
-            <p:cNvPicPr>
-              <a:picLocks noChangeAspect="1"/>
-            </p:cNvPicPr>
-            <p:nvPr/>
-          </p:nvPicPr>
-          <p:blipFill>
-            <a:blip r:embed="rId3">
-              <a:extLst>
-                <a:ext uri="{28A0092B-C50C-407E-A947-70E740481C1C}">
-                  <a14:useLocalDpi xmlns:a14="http://schemas.microsoft.com/office/drawing/2010/main" val="0"/>
-                </a:ext>
-              </a:extLst>
-            </a:blip>
-            <a:stretch>
-              <a:fillRect/>
-            </a:stretch>
-          </p:blipFill>
-          <p:spPr>
-            <a:xfrm>
-              <a:off x="5971536" y="499461"/>
-              <a:ext cx="794135" cy="794135"/>
-            </a:xfrm>
-            <a:prstGeom prst="rect">
-              <a:avLst/>
-            </a:prstGeom>
-          </p:spPr>
-        </p:pic>
-      </p:grpSp>
-      <p:cxnSp>
-        <p:nvCxnSpPr>
-          <p:cNvPr id="139" name="Straight Arrow Connector 138">
-            <a:extLst>
-              <a:ext uri="{FF2B5EF4-FFF2-40B4-BE49-F238E27FC236}">
-                <a16:creationId xmlns:a16="http://schemas.microsoft.com/office/drawing/2014/main" id="{5D7E226D-B084-C24A-9FE1-CC9461D55C78}"/>
-              </a:ext>
-            </a:extLst>
-          </p:cNvPr>
-          <p:cNvCxnSpPr/>
-          <p:nvPr/>
-        </p:nvCxnSpPr>
-        <p:spPr>
-          <a:xfrm flipV="1">
-            <a:off x="6092387" y="5401957"/>
-            <a:ext cx="0" cy="343873"/>
-          </a:xfrm>
-          <a:prstGeom prst="straightConnector1">
-            <a:avLst/>
-          </a:prstGeom>
-          <a:ln w="28575">
-            <a:solidFill>
-              <a:schemeClr val="accent3">
-                <a:lumMod val="75000"/>
-              </a:schemeClr>
-            </a:solidFill>
-            <a:headEnd type="none" w="med" len="med"/>
-            <a:tailEnd type="triangle" w="med" len="med"/>
-          </a:ln>
-        </p:spPr>
-        <p:style>
-          <a:lnRef idx="1">
-            <a:schemeClr val="dk1"/>
-          </a:lnRef>
-          <a:fillRef idx="0">
-            <a:schemeClr val="dk1"/>
-          </a:fillRef>
-          <a:effectRef idx="0">
-            <a:schemeClr val="dk1"/>
-          </a:effectRef>
-          <a:fontRef idx="minor">
-            <a:schemeClr val="tx1"/>
-          </a:fontRef>
-        </p:style>
-      </p:cxnSp>
-      <p:sp>
-        <p:nvSpPr>
-          <p:cNvPr id="140" name="Rounded Rectangle 139">
-            <a:extLst>
-              <a:ext uri="{FF2B5EF4-FFF2-40B4-BE49-F238E27FC236}">
-                <a16:creationId xmlns:a16="http://schemas.microsoft.com/office/drawing/2014/main" id="{BE624CF9-B96F-FF45-AF7A-430F8CDB248B}"/>
-              </a:ext>
-            </a:extLst>
-          </p:cNvPr>
-          <p:cNvSpPr/>
-          <p:nvPr/>
-        </p:nvSpPr>
-        <p:spPr>
-          <a:xfrm>
-            <a:off x="1406358" y="4788823"/>
-            <a:ext cx="2860581" cy="1483611"/>
-          </a:xfrm>
-          <a:prstGeom prst="roundRect">
-            <a:avLst/>
-          </a:prstGeom>
-          <a:noFill/>
-          <a:ln w="12700" cap="flat" cmpd="sng" algn="ctr">
-            <a:solidFill>
-              <a:schemeClr val="tx2"/>
-            </a:solidFill>
-            <a:prstDash val="solid"/>
-            <a:round/>
-            <a:headEnd type="none" w="med" len="med"/>
-            <a:tailEnd type="none" w="med" len="med"/>
-          </a:ln>
-        </p:spPr>
-        <p:style>
-          <a:lnRef idx="0">
-            <a:scrgbClr r="0" g="0" b="0"/>
-          </a:lnRef>
-          <a:fillRef idx="0">
-            <a:scrgbClr r="0" g="0" b="0"/>
-          </a:fillRef>
-          <a:effectRef idx="0">
-            <a:scrgbClr r="0" g="0" b="0"/>
-          </a:effectRef>
-          <a:fontRef idx="minor">
-            <a:schemeClr val="dk1"/>
-          </a:fontRef>
-        </p:style>
-        <p:txBody>
-          <a:bodyPr rtlCol="0" anchor="ctr"/>
-          <a:lstStyle/>
-          <a:p>
-            <a:pPr algn="ctr"/>
-            <a:endParaRPr lang="en-US"/>
-          </a:p>
-        </p:txBody>
-      </p:sp>
-      <p:sp>
-        <p:nvSpPr>
-          <p:cNvPr id="58" name="Rounded Rectangle 57">
-            <a:extLst>
-              <a:ext uri="{FF2B5EF4-FFF2-40B4-BE49-F238E27FC236}">
-                <a16:creationId xmlns:a16="http://schemas.microsoft.com/office/drawing/2014/main" id="{AD85080E-E6B0-3E4A-B49C-887DBBF07674}"/>
-              </a:ext>
-            </a:extLst>
-          </p:cNvPr>
-          <p:cNvSpPr/>
-          <p:nvPr/>
-        </p:nvSpPr>
-        <p:spPr>
-          <a:xfrm>
-            <a:off x="4336707" y="3102879"/>
-            <a:ext cx="2955581" cy="1483611"/>
-          </a:xfrm>
-          <a:prstGeom prst="roundRect">
-            <a:avLst/>
-          </a:prstGeom>
-          <a:noFill/>
-          <a:ln w="12700" cap="flat" cmpd="sng" algn="ctr">
-            <a:solidFill>
-              <a:schemeClr val="tx2"/>
-            </a:solidFill>
-            <a:prstDash val="solid"/>
-            <a:round/>
-            <a:headEnd type="none" w="med" len="med"/>
-            <a:tailEnd type="none" w="med" len="med"/>
-          </a:ln>
-        </p:spPr>
-        <p:style>
-          <a:lnRef idx="0">
-            <a:scrgbClr r="0" g="0" b="0"/>
-          </a:lnRef>
-          <a:fillRef idx="0">
-            <a:scrgbClr r="0" g="0" b="0"/>
-          </a:fillRef>
-          <a:effectRef idx="0">
-            <a:scrgbClr r="0" g="0" b="0"/>
-          </a:effectRef>
-          <a:fontRef idx="minor">
-            <a:schemeClr val="dk1"/>
-          </a:fontRef>
-        </p:style>
-        <p:txBody>
-          <a:bodyPr rtlCol="0" anchor="ctr"/>
-          <a:lstStyle/>
-          <a:p>
-            <a:pPr algn="ctr"/>
-            <a:endParaRPr lang="en-US" dirty="0"/>
-          </a:p>
-        </p:txBody>
-      </p:sp>
-      <p:cxnSp>
-        <p:nvCxnSpPr>
-          <p:cNvPr id="59" name="Straight Arrow Connector 5">
-            <a:extLst>
-              <a:ext uri="{FF2B5EF4-FFF2-40B4-BE49-F238E27FC236}">
-                <a16:creationId xmlns:a16="http://schemas.microsoft.com/office/drawing/2014/main" id="{7F477DD8-F3AF-814B-B1D9-07D54BC0DD8E}"/>
-              </a:ext>
-            </a:extLst>
-          </p:cNvPr>
-          <p:cNvCxnSpPr>
-            <a:cxnSpLocks/>
-            <a:endCxn id="71" idx="0"/>
-          </p:cNvCxnSpPr>
-          <p:nvPr/>
-        </p:nvCxnSpPr>
-        <p:spPr>
-          <a:xfrm flipV="1">
-            <a:off x="3284005" y="3716013"/>
-            <a:ext cx="1439006" cy="343873"/>
-          </a:xfrm>
-          <a:prstGeom prst="bentConnector4">
-            <a:avLst>
-              <a:gd name="adj1" fmla="val 20"/>
-              <a:gd name="adj2" fmla="val 166478"/>
-            </a:avLst>
-          </a:prstGeom>
-          <a:ln>
-            <a:solidFill>
-              <a:srgbClr val="FF0000"/>
-            </a:solidFill>
-            <a:headEnd type="none"/>
-            <a:tailEnd type="none"/>
-          </a:ln>
-          <a:effectLst/>
-        </p:spPr>
-        <p:style>
-          <a:lnRef idx="2">
-            <a:schemeClr val="accent1"/>
-          </a:lnRef>
-          <a:fillRef idx="0">
-            <a:schemeClr val="accent1"/>
-          </a:fillRef>
-          <a:effectRef idx="1">
-            <a:schemeClr val="accent1"/>
-          </a:effectRef>
-          <a:fontRef idx="minor">
-            <a:schemeClr val="tx1"/>
-          </a:fontRef>
-        </p:style>
-      </p:cxnSp>
-      <p:cxnSp>
-        <p:nvCxnSpPr>
-          <p:cNvPr id="60" name="Straight Connector 59">
-            <a:extLst>
-              <a:ext uri="{FF2B5EF4-FFF2-40B4-BE49-F238E27FC236}">
-                <a16:creationId xmlns:a16="http://schemas.microsoft.com/office/drawing/2014/main" id="{CF91583D-2BD6-8146-B27C-BF5F2F0938CA}"/>
-              </a:ext>
-            </a:extLst>
-          </p:cNvPr>
-          <p:cNvCxnSpPr/>
-          <p:nvPr/>
-        </p:nvCxnSpPr>
-        <p:spPr>
-          <a:xfrm>
-            <a:off x="4627761" y="3716858"/>
-            <a:ext cx="190500" cy="0"/>
-          </a:xfrm>
-          <a:prstGeom prst="line">
-            <a:avLst/>
-          </a:prstGeom>
-          <a:ln>
-            <a:solidFill>
-              <a:srgbClr val="FF0000"/>
-            </a:solidFill>
-          </a:ln>
-          <a:effectLst/>
-        </p:spPr>
-        <p:style>
-          <a:lnRef idx="2">
-            <a:schemeClr val="accent1"/>
-          </a:lnRef>
-          <a:fillRef idx="0">
-            <a:schemeClr val="accent1"/>
-          </a:fillRef>
-          <a:effectRef idx="1">
-            <a:schemeClr val="accent1"/>
-          </a:effectRef>
-          <a:fontRef idx="minor">
-            <a:schemeClr val="tx1"/>
-          </a:fontRef>
-        </p:style>
-      </p:cxnSp>
-      <p:grpSp>
-        <p:nvGrpSpPr>
-          <p:cNvPr id="61" name="Group 60">
-            <a:extLst>
-              <a:ext uri="{FF2B5EF4-FFF2-40B4-BE49-F238E27FC236}">
-                <a16:creationId xmlns:a16="http://schemas.microsoft.com/office/drawing/2014/main" id="{7ADE2DC8-5EC4-204C-B264-EF77B00220D0}"/>
-              </a:ext>
-            </a:extLst>
-          </p:cNvPr>
-          <p:cNvGrpSpPr/>
-          <p:nvPr/>
-        </p:nvGrpSpPr>
-        <p:grpSpPr>
-          <a:xfrm>
-            <a:off x="1477336" y="3716013"/>
-            <a:ext cx="2737576" cy="654654"/>
-            <a:chOff x="2569133" y="413397"/>
-            <a:chExt cx="4196538" cy="1003545"/>
-          </a:xfrm>
-        </p:grpSpPr>
-        <p:cxnSp>
-          <p:nvCxnSpPr>
-            <p:cNvPr id="62" name="Straight Connector 61">
-              <a:extLst>
-                <a:ext uri="{FF2B5EF4-FFF2-40B4-BE49-F238E27FC236}">
-                  <a16:creationId xmlns:a16="http://schemas.microsoft.com/office/drawing/2014/main" id="{11C15139-E8CE-7F47-95CE-8CF0588E4CBD}"/>
-                </a:ext>
-              </a:extLst>
-            </p:cNvPr>
-            <p:cNvCxnSpPr/>
-            <p:nvPr/>
-          </p:nvCxnSpPr>
-          <p:spPr>
-            <a:xfrm>
-              <a:off x="2569133" y="1140336"/>
-              <a:ext cx="4191000" cy="0"/>
-            </a:xfrm>
-            <a:prstGeom prst="line">
-              <a:avLst/>
-            </a:prstGeom>
-            <a:ln w="38100" cap="flat" cmpd="sng" algn="ctr">
-              <a:solidFill>
-                <a:srgbClr val="000000"/>
-              </a:solidFill>
-              <a:prstDash val="solid"/>
-              <a:round/>
-              <a:headEnd type="none" w="med" len="med"/>
-              <a:tailEnd type="none" w="med" len="med"/>
-            </a:ln>
-            <a:effectLst/>
-          </p:spPr>
-          <p:style>
-            <a:lnRef idx="2">
-              <a:schemeClr val="accent1"/>
-            </a:lnRef>
-            <a:fillRef idx="0">
-              <a:schemeClr val="accent1"/>
-            </a:fillRef>
-            <a:effectRef idx="1">
-              <a:schemeClr val="accent1"/>
-            </a:effectRef>
-            <a:fontRef idx="minor">
-              <a:schemeClr val="tx1"/>
-            </a:fontRef>
-          </p:style>
-        </p:cxnSp>
-        <p:sp>
-          <p:nvSpPr>
-            <p:cNvPr id="63" name="Right Arrow 62">
-              <a:extLst>
-                <a:ext uri="{FF2B5EF4-FFF2-40B4-BE49-F238E27FC236}">
-                  <a16:creationId xmlns:a16="http://schemas.microsoft.com/office/drawing/2014/main" id="{2984D728-93BD-494F-A9DD-7E95E0231B63}"/>
-                </a:ext>
-              </a:extLst>
-            </p:cNvPr>
-            <p:cNvSpPr/>
-            <p:nvPr/>
-          </p:nvSpPr>
-          <p:spPr>
-            <a:xfrm>
-              <a:off x="4740833" y="949836"/>
-              <a:ext cx="1168400" cy="350140"/>
-            </a:xfrm>
-            <a:prstGeom prst="rightArrow">
-              <a:avLst>
-                <a:gd name="adj1" fmla="val 100000"/>
-                <a:gd name="adj2" fmla="val 52194"/>
-              </a:avLst>
-            </a:prstGeom>
-            <a:solidFill>
-              <a:schemeClr val="accent2"/>
-            </a:solidFill>
-            <a:ln w="38100" cap="flat" cmpd="sng" algn="ctr">
-              <a:solidFill>
-                <a:srgbClr val="000000"/>
-              </a:solidFill>
-              <a:prstDash val="solid"/>
-              <a:round/>
-              <a:headEnd type="none" w="med" len="med"/>
-              <a:tailEnd type="none" w="med" len="med"/>
-            </a:ln>
-            <a:effectLst/>
-          </p:spPr>
-          <p:style>
-            <a:lnRef idx="1">
-              <a:schemeClr val="accent1"/>
-            </a:lnRef>
-            <a:fillRef idx="3">
-              <a:schemeClr val="accent1"/>
-            </a:fillRef>
-            <a:effectRef idx="2">
-              <a:schemeClr val="accent1"/>
-            </a:effectRef>
-            <a:fontRef idx="minor">
-              <a:schemeClr val="lt1"/>
-            </a:fontRef>
-          </p:style>
-          <p:txBody>
-            <a:bodyPr rtlCol="0" anchor="ctr"/>
-            <a:lstStyle/>
-            <a:p>
-              <a:pPr algn="ctr"/>
-              <a:endParaRPr lang="en-US" i="1" dirty="0">
-                <a:solidFill>
-                  <a:schemeClr val="tx1"/>
-                </a:solidFill>
-              </a:endParaRPr>
-            </a:p>
-          </p:txBody>
-        </p:sp>
-        <p:sp>
-          <p:nvSpPr>
-            <p:cNvPr id="64" name="Chord 63">
-              <a:extLst>
-                <a:ext uri="{FF2B5EF4-FFF2-40B4-BE49-F238E27FC236}">
-                  <a16:creationId xmlns:a16="http://schemas.microsoft.com/office/drawing/2014/main" id="{8224A461-F843-0142-AB94-C579F26AE4F2}"/>
-                </a:ext>
-              </a:extLst>
-            </p:cNvPr>
-            <p:cNvSpPr/>
-            <p:nvPr/>
-          </p:nvSpPr>
-          <p:spPr>
-            <a:xfrm>
-              <a:off x="3734347" y="784736"/>
-              <a:ext cx="632206" cy="632206"/>
-            </a:xfrm>
-            <a:prstGeom prst="chord">
-              <a:avLst>
-                <a:gd name="adj1" fmla="val 10506229"/>
-                <a:gd name="adj2" fmla="val 301460"/>
-              </a:avLst>
-            </a:prstGeom>
-            <a:solidFill>
-              <a:schemeClr val="accent4">
-                <a:lumMod val="60000"/>
-                <a:lumOff val="40000"/>
-              </a:schemeClr>
-            </a:solidFill>
-            <a:ln w="38100" cap="flat" cmpd="sng" algn="ctr">
-              <a:solidFill>
-                <a:srgbClr val="000000"/>
-              </a:solidFill>
-              <a:prstDash val="solid"/>
-              <a:round/>
-              <a:headEnd type="none" w="med" len="med"/>
-              <a:tailEnd type="none" w="med" len="med"/>
-            </a:ln>
-            <a:effectLst/>
-          </p:spPr>
-          <p:style>
-            <a:lnRef idx="1">
-              <a:schemeClr val="accent1"/>
-            </a:lnRef>
-            <a:fillRef idx="3">
-              <a:schemeClr val="accent1"/>
-            </a:fillRef>
-            <a:effectRef idx="2">
-              <a:schemeClr val="accent1"/>
-            </a:effectRef>
-            <a:fontRef idx="minor">
-              <a:schemeClr val="lt1"/>
-            </a:fontRef>
-          </p:style>
-          <p:txBody>
-            <a:bodyPr rtlCol="0" anchor="ctr"/>
-            <a:lstStyle/>
-            <a:p>
-              <a:pPr algn="ctr"/>
-              <a:endParaRPr lang="en-US"/>
-            </a:p>
-          </p:txBody>
-        </p:sp>
-        <p:pic>
-          <p:nvPicPr>
-            <p:cNvPr id="65" name="Picture 64">
-              <a:extLst>
-                <a:ext uri="{FF2B5EF4-FFF2-40B4-BE49-F238E27FC236}">
-                  <a16:creationId xmlns:a16="http://schemas.microsoft.com/office/drawing/2014/main" id="{20DCF068-2C9A-4744-B6B7-E027C3049907}"/>
-                </a:ext>
-              </a:extLst>
-            </p:cNvPr>
-            <p:cNvPicPr>
-              <a:picLocks noChangeAspect="1"/>
-            </p:cNvPicPr>
-            <p:nvPr/>
-          </p:nvPicPr>
-          <p:blipFill>
-            <a:blip r:embed="rId2">
-              <a:extLst>
-                <a:ext uri="{28A0092B-C50C-407E-A947-70E740481C1C}">
-                  <a14:useLocalDpi xmlns:a14="http://schemas.microsoft.com/office/drawing/2010/main" val="0"/>
-                </a:ext>
-              </a:extLst>
-            </a:blip>
-            <a:stretch>
-              <a:fillRect/>
-            </a:stretch>
-          </p:blipFill>
-          <p:spPr>
-            <a:xfrm>
-              <a:off x="2803319" y="413397"/>
-              <a:ext cx="771908" cy="771908"/>
-            </a:xfrm>
-            <a:prstGeom prst="rect">
-              <a:avLst/>
-            </a:prstGeom>
-          </p:spPr>
-        </p:pic>
-        <p:pic>
-          <p:nvPicPr>
-            <p:cNvPr id="66" name="Picture 65">
-              <a:extLst>
-                <a:ext uri="{FF2B5EF4-FFF2-40B4-BE49-F238E27FC236}">
-                  <a16:creationId xmlns:a16="http://schemas.microsoft.com/office/drawing/2014/main" id="{6264B2F8-45AD-844B-97E6-D7B1B507AD60}"/>
-                </a:ext>
-              </a:extLst>
-            </p:cNvPr>
-            <p:cNvPicPr>
-              <a:picLocks noChangeAspect="1"/>
-            </p:cNvPicPr>
-            <p:nvPr/>
-          </p:nvPicPr>
-          <p:blipFill>
-            <a:blip r:embed="rId3">
-              <a:extLst>
-                <a:ext uri="{28A0092B-C50C-407E-A947-70E740481C1C}">
-                  <a14:useLocalDpi xmlns:a14="http://schemas.microsoft.com/office/drawing/2010/main" val="0"/>
-                </a:ext>
-              </a:extLst>
-            </a:blip>
-            <a:stretch>
-              <a:fillRect/>
-            </a:stretch>
-          </p:blipFill>
-          <p:spPr>
-            <a:xfrm>
-              <a:off x="5971536" y="499461"/>
-              <a:ext cx="794135" cy="794135"/>
-            </a:xfrm>
-            <a:prstGeom prst="rect">
-              <a:avLst/>
-            </a:prstGeom>
-          </p:spPr>
-        </p:pic>
-      </p:grpSp>
-      <p:grpSp>
-        <p:nvGrpSpPr>
-          <p:cNvPr id="67" name="Group 66">
-            <a:extLst>
-              <a:ext uri="{FF2B5EF4-FFF2-40B4-BE49-F238E27FC236}">
-                <a16:creationId xmlns:a16="http://schemas.microsoft.com/office/drawing/2014/main" id="{B986FEA7-1F53-434F-9341-777F607666D7}"/>
-              </a:ext>
-            </a:extLst>
-          </p:cNvPr>
-          <p:cNvGrpSpPr/>
-          <p:nvPr/>
-        </p:nvGrpSpPr>
-        <p:grpSpPr>
-          <a:xfrm>
-            <a:off x="4366610" y="3716013"/>
-            <a:ext cx="2689434" cy="654654"/>
-            <a:chOff x="2642932" y="413397"/>
-            <a:chExt cx="4122739" cy="1003545"/>
-          </a:xfrm>
-        </p:grpSpPr>
-        <p:cxnSp>
-          <p:nvCxnSpPr>
-            <p:cNvPr id="68" name="Straight Connector 67">
-              <a:extLst>
-                <a:ext uri="{FF2B5EF4-FFF2-40B4-BE49-F238E27FC236}">
-                  <a16:creationId xmlns:a16="http://schemas.microsoft.com/office/drawing/2014/main" id="{06FE3E9D-9160-9742-A5DC-B51601E68421}"/>
-                </a:ext>
-              </a:extLst>
-            </p:cNvPr>
-            <p:cNvCxnSpPr>
-              <a:cxnSpLocks/>
-            </p:cNvCxnSpPr>
-            <p:nvPr/>
-          </p:nvCxnSpPr>
-          <p:spPr>
-            <a:xfrm>
-              <a:off x="2642932" y="1140335"/>
-              <a:ext cx="4117201" cy="0"/>
-            </a:xfrm>
-            <a:prstGeom prst="line">
-              <a:avLst/>
-            </a:prstGeom>
-            <a:ln w="38100" cap="flat" cmpd="sng" algn="ctr">
-              <a:solidFill>
-                <a:srgbClr val="000000"/>
-              </a:solidFill>
-              <a:prstDash val="solid"/>
-              <a:round/>
-              <a:headEnd type="none" w="med" len="med"/>
-              <a:tailEnd type="none" w="med" len="med"/>
-            </a:ln>
-            <a:effectLst/>
-          </p:spPr>
-          <p:style>
-            <a:lnRef idx="2">
-              <a:schemeClr val="accent1"/>
-            </a:lnRef>
-            <a:fillRef idx="0">
-              <a:schemeClr val="accent1"/>
-            </a:fillRef>
-            <a:effectRef idx="1">
-              <a:schemeClr val="accent1"/>
-            </a:effectRef>
-            <a:fontRef idx="minor">
-              <a:schemeClr val="tx1"/>
-            </a:fontRef>
-          </p:style>
-        </p:cxnSp>
-        <p:sp>
-          <p:nvSpPr>
-            <p:cNvPr id="69" name="Right Arrow 68">
-              <a:extLst>
-                <a:ext uri="{FF2B5EF4-FFF2-40B4-BE49-F238E27FC236}">
-                  <a16:creationId xmlns:a16="http://schemas.microsoft.com/office/drawing/2014/main" id="{411838C2-D16A-0B4F-BFA1-50225685D80E}"/>
-                </a:ext>
-              </a:extLst>
-            </p:cNvPr>
-            <p:cNvSpPr/>
-            <p:nvPr/>
-          </p:nvSpPr>
-          <p:spPr>
-            <a:xfrm>
-              <a:off x="4740833" y="949836"/>
-              <a:ext cx="1168400" cy="350140"/>
-            </a:xfrm>
-            <a:prstGeom prst="rightArrow">
-              <a:avLst>
-                <a:gd name="adj1" fmla="val 100000"/>
-                <a:gd name="adj2" fmla="val 52194"/>
-              </a:avLst>
-            </a:prstGeom>
-            <a:solidFill>
-              <a:srgbClr val="92D050"/>
-            </a:solidFill>
-            <a:ln w="38100" cap="flat" cmpd="sng" algn="ctr">
-              <a:solidFill>
-                <a:srgbClr val="000000"/>
-              </a:solidFill>
-              <a:prstDash val="solid"/>
-              <a:round/>
-              <a:headEnd type="none" w="med" len="med"/>
-              <a:tailEnd type="none" w="med" len="med"/>
-            </a:ln>
-            <a:effectLst/>
-          </p:spPr>
-          <p:style>
-            <a:lnRef idx="1">
-              <a:schemeClr val="accent1"/>
-            </a:lnRef>
-            <a:fillRef idx="3">
-              <a:schemeClr val="accent1"/>
-            </a:fillRef>
-            <a:effectRef idx="2">
-              <a:schemeClr val="accent1"/>
-            </a:effectRef>
-            <a:fontRef idx="minor">
-              <a:schemeClr val="lt1"/>
-            </a:fontRef>
-          </p:style>
-          <p:txBody>
-            <a:bodyPr rtlCol="0" anchor="ctr"/>
-            <a:lstStyle/>
-            <a:p>
-              <a:pPr algn="ctr"/>
-              <a:endParaRPr lang="en-US" i="1" dirty="0">
-                <a:solidFill>
-                  <a:schemeClr val="tx1"/>
-                </a:solidFill>
-              </a:endParaRPr>
-            </a:p>
-          </p:txBody>
-        </p:sp>
-        <p:sp>
-          <p:nvSpPr>
-            <p:cNvPr id="70" name="Chord 69">
-              <a:extLst>
-                <a:ext uri="{FF2B5EF4-FFF2-40B4-BE49-F238E27FC236}">
-                  <a16:creationId xmlns:a16="http://schemas.microsoft.com/office/drawing/2014/main" id="{0550C654-FFF6-F943-A72E-DCE1718E20E7}"/>
-                </a:ext>
-              </a:extLst>
-            </p:cNvPr>
-            <p:cNvSpPr/>
-            <p:nvPr/>
-          </p:nvSpPr>
-          <p:spPr>
-            <a:xfrm>
-              <a:off x="3734347" y="784736"/>
-              <a:ext cx="632206" cy="632206"/>
-            </a:xfrm>
-            <a:prstGeom prst="chord">
-              <a:avLst>
-                <a:gd name="adj1" fmla="val 10506229"/>
-                <a:gd name="adj2" fmla="val 301460"/>
-              </a:avLst>
-            </a:prstGeom>
-            <a:solidFill>
-              <a:schemeClr val="accent4">
-                <a:lumMod val="60000"/>
-                <a:lumOff val="40000"/>
-              </a:schemeClr>
-            </a:solidFill>
-            <a:ln w="38100" cap="flat" cmpd="sng" algn="ctr">
-              <a:solidFill>
-                <a:srgbClr val="000000"/>
-              </a:solidFill>
-              <a:prstDash val="solid"/>
-              <a:round/>
-              <a:headEnd type="none" w="med" len="med"/>
-              <a:tailEnd type="none" w="med" len="med"/>
-            </a:ln>
-            <a:effectLst/>
-          </p:spPr>
-          <p:style>
-            <a:lnRef idx="1">
-              <a:schemeClr val="accent1"/>
-            </a:lnRef>
-            <a:fillRef idx="3">
-              <a:schemeClr val="accent1"/>
-            </a:fillRef>
-            <a:effectRef idx="2">
-              <a:schemeClr val="accent1"/>
-            </a:effectRef>
-            <a:fontRef idx="minor">
-              <a:schemeClr val="lt1"/>
-            </a:fontRef>
-          </p:style>
-          <p:txBody>
-            <a:bodyPr rtlCol="0" anchor="ctr"/>
-            <a:lstStyle/>
-            <a:p>
-              <a:pPr algn="ctr"/>
-              <a:endParaRPr lang="en-US"/>
-            </a:p>
-          </p:txBody>
-        </p:sp>
-        <p:pic>
-          <p:nvPicPr>
-            <p:cNvPr id="71" name="Picture 70">
-              <a:extLst>
-                <a:ext uri="{FF2B5EF4-FFF2-40B4-BE49-F238E27FC236}">
-                  <a16:creationId xmlns:a16="http://schemas.microsoft.com/office/drawing/2014/main" id="{6C031652-83EF-B645-90AF-EDCCD1E6AFD3}"/>
-                </a:ext>
-              </a:extLst>
-            </p:cNvPr>
-            <p:cNvPicPr>
-              <a:picLocks noChangeAspect="1"/>
-            </p:cNvPicPr>
-            <p:nvPr/>
-          </p:nvPicPr>
-          <p:blipFill>
-            <a:blip r:embed="rId2">
-              <a:extLst>
-                <a:ext uri="{28A0092B-C50C-407E-A947-70E740481C1C}">
-                  <a14:useLocalDpi xmlns:a14="http://schemas.microsoft.com/office/drawing/2010/main" val="0"/>
-                </a:ext>
-              </a:extLst>
-            </a:blip>
-            <a:stretch>
-              <a:fillRect/>
-            </a:stretch>
-          </p:blipFill>
-          <p:spPr>
-            <a:xfrm>
-              <a:off x="2803319" y="413397"/>
-              <a:ext cx="771908" cy="771908"/>
-            </a:xfrm>
-            <a:prstGeom prst="rect">
-              <a:avLst/>
-            </a:prstGeom>
-          </p:spPr>
-        </p:pic>
-        <p:pic>
-          <p:nvPicPr>
-            <p:cNvPr id="72" name="Picture 71">
-              <a:extLst>
-                <a:ext uri="{FF2B5EF4-FFF2-40B4-BE49-F238E27FC236}">
-                  <a16:creationId xmlns:a16="http://schemas.microsoft.com/office/drawing/2014/main" id="{E622A6F0-FEFE-5046-BB74-6646FC6DC992}"/>
-                </a:ext>
-              </a:extLst>
-            </p:cNvPr>
-            <p:cNvPicPr>
-              <a:picLocks noChangeAspect="1"/>
-            </p:cNvPicPr>
-            <p:nvPr/>
-          </p:nvPicPr>
-          <p:blipFill>
-            <a:blip r:embed="rId3">
-              <a:extLst>
-                <a:ext uri="{28A0092B-C50C-407E-A947-70E740481C1C}">
-                  <a14:useLocalDpi xmlns:a14="http://schemas.microsoft.com/office/drawing/2010/main" val="0"/>
-                </a:ext>
-              </a:extLst>
-            </a:blip>
-            <a:stretch>
-              <a:fillRect/>
-            </a:stretch>
-          </p:blipFill>
-          <p:spPr>
-            <a:xfrm>
-              <a:off x="5971536" y="499461"/>
-              <a:ext cx="794135" cy="794135"/>
-            </a:xfrm>
-            <a:prstGeom prst="rect">
-              <a:avLst/>
-            </a:prstGeom>
-          </p:spPr>
-        </p:pic>
-      </p:grpSp>
-      <p:cxnSp>
-        <p:nvCxnSpPr>
-          <p:cNvPr id="76" name="Straight Arrow Connector 75">
-            <a:extLst>
-              <a:ext uri="{FF2B5EF4-FFF2-40B4-BE49-F238E27FC236}">
-                <a16:creationId xmlns:a16="http://schemas.microsoft.com/office/drawing/2014/main" id="{6FB592DD-8389-A745-BDED-86EA7E0D8B9C}"/>
-              </a:ext>
-            </a:extLst>
-          </p:cNvPr>
-          <p:cNvCxnSpPr/>
-          <p:nvPr/>
-        </p:nvCxnSpPr>
-        <p:spPr>
-          <a:xfrm flipV="1">
-            <a:off x="6092387" y="3716013"/>
-            <a:ext cx="0" cy="343873"/>
-          </a:xfrm>
-          <a:prstGeom prst="straightConnector1">
-            <a:avLst/>
-          </a:prstGeom>
-          <a:ln w="28575">
-            <a:solidFill>
-              <a:schemeClr val="accent3">
-                <a:lumMod val="75000"/>
-              </a:schemeClr>
-            </a:solidFill>
-            <a:headEnd type="none" w="med" len="med"/>
-            <a:tailEnd type="triangle" w="med" len="med"/>
-          </a:ln>
-        </p:spPr>
-        <p:style>
-          <a:lnRef idx="1">
-            <a:schemeClr val="dk1"/>
-          </a:lnRef>
-          <a:fillRef idx="0">
-            <a:schemeClr val="dk1"/>
-          </a:fillRef>
-          <a:effectRef idx="0">
-            <a:schemeClr val="dk1"/>
-          </a:effectRef>
-          <a:fontRef idx="minor">
-            <a:schemeClr val="tx1"/>
-          </a:fontRef>
-        </p:style>
-      </p:cxnSp>
-      <p:sp>
-        <p:nvSpPr>
-          <p:cNvPr id="78" name="Rounded Rectangle 77">
-            <a:extLst>
-              <a:ext uri="{FF2B5EF4-FFF2-40B4-BE49-F238E27FC236}">
-                <a16:creationId xmlns:a16="http://schemas.microsoft.com/office/drawing/2014/main" id="{C39A89D2-18CE-9343-BFAA-670B0B16E22C}"/>
-              </a:ext>
-            </a:extLst>
-          </p:cNvPr>
-          <p:cNvSpPr/>
-          <p:nvPr/>
-        </p:nvSpPr>
-        <p:spPr>
-          <a:xfrm>
-            <a:off x="5838118" y="3414362"/>
-            <a:ext cx="515764" cy="282671"/>
-          </a:xfrm>
-          <a:prstGeom prst="roundRect">
-            <a:avLst>
-              <a:gd name="adj" fmla="val 50000"/>
-            </a:avLst>
-          </a:prstGeom>
-          <a:solidFill>
-            <a:schemeClr val="bg1"/>
-          </a:solidFill>
-          <a:ln w="19050">
-            <a:solidFill>
-              <a:schemeClr val="tx1"/>
-            </a:solidFill>
-          </a:ln>
-          <a:effectLst/>
-        </p:spPr>
-        <p:style>
-          <a:lnRef idx="1">
-            <a:schemeClr val="accent1"/>
-          </a:lnRef>
-          <a:fillRef idx="3">
-            <a:schemeClr val="accent1"/>
-          </a:fillRef>
-          <a:effectRef idx="2">
-            <a:schemeClr val="accent1"/>
-          </a:effectRef>
-          <a:fontRef idx="minor">
-            <a:schemeClr val="lt1"/>
-          </a:fontRef>
-        </p:style>
-        <p:txBody>
-          <a:bodyPr rtlCol="0" anchor="ctr"/>
-          <a:lstStyle/>
-          <a:p>
-            <a:pPr algn="ctr"/>
-            <a:endParaRPr lang="en-US"/>
-          </a:p>
-        </p:txBody>
-      </p:sp>
-      <p:sp>
-        <p:nvSpPr>
-          <p:cNvPr id="79" name="Rounded Rectangle 78">
-            <a:extLst>
-              <a:ext uri="{FF2B5EF4-FFF2-40B4-BE49-F238E27FC236}">
-                <a16:creationId xmlns:a16="http://schemas.microsoft.com/office/drawing/2014/main" id="{2D712EE0-8BF2-F34C-A4D2-A5E9A3D84BFA}"/>
-              </a:ext>
-            </a:extLst>
-          </p:cNvPr>
-          <p:cNvSpPr/>
-          <p:nvPr/>
-        </p:nvSpPr>
-        <p:spPr>
-          <a:xfrm>
-            <a:off x="5834505" y="5109832"/>
-            <a:ext cx="515764" cy="282671"/>
-          </a:xfrm>
-          <a:prstGeom prst="roundRect">
-            <a:avLst>
-              <a:gd name="adj" fmla="val 50000"/>
-            </a:avLst>
-          </a:prstGeom>
-          <a:solidFill>
-            <a:schemeClr val="bg1"/>
-          </a:solidFill>
-          <a:ln w="19050">
-            <a:solidFill>
-              <a:schemeClr val="tx1"/>
-            </a:solidFill>
-          </a:ln>
-          <a:effectLst/>
-        </p:spPr>
-        <p:style>
-          <a:lnRef idx="1">
-            <a:schemeClr val="accent1"/>
-          </a:lnRef>
-          <a:fillRef idx="3">
-            <a:schemeClr val="accent1"/>
-          </a:fillRef>
-          <a:effectRef idx="2">
-            <a:schemeClr val="accent1"/>
-          </a:effectRef>
-          <a:fontRef idx="minor">
-            <a:schemeClr val="lt1"/>
-          </a:fontRef>
-        </p:style>
-        <p:txBody>
-          <a:bodyPr rtlCol="0" anchor="ctr"/>
-          <a:lstStyle/>
-          <a:p>
-            <a:pPr algn="ctr"/>
-            <a:endParaRPr lang="en-US"/>
-          </a:p>
-        </p:txBody>
-      </p:sp>
-    </p:spTree>
-    <p:extLst>
-      <p:ext uri="{BB962C8B-B14F-4D97-AF65-F5344CB8AC3E}">
-        <p14:creationId xmlns:p14="http://schemas.microsoft.com/office/powerpoint/2010/main" val="1040098527"/>
-      </p:ext>
-    </p:extLst>
-  </p:cSld>
-  <p:clrMapOvr>
-    <a:masterClrMapping/>
-  </p:clrMapOvr>
-</p:sld>
-</file>
-
-<file path=ppt/slides/slide6.xml><?xml version="1.0" encoding="utf-8"?>
-<p:sld xmlns:a="http://schemas.openxmlformats.org/drawingml/2006/main" xmlns:r="http://schemas.openxmlformats.org/officeDocument/2006/relationships" xmlns:p="http://schemas.openxmlformats.org/presentationml/2006/main">
-  <p:cSld>
-    <p:spTree>
-      <p:nvGrpSpPr>
-        <p:cNvPr id="1" name=""/>
-        <p:cNvGrpSpPr/>
-        <p:nvPr/>
-      </p:nvGrpSpPr>
-      <p:grpSpPr>
-        <a:xfrm>
-          <a:off x="0" y="0"/>
-          <a:ext cx="0" cy="0"/>
-          <a:chOff x="0" y="0"/>
-          <a:chExt cx="0" cy="0"/>
-        </a:xfrm>
-      </p:grpSpPr>
-      <p:sp>
-        <p:nvSpPr>
-          <p:cNvPr id="73" name="TextBox 72">
-            <a:extLst>
-              <a:ext uri="{FF2B5EF4-FFF2-40B4-BE49-F238E27FC236}">
-                <a16:creationId xmlns:a16="http://schemas.microsoft.com/office/drawing/2014/main" id="{863769F8-02CE-034E-988B-4EF2BB33EA57}"/>
-              </a:ext>
-            </a:extLst>
-          </p:cNvPr>
-          <p:cNvSpPr txBox="1"/>
-          <p:nvPr/>
-        </p:nvSpPr>
-        <p:spPr>
-          <a:xfrm>
-            <a:off x="139700" y="165100"/>
-            <a:ext cx="1111202" cy="369332"/>
-          </a:xfrm>
-          <a:prstGeom prst="rect">
-            <a:avLst/>
-          </a:prstGeom>
-          <a:noFill/>
-        </p:spPr>
-        <p:txBody>
-          <a:bodyPr wrap="none" rtlCol="0">
-            <a:spAutoFit/>
-          </a:bodyPr>
-          <a:lstStyle/>
-          <a:p>
-            <a:r>
-              <a:rPr lang="en-US" dirty="0"/>
-              <a:t>Module D</a:t>
-            </a:r>
-          </a:p>
-        </p:txBody>
-      </p:sp>
-      <p:sp>
-        <p:nvSpPr>
-          <p:cNvPr id="165" name="TextBox 164">
-            <a:extLst>
-              <a:ext uri="{FF2B5EF4-FFF2-40B4-BE49-F238E27FC236}">
-                <a16:creationId xmlns:a16="http://schemas.microsoft.com/office/drawing/2014/main" id="{80E42378-F9A9-BB48-B159-01E6D56E5DA7}"/>
-              </a:ext>
-            </a:extLst>
-          </p:cNvPr>
-          <p:cNvSpPr txBox="1"/>
-          <p:nvPr/>
-        </p:nvSpPr>
-        <p:spPr>
-          <a:xfrm>
-            <a:off x="4568139" y="320586"/>
-            <a:ext cx="610167" cy="369332"/>
-          </a:xfrm>
-          <a:prstGeom prst="rect">
-            <a:avLst/>
-          </a:prstGeom>
-          <a:noFill/>
-        </p:spPr>
-        <p:txBody>
-          <a:bodyPr wrap="none" rtlCol="0">
-            <a:spAutoFit/>
-          </a:bodyPr>
-          <a:lstStyle/>
-          <a:p>
-            <a:r>
-              <a:rPr lang="en-US" dirty="0"/>
-              <a:t>MAY</a:t>
-            </a:r>
-          </a:p>
-        </p:txBody>
-      </p:sp>
-      <p:sp>
-        <p:nvSpPr>
-          <p:cNvPr id="109" name="TextBox 108">
-            <a:extLst>
-              <a:ext uri="{FF2B5EF4-FFF2-40B4-BE49-F238E27FC236}">
-                <a16:creationId xmlns:a16="http://schemas.microsoft.com/office/drawing/2014/main" id="{46299D71-34A0-674F-A4B1-1B36A54ABCC7}"/>
-              </a:ext>
-            </a:extLst>
-          </p:cNvPr>
-          <p:cNvSpPr txBox="1"/>
-          <p:nvPr/>
-        </p:nvSpPr>
-        <p:spPr>
-          <a:xfrm>
-            <a:off x="4631374" y="2447662"/>
-            <a:ext cx="610167" cy="369332"/>
-          </a:xfrm>
-          <a:prstGeom prst="rect">
-            <a:avLst/>
-          </a:prstGeom>
-          <a:noFill/>
-        </p:spPr>
-        <p:txBody>
-          <a:bodyPr wrap="none" rtlCol="0">
-            <a:spAutoFit/>
-          </a:bodyPr>
-          <a:lstStyle/>
-          <a:p>
-            <a:r>
-              <a:rPr lang="en-US" dirty="0"/>
-              <a:t>MAY</a:t>
-            </a:r>
-          </a:p>
-        </p:txBody>
-      </p:sp>
-      <p:sp>
-        <p:nvSpPr>
-          <p:cNvPr id="123" name="Rounded Rectangle 122">
-            <a:extLst>
-              <a:ext uri="{FF2B5EF4-FFF2-40B4-BE49-F238E27FC236}">
-                <a16:creationId xmlns:a16="http://schemas.microsoft.com/office/drawing/2014/main" id="{B63430C6-EB59-9245-8AC6-BE3948C72C3B}"/>
-              </a:ext>
-            </a:extLst>
-          </p:cNvPr>
-          <p:cNvSpPr/>
-          <p:nvPr/>
-        </p:nvSpPr>
-        <p:spPr>
-          <a:xfrm>
-            <a:off x="4002121" y="2917514"/>
-            <a:ext cx="1948231" cy="1483611"/>
-          </a:xfrm>
-          <a:prstGeom prst="roundRect">
-            <a:avLst/>
-          </a:prstGeom>
-          <a:noFill/>
-          <a:ln w="12700" cap="flat" cmpd="sng" algn="ctr">
-            <a:solidFill>
-              <a:schemeClr val="tx2"/>
-            </a:solidFill>
-            <a:prstDash val="solid"/>
-            <a:round/>
-            <a:headEnd type="none" w="med" len="med"/>
-            <a:tailEnd type="none" w="med" len="med"/>
-          </a:ln>
-        </p:spPr>
-        <p:style>
-          <a:lnRef idx="0">
-            <a:scrgbClr r="0" g="0" b="0"/>
-          </a:lnRef>
-          <a:fillRef idx="0">
-            <a:scrgbClr r="0" g="0" b="0"/>
-          </a:fillRef>
-          <a:effectRef idx="0">
-            <a:scrgbClr r="0" g="0" b="0"/>
-          </a:effectRef>
-          <a:fontRef idx="minor">
-            <a:schemeClr val="dk1"/>
-          </a:fontRef>
-        </p:style>
-        <p:txBody>
-          <a:bodyPr rtlCol="0" anchor="ctr"/>
-          <a:lstStyle/>
-          <a:p>
-            <a:pPr algn="ctr"/>
-            <a:r>
-              <a:rPr lang="en-US" dirty="0" err="1"/>
-              <a:t>TetR</a:t>
-            </a:r>
-            <a:r>
-              <a:rPr lang="en-US" dirty="0"/>
-              <a:t>-Regulated Production</a:t>
-            </a:r>
-          </a:p>
-        </p:txBody>
-      </p:sp>
-      <p:cxnSp>
-        <p:nvCxnSpPr>
-          <p:cNvPr id="125" name="Straight Connector 124">
-            <a:extLst>
-              <a:ext uri="{FF2B5EF4-FFF2-40B4-BE49-F238E27FC236}">
-                <a16:creationId xmlns:a16="http://schemas.microsoft.com/office/drawing/2014/main" id="{18FF364C-9A1E-7042-BFF5-08FA96FEECB8}"/>
-              </a:ext>
-            </a:extLst>
-          </p:cNvPr>
-          <p:cNvCxnSpPr>
-            <a:cxnSpLocks/>
-          </p:cNvCxnSpPr>
-          <p:nvPr/>
-        </p:nvCxnSpPr>
-        <p:spPr>
-          <a:xfrm rot="5400000">
-            <a:off x="3788822" y="3299209"/>
+            <a:off x="4991523" y="3531493"/>
             <a:ext cx="190500" cy="0"/>
           </a:xfrm>
           <a:prstGeom prst="line">
@@ -13872,6 +12065,402 @@
           </p:spPr>
         </p:pic>
       </p:grpSp>
+      <p:grpSp>
+        <p:nvGrpSpPr>
+          <p:cNvPr id="132" name="Group 131">
+            <a:extLst>
+              <a:ext uri="{FF2B5EF4-FFF2-40B4-BE49-F238E27FC236}">
+                <a16:creationId xmlns:a16="http://schemas.microsoft.com/office/drawing/2014/main" id="{F8730F51-65CC-8145-A9A5-CBBF1D1919EC}"/>
+              </a:ext>
+            </a:extLst>
+          </p:cNvPr>
+          <p:cNvGrpSpPr/>
+          <p:nvPr/>
+        </p:nvGrpSpPr>
+        <p:grpSpPr>
+          <a:xfrm>
+            <a:off x="4730372" y="3530648"/>
+            <a:ext cx="2689434" cy="654654"/>
+            <a:chOff x="2642932" y="413397"/>
+            <a:chExt cx="4122739" cy="1003545"/>
+          </a:xfrm>
+        </p:grpSpPr>
+        <p:cxnSp>
+          <p:nvCxnSpPr>
+            <p:cNvPr id="133" name="Straight Connector 132">
+              <a:extLst>
+                <a:ext uri="{FF2B5EF4-FFF2-40B4-BE49-F238E27FC236}">
+                  <a16:creationId xmlns:a16="http://schemas.microsoft.com/office/drawing/2014/main" id="{033886BB-4AE9-5148-AC86-C38D4785D046}"/>
+                </a:ext>
+              </a:extLst>
+            </p:cNvPr>
+            <p:cNvCxnSpPr>
+              <a:cxnSpLocks/>
+            </p:cNvCxnSpPr>
+            <p:nvPr/>
+          </p:nvCxnSpPr>
+          <p:spPr>
+            <a:xfrm>
+              <a:off x="2642932" y="1140335"/>
+              <a:ext cx="4117201" cy="0"/>
+            </a:xfrm>
+            <a:prstGeom prst="line">
+              <a:avLst/>
+            </a:prstGeom>
+            <a:ln w="38100" cap="flat" cmpd="sng" algn="ctr">
+              <a:solidFill>
+                <a:srgbClr val="000000"/>
+              </a:solidFill>
+              <a:prstDash val="solid"/>
+              <a:round/>
+              <a:headEnd type="none" w="med" len="med"/>
+              <a:tailEnd type="none" w="med" len="med"/>
+            </a:ln>
+            <a:effectLst/>
+          </p:spPr>
+          <p:style>
+            <a:lnRef idx="2">
+              <a:schemeClr val="accent1"/>
+            </a:lnRef>
+            <a:fillRef idx="0">
+              <a:schemeClr val="accent1"/>
+            </a:fillRef>
+            <a:effectRef idx="1">
+              <a:schemeClr val="accent1"/>
+            </a:effectRef>
+            <a:fontRef idx="minor">
+              <a:schemeClr val="tx1"/>
+            </a:fontRef>
+          </p:style>
+        </p:cxnSp>
+        <p:sp>
+          <p:nvSpPr>
+            <p:cNvPr id="134" name="Right Arrow 133">
+              <a:extLst>
+                <a:ext uri="{FF2B5EF4-FFF2-40B4-BE49-F238E27FC236}">
+                  <a16:creationId xmlns:a16="http://schemas.microsoft.com/office/drawing/2014/main" id="{09CFEDCF-001E-2B46-8528-F5D89CE7D8E6}"/>
+                </a:ext>
+              </a:extLst>
+            </p:cNvPr>
+            <p:cNvSpPr/>
+            <p:nvPr/>
+          </p:nvSpPr>
+          <p:spPr>
+            <a:xfrm>
+              <a:off x="4740833" y="949836"/>
+              <a:ext cx="1168400" cy="350140"/>
+            </a:xfrm>
+            <a:prstGeom prst="rightArrow">
+              <a:avLst>
+                <a:gd name="adj1" fmla="val 100000"/>
+                <a:gd name="adj2" fmla="val 52194"/>
+              </a:avLst>
+            </a:prstGeom>
+            <a:solidFill>
+              <a:srgbClr val="92D050"/>
+            </a:solidFill>
+            <a:ln w="38100" cap="flat" cmpd="sng" algn="ctr">
+              <a:solidFill>
+                <a:srgbClr val="000000"/>
+              </a:solidFill>
+              <a:prstDash val="solid"/>
+              <a:round/>
+              <a:headEnd type="none" w="med" len="med"/>
+              <a:tailEnd type="none" w="med" len="med"/>
+            </a:ln>
+            <a:effectLst/>
+          </p:spPr>
+          <p:style>
+            <a:lnRef idx="1">
+              <a:schemeClr val="accent1"/>
+            </a:lnRef>
+            <a:fillRef idx="3">
+              <a:schemeClr val="accent1"/>
+            </a:fillRef>
+            <a:effectRef idx="2">
+              <a:schemeClr val="accent1"/>
+            </a:effectRef>
+            <a:fontRef idx="minor">
+              <a:schemeClr val="lt1"/>
+            </a:fontRef>
+          </p:style>
+          <p:txBody>
+            <a:bodyPr rtlCol="0" anchor="ctr"/>
+            <a:lstStyle/>
+            <a:p>
+              <a:pPr algn="ctr"/>
+              <a:endParaRPr lang="en-US" i="1" dirty="0">
+                <a:solidFill>
+                  <a:schemeClr val="tx1"/>
+                </a:solidFill>
+              </a:endParaRPr>
+            </a:p>
+          </p:txBody>
+        </p:sp>
+        <p:sp>
+          <p:nvSpPr>
+            <p:cNvPr id="135" name="Chord 134">
+              <a:extLst>
+                <a:ext uri="{FF2B5EF4-FFF2-40B4-BE49-F238E27FC236}">
+                  <a16:creationId xmlns:a16="http://schemas.microsoft.com/office/drawing/2014/main" id="{30C134E0-A2C4-0C48-8E1F-A00CC76F5697}"/>
+                </a:ext>
+              </a:extLst>
+            </p:cNvPr>
+            <p:cNvSpPr/>
+            <p:nvPr/>
+          </p:nvSpPr>
+          <p:spPr>
+            <a:xfrm>
+              <a:off x="3734347" y="784736"/>
+              <a:ext cx="632206" cy="632206"/>
+            </a:xfrm>
+            <a:prstGeom prst="chord">
+              <a:avLst>
+                <a:gd name="adj1" fmla="val 10506229"/>
+                <a:gd name="adj2" fmla="val 301460"/>
+              </a:avLst>
+            </a:prstGeom>
+            <a:solidFill>
+              <a:schemeClr val="accent4">
+                <a:lumMod val="60000"/>
+                <a:lumOff val="40000"/>
+              </a:schemeClr>
+            </a:solidFill>
+            <a:ln w="38100" cap="flat" cmpd="sng" algn="ctr">
+              <a:solidFill>
+                <a:srgbClr val="000000"/>
+              </a:solidFill>
+              <a:prstDash val="solid"/>
+              <a:round/>
+              <a:headEnd type="none" w="med" len="med"/>
+              <a:tailEnd type="none" w="med" len="med"/>
+            </a:ln>
+            <a:effectLst/>
+          </p:spPr>
+          <p:style>
+            <a:lnRef idx="1">
+              <a:schemeClr val="accent1"/>
+            </a:lnRef>
+            <a:fillRef idx="3">
+              <a:schemeClr val="accent1"/>
+            </a:fillRef>
+            <a:effectRef idx="2">
+              <a:schemeClr val="accent1"/>
+            </a:effectRef>
+            <a:fontRef idx="minor">
+              <a:schemeClr val="lt1"/>
+            </a:fontRef>
+          </p:style>
+          <p:txBody>
+            <a:bodyPr rtlCol="0" anchor="ctr"/>
+            <a:lstStyle/>
+            <a:p>
+              <a:pPr algn="ctr"/>
+              <a:endParaRPr lang="en-US"/>
+            </a:p>
+          </p:txBody>
+        </p:sp>
+        <p:pic>
+          <p:nvPicPr>
+            <p:cNvPr id="136" name="Picture 135">
+              <a:extLst>
+                <a:ext uri="{FF2B5EF4-FFF2-40B4-BE49-F238E27FC236}">
+                  <a16:creationId xmlns:a16="http://schemas.microsoft.com/office/drawing/2014/main" id="{1FB8AABB-8744-8A47-A8D8-29ABC5F7C269}"/>
+                </a:ext>
+              </a:extLst>
+            </p:cNvPr>
+            <p:cNvPicPr>
+              <a:picLocks noChangeAspect="1"/>
+            </p:cNvPicPr>
+            <p:nvPr/>
+          </p:nvPicPr>
+          <p:blipFill>
+            <a:blip r:embed="rId2">
+              <a:extLst>
+                <a:ext uri="{28A0092B-C50C-407E-A947-70E740481C1C}">
+                  <a14:useLocalDpi xmlns:a14="http://schemas.microsoft.com/office/drawing/2010/main" val="0"/>
+                </a:ext>
+              </a:extLst>
+            </a:blip>
+            <a:stretch>
+              <a:fillRect/>
+            </a:stretch>
+          </p:blipFill>
+          <p:spPr>
+            <a:xfrm>
+              <a:off x="2803319" y="413397"/>
+              <a:ext cx="771908" cy="771908"/>
+            </a:xfrm>
+            <a:prstGeom prst="rect">
+              <a:avLst/>
+            </a:prstGeom>
+          </p:spPr>
+        </p:pic>
+        <p:pic>
+          <p:nvPicPr>
+            <p:cNvPr id="137" name="Picture 136">
+              <a:extLst>
+                <a:ext uri="{FF2B5EF4-FFF2-40B4-BE49-F238E27FC236}">
+                  <a16:creationId xmlns:a16="http://schemas.microsoft.com/office/drawing/2014/main" id="{2AD66491-7699-F443-A45A-22CA296E7791}"/>
+                </a:ext>
+              </a:extLst>
+            </p:cNvPr>
+            <p:cNvPicPr>
+              <a:picLocks noChangeAspect="1"/>
+            </p:cNvPicPr>
+            <p:nvPr/>
+          </p:nvPicPr>
+          <p:blipFill>
+            <a:blip r:embed="rId3">
+              <a:extLst>
+                <a:ext uri="{28A0092B-C50C-407E-A947-70E740481C1C}">
+                  <a14:useLocalDpi xmlns:a14="http://schemas.microsoft.com/office/drawing/2010/main" val="0"/>
+                </a:ext>
+              </a:extLst>
+            </a:blip>
+            <a:stretch>
+              <a:fillRect/>
+            </a:stretch>
+          </p:blipFill>
+          <p:spPr>
+            <a:xfrm>
+              <a:off x="5971536" y="499461"/>
+              <a:ext cx="794135" cy="794135"/>
+            </a:xfrm>
+            <a:prstGeom prst="rect">
+              <a:avLst/>
+            </a:prstGeom>
+          </p:spPr>
+        </p:pic>
+      </p:grpSp>
+      <p:pic>
+        <p:nvPicPr>
+          <p:cNvPr id="138" name="Picture 137">
+            <a:extLst>
+              <a:ext uri="{FF2B5EF4-FFF2-40B4-BE49-F238E27FC236}">
+                <a16:creationId xmlns:a16="http://schemas.microsoft.com/office/drawing/2014/main" id="{919F43F9-0B0D-5841-A3CA-E6945F62917F}"/>
+              </a:ext>
+            </a:extLst>
+          </p:cNvPr>
+          <p:cNvPicPr>
+            <a:picLocks noChangeAspect="1"/>
+          </p:cNvPicPr>
+          <p:nvPr/>
+        </p:nvPicPr>
+        <p:blipFill rotWithShape="1">
+          <a:blip r:embed="rId4"/>
+          <a:srcRect/>
+          <a:stretch/>
+        </p:blipFill>
+        <p:spPr>
+          <a:xfrm>
+            <a:off x="5959092" y="2826333"/>
+            <a:ext cx="951389" cy="951389"/>
+          </a:xfrm>
+          <a:prstGeom prst="rect">
+            <a:avLst/>
+          </a:prstGeom>
+        </p:spPr>
+      </p:pic>
+      <p:cxnSp>
+        <p:nvCxnSpPr>
+          <p:cNvPr id="139" name="Straight Arrow Connector 138">
+            <a:extLst>
+              <a:ext uri="{FF2B5EF4-FFF2-40B4-BE49-F238E27FC236}">
+                <a16:creationId xmlns:a16="http://schemas.microsoft.com/office/drawing/2014/main" id="{5D7E226D-B084-C24A-9FE1-CC9461D55C78}"/>
+              </a:ext>
+            </a:extLst>
+          </p:cNvPr>
+          <p:cNvCxnSpPr/>
+          <p:nvPr/>
+        </p:nvCxnSpPr>
+        <p:spPr>
+          <a:xfrm flipV="1">
+            <a:off x="6456149" y="3530648"/>
+            <a:ext cx="0" cy="343873"/>
+          </a:xfrm>
+          <a:prstGeom prst="straightConnector1">
+            <a:avLst/>
+          </a:prstGeom>
+          <a:ln w="28575">
+            <a:solidFill>
+              <a:schemeClr val="accent3">
+                <a:lumMod val="75000"/>
+              </a:schemeClr>
+            </a:solidFill>
+            <a:headEnd type="none" w="med" len="med"/>
+            <a:tailEnd type="triangle" w="med" len="med"/>
+          </a:ln>
+        </p:spPr>
+        <p:style>
+          <a:lnRef idx="1">
+            <a:schemeClr val="dk1"/>
+          </a:lnRef>
+          <a:fillRef idx="0">
+            <a:schemeClr val="dk1"/>
+          </a:fillRef>
+          <a:effectRef idx="0">
+            <a:schemeClr val="dk1"/>
+          </a:effectRef>
+          <a:fontRef idx="minor">
+            <a:schemeClr val="tx1"/>
+          </a:fontRef>
+        </p:style>
+      </p:cxnSp>
+      <p:sp>
+        <p:nvSpPr>
+          <p:cNvPr id="140" name="Rounded Rectangle 139">
+            <a:extLst>
+              <a:ext uri="{FF2B5EF4-FFF2-40B4-BE49-F238E27FC236}">
+                <a16:creationId xmlns:a16="http://schemas.microsoft.com/office/drawing/2014/main" id="{BE624CF9-B96F-FF45-AF7A-430F8CDB248B}"/>
+              </a:ext>
+            </a:extLst>
+          </p:cNvPr>
+          <p:cNvSpPr/>
+          <p:nvPr/>
+        </p:nvSpPr>
+        <p:spPr>
+          <a:xfrm>
+            <a:off x="578572" y="2917514"/>
+            <a:ext cx="2860581" cy="1483611"/>
+          </a:xfrm>
+          <a:prstGeom prst="roundRect">
+            <a:avLst/>
+          </a:prstGeom>
+          <a:noFill/>
+          <a:ln w="12700" cap="flat" cmpd="sng" algn="ctr">
+            <a:solidFill>
+              <a:schemeClr val="tx2"/>
+            </a:solidFill>
+            <a:prstDash val="solid"/>
+            <a:round/>
+            <a:headEnd type="none" w="med" len="med"/>
+            <a:tailEnd type="none" w="med" len="med"/>
+          </a:ln>
+        </p:spPr>
+        <p:style>
+          <a:lnRef idx="0">
+            <a:scrgbClr r="0" g="0" b="0"/>
+          </a:lnRef>
+          <a:fillRef idx="0">
+            <a:scrgbClr r="0" g="0" b="0"/>
+          </a:fillRef>
+          <a:effectRef idx="0">
+            <a:scrgbClr r="0" g="0" b="0"/>
+          </a:effectRef>
+          <a:fontRef idx="minor">
+            <a:schemeClr val="dk1"/>
+          </a:fontRef>
+        </p:style>
+        <p:txBody>
+          <a:bodyPr rtlCol="0" anchor="ctr"/>
+          <a:lstStyle/>
+          <a:p>
+            <a:pPr algn="ctr"/>
+            <a:endParaRPr lang="en-US"/>
+          </a:p>
+        </p:txBody>
+      </p:sp>
       <p:sp>
         <p:nvSpPr>
           <p:cNvPr id="58" name="Rounded Rectangle 57">
@@ -14017,6 +12606,64 @@
           </a:p>
         </p:txBody>
       </p:sp>
+      <p:pic>
+        <p:nvPicPr>
+          <p:cNvPr id="61" name="Picture 60">
+            <a:extLst>
+              <a:ext uri="{FF2B5EF4-FFF2-40B4-BE49-F238E27FC236}">
+                <a16:creationId xmlns:a16="http://schemas.microsoft.com/office/drawing/2014/main" id="{CF4D7D85-A4F9-2B46-9117-DC775D515ADF}"/>
+              </a:ext>
+            </a:extLst>
+          </p:cNvPr>
+          <p:cNvPicPr>
+            <a:picLocks noChangeAspect="1"/>
+          </p:cNvPicPr>
+          <p:nvPr/>
+        </p:nvPicPr>
+        <p:blipFill rotWithShape="1">
+          <a:blip r:embed="rId4"/>
+          <a:srcRect/>
+          <a:stretch/>
+        </p:blipFill>
+        <p:spPr>
+          <a:xfrm>
+            <a:off x="2003733" y="2827979"/>
+            <a:ext cx="951389" cy="951389"/>
+          </a:xfrm>
+          <a:prstGeom prst="rect">
+            <a:avLst/>
+          </a:prstGeom>
+        </p:spPr>
+      </p:pic>
+      <p:pic>
+        <p:nvPicPr>
+          <p:cNvPr id="62" name="Picture 61">
+            <a:extLst>
+              <a:ext uri="{FF2B5EF4-FFF2-40B4-BE49-F238E27FC236}">
+                <a16:creationId xmlns:a16="http://schemas.microsoft.com/office/drawing/2014/main" id="{50CC967E-5654-0F41-B0A0-E777A8B1B46F}"/>
+              </a:ext>
+            </a:extLst>
+          </p:cNvPr>
+          <p:cNvPicPr>
+            <a:picLocks noChangeAspect="1"/>
+          </p:cNvPicPr>
+          <p:nvPr/>
+        </p:nvPicPr>
+        <p:blipFill rotWithShape="1">
+          <a:blip r:embed="rId4"/>
+          <a:srcRect/>
+          <a:stretch/>
+        </p:blipFill>
+        <p:spPr>
+          <a:xfrm>
+            <a:off x="4069968" y="2845919"/>
+            <a:ext cx="951389" cy="951389"/>
+          </a:xfrm>
+          <a:prstGeom prst="rect">
+            <a:avLst/>
+          </a:prstGeom>
+        </p:spPr>
+      </p:pic>
       <p:cxnSp>
         <p:nvCxnSpPr>
           <p:cNvPr id="6" name="Straight Arrow Connector 5">
@@ -14026,16 +12673,13 @@
               </a:ext>
             </a:extLst>
           </p:cNvPr>
-          <p:cNvCxnSpPr>
-            <a:cxnSpLocks/>
-            <a:endCxn id="74" idx="2"/>
-          </p:cNvCxnSpPr>
+          <p:cNvCxnSpPr/>
           <p:nvPr/>
         </p:nvCxnSpPr>
         <p:spPr>
           <a:xfrm flipV="1">
-            <a:off x="2478157" y="3457804"/>
-            <a:ext cx="0" cy="416718"/>
+            <a:off x="2478157" y="3530648"/>
+            <a:ext cx="0" cy="343873"/>
           </a:xfrm>
           <a:prstGeom prst="straightConnector1">
             <a:avLst/>
@@ -14108,6 +12752,199 @@
           </a:p>
         </p:txBody>
       </p:sp>
+      <p:sp>
+        <p:nvSpPr>
+          <p:cNvPr id="67" name="Rectangle 66">
+            <a:extLst>
+              <a:ext uri="{FF2B5EF4-FFF2-40B4-BE49-F238E27FC236}">
+                <a16:creationId xmlns:a16="http://schemas.microsoft.com/office/drawing/2014/main" id="{A9CFD0E9-DCAE-B447-9D6F-62E6C9FEBFAA}"/>
+              </a:ext>
+            </a:extLst>
+          </p:cNvPr>
+          <p:cNvSpPr/>
+          <p:nvPr/>
+        </p:nvSpPr>
+        <p:spPr>
+          <a:xfrm>
+            <a:off x="3444421" y="3193169"/>
+            <a:ext cx="72024" cy="217715"/>
+          </a:xfrm>
+          <a:prstGeom prst="rect">
+            <a:avLst/>
+          </a:prstGeom>
+          <a:ln w="12700">
+            <a:solidFill>
+              <a:schemeClr val="tx2"/>
+            </a:solidFill>
+          </a:ln>
+        </p:spPr>
+        <p:style>
+          <a:lnRef idx="2">
+            <a:schemeClr val="accent1"/>
+          </a:lnRef>
+          <a:fillRef idx="1">
+            <a:schemeClr val="lt1"/>
+          </a:fillRef>
+          <a:effectRef idx="0">
+            <a:schemeClr val="accent1"/>
+          </a:effectRef>
+          <a:fontRef idx="minor">
+            <a:schemeClr val="dk1"/>
+          </a:fontRef>
+        </p:style>
+        <p:txBody>
+          <a:bodyPr rtlCol="0" anchor="ctr"/>
+          <a:lstStyle/>
+          <a:p>
+            <a:pPr algn="ctr"/>
+            <a:endParaRPr lang="en-US"/>
+          </a:p>
+        </p:txBody>
+      </p:sp>
+      <p:cxnSp>
+        <p:nvCxnSpPr>
+          <p:cNvPr id="68" name="Straight Connector 67">
+            <a:extLst>
+              <a:ext uri="{FF2B5EF4-FFF2-40B4-BE49-F238E27FC236}">
+                <a16:creationId xmlns:a16="http://schemas.microsoft.com/office/drawing/2014/main" id="{7D7BF63B-A1F4-154C-8A4C-E6EC1EDD30FD}"/>
+              </a:ext>
+            </a:extLst>
+          </p:cNvPr>
+          <p:cNvCxnSpPr>
+            <a:cxnSpLocks/>
+          </p:cNvCxnSpPr>
+          <p:nvPr/>
+        </p:nvCxnSpPr>
+        <p:spPr>
+          <a:xfrm>
+            <a:off x="2679237" y="3308452"/>
+            <a:ext cx="759916" cy="0"/>
+          </a:xfrm>
+          <a:prstGeom prst="line">
+            <a:avLst/>
+          </a:prstGeom>
+          <a:ln>
+            <a:solidFill>
+              <a:schemeClr val="tx1">
+                <a:lumMod val="50000"/>
+                <a:lumOff val="50000"/>
+              </a:schemeClr>
+            </a:solidFill>
+            <a:prstDash val="dash"/>
+          </a:ln>
+          <a:effectLst/>
+        </p:spPr>
+        <p:style>
+          <a:lnRef idx="2">
+            <a:schemeClr val="accent1"/>
+          </a:lnRef>
+          <a:fillRef idx="0">
+            <a:schemeClr val="accent1"/>
+          </a:fillRef>
+          <a:effectRef idx="1">
+            <a:schemeClr val="accent1"/>
+          </a:effectRef>
+          <a:fontRef idx="minor">
+            <a:schemeClr val="tx1"/>
+          </a:fontRef>
+        </p:style>
+      </p:cxnSp>
+      <p:cxnSp>
+        <p:nvCxnSpPr>
+          <p:cNvPr id="70" name="Straight Connector 69">
+            <a:extLst>
+              <a:ext uri="{FF2B5EF4-FFF2-40B4-BE49-F238E27FC236}">
+                <a16:creationId xmlns:a16="http://schemas.microsoft.com/office/drawing/2014/main" id="{E56C4988-C2A8-004B-BAFC-C6E678A4118D}"/>
+              </a:ext>
+            </a:extLst>
+          </p:cNvPr>
+          <p:cNvCxnSpPr>
+            <a:cxnSpLocks/>
+          </p:cNvCxnSpPr>
+          <p:nvPr/>
+        </p:nvCxnSpPr>
+        <p:spPr>
+          <a:xfrm>
+            <a:off x="4046216" y="3307647"/>
+            <a:ext cx="269731" cy="0"/>
+          </a:xfrm>
+          <a:prstGeom prst="line">
+            <a:avLst/>
+          </a:prstGeom>
+          <a:ln>
+            <a:solidFill>
+              <a:schemeClr val="tx1">
+                <a:lumMod val="50000"/>
+                <a:lumOff val="50000"/>
+              </a:schemeClr>
+            </a:solidFill>
+            <a:prstDash val="dash"/>
+          </a:ln>
+          <a:effectLst/>
+        </p:spPr>
+        <p:style>
+          <a:lnRef idx="2">
+            <a:schemeClr val="accent1"/>
+          </a:lnRef>
+          <a:fillRef idx="0">
+            <a:schemeClr val="accent1"/>
+          </a:fillRef>
+          <a:effectRef idx="1">
+            <a:schemeClr val="accent1"/>
+          </a:effectRef>
+          <a:fontRef idx="minor">
+            <a:schemeClr val="tx1"/>
+          </a:fontRef>
+        </p:style>
+      </p:cxnSp>
+      <p:cxnSp>
+        <p:nvCxnSpPr>
+          <p:cNvPr id="72" name="Straight Connector 71">
+            <a:extLst>
+              <a:ext uri="{FF2B5EF4-FFF2-40B4-BE49-F238E27FC236}">
+                <a16:creationId xmlns:a16="http://schemas.microsoft.com/office/drawing/2014/main" id="{781EA4E3-CE8A-F94A-9507-A2CB5C0320BA}"/>
+              </a:ext>
+            </a:extLst>
+          </p:cNvPr>
+          <p:cNvCxnSpPr>
+            <a:cxnSpLocks/>
+          </p:cNvCxnSpPr>
+          <p:nvPr/>
+        </p:nvCxnSpPr>
+        <p:spPr>
+          <a:xfrm>
+            <a:off x="3533596" y="3312292"/>
+            <a:ext cx="382485" cy="0"/>
+          </a:xfrm>
+          <a:prstGeom prst="line">
+            <a:avLst/>
+          </a:prstGeom>
+          <a:ln>
+            <a:solidFill>
+              <a:schemeClr val="tx1">
+                <a:lumMod val="50000"/>
+                <a:lumOff val="50000"/>
+              </a:schemeClr>
+            </a:solidFill>
+            <a:prstDash val="dash"/>
+          </a:ln>
+          <a:effectLst/>
+        </p:spPr>
+        <p:style>
+          <a:lnRef idx="2">
+            <a:schemeClr val="accent1"/>
+          </a:lnRef>
+          <a:fillRef idx="0">
+            <a:schemeClr val="accent1"/>
+          </a:fillRef>
+          <a:effectRef idx="1">
+            <a:schemeClr val="accent1"/>
+          </a:effectRef>
+          <a:fontRef idx="minor">
+            <a:schemeClr val="tx1"/>
+          </a:fontRef>
+        </p:style>
+      </p:cxnSp>
       <p:sp>
         <p:nvSpPr>
           <p:cNvPr id="75" name="Rounded Rectangle 74">
@@ -14785,6 +13622,35 @@
           </p:spPr>
         </p:pic>
       </p:grpSp>
+      <p:pic>
+        <p:nvPicPr>
+          <p:cNvPr id="94" name="Picture 93">
+            <a:extLst>
+              <a:ext uri="{FF2B5EF4-FFF2-40B4-BE49-F238E27FC236}">
+                <a16:creationId xmlns:a16="http://schemas.microsoft.com/office/drawing/2014/main" id="{2CFF4F59-E5BD-354F-A758-1CF2303C8715}"/>
+              </a:ext>
+            </a:extLst>
+          </p:cNvPr>
+          <p:cNvPicPr>
+            <a:picLocks noChangeAspect="1"/>
+          </p:cNvPicPr>
+          <p:nvPr/>
+        </p:nvPicPr>
+        <p:blipFill rotWithShape="1">
+          <a:blip r:embed="rId4"/>
+          <a:srcRect/>
+          <a:stretch/>
+        </p:blipFill>
+        <p:spPr>
+          <a:xfrm>
+            <a:off x="5950352" y="4542573"/>
+            <a:ext cx="951389" cy="951389"/>
+          </a:xfrm>
+          <a:prstGeom prst="rect">
+            <a:avLst/>
+          </a:prstGeom>
+        </p:spPr>
+      </p:pic>
       <p:cxnSp>
         <p:nvCxnSpPr>
           <p:cNvPr id="95" name="Straight Arrow Connector 94">
@@ -14884,6 +13750,35 @@
           </a:p>
         </p:txBody>
       </p:sp>
+      <p:pic>
+        <p:nvPicPr>
+          <p:cNvPr id="97" name="Picture 96">
+            <a:extLst>
+              <a:ext uri="{FF2B5EF4-FFF2-40B4-BE49-F238E27FC236}">
+                <a16:creationId xmlns:a16="http://schemas.microsoft.com/office/drawing/2014/main" id="{78A0D338-D3FD-5646-A888-9E8793E1A2DE}"/>
+              </a:ext>
+            </a:extLst>
+          </p:cNvPr>
+          <p:cNvPicPr>
+            <a:picLocks noChangeAspect="1"/>
+          </p:cNvPicPr>
+          <p:nvPr/>
+        </p:nvPicPr>
+        <p:blipFill rotWithShape="1">
+          <a:blip r:embed="rId4"/>
+          <a:srcRect/>
+          <a:stretch/>
+        </p:blipFill>
+        <p:spPr>
+          <a:xfrm>
+            <a:off x="1994993" y="4544219"/>
+            <a:ext cx="951389" cy="951389"/>
+          </a:xfrm>
+          <a:prstGeom prst="rect">
+            <a:avLst/>
+          </a:prstGeom>
+        </p:spPr>
+      </p:pic>
       <p:cxnSp>
         <p:nvCxnSpPr>
           <p:cNvPr id="100" name="Straight Arrow Connector 99">
@@ -14893,16 +13788,13 @@
               </a:ext>
             </a:extLst>
           </p:cNvPr>
-          <p:cNvCxnSpPr>
-            <a:cxnSpLocks/>
-            <a:endCxn id="71" idx="2"/>
-          </p:cNvCxnSpPr>
+          <p:cNvCxnSpPr/>
           <p:nvPr/>
         </p:nvCxnSpPr>
         <p:spPr>
           <a:xfrm flipV="1">
-            <a:off x="2469417" y="5167281"/>
-            <a:ext cx="8740" cy="423482"/>
+            <a:off x="2469417" y="5246888"/>
+            <a:ext cx="0" cy="343873"/>
           </a:xfrm>
           <a:prstGeom prst="straightConnector1">
             <a:avLst/>
@@ -15024,217 +13916,6 @@
           </a:p>
         </p:txBody>
       </p:sp>
-      <p:cxnSp>
-        <p:nvCxnSpPr>
-          <p:cNvPr id="63" name="Straight Arrow Connector 5">
-            <a:extLst>
-              <a:ext uri="{FF2B5EF4-FFF2-40B4-BE49-F238E27FC236}">
-                <a16:creationId xmlns:a16="http://schemas.microsoft.com/office/drawing/2014/main" id="{4639C3E4-48D6-B94D-B181-2F2C6B257FAC}"/>
-              </a:ext>
-            </a:extLst>
-          </p:cNvPr>
-          <p:cNvCxnSpPr>
-            <a:cxnSpLocks/>
-          </p:cNvCxnSpPr>
-          <p:nvPr/>
-        </p:nvCxnSpPr>
-        <p:spPr>
-          <a:xfrm>
-            <a:off x="2690111" y="3302027"/>
-            <a:ext cx="1193519" cy="0"/>
-          </a:xfrm>
-          <a:prstGeom prst="straightConnector1">
-            <a:avLst/>
-          </a:prstGeom>
-          <a:ln>
-            <a:solidFill>
-              <a:srgbClr val="FF0000"/>
-            </a:solidFill>
-            <a:headEnd type="none"/>
-            <a:tailEnd type="none"/>
-          </a:ln>
-          <a:effectLst/>
-        </p:spPr>
-        <p:style>
-          <a:lnRef idx="2">
-            <a:schemeClr val="accent1"/>
-          </a:lnRef>
-          <a:fillRef idx="0">
-            <a:schemeClr val="accent1"/>
-          </a:fillRef>
-          <a:effectRef idx="1">
-            <a:schemeClr val="accent1"/>
-          </a:effectRef>
-          <a:fontRef idx="minor">
-            <a:schemeClr val="tx1"/>
-          </a:fontRef>
-        </p:style>
-      </p:cxnSp>
-      <p:sp>
-        <p:nvSpPr>
-          <p:cNvPr id="69" name="Rounded Rectangle 68">
-            <a:extLst>
-              <a:ext uri="{FF2B5EF4-FFF2-40B4-BE49-F238E27FC236}">
-                <a16:creationId xmlns:a16="http://schemas.microsoft.com/office/drawing/2014/main" id="{7E8E490B-C072-8248-AF41-FF0E871D9C80}"/>
-              </a:ext>
-            </a:extLst>
-          </p:cNvPr>
-          <p:cNvSpPr/>
-          <p:nvPr/>
-        </p:nvSpPr>
-        <p:spPr>
-          <a:xfrm>
-            <a:off x="6189527" y="4954763"/>
-            <a:ext cx="515764" cy="282671"/>
-          </a:xfrm>
-          <a:prstGeom prst="roundRect">
-            <a:avLst>
-              <a:gd name="adj" fmla="val 50000"/>
-            </a:avLst>
-          </a:prstGeom>
-          <a:solidFill>
-            <a:schemeClr val="bg1"/>
-          </a:solidFill>
-          <a:ln w="19050">
-            <a:solidFill>
-              <a:schemeClr val="tx1"/>
-            </a:solidFill>
-          </a:ln>
-          <a:effectLst/>
-        </p:spPr>
-        <p:style>
-          <a:lnRef idx="1">
-            <a:schemeClr val="accent1"/>
-          </a:lnRef>
-          <a:fillRef idx="3">
-            <a:schemeClr val="accent1"/>
-          </a:fillRef>
-          <a:effectRef idx="2">
-            <a:schemeClr val="accent1"/>
-          </a:effectRef>
-          <a:fontRef idx="minor">
-            <a:schemeClr val="lt1"/>
-          </a:fontRef>
-        </p:style>
-        <p:txBody>
-          <a:bodyPr rtlCol="0" anchor="ctr"/>
-          <a:lstStyle/>
-          <a:p>
-            <a:pPr algn="ctr"/>
-            <a:endParaRPr lang="en-US"/>
-          </a:p>
-        </p:txBody>
-      </p:sp>
-      <p:sp>
-        <p:nvSpPr>
-          <p:cNvPr id="71" name="Rounded Rectangle 70">
-            <a:extLst>
-              <a:ext uri="{FF2B5EF4-FFF2-40B4-BE49-F238E27FC236}">
-                <a16:creationId xmlns:a16="http://schemas.microsoft.com/office/drawing/2014/main" id="{75B78B04-B869-2B4A-B502-2E4109539C72}"/>
-              </a:ext>
-            </a:extLst>
-          </p:cNvPr>
-          <p:cNvSpPr/>
-          <p:nvPr/>
-        </p:nvSpPr>
-        <p:spPr>
-          <a:xfrm>
-            <a:off x="2220275" y="4884610"/>
-            <a:ext cx="515764" cy="282671"/>
-          </a:xfrm>
-          <a:prstGeom prst="roundRect">
-            <a:avLst>
-              <a:gd name="adj" fmla="val 50000"/>
-            </a:avLst>
-          </a:prstGeom>
-          <a:solidFill>
-            <a:schemeClr val="bg1"/>
-          </a:solidFill>
-          <a:ln w="19050">
-            <a:solidFill>
-              <a:schemeClr val="tx1"/>
-            </a:solidFill>
-          </a:ln>
-          <a:effectLst/>
-        </p:spPr>
-        <p:style>
-          <a:lnRef idx="1">
-            <a:schemeClr val="accent1"/>
-          </a:lnRef>
-          <a:fillRef idx="3">
-            <a:schemeClr val="accent1"/>
-          </a:fillRef>
-          <a:effectRef idx="2">
-            <a:schemeClr val="accent1"/>
-          </a:effectRef>
-          <a:fontRef idx="minor">
-            <a:schemeClr val="lt1"/>
-          </a:fontRef>
-        </p:style>
-        <p:txBody>
-          <a:bodyPr rtlCol="0" anchor="ctr"/>
-          <a:lstStyle/>
-          <a:p>
-            <a:pPr algn="ctr"/>
-            <a:endParaRPr lang="en-US"/>
-          </a:p>
-        </p:txBody>
-      </p:sp>
-      <p:sp>
-        <p:nvSpPr>
-          <p:cNvPr id="74" name="Rounded Rectangle 73">
-            <a:extLst>
-              <a:ext uri="{FF2B5EF4-FFF2-40B4-BE49-F238E27FC236}">
-                <a16:creationId xmlns:a16="http://schemas.microsoft.com/office/drawing/2014/main" id="{21758698-E1B7-704E-8683-62467100641A}"/>
-              </a:ext>
-            </a:extLst>
-          </p:cNvPr>
-          <p:cNvSpPr/>
-          <p:nvPr/>
-        </p:nvSpPr>
-        <p:spPr>
-          <a:xfrm>
-            <a:off x="2220275" y="3175133"/>
-            <a:ext cx="515764" cy="282671"/>
-          </a:xfrm>
-          <a:prstGeom prst="roundRect">
-            <a:avLst>
-              <a:gd name="adj" fmla="val 50000"/>
-            </a:avLst>
-          </a:prstGeom>
-          <a:solidFill>
-            <a:schemeClr val="bg1"/>
-          </a:solidFill>
-          <a:ln w="19050">
-            <a:solidFill>
-              <a:schemeClr val="tx1"/>
-            </a:solidFill>
-          </a:ln>
-          <a:effectLst/>
-        </p:spPr>
-        <p:style>
-          <a:lnRef idx="1">
-            <a:schemeClr val="accent1"/>
-          </a:lnRef>
-          <a:fillRef idx="3">
-            <a:schemeClr val="accent1"/>
-          </a:fillRef>
-          <a:effectRef idx="2">
-            <a:schemeClr val="accent1"/>
-          </a:effectRef>
-          <a:fontRef idx="minor">
-            <a:schemeClr val="lt1"/>
-          </a:fontRef>
-        </p:style>
-        <p:txBody>
-          <a:bodyPr rtlCol="0" anchor="ctr"/>
-          <a:lstStyle/>
-          <a:p>
-            <a:pPr algn="ctr"/>
-            <a:endParaRPr lang="en-US"/>
-          </a:p>
-        </p:txBody>
-      </p:sp>
     </p:spTree>
     <p:extLst>
       <p:ext uri="{BB962C8B-B14F-4D97-AF65-F5344CB8AC3E}">
@@ -15248,7 +13929,7 @@
 </p:sld>
 </file>
 
-<file path=ppt/slides/slide7.xml><?xml version="1.0" encoding="utf-8"?>
+<file path=ppt/slides/slide6.xml><?xml version="1.0" encoding="utf-8"?>
 <p:sld xmlns:a="http://schemas.openxmlformats.org/drawingml/2006/main" xmlns:r="http://schemas.openxmlformats.org/officeDocument/2006/relationships" xmlns:p="http://schemas.openxmlformats.org/presentationml/2006/main">
   <p:cSld>
     <p:spTree>
@@ -15302,10 +13983,10 @@
       </p:sp>
       <p:sp>
         <p:nvSpPr>
-          <p:cNvPr id="109" name="TextBox 108">
+          <p:cNvPr id="165" name="TextBox 164">
             <a:extLst>
               <a:ext uri="{FF2B5EF4-FFF2-40B4-BE49-F238E27FC236}">
-                <a16:creationId xmlns:a16="http://schemas.microsoft.com/office/drawing/2014/main" id="{46299D71-34A0-674F-A4B1-1B36A54ABCC7}"/>
+                <a16:creationId xmlns:a16="http://schemas.microsoft.com/office/drawing/2014/main" id="{80E42378-F9A9-BB48-B159-01E6D56E5DA7}"/>
               </a:ext>
             </a:extLst>
           </p:cNvPr>
@@ -15314,8 +13995,8 @@
         </p:nvSpPr>
         <p:spPr>
           <a:xfrm>
-            <a:off x="4631374" y="534432"/>
-            <a:ext cx="2991075" cy="369332"/>
+            <a:off x="4568139" y="320586"/>
+            <a:ext cx="1435201" cy="369332"/>
           </a:xfrm>
           <a:prstGeom prst="rect">
             <a:avLst/>
@@ -15330,2876 +14011,7 @@
           <a:p>
             <a:r>
               <a:rPr lang="en-US" dirty="0"/>
-              <a:t>MAY – unintended interaction</a:t>
-            </a:r>
-          </a:p>
-        </p:txBody>
-      </p:sp>
-      <p:sp>
-        <p:nvSpPr>
-          <p:cNvPr id="75" name="Rounded Rectangle 74">
-            <a:extLst>
-              <a:ext uri="{FF2B5EF4-FFF2-40B4-BE49-F238E27FC236}">
-                <a16:creationId xmlns:a16="http://schemas.microsoft.com/office/drawing/2014/main" id="{066E2C9F-C867-D042-87BD-2583BF6BB03C}"/>
-              </a:ext>
-            </a:extLst>
-          </p:cNvPr>
-          <p:cNvSpPr/>
-          <p:nvPr/>
-        </p:nvSpPr>
-        <p:spPr>
-          <a:xfrm>
-            <a:off x="3993381" y="994945"/>
-            <a:ext cx="3653930" cy="1483611"/>
-          </a:xfrm>
-          <a:prstGeom prst="roundRect">
-            <a:avLst/>
-          </a:prstGeom>
-          <a:noFill/>
-          <a:ln w="12700" cap="flat" cmpd="sng" algn="ctr">
-            <a:solidFill>
-              <a:schemeClr val="tx2"/>
-            </a:solidFill>
-            <a:prstDash val="solid"/>
-            <a:round/>
-            <a:headEnd type="none" w="med" len="med"/>
-            <a:tailEnd type="none" w="med" len="med"/>
-          </a:ln>
-        </p:spPr>
-        <p:style>
-          <a:lnRef idx="0">
-            <a:scrgbClr r="0" g="0" b="0"/>
-          </a:lnRef>
-          <a:fillRef idx="0">
-            <a:scrgbClr r="0" g="0" b="0"/>
-          </a:fillRef>
-          <a:effectRef idx="0">
-            <a:scrgbClr r="0" g="0" b="0"/>
-          </a:effectRef>
-          <a:fontRef idx="minor">
-            <a:schemeClr val="dk1"/>
-          </a:fontRef>
-        </p:style>
-        <p:txBody>
-          <a:bodyPr rtlCol="0" anchor="ctr"/>
-          <a:lstStyle/>
-          <a:p>
-            <a:pPr algn="ctr"/>
-            <a:endParaRPr lang="en-US" dirty="0"/>
-          </a:p>
-        </p:txBody>
-      </p:sp>
-      <p:cxnSp>
-        <p:nvCxnSpPr>
-          <p:cNvPr id="76" name="Straight Arrow Connector 5">
-            <a:extLst>
-              <a:ext uri="{FF2B5EF4-FFF2-40B4-BE49-F238E27FC236}">
-                <a16:creationId xmlns:a16="http://schemas.microsoft.com/office/drawing/2014/main" id="{342B6265-6A50-594C-AE29-9B8A7B1FBB39}"/>
-              </a:ext>
-            </a:extLst>
-          </p:cNvPr>
-          <p:cNvCxnSpPr>
-            <a:cxnSpLocks/>
-          </p:cNvCxnSpPr>
-          <p:nvPr/>
-        </p:nvCxnSpPr>
-        <p:spPr>
-          <a:xfrm>
-            <a:off x="2712378" y="1367318"/>
-            <a:ext cx="2920458" cy="405145"/>
-          </a:xfrm>
-          <a:prstGeom prst="bentConnector3">
-            <a:avLst>
-              <a:gd name="adj1" fmla="val 99956"/>
-            </a:avLst>
-          </a:prstGeom>
-          <a:ln>
-            <a:solidFill>
-              <a:srgbClr val="FF0000"/>
-            </a:solidFill>
-            <a:headEnd type="none"/>
-            <a:tailEnd type="none"/>
-          </a:ln>
-          <a:effectLst/>
-        </p:spPr>
-        <p:style>
-          <a:lnRef idx="2">
-            <a:schemeClr val="accent1"/>
-          </a:lnRef>
-          <a:fillRef idx="0">
-            <a:schemeClr val="accent1"/>
-          </a:fillRef>
-          <a:effectRef idx="1">
-            <a:schemeClr val="accent1"/>
-          </a:effectRef>
-          <a:fontRef idx="minor">
-            <a:schemeClr val="tx1"/>
-          </a:fontRef>
-        </p:style>
-      </p:cxnSp>
-      <p:cxnSp>
-        <p:nvCxnSpPr>
-          <p:cNvPr id="77" name="Straight Connector 76">
-            <a:extLst>
-              <a:ext uri="{FF2B5EF4-FFF2-40B4-BE49-F238E27FC236}">
-                <a16:creationId xmlns:a16="http://schemas.microsoft.com/office/drawing/2014/main" id="{399F652F-FC73-EF4E-AB52-17E534E40A09}"/>
-              </a:ext>
-            </a:extLst>
-          </p:cNvPr>
-          <p:cNvCxnSpPr/>
-          <p:nvPr/>
-        </p:nvCxnSpPr>
-        <p:spPr>
-          <a:xfrm>
-            <a:off x="5537586" y="1773308"/>
-            <a:ext cx="190500" cy="0"/>
-          </a:xfrm>
-          <a:prstGeom prst="line">
-            <a:avLst/>
-          </a:prstGeom>
-          <a:ln>
-            <a:solidFill>
-              <a:srgbClr val="FF0000"/>
-            </a:solidFill>
-          </a:ln>
-          <a:effectLst/>
-        </p:spPr>
-        <p:style>
-          <a:lnRef idx="2">
-            <a:schemeClr val="accent1"/>
-          </a:lnRef>
-          <a:fillRef idx="0">
-            <a:schemeClr val="accent1"/>
-          </a:fillRef>
-          <a:effectRef idx="1">
-            <a:schemeClr val="accent1"/>
-          </a:effectRef>
-          <a:fontRef idx="minor">
-            <a:schemeClr val="tx1"/>
-          </a:fontRef>
-        </p:style>
-      </p:cxnSp>
-      <p:grpSp>
-        <p:nvGrpSpPr>
-          <p:cNvPr id="78" name="Group 77">
-            <a:extLst>
-              <a:ext uri="{FF2B5EF4-FFF2-40B4-BE49-F238E27FC236}">
-                <a16:creationId xmlns:a16="http://schemas.microsoft.com/office/drawing/2014/main" id="{7F322343-0C68-0D4E-8CA2-158D7319F27E}"/>
-              </a:ext>
-            </a:extLst>
-          </p:cNvPr>
-          <p:cNvGrpSpPr/>
-          <p:nvPr/>
-        </p:nvGrpSpPr>
-        <p:grpSpPr>
-          <a:xfrm>
-            <a:off x="640810" y="1608079"/>
-            <a:ext cx="2737576" cy="654654"/>
-            <a:chOff x="2569133" y="413397"/>
-            <a:chExt cx="4196538" cy="1003545"/>
-          </a:xfrm>
-        </p:grpSpPr>
-        <p:cxnSp>
-          <p:nvCxnSpPr>
-            <p:cNvPr id="79" name="Straight Connector 78">
-              <a:extLst>
-                <a:ext uri="{FF2B5EF4-FFF2-40B4-BE49-F238E27FC236}">
-                  <a16:creationId xmlns:a16="http://schemas.microsoft.com/office/drawing/2014/main" id="{B0C89411-CEFB-9D4A-A066-5A2E5F42B3CE}"/>
-                </a:ext>
-              </a:extLst>
-            </p:cNvPr>
-            <p:cNvCxnSpPr/>
-            <p:nvPr/>
-          </p:nvCxnSpPr>
-          <p:spPr>
-            <a:xfrm>
-              <a:off x="2569133" y="1140336"/>
-              <a:ext cx="4191000" cy="0"/>
-            </a:xfrm>
-            <a:prstGeom prst="line">
-              <a:avLst/>
-            </a:prstGeom>
-            <a:ln w="38100" cap="flat" cmpd="sng" algn="ctr">
-              <a:solidFill>
-                <a:srgbClr val="000000"/>
-              </a:solidFill>
-              <a:prstDash val="solid"/>
-              <a:round/>
-              <a:headEnd type="none" w="med" len="med"/>
-              <a:tailEnd type="none" w="med" len="med"/>
-            </a:ln>
-            <a:effectLst/>
-          </p:spPr>
-          <p:style>
-            <a:lnRef idx="2">
-              <a:schemeClr val="accent1"/>
-            </a:lnRef>
-            <a:fillRef idx="0">
-              <a:schemeClr val="accent1"/>
-            </a:fillRef>
-            <a:effectRef idx="1">
-              <a:schemeClr val="accent1"/>
-            </a:effectRef>
-            <a:fontRef idx="minor">
-              <a:schemeClr val="tx1"/>
-            </a:fontRef>
-          </p:style>
-        </p:cxnSp>
-        <p:sp>
-          <p:nvSpPr>
-            <p:cNvPr id="80" name="Right Arrow 79">
-              <a:extLst>
-                <a:ext uri="{FF2B5EF4-FFF2-40B4-BE49-F238E27FC236}">
-                  <a16:creationId xmlns:a16="http://schemas.microsoft.com/office/drawing/2014/main" id="{B8ED96CD-FBF9-0E43-BF87-344F542A2625}"/>
-                </a:ext>
-              </a:extLst>
-            </p:cNvPr>
-            <p:cNvSpPr/>
-            <p:nvPr/>
-          </p:nvSpPr>
-          <p:spPr>
-            <a:xfrm>
-              <a:off x="4740833" y="949836"/>
-              <a:ext cx="1168400" cy="350140"/>
-            </a:xfrm>
-            <a:prstGeom prst="rightArrow">
-              <a:avLst>
-                <a:gd name="adj1" fmla="val 100000"/>
-                <a:gd name="adj2" fmla="val 52194"/>
-              </a:avLst>
-            </a:prstGeom>
-            <a:solidFill>
-              <a:schemeClr val="accent2"/>
-            </a:solidFill>
-            <a:ln w="38100" cap="flat" cmpd="sng" algn="ctr">
-              <a:solidFill>
-                <a:srgbClr val="000000"/>
-              </a:solidFill>
-              <a:prstDash val="solid"/>
-              <a:round/>
-              <a:headEnd type="none" w="med" len="med"/>
-              <a:tailEnd type="none" w="med" len="med"/>
-            </a:ln>
-            <a:effectLst/>
-          </p:spPr>
-          <p:style>
-            <a:lnRef idx="1">
-              <a:schemeClr val="accent1"/>
-            </a:lnRef>
-            <a:fillRef idx="3">
-              <a:schemeClr val="accent1"/>
-            </a:fillRef>
-            <a:effectRef idx="2">
-              <a:schemeClr val="accent1"/>
-            </a:effectRef>
-            <a:fontRef idx="minor">
-              <a:schemeClr val="lt1"/>
-            </a:fontRef>
-          </p:style>
-          <p:txBody>
-            <a:bodyPr rtlCol="0" anchor="ctr"/>
-            <a:lstStyle/>
-            <a:p>
-              <a:pPr algn="ctr"/>
-              <a:endParaRPr lang="en-US" i="1" dirty="0">
-                <a:solidFill>
-                  <a:schemeClr val="tx1"/>
-                </a:solidFill>
-              </a:endParaRPr>
-            </a:p>
-          </p:txBody>
-        </p:sp>
-        <p:sp>
-          <p:nvSpPr>
-            <p:cNvPr id="81" name="Chord 80">
-              <a:extLst>
-                <a:ext uri="{FF2B5EF4-FFF2-40B4-BE49-F238E27FC236}">
-                  <a16:creationId xmlns:a16="http://schemas.microsoft.com/office/drawing/2014/main" id="{086B8700-13AF-4C49-B3F3-D2DF9BAFD9DA}"/>
-                </a:ext>
-              </a:extLst>
-            </p:cNvPr>
-            <p:cNvSpPr/>
-            <p:nvPr/>
-          </p:nvSpPr>
-          <p:spPr>
-            <a:xfrm>
-              <a:off x="3734347" y="784736"/>
-              <a:ext cx="632206" cy="632206"/>
-            </a:xfrm>
-            <a:prstGeom prst="chord">
-              <a:avLst>
-                <a:gd name="adj1" fmla="val 10506229"/>
-                <a:gd name="adj2" fmla="val 301460"/>
-              </a:avLst>
-            </a:prstGeom>
-            <a:solidFill>
-              <a:schemeClr val="accent4">
-                <a:lumMod val="60000"/>
-                <a:lumOff val="40000"/>
-              </a:schemeClr>
-            </a:solidFill>
-            <a:ln w="38100" cap="flat" cmpd="sng" algn="ctr">
-              <a:solidFill>
-                <a:srgbClr val="000000"/>
-              </a:solidFill>
-              <a:prstDash val="solid"/>
-              <a:round/>
-              <a:headEnd type="none" w="med" len="med"/>
-              <a:tailEnd type="none" w="med" len="med"/>
-            </a:ln>
-            <a:effectLst/>
-          </p:spPr>
-          <p:style>
-            <a:lnRef idx="1">
-              <a:schemeClr val="accent1"/>
-            </a:lnRef>
-            <a:fillRef idx="3">
-              <a:schemeClr val="accent1"/>
-            </a:fillRef>
-            <a:effectRef idx="2">
-              <a:schemeClr val="accent1"/>
-            </a:effectRef>
-            <a:fontRef idx="minor">
-              <a:schemeClr val="lt1"/>
-            </a:fontRef>
-          </p:style>
-          <p:txBody>
-            <a:bodyPr rtlCol="0" anchor="ctr"/>
-            <a:lstStyle/>
-            <a:p>
-              <a:pPr algn="ctr"/>
-              <a:endParaRPr lang="en-US"/>
-            </a:p>
-          </p:txBody>
-        </p:sp>
-        <p:pic>
-          <p:nvPicPr>
-            <p:cNvPr id="82" name="Picture 81">
-              <a:extLst>
-                <a:ext uri="{FF2B5EF4-FFF2-40B4-BE49-F238E27FC236}">
-                  <a16:creationId xmlns:a16="http://schemas.microsoft.com/office/drawing/2014/main" id="{895D932A-83E8-1841-82DF-C02B381DBEF6}"/>
-                </a:ext>
-              </a:extLst>
-            </p:cNvPr>
-            <p:cNvPicPr>
-              <a:picLocks noChangeAspect="1"/>
-            </p:cNvPicPr>
-            <p:nvPr/>
-          </p:nvPicPr>
-          <p:blipFill>
-            <a:blip r:embed="rId2">
-              <a:extLst>
-                <a:ext uri="{28A0092B-C50C-407E-A947-70E740481C1C}">
-                  <a14:useLocalDpi xmlns:a14="http://schemas.microsoft.com/office/drawing/2010/main" val="0"/>
-                </a:ext>
-              </a:extLst>
-            </a:blip>
-            <a:stretch>
-              <a:fillRect/>
-            </a:stretch>
-          </p:blipFill>
-          <p:spPr>
-            <a:xfrm>
-              <a:off x="2803319" y="413397"/>
-              <a:ext cx="771908" cy="771908"/>
-            </a:xfrm>
-            <a:prstGeom prst="rect">
-              <a:avLst/>
-            </a:prstGeom>
-          </p:spPr>
-        </p:pic>
-        <p:pic>
-          <p:nvPicPr>
-            <p:cNvPr id="83" name="Picture 82">
-              <a:extLst>
-                <a:ext uri="{FF2B5EF4-FFF2-40B4-BE49-F238E27FC236}">
-                  <a16:creationId xmlns:a16="http://schemas.microsoft.com/office/drawing/2014/main" id="{41997FDE-9127-5C40-A21A-8F0A953B25A6}"/>
-                </a:ext>
-              </a:extLst>
-            </p:cNvPr>
-            <p:cNvPicPr>
-              <a:picLocks noChangeAspect="1"/>
-            </p:cNvPicPr>
-            <p:nvPr/>
-          </p:nvPicPr>
-          <p:blipFill>
-            <a:blip r:embed="rId3">
-              <a:extLst>
-                <a:ext uri="{28A0092B-C50C-407E-A947-70E740481C1C}">
-                  <a14:useLocalDpi xmlns:a14="http://schemas.microsoft.com/office/drawing/2010/main" val="0"/>
-                </a:ext>
-              </a:extLst>
-            </a:blip>
-            <a:stretch>
-              <a:fillRect/>
-            </a:stretch>
-          </p:blipFill>
-          <p:spPr>
-            <a:xfrm>
-              <a:off x="5971536" y="499461"/>
-              <a:ext cx="794135" cy="794135"/>
-            </a:xfrm>
-            <a:prstGeom prst="rect">
-              <a:avLst/>
-            </a:prstGeom>
-          </p:spPr>
-        </p:pic>
-      </p:grpSp>
-      <p:grpSp>
-        <p:nvGrpSpPr>
-          <p:cNvPr id="84" name="Group 83">
-            <a:extLst>
-              <a:ext uri="{FF2B5EF4-FFF2-40B4-BE49-F238E27FC236}">
-                <a16:creationId xmlns:a16="http://schemas.microsoft.com/office/drawing/2014/main" id="{8F4E72CC-0763-DD43-8F06-9E182492ECAA}"/>
-              </a:ext>
-            </a:extLst>
-          </p:cNvPr>
-          <p:cNvGrpSpPr/>
-          <p:nvPr/>
-        </p:nvGrpSpPr>
-        <p:grpSpPr>
-          <a:xfrm>
-            <a:off x="4721632" y="1608079"/>
-            <a:ext cx="2689434" cy="654654"/>
-            <a:chOff x="2642932" y="413397"/>
-            <a:chExt cx="4122739" cy="1003545"/>
-          </a:xfrm>
-        </p:grpSpPr>
-        <p:cxnSp>
-          <p:nvCxnSpPr>
-            <p:cNvPr id="85" name="Straight Connector 84">
-              <a:extLst>
-                <a:ext uri="{FF2B5EF4-FFF2-40B4-BE49-F238E27FC236}">
-                  <a16:creationId xmlns:a16="http://schemas.microsoft.com/office/drawing/2014/main" id="{3B59A059-825F-6D4B-8853-4F47D3B0C6A4}"/>
-                </a:ext>
-              </a:extLst>
-            </p:cNvPr>
-            <p:cNvCxnSpPr>
-              <a:cxnSpLocks/>
-            </p:cNvCxnSpPr>
-            <p:nvPr/>
-          </p:nvCxnSpPr>
-          <p:spPr>
-            <a:xfrm>
-              <a:off x="2642932" y="1140335"/>
-              <a:ext cx="4117201" cy="0"/>
-            </a:xfrm>
-            <a:prstGeom prst="line">
-              <a:avLst/>
-            </a:prstGeom>
-            <a:ln w="38100" cap="flat" cmpd="sng" algn="ctr">
-              <a:solidFill>
-                <a:srgbClr val="000000"/>
-              </a:solidFill>
-              <a:prstDash val="solid"/>
-              <a:round/>
-              <a:headEnd type="none" w="med" len="med"/>
-              <a:tailEnd type="none" w="med" len="med"/>
-            </a:ln>
-            <a:effectLst/>
-          </p:spPr>
-          <p:style>
-            <a:lnRef idx="2">
-              <a:schemeClr val="accent1"/>
-            </a:lnRef>
-            <a:fillRef idx="0">
-              <a:schemeClr val="accent1"/>
-            </a:fillRef>
-            <a:effectRef idx="1">
-              <a:schemeClr val="accent1"/>
-            </a:effectRef>
-            <a:fontRef idx="minor">
-              <a:schemeClr val="tx1"/>
-            </a:fontRef>
-          </p:style>
-        </p:cxnSp>
-        <p:sp>
-          <p:nvSpPr>
-            <p:cNvPr id="86" name="Right Arrow 85">
-              <a:extLst>
-                <a:ext uri="{FF2B5EF4-FFF2-40B4-BE49-F238E27FC236}">
-                  <a16:creationId xmlns:a16="http://schemas.microsoft.com/office/drawing/2014/main" id="{0483E213-F299-6448-830E-1B9B22EA791C}"/>
-                </a:ext>
-              </a:extLst>
-            </p:cNvPr>
-            <p:cNvSpPr/>
-            <p:nvPr/>
-          </p:nvSpPr>
-          <p:spPr>
-            <a:xfrm>
-              <a:off x="4740833" y="949836"/>
-              <a:ext cx="1168400" cy="350140"/>
-            </a:xfrm>
-            <a:prstGeom prst="rightArrow">
-              <a:avLst>
-                <a:gd name="adj1" fmla="val 100000"/>
-                <a:gd name="adj2" fmla="val 52194"/>
-              </a:avLst>
-            </a:prstGeom>
-            <a:solidFill>
-              <a:srgbClr val="92D050"/>
-            </a:solidFill>
-            <a:ln w="38100" cap="flat" cmpd="sng" algn="ctr">
-              <a:solidFill>
-                <a:srgbClr val="000000"/>
-              </a:solidFill>
-              <a:prstDash val="solid"/>
-              <a:round/>
-              <a:headEnd type="none" w="med" len="med"/>
-              <a:tailEnd type="none" w="med" len="med"/>
-            </a:ln>
-            <a:effectLst/>
-          </p:spPr>
-          <p:style>
-            <a:lnRef idx="1">
-              <a:schemeClr val="accent1"/>
-            </a:lnRef>
-            <a:fillRef idx="3">
-              <a:schemeClr val="accent1"/>
-            </a:fillRef>
-            <a:effectRef idx="2">
-              <a:schemeClr val="accent1"/>
-            </a:effectRef>
-            <a:fontRef idx="minor">
-              <a:schemeClr val="lt1"/>
-            </a:fontRef>
-          </p:style>
-          <p:txBody>
-            <a:bodyPr rtlCol="0" anchor="ctr"/>
-            <a:lstStyle/>
-            <a:p>
-              <a:pPr algn="ctr"/>
-              <a:endParaRPr lang="en-US" i="1" dirty="0">
-                <a:solidFill>
-                  <a:schemeClr val="tx1"/>
-                </a:solidFill>
-              </a:endParaRPr>
-            </a:p>
-          </p:txBody>
-        </p:sp>
-        <p:sp>
-          <p:nvSpPr>
-            <p:cNvPr id="87" name="Chord 86">
-              <a:extLst>
-                <a:ext uri="{FF2B5EF4-FFF2-40B4-BE49-F238E27FC236}">
-                  <a16:creationId xmlns:a16="http://schemas.microsoft.com/office/drawing/2014/main" id="{1A32DF0C-A117-3C49-A6BF-F4F4FE92B5C3}"/>
-                </a:ext>
-              </a:extLst>
-            </p:cNvPr>
-            <p:cNvSpPr/>
-            <p:nvPr/>
-          </p:nvSpPr>
-          <p:spPr>
-            <a:xfrm>
-              <a:off x="3734347" y="784736"/>
-              <a:ext cx="632206" cy="632206"/>
-            </a:xfrm>
-            <a:prstGeom prst="chord">
-              <a:avLst>
-                <a:gd name="adj1" fmla="val 10506229"/>
-                <a:gd name="adj2" fmla="val 301460"/>
-              </a:avLst>
-            </a:prstGeom>
-            <a:solidFill>
-              <a:schemeClr val="accent4">
-                <a:lumMod val="60000"/>
-                <a:lumOff val="40000"/>
-              </a:schemeClr>
-            </a:solidFill>
-            <a:ln w="38100" cap="flat" cmpd="sng" algn="ctr">
-              <a:solidFill>
-                <a:srgbClr val="000000"/>
-              </a:solidFill>
-              <a:prstDash val="solid"/>
-              <a:round/>
-              <a:headEnd type="none" w="med" len="med"/>
-              <a:tailEnd type="none" w="med" len="med"/>
-            </a:ln>
-            <a:effectLst/>
-          </p:spPr>
-          <p:style>
-            <a:lnRef idx="1">
-              <a:schemeClr val="accent1"/>
-            </a:lnRef>
-            <a:fillRef idx="3">
-              <a:schemeClr val="accent1"/>
-            </a:fillRef>
-            <a:effectRef idx="2">
-              <a:schemeClr val="accent1"/>
-            </a:effectRef>
-            <a:fontRef idx="minor">
-              <a:schemeClr val="lt1"/>
-            </a:fontRef>
-          </p:style>
-          <p:txBody>
-            <a:bodyPr rtlCol="0" anchor="ctr"/>
-            <a:lstStyle/>
-            <a:p>
-              <a:pPr algn="ctr"/>
-              <a:endParaRPr lang="en-US"/>
-            </a:p>
-          </p:txBody>
-        </p:sp>
-        <p:pic>
-          <p:nvPicPr>
-            <p:cNvPr id="88" name="Picture 87">
-              <a:extLst>
-                <a:ext uri="{FF2B5EF4-FFF2-40B4-BE49-F238E27FC236}">
-                  <a16:creationId xmlns:a16="http://schemas.microsoft.com/office/drawing/2014/main" id="{6750FD3C-715E-0641-9E46-D448191C6B0A}"/>
-                </a:ext>
-              </a:extLst>
-            </p:cNvPr>
-            <p:cNvPicPr>
-              <a:picLocks noChangeAspect="1"/>
-            </p:cNvPicPr>
-            <p:nvPr/>
-          </p:nvPicPr>
-          <p:blipFill>
-            <a:blip r:embed="rId2">
-              <a:extLst>
-                <a:ext uri="{28A0092B-C50C-407E-A947-70E740481C1C}">
-                  <a14:useLocalDpi xmlns:a14="http://schemas.microsoft.com/office/drawing/2010/main" val="0"/>
-                </a:ext>
-              </a:extLst>
-            </a:blip>
-            <a:stretch>
-              <a:fillRect/>
-            </a:stretch>
-          </p:blipFill>
-          <p:spPr>
-            <a:xfrm>
-              <a:off x="2803319" y="413397"/>
-              <a:ext cx="771908" cy="771908"/>
-            </a:xfrm>
-            <a:prstGeom prst="rect">
-              <a:avLst/>
-            </a:prstGeom>
-          </p:spPr>
-        </p:pic>
-        <p:pic>
-          <p:nvPicPr>
-            <p:cNvPr id="93" name="Picture 92">
-              <a:extLst>
-                <a:ext uri="{FF2B5EF4-FFF2-40B4-BE49-F238E27FC236}">
-                  <a16:creationId xmlns:a16="http://schemas.microsoft.com/office/drawing/2014/main" id="{474AF545-491F-6C4D-9769-7040606050C8}"/>
-                </a:ext>
-              </a:extLst>
-            </p:cNvPr>
-            <p:cNvPicPr>
-              <a:picLocks noChangeAspect="1"/>
-            </p:cNvPicPr>
-            <p:nvPr/>
-          </p:nvPicPr>
-          <p:blipFill>
-            <a:blip r:embed="rId3">
-              <a:extLst>
-                <a:ext uri="{28A0092B-C50C-407E-A947-70E740481C1C}">
-                  <a14:useLocalDpi xmlns:a14="http://schemas.microsoft.com/office/drawing/2010/main" val="0"/>
-                </a:ext>
-              </a:extLst>
-            </a:blip>
-            <a:stretch>
-              <a:fillRect/>
-            </a:stretch>
-          </p:blipFill>
-          <p:spPr>
-            <a:xfrm>
-              <a:off x="5971536" y="499461"/>
-              <a:ext cx="794135" cy="794135"/>
-            </a:xfrm>
-            <a:prstGeom prst="rect">
-              <a:avLst/>
-            </a:prstGeom>
-          </p:spPr>
-        </p:pic>
-      </p:grpSp>
-      <p:cxnSp>
-        <p:nvCxnSpPr>
-          <p:cNvPr id="95" name="Straight Arrow Connector 94">
-            <a:extLst>
-              <a:ext uri="{FF2B5EF4-FFF2-40B4-BE49-F238E27FC236}">
-                <a16:creationId xmlns:a16="http://schemas.microsoft.com/office/drawing/2014/main" id="{42D58A2C-3611-B24A-A463-78668FF47330}"/>
-              </a:ext>
-            </a:extLst>
-          </p:cNvPr>
-          <p:cNvCxnSpPr/>
-          <p:nvPr/>
-        </p:nvCxnSpPr>
-        <p:spPr>
-          <a:xfrm flipV="1">
-            <a:off x="6447409" y="1608079"/>
-            <a:ext cx="0" cy="343873"/>
-          </a:xfrm>
-          <a:prstGeom prst="straightConnector1">
-            <a:avLst/>
-          </a:prstGeom>
-          <a:ln w="28575">
-            <a:solidFill>
-              <a:schemeClr val="accent3">
-                <a:lumMod val="75000"/>
-              </a:schemeClr>
-            </a:solidFill>
-            <a:headEnd type="none" w="med" len="med"/>
-            <a:tailEnd type="triangle" w="med" len="med"/>
-          </a:ln>
-        </p:spPr>
-        <p:style>
-          <a:lnRef idx="1">
-            <a:schemeClr val="dk1"/>
-          </a:lnRef>
-          <a:fillRef idx="0">
-            <a:schemeClr val="dk1"/>
-          </a:fillRef>
-          <a:effectRef idx="0">
-            <a:schemeClr val="dk1"/>
-          </a:effectRef>
-          <a:fontRef idx="minor">
-            <a:schemeClr val="tx1"/>
-          </a:fontRef>
-        </p:style>
-      </p:cxnSp>
-      <p:cxnSp>
-        <p:nvCxnSpPr>
-          <p:cNvPr id="100" name="Straight Arrow Connector 99">
-            <a:extLst>
-              <a:ext uri="{FF2B5EF4-FFF2-40B4-BE49-F238E27FC236}">
-                <a16:creationId xmlns:a16="http://schemas.microsoft.com/office/drawing/2014/main" id="{2A7DF399-D800-0444-89BB-AC1618A2CFE1}"/>
-              </a:ext>
-            </a:extLst>
-          </p:cNvPr>
-          <p:cNvCxnSpPr>
-            <a:cxnSpLocks/>
-            <a:endCxn id="214" idx="2"/>
-          </p:cNvCxnSpPr>
-          <p:nvPr/>
-        </p:nvCxnSpPr>
-        <p:spPr>
-          <a:xfrm flipH="1" flipV="1">
-            <a:off x="2467277" y="1498136"/>
-            <a:ext cx="2140" cy="453818"/>
-          </a:xfrm>
-          <a:prstGeom prst="straightConnector1">
-            <a:avLst/>
-          </a:prstGeom>
-          <a:ln w="38100">
-            <a:tailEnd type="triangle"/>
-          </a:ln>
-        </p:spPr>
-        <p:style>
-          <a:lnRef idx="1">
-            <a:schemeClr val="accent1"/>
-          </a:lnRef>
-          <a:fillRef idx="0">
-            <a:schemeClr val="accent1"/>
-          </a:fillRef>
-          <a:effectRef idx="0">
-            <a:schemeClr val="accent1"/>
-          </a:effectRef>
-          <a:fontRef idx="minor">
-            <a:schemeClr val="tx1"/>
-          </a:fontRef>
-        </p:style>
-      </p:cxnSp>
-      <p:sp>
-        <p:nvSpPr>
-          <p:cNvPr id="101" name="Rectangle 100">
-            <a:extLst>
-              <a:ext uri="{FF2B5EF4-FFF2-40B4-BE49-F238E27FC236}">
-                <a16:creationId xmlns:a16="http://schemas.microsoft.com/office/drawing/2014/main" id="{286F9938-088F-2249-A30A-F53EFC95520B}"/>
-              </a:ext>
-            </a:extLst>
-          </p:cNvPr>
-          <p:cNvSpPr/>
-          <p:nvPr/>
-        </p:nvSpPr>
-        <p:spPr>
-          <a:xfrm>
-            <a:off x="3919217" y="1745162"/>
-            <a:ext cx="72024" cy="217715"/>
-          </a:xfrm>
-          <a:prstGeom prst="rect">
-            <a:avLst/>
-          </a:prstGeom>
-          <a:ln w="12700">
-            <a:solidFill>
-              <a:schemeClr val="tx2"/>
-            </a:solidFill>
-          </a:ln>
-        </p:spPr>
-        <p:style>
-          <a:lnRef idx="2">
-            <a:schemeClr val="accent1"/>
-          </a:lnRef>
-          <a:fillRef idx="1">
-            <a:schemeClr val="lt1"/>
-          </a:fillRef>
-          <a:effectRef idx="0">
-            <a:schemeClr val="accent1"/>
-          </a:effectRef>
-          <a:fontRef idx="minor">
-            <a:schemeClr val="dk1"/>
-          </a:fontRef>
-        </p:style>
-        <p:txBody>
-          <a:bodyPr rtlCol="0" anchor="ctr"/>
-          <a:lstStyle/>
-          <a:p>
-            <a:pPr algn="ctr"/>
-            <a:endParaRPr lang="en-US"/>
-          </a:p>
-        </p:txBody>
-      </p:sp>
-      <p:sp>
-        <p:nvSpPr>
-          <p:cNvPr id="90" name="TextBox 89">
-            <a:extLst>
-              <a:ext uri="{FF2B5EF4-FFF2-40B4-BE49-F238E27FC236}">
-                <a16:creationId xmlns:a16="http://schemas.microsoft.com/office/drawing/2014/main" id="{FBBA4E10-2C09-A941-9978-0AD68583C6B9}"/>
-              </a:ext>
-            </a:extLst>
-          </p:cNvPr>
-          <p:cNvSpPr txBox="1"/>
-          <p:nvPr/>
-        </p:nvSpPr>
-        <p:spPr>
-          <a:xfrm>
-            <a:off x="4657049" y="2621229"/>
-            <a:ext cx="1205971" cy="369332"/>
-          </a:xfrm>
-          <a:prstGeom prst="rect">
-            <a:avLst/>
-          </a:prstGeom>
-          <a:noFill/>
-        </p:spPr>
-        <p:txBody>
-          <a:bodyPr wrap="none" rtlCol="0">
-            <a:spAutoFit/>
-          </a:bodyPr>
-          <a:lstStyle/>
-          <a:p>
-            <a:r>
-              <a:rPr lang="en-US" dirty="0"/>
-              <a:t>MUST NOT</a:t>
-            </a:r>
-          </a:p>
-        </p:txBody>
-      </p:sp>
-      <p:sp>
-        <p:nvSpPr>
-          <p:cNvPr id="162" name="Rounded Rectangle 161">
-            <a:extLst>
-              <a:ext uri="{FF2B5EF4-FFF2-40B4-BE49-F238E27FC236}">
-                <a16:creationId xmlns:a16="http://schemas.microsoft.com/office/drawing/2014/main" id="{C82D2A0A-BED7-7443-B490-294B1EFB4A55}"/>
-              </a:ext>
-            </a:extLst>
-          </p:cNvPr>
-          <p:cNvSpPr/>
-          <p:nvPr/>
-        </p:nvSpPr>
-        <p:spPr>
-          <a:xfrm>
-            <a:off x="3993381" y="4633754"/>
-            <a:ext cx="3653930" cy="1483611"/>
-          </a:xfrm>
-          <a:prstGeom prst="roundRect">
-            <a:avLst/>
-          </a:prstGeom>
-          <a:noFill/>
-          <a:ln w="12700" cap="flat" cmpd="sng" algn="ctr">
-            <a:solidFill>
-              <a:schemeClr val="tx2"/>
-            </a:solidFill>
-            <a:prstDash val="solid"/>
-            <a:round/>
-            <a:headEnd type="none" w="med" len="med"/>
-            <a:tailEnd type="none" w="med" len="med"/>
-          </a:ln>
-        </p:spPr>
-        <p:style>
-          <a:lnRef idx="0">
-            <a:scrgbClr r="0" g="0" b="0"/>
-          </a:lnRef>
-          <a:fillRef idx="0">
-            <a:scrgbClr r="0" g="0" b="0"/>
-          </a:fillRef>
-          <a:effectRef idx="0">
-            <a:scrgbClr r="0" g="0" b="0"/>
-          </a:effectRef>
-          <a:fontRef idx="minor">
-            <a:schemeClr val="dk1"/>
-          </a:fontRef>
-        </p:style>
-        <p:txBody>
-          <a:bodyPr rtlCol="0" anchor="ctr"/>
-          <a:lstStyle/>
-          <a:p>
-            <a:pPr algn="ctr"/>
-            <a:endParaRPr lang="en-US" dirty="0"/>
-          </a:p>
-        </p:txBody>
-      </p:sp>
-      <p:grpSp>
-        <p:nvGrpSpPr>
-          <p:cNvPr id="166" name="Group 165">
-            <a:extLst>
-              <a:ext uri="{FF2B5EF4-FFF2-40B4-BE49-F238E27FC236}">
-                <a16:creationId xmlns:a16="http://schemas.microsoft.com/office/drawing/2014/main" id="{A1A269D1-2219-4E46-9A33-B2B6D9FF8CF1}"/>
-              </a:ext>
-            </a:extLst>
-          </p:cNvPr>
-          <p:cNvGrpSpPr/>
-          <p:nvPr/>
-        </p:nvGrpSpPr>
-        <p:grpSpPr>
-          <a:xfrm>
-            <a:off x="640810" y="5246888"/>
-            <a:ext cx="2737576" cy="654654"/>
-            <a:chOff x="2569133" y="413397"/>
-            <a:chExt cx="4196538" cy="1003545"/>
-          </a:xfrm>
-        </p:grpSpPr>
-        <p:cxnSp>
-          <p:nvCxnSpPr>
-            <p:cNvPr id="167" name="Straight Connector 166">
-              <a:extLst>
-                <a:ext uri="{FF2B5EF4-FFF2-40B4-BE49-F238E27FC236}">
-                  <a16:creationId xmlns:a16="http://schemas.microsoft.com/office/drawing/2014/main" id="{D4F97BEB-40DB-074C-973F-39723F393DBA}"/>
-                </a:ext>
-              </a:extLst>
-            </p:cNvPr>
-            <p:cNvCxnSpPr/>
-            <p:nvPr/>
-          </p:nvCxnSpPr>
-          <p:spPr>
-            <a:xfrm>
-              <a:off x="2569133" y="1140336"/>
-              <a:ext cx="4191000" cy="0"/>
-            </a:xfrm>
-            <a:prstGeom prst="line">
-              <a:avLst/>
-            </a:prstGeom>
-            <a:ln w="38100" cap="flat" cmpd="sng" algn="ctr">
-              <a:solidFill>
-                <a:srgbClr val="000000"/>
-              </a:solidFill>
-              <a:prstDash val="solid"/>
-              <a:round/>
-              <a:headEnd type="none" w="med" len="med"/>
-              <a:tailEnd type="none" w="med" len="med"/>
-            </a:ln>
-            <a:effectLst/>
-          </p:spPr>
-          <p:style>
-            <a:lnRef idx="2">
-              <a:schemeClr val="accent1"/>
-            </a:lnRef>
-            <a:fillRef idx="0">
-              <a:schemeClr val="accent1"/>
-            </a:fillRef>
-            <a:effectRef idx="1">
-              <a:schemeClr val="accent1"/>
-            </a:effectRef>
-            <a:fontRef idx="minor">
-              <a:schemeClr val="tx1"/>
-            </a:fontRef>
-          </p:style>
-        </p:cxnSp>
-        <p:sp>
-          <p:nvSpPr>
-            <p:cNvPr id="168" name="Right Arrow 167">
-              <a:extLst>
-                <a:ext uri="{FF2B5EF4-FFF2-40B4-BE49-F238E27FC236}">
-                  <a16:creationId xmlns:a16="http://schemas.microsoft.com/office/drawing/2014/main" id="{BF42CD38-93DA-484A-884A-0849D8255A53}"/>
-                </a:ext>
-              </a:extLst>
-            </p:cNvPr>
-            <p:cNvSpPr/>
-            <p:nvPr/>
-          </p:nvSpPr>
-          <p:spPr>
-            <a:xfrm>
-              <a:off x="4740833" y="949836"/>
-              <a:ext cx="1168400" cy="350140"/>
-            </a:xfrm>
-            <a:prstGeom prst="rightArrow">
-              <a:avLst>
-                <a:gd name="adj1" fmla="val 100000"/>
-                <a:gd name="adj2" fmla="val 52194"/>
-              </a:avLst>
-            </a:prstGeom>
-            <a:solidFill>
-              <a:schemeClr val="accent2"/>
-            </a:solidFill>
-            <a:ln w="38100" cap="flat" cmpd="sng" algn="ctr">
-              <a:solidFill>
-                <a:srgbClr val="000000"/>
-              </a:solidFill>
-              <a:prstDash val="solid"/>
-              <a:round/>
-              <a:headEnd type="none" w="med" len="med"/>
-              <a:tailEnd type="none" w="med" len="med"/>
-            </a:ln>
-            <a:effectLst/>
-          </p:spPr>
-          <p:style>
-            <a:lnRef idx="1">
-              <a:schemeClr val="accent1"/>
-            </a:lnRef>
-            <a:fillRef idx="3">
-              <a:schemeClr val="accent1"/>
-            </a:fillRef>
-            <a:effectRef idx="2">
-              <a:schemeClr val="accent1"/>
-            </a:effectRef>
-            <a:fontRef idx="minor">
-              <a:schemeClr val="lt1"/>
-            </a:fontRef>
-          </p:style>
-          <p:txBody>
-            <a:bodyPr rtlCol="0" anchor="ctr"/>
-            <a:lstStyle/>
-            <a:p>
-              <a:pPr algn="ctr"/>
-              <a:endParaRPr lang="en-US" i="1" dirty="0">
-                <a:solidFill>
-                  <a:schemeClr val="tx1"/>
-                </a:solidFill>
-              </a:endParaRPr>
-            </a:p>
-          </p:txBody>
-        </p:sp>
-        <p:sp>
-          <p:nvSpPr>
-            <p:cNvPr id="169" name="Chord 168">
-              <a:extLst>
-                <a:ext uri="{FF2B5EF4-FFF2-40B4-BE49-F238E27FC236}">
-                  <a16:creationId xmlns:a16="http://schemas.microsoft.com/office/drawing/2014/main" id="{1863006A-D588-3F4C-9249-51E7759E520F}"/>
-                </a:ext>
-              </a:extLst>
-            </p:cNvPr>
-            <p:cNvSpPr/>
-            <p:nvPr/>
-          </p:nvSpPr>
-          <p:spPr>
-            <a:xfrm>
-              <a:off x="3734347" y="784736"/>
-              <a:ext cx="632206" cy="632206"/>
-            </a:xfrm>
-            <a:prstGeom prst="chord">
-              <a:avLst>
-                <a:gd name="adj1" fmla="val 10506229"/>
-                <a:gd name="adj2" fmla="val 301460"/>
-              </a:avLst>
-            </a:prstGeom>
-            <a:solidFill>
-              <a:schemeClr val="accent4">
-                <a:lumMod val="60000"/>
-                <a:lumOff val="40000"/>
-              </a:schemeClr>
-            </a:solidFill>
-            <a:ln w="38100" cap="flat" cmpd="sng" algn="ctr">
-              <a:solidFill>
-                <a:srgbClr val="000000"/>
-              </a:solidFill>
-              <a:prstDash val="solid"/>
-              <a:round/>
-              <a:headEnd type="none" w="med" len="med"/>
-              <a:tailEnd type="none" w="med" len="med"/>
-            </a:ln>
-            <a:effectLst/>
-          </p:spPr>
-          <p:style>
-            <a:lnRef idx="1">
-              <a:schemeClr val="accent1"/>
-            </a:lnRef>
-            <a:fillRef idx="3">
-              <a:schemeClr val="accent1"/>
-            </a:fillRef>
-            <a:effectRef idx="2">
-              <a:schemeClr val="accent1"/>
-            </a:effectRef>
-            <a:fontRef idx="minor">
-              <a:schemeClr val="lt1"/>
-            </a:fontRef>
-          </p:style>
-          <p:txBody>
-            <a:bodyPr rtlCol="0" anchor="ctr"/>
-            <a:lstStyle/>
-            <a:p>
-              <a:pPr algn="ctr"/>
-              <a:endParaRPr lang="en-US"/>
-            </a:p>
-          </p:txBody>
-        </p:sp>
-        <p:pic>
-          <p:nvPicPr>
-            <p:cNvPr id="170" name="Picture 169">
-              <a:extLst>
-                <a:ext uri="{FF2B5EF4-FFF2-40B4-BE49-F238E27FC236}">
-                  <a16:creationId xmlns:a16="http://schemas.microsoft.com/office/drawing/2014/main" id="{D13AE78E-C99D-2745-A728-58F98020602C}"/>
-                </a:ext>
-              </a:extLst>
-            </p:cNvPr>
-            <p:cNvPicPr>
-              <a:picLocks noChangeAspect="1"/>
-            </p:cNvPicPr>
-            <p:nvPr/>
-          </p:nvPicPr>
-          <p:blipFill>
-            <a:blip r:embed="rId2">
-              <a:extLst>
-                <a:ext uri="{28A0092B-C50C-407E-A947-70E740481C1C}">
-                  <a14:useLocalDpi xmlns:a14="http://schemas.microsoft.com/office/drawing/2010/main" val="0"/>
-                </a:ext>
-              </a:extLst>
-            </a:blip>
-            <a:stretch>
-              <a:fillRect/>
-            </a:stretch>
-          </p:blipFill>
-          <p:spPr>
-            <a:xfrm>
-              <a:off x="2803319" y="413397"/>
-              <a:ext cx="771908" cy="771908"/>
-            </a:xfrm>
-            <a:prstGeom prst="rect">
-              <a:avLst/>
-            </a:prstGeom>
-          </p:spPr>
-        </p:pic>
-        <p:pic>
-          <p:nvPicPr>
-            <p:cNvPr id="171" name="Picture 170">
-              <a:extLst>
-                <a:ext uri="{FF2B5EF4-FFF2-40B4-BE49-F238E27FC236}">
-                  <a16:creationId xmlns:a16="http://schemas.microsoft.com/office/drawing/2014/main" id="{A2478B08-6617-8649-AAF5-D487DE69FAD8}"/>
-                </a:ext>
-              </a:extLst>
-            </p:cNvPr>
-            <p:cNvPicPr>
-              <a:picLocks noChangeAspect="1"/>
-            </p:cNvPicPr>
-            <p:nvPr/>
-          </p:nvPicPr>
-          <p:blipFill>
-            <a:blip r:embed="rId3">
-              <a:extLst>
-                <a:ext uri="{28A0092B-C50C-407E-A947-70E740481C1C}">
-                  <a14:useLocalDpi xmlns:a14="http://schemas.microsoft.com/office/drawing/2010/main" val="0"/>
-                </a:ext>
-              </a:extLst>
-            </a:blip>
-            <a:stretch>
-              <a:fillRect/>
-            </a:stretch>
-          </p:blipFill>
-          <p:spPr>
-            <a:xfrm>
-              <a:off x="5971536" y="499461"/>
-              <a:ext cx="794135" cy="794135"/>
-            </a:xfrm>
-            <a:prstGeom prst="rect">
-              <a:avLst/>
-            </a:prstGeom>
-          </p:spPr>
-        </p:pic>
-      </p:grpSp>
-      <p:grpSp>
-        <p:nvGrpSpPr>
-          <p:cNvPr id="172" name="Group 171">
-            <a:extLst>
-              <a:ext uri="{FF2B5EF4-FFF2-40B4-BE49-F238E27FC236}">
-                <a16:creationId xmlns:a16="http://schemas.microsoft.com/office/drawing/2014/main" id="{D1E4C2CC-79AE-734C-9FD9-37D5821E1A40}"/>
-              </a:ext>
-            </a:extLst>
-          </p:cNvPr>
-          <p:cNvGrpSpPr/>
-          <p:nvPr/>
-        </p:nvGrpSpPr>
-        <p:grpSpPr>
-          <a:xfrm>
-            <a:off x="4721632" y="5246888"/>
-            <a:ext cx="2689434" cy="654654"/>
-            <a:chOff x="2642932" y="413397"/>
-            <a:chExt cx="4122739" cy="1003545"/>
-          </a:xfrm>
-        </p:grpSpPr>
-        <p:cxnSp>
-          <p:nvCxnSpPr>
-            <p:cNvPr id="173" name="Straight Connector 172">
-              <a:extLst>
-                <a:ext uri="{FF2B5EF4-FFF2-40B4-BE49-F238E27FC236}">
-                  <a16:creationId xmlns:a16="http://schemas.microsoft.com/office/drawing/2014/main" id="{FA9E355D-D759-3E46-9F52-67E4F895D359}"/>
-                </a:ext>
-              </a:extLst>
-            </p:cNvPr>
-            <p:cNvCxnSpPr>
-              <a:cxnSpLocks/>
-            </p:cNvCxnSpPr>
-            <p:nvPr/>
-          </p:nvCxnSpPr>
-          <p:spPr>
-            <a:xfrm>
-              <a:off x="2642932" y="1140335"/>
-              <a:ext cx="4117201" cy="0"/>
-            </a:xfrm>
-            <a:prstGeom prst="line">
-              <a:avLst/>
-            </a:prstGeom>
-            <a:ln w="38100" cap="flat" cmpd="sng" algn="ctr">
-              <a:solidFill>
-                <a:srgbClr val="000000"/>
-              </a:solidFill>
-              <a:prstDash val="solid"/>
-              <a:round/>
-              <a:headEnd type="none" w="med" len="med"/>
-              <a:tailEnd type="none" w="med" len="med"/>
-            </a:ln>
-            <a:effectLst/>
-          </p:spPr>
-          <p:style>
-            <a:lnRef idx="2">
-              <a:schemeClr val="accent1"/>
-            </a:lnRef>
-            <a:fillRef idx="0">
-              <a:schemeClr val="accent1"/>
-            </a:fillRef>
-            <a:effectRef idx="1">
-              <a:schemeClr val="accent1"/>
-            </a:effectRef>
-            <a:fontRef idx="minor">
-              <a:schemeClr val="tx1"/>
-            </a:fontRef>
-          </p:style>
-        </p:cxnSp>
-        <p:sp>
-          <p:nvSpPr>
-            <p:cNvPr id="174" name="Right Arrow 173">
-              <a:extLst>
-                <a:ext uri="{FF2B5EF4-FFF2-40B4-BE49-F238E27FC236}">
-                  <a16:creationId xmlns:a16="http://schemas.microsoft.com/office/drawing/2014/main" id="{FE112CB2-1B81-9B46-9F3D-1906B070B95B}"/>
-                </a:ext>
-              </a:extLst>
-            </p:cNvPr>
-            <p:cNvSpPr/>
-            <p:nvPr/>
-          </p:nvSpPr>
-          <p:spPr>
-            <a:xfrm>
-              <a:off x="4740833" y="949836"/>
-              <a:ext cx="1168400" cy="350140"/>
-            </a:xfrm>
-            <a:prstGeom prst="rightArrow">
-              <a:avLst>
-                <a:gd name="adj1" fmla="val 100000"/>
-                <a:gd name="adj2" fmla="val 52194"/>
-              </a:avLst>
-            </a:prstGeom>
-            <a:solidFill>
-              <a:srgbClr val="92D050"/>
-            </a:solidFill>
-            <a:ln w="38100" cap="flat" cmpd="sng" algn="ctr">
-              <a:solidFill>
-                <a:srgbClr val="000000"/>
-              </a:solidFill>
-              <a:prstDash val="solid"/>
-              <a:round/>
-              <a:headEnd type="none" w="med" len="med"/>
-              <a:tailEnd type="none" w="med" len="med"/>
-            </a:ln>
-            <a:effectLst/>
-          </p:spPr>
-          <p:style>
-            <a:lnRef idx="1">
-              <a:schemeClr val="accent1"/>
-            </a:lnRef>
-            <a:fillRef idx="3">
-              <a:schemeClr val="accent1"/>
-            </a:fillRef>
-            <a:effectRef idx="2">
-              <a:schemeClr val="accent1"/>
-            </a:effectRef>
-            <a:fontRef idx="minor">
-              <a:schemeClr val="lt1"/>
-            </a:fontRef>
-          </p:style>
-          <p:txBody>
-            <a:bodyPr rtlCol="0" anchor="ctr"/>
-            <a:lstStyle/>
-            <a:p>
-              <a:pPr algn="ctr"/>
-              <a:endParaRPr lang="en-US" i="1" dirty="0">
-                <a:solidFill>
-                  <a:schemeClr val="tx1"/>
-                </a:solidFill>
-              </a:endParaRPr>
-            </a:p>
-          </p:txBody>
-        </p:sp>
-        <p:sp>
-          <p:nvSpPr>
-            <p:cNvPr id="175" name="Chord 174">
-              <a:extLst>
-                <a:ext uri="{FF2B5EF4-FFF2-40B4-BE49-F238E27FC236}">
-                  <a16:creationId xmlns:a16="http://schemas.microsoft.com/office/drawing/2014/main" id="{B1EC7FB2-1033-644E-B928-0D3C56C8A5B7}"/>
-                </a:ext>
-              </a:extLst>
-            </p:cNvPr>
-            <p:cNvSpPr/>
-            <p:nvPr/>
-          </p:nvSpPr>
-          <p:spPr>
-            <a:xfrm>
-              <a:off x="3734347" y="784736"/>
-              <a:ext cx="632206" cy="632206"/>
-            </a:xfrm>
-            <a:prstGeom prst="chord">
-              <a:avLst>
-                <a:gd name="adj1" fmla="val 10506229"/>
-                <a:gd name="adj2" fmla="val 301460"/>
-              </a:avLst>
-            </a:prstGeom>
-            <a:solidFill>
-              <a:schemeClr val="accent4">
-                <a:lumMod val="60000"/>
-                <a:lumOff val="40000"/>
-              </a:schemeClr>
-            </a:solidFill>
-            <a:ln w="38100" cap="flat" cmpd="sng" algn="ctr">
-              <a:solidFill>
-                <a:srgbClr val="000000"/>
-              </a:solidFill>
-              <a:prstDash val="solid"/>
-              <a:round/>
-              <a:headEnd type="none" w="med" len="med"/>
-              <a:tailEnd type="none" w="med" len="med"/>
-            </a:ln>
-            <a:effectLst/>
-          </p:spPr>
-          <p:style>
-            <a:lnRef idx="1">
-              <a:schemeClr val="accent1"/>
-            </a:lnRef>
-            <a:fillRef idx="3">
-              <a:schemeClr val="accent1"/>
-            </a:fillRef>
-            <a:effectRef idx="2">
-              <a:schemeClr val="accent1"/>
-            </a:effectRef>
-            <a:fontRef idx="minor">
-              <a:schemeClr val="lt1"/>
-            </a:fontRef>
-          </p:style>
-          <p:txBody>
-            <a:bodyPr rtlCol="0" anchor="ctr"/>
-            <a:lstStyle/>
-            <a:p>
-              <a:pPr algn="ctr"/>
-              <a:endParaRPr lang="en-US"/>
-            </a:p>
-          </p:txBody>
-        </p:sp>
-        <p:pic>
-          <p:nvPicPr>
-            <p:cNvPr id="176" name="Picture 175">
-              <a:extLst>
-                <a:ext uri="{FF2B5EF4-FFF2-40B4-BE49-F238E27FC236}">
-                  <a16:creationId xmlns:a16="http://schemas.microsoft.com/office/drawing/2014/main" id="{2415E8A5-6101-8C4C-ABFC-B01A85D7ADDC}"/>
-                </a:ext>
-              </a:extLst>
-            </p:cNvPr>
-            <p:cNvPicPr>
-              <a:picLocks noChangeAspect="1"/>
-            </p:cNvPicPr>
-            <p:nvPr/>
-          </p:nvPicPr>
-          <p:blipFill>
-            <a:blip r:embed="rId2">
-              <a:extLst>
-                <a:ext uri="{28A0092B-C50C-407E-A947-70E740481C1C}">
-                  <a14:useLocalDpi xmlns:a14="http://schemas.microsoft.com/office/drawing/2010/main" val="0"/>
-                </a:ext>
-              </a:extLst>
-            </a:blip>
-            <a:stretch>
-              <a:fillRect/>
-            </a:stretch>
-          </p:blipFill>
-          <p:spPr>
-            <a:xfrm>
-              <a:off x="2803319" y="413397"/>
-              <a:ext cx="771908" cy="771908"/>
-            </a:xfrm>
-            <a:prstGeom prst="rect">
-              <a:avLst/>
-            </a:prstGeom>
-          </p:spPr>
-        </p:pic>
-        <p:pic>
-          <p:nvPicPr>
-            <p:cNvPr id="177" name="Picture 176">
-              <a:extLst>
-                <a:ext uri="{FF2B5EF4-FFF2-40B4-BE49-F238E27FC236}">
-                  <a16:creationId xmlns:a16="http://schemas.microsoft.com/office/drawing/2014/main" id="{98B98DA9-5E75-4245-BEA8-622655940BFE}"/>
-                </a:ext>
-              </a:extLst>
-            </p:cNvPr>
-            <p:cNvPicPr>
-              <a:picLocks noChangeAspect="1"/>
-            </p:cNvPicPr>
-            <p:nvPr/>
-          </p:nvPicPr>
-          <p:blipFill>
-            <a:blip r:embed="rId3">
-              <a:extLst>
-                <a:ext uri="{28A0092B-C50C-407E-A947-70E740481C1C}">
-                  <a14:useLocalDpi xmlns:a14="http://schemas.microsoft.com/office/drawing/2010/main" val="0"/>
-                </a:ext>
-              </a:extLst>
-            </a:blip>
-            <a:stretch>
-              <a:fillRect/>
-            </a:stretch>
-          </p:blipFill>
-          <p:spPr>
-            <a:xfrm>
-              <a:off x="5971536" y="499461"/>
-              <a:ext cx="794135" cy="794135"/>
-            </a:xfrm>
-            <a:prstGeom prst="rect">
-              <a:avLst/>
-            </a:prstGeom>
-          </p:spPr>
-        </p:pic>
-      </p:grpSp>
-      <p:cxnSp>
-        <p:nvCxnSpPr>
-          <p:cNvPr id="179" name="Straight Arrow Connector 178">
-            <a:extLst>
-              <a:ext uri="{FF2B5EF4-FFF2-40B4-BE49-F238E27FC236}">
-                <a16:creationId xmlns:a16="http://schemas.microsoft.com/office/drawing/2014/main" id="{A997339F-9247-8441-AF07-59E9492066B3}"/>
-              </a:ext>
-            </a:extLst>
-          </p:cNvPr>
-          <p:cNvCxnSpPr/>
-          <p:nvPr/>
-        </p:nvCxnSpPr>
-        <p:spPr>
-          <a:xfrm flipV="1">
-            <a:off x="6447409" y="5246888"/>
-            <a:ext cx="0" cy="343873"/>
-          </a:xfrm>
-          <a:prstGeom prst="straightConnector1">
-            <a:avLst/>
-          </a:prstGeom>
-          <a:ln w="28575">
-            <a:solidFill>
-              <a:schemeClr val="accent3">
-                <a:lumMod val="75000"/>
-              </a:schemeClr>
-            </a:solidFill>
-            <a:headEnd type="none" w="med" len="med"/>
-            <a:tailEnd type="triangle" w="med" len="med"/>
-          </a:ln>
-        </p:spPr>
-        <p:style>
-          <a:lnRef idx="1">
-            <a:schemeClr val="dk1"/>
-          </a:lnRef>
-          <a:fillRef idx="0">
-            <a:schemeClr val="dk1"/>
-          </a:fillRef>
-          <a:effectRef idx="0">
-            <a:schemeClr val="dk1"/>
-          </a:effectRef>
-          <a:fontRef idx="minor">
-            <a:schemeClr val="tx1"/>
-          </a:fontRef>
-        </p:style>
-      </p:cxnSp>
-      <p:cxnSp>
-        <p:nvCxnSpPr>
-          <p:cNvPr id="182" name="Straight Arrow Connector 181">
-            <a:extLst>
-              <a:ext uri="{FF2B5EF4-FFF2-40B4-BE49-F238E27FC236}">
-                <a16:creationId xmlns:a16="http://schemas.microsoft.com/office/drawing/2014/main" id="{BA198446-6549-054E-87C9-06DA104A5A91}"/>
-              </a:ext>
-            </a:extLst>
-          </p:cNvPr>
-          <p:cNvCxnSpPr>
-            <a:cxnSpLocks/>
-          </p:cNvCxnSpPr>
-          <p:nvPr/>
-        </p:nvCxnSpPr>
-        <p:spPr>
-          <a:xfrm flipV="1">
-            <a:off x="2469417" y="5154423"/>
-            <a:ext cx="0" cy="436338"/>
-          </a:xfrm>
-          <a:prstGeom prst="straightConnector1">
-            <a:avLst/>
-          </a:prstGeom>
-          <a:ln w="38100">
-            <a:tailEnd type="triangle"/>
-          </a:ln>
-        </p:spPr>
-        <p:style>
-          <a:lnRef idx="1">
-            <a:schemeClr val="accent1"/>
-          </a:lnRef>
-          <a:fillRef idx="0">
-            <a:schemeClr val="accent1"/>
-          </a:fillRef>
-          <a:effectRef idx="0">
-            <a:schemeClr val="accent1"/>
-          </a:effectRef>
-          <a:fontRef idx="minor">
-            <a:schemeClr val="tx1"/>
-          </a:fontRef>
-        </p:style>
-      </p:cxnSp>
-      <p:sp>
-        <p:nvSpPr>
-          <p:cNvPr id="183" name="Rectangle 182">
-            <a:extLst>
-              <a:ext uri="{FF2B5EF4-FFF2-40B4-BE49-F238E27FC236}">
-                <a16:creationId xmlns:a16="http://schemas.microsoft.com/office/drawing/2014/main" id="{0DAD03DE-B266-0547-A9C1-DFE4698B211E}"/>
-              </a:ext>
-            </a:extLst>
-          </p:cNvPr>
-          <p:cNvSpPr/>
-          <p:nvPr/>
-        </p:nvSpPr>
-        <p:spPr>
-          <a:xfrm>
-            <a:off x="3919217" y="4909409"/>
-            <a:ext cx="72024" cy="217715"/>
-          </a:xfrm>
-          <a:prstGeom prst="rect">
-            <a:avLst/>
-          </a:prstGeom>
-          <a:ln w="12700">
-            <a:solidFill>
-              <a:schemeClr val="tx2"/>
-            </a:solidFill>
-          </a:ln>
-        </p:spPr>
-        <p:style>
-          <a:lnRef idx="2">
-            <a:schemeClr val="accent1"/>
-          </a:lnRef>
-          <a:fillRef idx="1">
-            <a:schemeClr val="lt1"/>
-          </a:fillRef>
-          <a:effectRef idx="0">
-            <a:schemeClr val="accent1"/>
-          </a:effectRef>
-          <a:fontRef idx="minor">
-            <a:schemeClr val="dk1"/>
-          </a:fontRef>
-        </p:style>
-        <p:txBody>
-          <a:bodyPr rtlCol="0" anchor="ctr"/>
-          <a:lstStyle/>
-          <a:p>
-            <a:pPr algn="ctr"/>
-            <a:endParaRPr lang="en-US"/>
-          </a:p>
-        </p:txBody>
-      </p:sp>
-      <p:sp>
-        <p:nvSpPr>
-          <p:cNvPr id="185" name="Rounded Rectangle 184">
-            <a:extLst>
-              <a:ext uri="{FF2B5EF4-FFF2-40B4-BE49-F238E27FC236}">
-                <a16:creationId xmlns:a16="http://schemas.microsoft.com/office/drawing/2014/main" id="{F21F226B-65DA-BA43-98CE-7C416E662743}"/>
-              </a:ext>
-            </a:extLst>
-          </p:cNvPr>
-          <p:cNvSpPr/>
-          <p:nvPr/>
-        </p:nvSpPr>
-        <p:spPr>
-          <a:xfrm>
-            <a:off x="3991241" y="2987563"/>
-            <a:ext cx="3653930" cy="1483611"/>
-          </a:xfrm>
-          <a:prstGeom prst="roundRect">
-            <a:avLst/>
-          </a:prstGeom>
-          <a:noFill/>
-          <a:ln w="12700" cap="flat" cmpd="sng" algn="ctr">
-            <a:solidFill>
-              <a:schemeClr val="tx2"/>
-            </a:solidFill>
-            <a:prstDash val="solid"/>
-            <a:round/>
-            <a:headEnd type="none" w="med" len="med"/>
-            <a:tailEnd type="none" w="med" len="med"/>
-          </a:ln>
-        </p:spPr>
-        <p:style>
-          <a:lnRef idx="0">
-            <a:scrgbClr r="0" g="0" b="0"/>
-          </a:lnRef>
-          <a:fillRef idx="0">
-            <a:scrgbClr r="0" g="0" b="0"/>
-          </a:fillRef>
-          <a:effectRef idx="0">
-            <a:scrgbClr r="0" g="0" b="0"/>
-          </a:effectRef>
-          <a:fontRef idx="minor">
-            <a:schemeClr val="dk1"/>
-          </a:fontRef>
-        </p:style>
-        <p:txBody>
-          <a:bodyPr rtlCol="0" anchor="ctr"/>
-          <a:lstStyle/>
-          <a:p>
-            <a:pPr algn="ctr"/>
-            <a:endParaRPr lang="en-US" dirty="0"/>
-          </a:p>
-        </p:txBody>
-      </p:sp>
-      <p:cxnSp>
-        <p:nvCxnSpPr>
-          <p:cNvPr id="186" name="Straight Arrow Connector 5">
-            <a:extLst>
-              <a:ext uri="{FF2B5EF4-FFF2-40B4-BE49-F238E27FC236}">
-                <a16:creationId xmlns:a16="http://schemas.microsoft.com/office/drawing/2014/main" id="{87207977-EDA0-C14B-B07D-8ADDC103871A}"/>
-              </a:ext>
-            </a:extLst>
-          </p:cNvPr>
-          <p:cNvCxnSpPr>
-            <a:cxnSpLocks/>
-            <a:endCxn id="198" idx="0"/>
-          </p:cNvCxnSpPr>
-          <p:nvPr/>
-        </p:nvCxnSpPr>
-        <p:spPr>
-          <a:xfrm>
-            <a:off x="2687971" y="3374458"/>
-            <a:ext cx="2387922" cy="226239"/>
-          </a:xfrm>
-          <a:prstGeom prst="bentConnector2">
-            <a:avLst/>
-          </a:prstGeom>
-          <a:ln>
-            <a:solidFill>
-              <a:srgbClr val="FF0000"/>
-            </a:solidFill>
-            <a:headEnd type="none"/>
-            <a:tailEnd type="none"/>
-          </a:ln>
-          <a:effectLst/>
-        </p:spPr>
-        <p:style>
-          <a:lnRef idx="2">
-            <a:schemeClr val="accent1"/>
-          </a:lnRef>
-          <a:fillRef idx="0">
-            <a:schemeClr val="accent1"/>
-          </a:fillRef>
-          <a:effectRef idx="1">
-            <a:schemeClr val="accent1"/>
-          </a:effectRef>
-          <a:fontRef idx="minor">
-            <a:schemeClr val="tx1"/>
-          </a:fontRef>
-        </p:style>
-      </p:cxnSp>
-      <p:cxnSp>
-        <p:nvCxnSpPr>
-          <p:cNvPr id="187" name="Straight Connector 186">
-            <a:extLst>
-              <a:ext uri="{FF2B5EF4-FFF2-40B4-BE49-F238E27FC236}">
-                <a16:creationId xmlns:a16="http://schemas.microsoft.com/office/drawing/2014/main" id="{D0E6D163-3094-6240-B0BD-D748E941406A}"/>
-              </a:ext>
-            </a:extLst>
-          </p:cNvPr>
-          <p:cNvCxnSpPr/>
-          <p:nvPr/>
-        </p:nvCxnSpPr>
-        <p:spPr>
-          <a:xfrm>
-            <a:off x="4980643" y="3601542"/>
-            <a:ext cx="190500" cy="0"/>
-          </a:xfrm>
-          <a:prstGeom prst="line">
-            <a:avLst/>
-          </a:prstGeom>
-          <a:ln>
-            <a:solidFill>
-              <a:srgbClr val="FF0000"/>
-            </a:solidFill>
-          </a:ln>
-          <a:effectLst/>
-        </p:spPr>
-        <p:style>
-          <a:lnRef idx="2">
-            <a:schemeClr val="accent1"/>
-          </a:lnRef>
-          <a:fillRef idx="0">
-            <a:schemeClr val="accent1"/>
-          </a:fillRef>
-          <a:effectRef idx="1">
-            <a:schemeClr val="accent1"/>
-          </a:effectRef>
-          <a:fontRef idx="minor">
-            <a:schemeClr val="tx1"/>
-          </a:fontRef>
-        </p:style>
-      </p:cxnSp>
-      <p:grpSp>
-        <p:nvGrpSpPr>
-          <p:cNvPr id="188" name="Group 187">
-            <a:extLst>
-              <a:ext uri="{FF2B5EF4-FFF2-40B4-BE49-F238E27FC236}">
-                <a16:creationId xmlns:a16="http://schemas.microsoft.com/office/drawing/2014/main" id="{70317CD3-D885-4242-80A4-917BE074F160}"/>
-              </a:ext>
-            </a:extLst>
-          </p:cNvPr>
-          <p:cNvGrpSpPr/>
-          <p:nvPr/>
-        </p:nvGrpSpPr>
-        <p:grpSpPr>
-          <a:xfrm>
-            <a:off x="638670" y="3600697"/>
-            <a:ext cx="2737576" cy="654654"/>
-            <a:chOff x="2569133" y="413397"/>
-            <a:chExt cx="4196538" cy="1003545"/>
-          </a:xfrm>
-        </p:grpSpPr>
-        <p:cxnSp>
-          <p:nvCxnSpPr>
-            <p:cNvPr id="189" name="Straight Connector 188">
-              <a:extLst>
-                <a:ext uri="{FF2B5EF4-FFF2-40B4-BE49-F238E27FC236}">
-                  <a16:creationId xmlns:a16="http://schemas.microsoft.com/office/drawing/2014/main" id="{A80BB70B-CE98-D845-BBC6-AF987255D847}"/>
-                </a:ext>
-              </a:extLst>
-            </p:cNvPr>
-            <p:cNvCxnSpPr/>
-            <p:nvPr/>
-          </p:nvCxnSpPr>
-          <p:spPr>
-            <a:xfrm>
-              <a:off x="2569133" y="1140336"/>
-              <a:ext cx="4191000" cy="0"/>
-            </a:xfrm>
-            <a:prstGeom prst="line">
-              <a:avLst/>
-            </a:prstGeom>
-            <a:ln w="38100" cap="flat" cmpd="sng" algn="ctr">
-              <a:solidFill>
-                <a:srgbClr val="000000"/>
-              </a:solidFill>
-              <a:prstDash val="solid"/>
-              <a:round/>
-              <a:headEnd type="none" w="med" len="med"/>
-              <a:tailEnd type="none" w="med" len="med"/>
-            </a:ln>
-            <a:effectLst/>
-          </p:spPr>
-          <p:style>
-            <a:lnRef idx="2">
-              <a:schemeClr val="accent1"/>
-            </a:lnRef>
-            <a:fillRef idx="0">
-              <a:schemeClr val="accent1"/>
-            </a:fillRef>
-            <a:effectRef idx="1">
-              <a:schemeClr val="accent1"/>
-            </a:effectRef>
-            <a:fontRef idx="minor">
-              <a:schemeClr val="tx1"/>
-            </a:fontRef>
-          </p:style>
-        </p:cxnSp>
-        <p:sp>
-          <p:nvSpPr>
-            <p:cNvPr id="190" name="Right Arrow 189">
-              <a:extLst>
-                <a:ext uri="{FF2B5EF4-FFF2-40B4-BE49-F238E27FC236}">
-                  <a16:creationId xmlns:a16="http://schemas.microsoft.com/office/drawing/2014/main" id="{1FE8D298-1B45-A94E-B09A-E60C6A59FB6D}"/>
-                </a:ext>
-              </a:extLst>
-            </p:cNvPr>
-            <p:cNvSpPr/>
-            <p:nvPr/>
-          </p:nvSpPr>
-          <p:spPr>
-            <a:xfrm>
-              <a:off x="4740833" y="949836"/>
-              <a:ext cx="1168400" cy="350140"/>
-            </a:xfrm>
-            <a:prstGeom prst="rightArrow">
-              <a:avLst>
-                <a:gd name="adj1" fmla="val 100000"/>
-                <a:gd name="adj2" fmla="val 52194"/>
-              </a:avLst>
-            </a:prstGeom>
-            <a:solidFill>
-              <a:schemeClr val="accent2"/>
-            </a:solidFill>
-            <a:ln w="38100" cap="flat" cmpd="sng" algn="ctr">
-              <a:solidFill>
-                <a:srgbClr val="000000"/>
-              </a:solidFill>
-              <a:prstDash val="solid"/>
-              <a:round/>
-              <a:headEnd type="none" w="med" len="med"/>
-              <a:tailEnd type="none" w="med" len="med"/>
-            </a:ln>
-            <a:effectLst/>
-          </p:spPr>
-          <p:style>
-            <a:lnRef idx="1">
-              <a:schemeClr val="accent1"/>
-            </a:lnRef>
-            <a:fillRef idx="3">
-              <a:schemeClr val="accent1"/>
-            </a:fillRef>
-            <a:effectRef idx="2">
-              <a:schemeClr val="accent1"/>
-            </a:effectRef>
-            <a:fontRef idx="minor">
-              <a:schemeClr val="lt1"/>
-            </a:fontRef>
-          </p:style>
-          <p:txBody>
-            <a:bodyPr rtlCol="0" anchor="ctr"/>
-            <a:lstStyle/>
-            <a:p>
-              <a:pPr algn="ctr"/>
-              <a:endParaRPr lang="en-US" i="1" dirty="0">
-                <a:solidFill>
-                  <a:schemeClr val="tx1"/>
-                </a:solidFill>
-              </a:endParaRPr>
-            </a:p>
-          </p:txBody>
-        </p:sp>
-        <p:sp>
-          <p:nvSpPr>
-            <p:cNvPr id="191" name="Chord 190">
-              <a:extLst>
-                <a:ext uri="{FF2B5EF4-FFF2-40B4-BE49-F238E27FC236}">
-                  <a16:creationId xmlns:a16="http://schemas.microsoft.com/office/drawing/2014/main" id="{8C9EA64E-F784-9D4D-8EF0-31D45D575E43}"/>
-                </a:ext>
-              </a:extLst>
-            </p:cNvPr>
-            <p:cNvSpPr/>
-            <p:nvPr/>
-          </p:nvSpPr>
-          <p:spPr>
-            <a:xfrm>
-              <a:off x="3734347" y="784736"/>
-              <a:ext cx="632206" cy="632206"/>
-            </a:xfrm>
-            <a:prstGeom prst="chord">
-              <a:avLst>
-                <a:gd name="adj1" fmla="val 10506229"/>
-                <a:gd name="adj2" fmla="val 301460"/>
-              </a:avLst>
-            </a:prstGeom>
-            <a:solidFill>
-              <a:schemeClr val="accent4">
-                <a:lumMod val="60000"/>
-                <a:lumOff val="40000"/>
-              </a:schemeClr>
-            </a:solidFill>
-            <a:ln w="38100" cap="flat" cmpd="sng" algn="ctr">
-              <a:solidFill>
-                <a:srgbClr val="000000"/>
-              </a:solidFill>
-              <a:prstDash val="solid"/>
-              <a:round/>
-              <a:headEnd type="none" w="med" len="med"/>
-              <a:tailEnd type="none" w="med" len="med"/>
-            </a:ln>
-            <a:effectLst/>
-          </p:spPr>
-          <p:style>
-            <a:lnRef idx="1">
-              <a:schemeClr val="accent1"/>
-            </a:lnRef>
-            <a:fillRef idx="3">
-              <a:schemeClr val="accent1"/>
-            </a:fillRef>
-            <a:effectRef idx="2">
-              <a:schemeClr val="accent1"/>
-            </a:effectRef>
-            <a:fontRef idx="minor">
-              <a:schemeClr val="lt1"/>
-            </a:fontRef>
-          </p:style>
-          <p:txBody>
-            <a:bodyPr rtlCol="0" anchor="ctr"/>
-            <a:lstStyle/>
-            <a:p>
-              <a:pPr algn="ctr"/>
-              <a:endParaRPr lang="en-US"/>
-            </a:p>
-          </p:txBody>
-        </p:sp>
-        <p:pic>
-          <p:nvPicPr>
-            <p:cNvPr id="192" name="Picture 191">
-              <a:extLst>
-                <a:ext uri="{FF2B5EF4-FFF2-40B4-BE49-F238E27FC236}">
-                  <a16:creationId xmlns:a16="http://schemas.microsoft.com/office/drawing/2014/main" id="{1268E7F0-E526-0B43-B77A-859EDFFB4A7C}"/>
-                </a:ext>
-              </a:extLst>
-            </p:cNvPr>
-            <p:cNvPicPr>
-              <a:picLocks noChangeAspect="1"/>
-            </p:cNvPicPr>
-            <p:nvPr/>
-          </p:nvPicPr>
-          <p:blipFill>
-            <a:blip r:embed="rId2">
-              <a:extLst>
-                <a:ext uri="{28A0092B-C50C-407E-A947-70E740481C1C}">
-                  <a14:useLocalDpi xmlns:a14="http://schemas.microsoft.com/office/drawing/2010/main" val="0"/>
-                </a:ext>
-              </a:extLst>
-            </a:blip>
-            <a:stretch>
-              <a:fillRect/>
-            </a:stretch>
-          </p:blipFill>
-          <p:spPr>
-            <a:xfrm>
-              <a:off x="2803319" y="413397"/>
-              <a:ext cx="771908" cy="771908"/>
-            </a:xfrm>
-            <a:prstGeom prst="rect">
-              <a:avLst/>
-            </a:prstGeom>
-          </p:spPr>
-        </p:pic>
-        <p:pic>
-          <p:nvPicPr>
-            <p:cNvPr id="193" name="Picture 192">
-              <a:extLst>
-                <a:ext uri="{FF2B5EF4-FFF2-40B4-BE49-F238E27FC236}">
-                  <a16:creationId xmlns:a16="http://schemas.microsoft.com/office/drawing/2014/main" id="{F1CF9CC8-C72F-474A-AA50-3C18CB9124DD}"/>
-                </a:ext>
-              </a:extLst>
-            </p:cNvPr>
-            <p:cNvPicPr>
-              <a:picLocks noChangeAspect="1"/>
-            </p:cNvPicPr>
-            <p:nvPr/>
-          </p:nvPicPr>
-          <p:blipFill>
-            <a:blip r:embed="rId3">
-              <a:extLst>
-                <a:ext uri="{28A0092B-C50C-407E-A947-70E740481C1C}">
-                  <a14:useLocalDpi xmlns:a14="http://schemas.microsoft.com/office/drawing/2010/main" val="0"/>
-                </a:ext>
-              </a:extLst>
-            </a:blip>
-            <a:stretch>
-              <a:fillRect/>
-            </a:stretch>
-          </p:blipFill>
-          <p:spPr>
-            <a:xfrm>
-              <a:off x="5971536" y="499461"/>
-              <a:ext cx="794135" cy="794135"/>
-            </a:xfrm>
-            <a:prstGeom prst="rect">
-              <a:avLst/>
-            </a:prstGeom>
-          </p:spPr>
-        </p:pic>
-      </p:grpSp>
-      <p:grpSp>
-        <p:nvGrpSpPr>
-          <p:cNvPr id="194" name="Group 193">
-            <a:extLst>
-              <a:ext uri="{FF2B5EF4-FFF2-40B4-BE49-F238E27FC236}">
-                <a16:creationId xmlns:a16="http://schemas.microsoft.com/office/drawing/2014/main" id="{A11176C5-C724-D14E-81C5-65AA8126FA77}"/>
-              </a:ext>
-            </a:extLst>
-          </p:cNvPr>
-          <p:cNvGrpSpPr/>
-          <p:nvPr/>
-        </p:nvGrpSpPr>
-        <p:grpSpPr>
-          <a:xfrm>
-            <a:off x="4719492" y="3600697"/>
-            <a:ext cx="2689434" cy="654654"/>
-            <a:chOff x="2642932" y="413397"/>
-            <a:chExt cx="4122739" cy="1003545"/>
-          </a:xfrm>
-        </p:grpSpPr>
-        <p:cxnSp>
-          <p:nvCxnSpPr>
-            <p:cNvPr id="195" name="Straight Connector 194">
-              <a:extLst>
-                <a:ext uri="{FF2B5EF4-FFF2-40B4-BE49-F238E27FC236}">
-                  <a16:creationId xmlns:a16="http://schemas.microsoft.com/office/drawing/2014/main" id="{BA7795F8-82F6-9646-8A24-AF55010FE1C0}"/>
-                </a:ext>
-              </a:extLst>
-            </p:cNvPr>
-            <p:cNvCxnSpPr>
-              <a:cxnSpLocks/>
-            </p:cNvCxnSpPr>
-            <p:nvPr/>
-          </p:nvCxnSpPr>
-          <p:spPr>
-            <a:xfrm>
-              <a:off x="2642932" y="1140335"/>
-              <a:ext cx="4117201" cy="0"/>
-            </a:xfrm>
-            <a:prstGeom prst="line">
-              <a:avLst/>
-            </a:prstGeom>
-            <a:ln w="38100" cap="flat" cmpd="sng" algn="ctr">
-              <a:solidFill>
-                <a:srgbClr val="000000"/>
-              </a:solidFill>
-              <a:prstDash val="solid"/>
-              <a:round/>
-              <a:headEnd type="none" w="med" len="med"/>
-              <a:tailEnd type="none" w="med" len="med"/>
-            </a:ln>
-            <a:effectLst/>
-          </p:spPr>
-          <p:style>
-            <a:lnRef idx="2">
-              <a:schemeClr val="accent1"/>
-            </a:lnRef>
-            <a:fillRef idx="0">
-              <a:schemeClr val="accent1"/>
-            </a:fillRef>
-            <a:effectRef idx="1">
-              <a:schemeClr val="accent1"/>
-            </a:effectRef>
-            <a:fontRef idx="minor">
-              <a:schemeClr val="tx1"/>
-            </a:fontRef>
-          </p:style>
-        </p:cxnSp>
-        <p:sp>
-          <p:nvSpPr>
-            <p:cNvPr id="196" name="Right Arrow 195">
-              <a:extLst>
-                <a:ext uri="{FF2B5EF4-FFF2-40B4-BE49-F238E27FC236}">
-                  <a16:creationId xmlns:a16="http://schemas.microsoft.com/office/drawing/2014/main" id="{FF65E66A-87C2-4948-A6B7-CC281896EE4A}"/>
-                </a:ext>
-              </a:extLst>
-            </p:cNvPr>
-            <p:cNvSpPr/>
-            <p:nvPr/>
-          </p:nvSpPr>
-          <p:spPr>
-            <a:xfrm>
-              <a:off x="4740833" y="949836"/>
-              <a:ext cx="1168400" cy="350140"/>
-            </a:xfrm>
-            <a:prstGeom prst="rightArrow">
-              <a:avLst>
-                <a:gd name="adj1" fmla="val 100000"/>
-                <a:gd name="adj2" fmla="val 52194"/>
-              </a:avLst>
-            </a:prstGeom>
-            <a:solidFill>
-              <a:srgbClr val="92D050"/>
-            </a:solidFill>
-            <a:ln w="38100" cap="flat" cmpd="sng" algn="ctr">
-              <a:solidFill>
-                <a:srgbClr val="000000"/>
-              </a:solidFill>
-              <a:prstDash val="solid"/>
-              <a:round/>
-              <a:headEnd type="none" w="med" len="med"/>
-              <a:tailEnd type="none" w="med" len="med"/>
-            </a:ln>
-            <a:effectLst/>
-          </p:spPr>
-          <p:style>
-            <a:lnRef idx="1">
-              <a:schemeClr val="accent1"/>
-            </a:lnRef>
-            <a:fillRef idx="3">
-              <a:schemeClr val="accent1"/>
-            </a:fillRef>
-            <a:effectRef idx="2">
-              <a:schemeClr val="accent1"/>
-            </a:effectRef>
-            <a:fontRef idx="minor">
-              <a:schemeClr val="lt1"/>
-            </a:fontRef>
-          </p:style>
-          <p:txBody>
-            <a:bodyPr rtlCol="0" anchor="ctr"/>
-            <a:lstStyle/>
-            <a:p>
-              <a:pPr algn="ctr"/>
-              <a:endParaRPr lang="en-US" i="1" dirty="0">
-                <a:solidFill>
-                  <a:schemeClr val="tx1"/>
-                </a:solidFill>
-              </a:endParaRPr>
-            </a:p>
-          </p:txBody>
-        </p:sp>
-        <p:sp>
-          <p:nvSpPr>
-            <p:cNvPr id="197" name="Chord 196">
-              <a:extLst>
-                <a:ext uri="{FF2B5EF4-FFF2-40B4-BE49-F238E27FC236}">
-                  <a16:creationId xmlns:a16="http://schemas.microsoft.com/office/drawing/2014/main" id="{810BAC14-E281-7844-B3A4-8BF3503088FE}"/>
-                </a:ext>
-              </a:extLst>
-            </p:cNvPr>
-            <p:cNvSpPr/>
-            <p:nvPr/>
-          </p:nvSpPr>
-          <p:spPr>
-            <a:xfrm>
-              <a:off x="3734347" y="784736"/>
-              <a:ext cx="632206" cy="632206"/>
-            </a:xfrm>
-            <a:prstGeom prst="chord">
-              <a:avLst>
-                <a:gd name="adj1" fmla="val 10506229"/>
-                <a:gd name="adj2" fmla="val 301460"/>
-              </a:avLst>
-            </a:prstGeom>
-            <a:solidFill>
-              <a:schemeClr val="accent4">
-                <a:lumMod val="60000"/>
-                <a:lumOff val="40000"/>
-              </a:schemeClr>
-            </a:solidFill>
-            <a:ln w="38100" cap="flat" cmpd="sng" algn="ctr">
-              <a:solidFill>
-                <a:srgbClr val="000000"/>
-              </a:solidFill>
-              <a:prstDash val="solid"/>
-              <a:round/>
-              <a:headEnd type="none" w="med" len="med"/>
-              <a:tailEnd type="none" w="med" len="med"/>
-            </a:ln>
-            <a:effectLst/>
-          </p:spPr>
-          <p:style>
-            <a:lnRef idx="1">
-              <a:schemeClr val="accent1"/>
-            </a:lnRef>
-            <a:fillRef idx="3">
-              <a:schemeClr val="accent1"/>
-            </a:fillRef>
-            <a:effectRef idx="2">
-              <a:schemeClr val="accent1"/>
-            </a:effectRef>
-            <a:fontRef idx="minor">
-              <a:schemeClr val="lt1"/>
-            </a:fontRef>
-          </p:style>
-          <p:txBody>
-            <a:bodyPr rtlCol="0" anchor="ctr"/>
-            <a:lstStyle/>
-            <a:p>
-              <a:pPr algn="ctr"/>
-              <a:endParaRPr lang="en-US"/>
-            </a:p>
-          </p:txBody>
-        </p:sp>
-        <p:pic>
-          <p:nvPicPr>
-            <p:cNvPr id="198" name="Picture 197">
-              <a:extLst>
-                <a:ext uri="{FF2B5EF4-FFF2-40B4-BE49-F238E27FC236}">
-                  <a16:creationId xmlns:a16="http://schemas.microsoft.com/office/drawing/2014/main" id="{0B64CE8A-E2C4-3146-800F-8D7220257BF3}"/>
-                </a:ext>
-              </a:extLst>
-            </p:cNvPr>
-            <p:cNvPicPr>
-              <a:picLocks noChangeAspect="1"/>
-            </p:cNvPicPr>
-            <p:nvPr/>
-          </p:nvPicPr>
-          <p:blipFill>
-            <a:blip r:embed="rId2">
-              <a:extLst>
-                <a:ext uri="{28A0092B-C50C-407E-A947-70E740481C1C}">
-                  <a14:useLocalDpi xmlns:a14="http://schemas.microsoft.com/office/drawing/2010/main" val="0"/>
-                </a:ext>
-              </a:extLst>
-            </a:blip>
-            <a:stretch>
-              <a:fillRect/>
-            </a:stretch>
-          </p:blipFill>
-          <p:spPr>
-            <a:xfrm>
-              <a:off x="2803319" y="413397"/>
-              <a:ext cx="771908" cy="771908"/>
-            </a:xfrm>
-            <a:prstGeom prst="rect">
-              <a:avLst/>
-            </a:prstGeom>
-          </p:spPr>
-        </p:pic>
-        <p:pic>
-          <p:nvPicPr>
-            <p:cNvPr id="199" name="Picture 198">
-              <a:extLst>
-                <a:ext uri="{FF2B5EF4-FFF2-40B4-BE49-F238E27FC236}">
-                  <a16:creationId xmlns:a16="http://schemas.microsoft.com/office/drawing/2014/main" id="{8EF4F2F1-EC55-BD47-9DAF-457A7332B637}"/>
-                </a:ext>
-              </a:extLst>
-            </p:cNvPr>
-            <p:cNvPicPr>
-              <a:picLocks noChangeAspect="1"/>
-            </p:cNvPicPr>
-            <p:nvPr/>
-          </p:nvPicPr>
-          <p:blipFill>
-            <a:blip r:embed="rId3">
-              <a:extLst>
-                <a:ext uri="{28A0092B-C50C-407E-A947-70E740481C1C}">
-                  <a14:useLocalDpi xmlns:a14="http://schemas.microsoft.com/office/drawing/2010/main" val="0"/>
-                </a:ext>
-              </a:extLst>
-            </a:blip>
-            <a:stretch>
-              <a:fillRect/>
-            </a:stretch>
-          </p:blipFill>
-          <p:spPr>
-            <a:xfrm>
-              <a:off x="5971536" y="499461"/>
-              <a:ext cx="794135" cy="794135"/>
-            </a:xfrm>
-            <a:prstGeom prst="rect">
-              <a:avLst/>
-            </a:prstGeom>
-          </p:spPr>
-        </p:pic>
-      </p:grpSp>
-      <p:cxnSp>
-        <p:nvCxnSpPr>
-          <p:cNvPr id="201" name="Straight Arrow Connector 200">
-            <a:extLst>
-              <a:ext uri="{FF2B5EF4-FFF2-40B4-BE49-F238E27FC236}">
-                <a16:creationId xmlns:a16="http://schemas.microsoft.com/office/drawing/2014/main" id="{D06AF7BC-E48F-CD45-BAD1-92408AABF821}"/>
-              </a:ext>
-            </a:extLst>
-          </p:cNvPr>
-          <p:cNvCxnSpPr/>
-          <p:nvPr/>
-        </p:nvCxnSpPr>
-        <p:spPr>
-          <a:xfrm flipV="1">
-            <a:off x="6445269" y="3600697"/>
-            <a:ext cx="0" cy="343873"/>
-          </a:xfrm>
-          <a:prstGeom prst="straightConnector1">
-            <a:avLst/>
-          </a:prstGeom>
-          <a:ln w="28575">
-            <a:solidFill>
-              <a:schemeClr val="accent3">
-                <a:lumMod val="75000"/>
-              </a:schemeClr>
-            </a:solidFill>
-            <a:headEnd type="none" w="med" len="med"/>
-            <a:tailEnd type="triangle" w="med" len="med"/>
-          </a:ln>
-        </p:spPr>
-        <p:style>
-          <a:lnRef idx="1">
-            <a:schemeClr val="dk1"/>
-          </a:lnRef>
-          <a:fillRef idx="0">
-            <a:schemeClr val="dk1"/>
-          </a:fillRef>
-          <a:effectRef idx="0">
-            <a:schemeClr val="dk1"/>
-          </a:effectRef>
-          <a:fontRef idx="minor">
-            <a:schemeClr val="tx1"/>
-          </a:fontRef>
-        </p:style>
-      </p:cxnSp>
-      <p:cxnSp>
-        <p:nvCxnSpPr>
-          <p:cNvPr id="204" name="Straight Arrow Connector 203">
-            <a:extLst>
-              <a:ext uri="{FF2B5EF4-FFF2-40B4-BE49-F238E27FC236}">
-                <a16:creationId xmlns:a16="http://schemas.microsoft.com/office/drawing/2014/main" id="{85578696-5668-D245-B173-BFE3BEB3EA62}"/>
-              </a:ext>
-            </a:extLst>
-          </p:cNvPr>
-          <p:cNvCxnSpPr>
-            <a:cxnSpLocks/>
-          </p:cNvCxnSpPr>
-          <p:nvPr/>
-        </p:nvCxnSpPr>
-        <p:spPr>
-          <a:xfrm flipV="1">
-            <a:off x="2467277" y="3497958"/>
-            <a:ext cx="0" cy="446612"/>
-          </a:xfrm>
-          <a:prstGeom prst="straightConnector1">
-            <a:avLst/>
-          </a:prstGeom>
-          <a:ln w="38100">
-            <a:tailEnd type="triangle"/>
-          </a:ln>
-        </p:spPr>
-        <p:style>
-          <a:lnRef idx="1">
-            <a:schemeClr val="accent1"/>
-          </a:lnRef>
-          <a:fillRef idx="0">
-            <a:schemeClr val="accent1"/>
-          </a:fillRef>
-          <a:effectRef idx="0">
-            <a:schemeClr val="accent1"/>
-          </a:effectRef>
-          <a:fontRef idx="minor">
-            <a:schemeClr val="tx1"/>
-          </a:fontRef>
-        </p:style>
-      </p:cxnSp>
-      <p:sp>
-        <p:nvSpPr>
-          <p:cNvPr id="205" name="Rectangle 204">
-            <a:extLst>
-              <a:ext uri="{FF2B5EF4-FFF2-40B4-BE49-F238E27FC236}">
-                <a16:creationId xmlns:a16="http://schemas.microsoft.com/office/drawing/2014/main" id="{9C98DBBB-28B7-D54C-85A6-E58DBF335FBA}"/>
-              </a:ext>
-            </a:extLst>
-          </p:cNvPr>
-          <p:cNvSpPr/>
-          <p:nvPr/>
-        </p:nvSpPr>
-        <p:spPr>
-          <a:xfrm>
-            <a:off x="3917077" y="3735830"/>
-            <a:ext cx="72024" cy="217715"/>
-          </a:xfrm>
-          <a:prstGeom prst="rect">
-            <a:avLst/>
-          </a:prstGeom>
-          <a:ln w="12700">
-            <a:solidFill>
-              <a:schemeClr val="tx2"/>
-            </a:solidFill>
-          </a:ln>
-        </p:spPr>
-        <p:style>
-          <a:lnRef idx="2">
-            <a:schemeClr val="accent1"/>
-          </a:lnRef>
-          <a:fillRef idx="1">
-            <a:schemeClr val="lt1"/>
-          </a:fillRef>
-          <a:effectRef idx="0">
-            <a:schemeClr val="accent1"/>
-          </a:effectRef>
-          <a:fontRef idx="minor">
-            <a:schemeClr val="dk1"/>
-          </a:fontRef>
-        </p:style>
-        <p:txBody>
-          <a:bodyPr rtlCol="0" anchor="ctr"/>
-          <a:lstStyle/>
-          <a:p>
-            <a:pPr algn="ctr"/>
-            <a:endParaRPr lang="en-US"/>
-          </a:p>
-        </p:txBody>
-      </p:sp>
-      <p:cxnSp>
-        <p:nvCxnSpPr>
-          <p:cNvPr id="207" name="Straight Connector 206">
-            <a:extLst>
-              <a:ext uri="{FF2B5EF4-FFF2-40B4-BE49-F238E27FC236}">
-                <a16:creationId xmlns:a16="http://schemas.microsoft.com/office/drawing/2014/main" id="{ED6F8D44-5200-9643-A502-8975C06D6E9F}"/>
-              </a:ext>
-            </a:extLst>
-          </p:cNvPr>
-          <p:cNvCxnSpPr>
-            <a:cxnSpLocks/>
-          </p:cNvCxnSpPr>
-          <p:nvPr/>
-        </p:nvCxnSpPr>
-        <p:spPr>
-          <a:xfrm rot="5400000">
-            <a:off x="3788822" y="5014995"/>
-            <a:ext cx="190500" cy="0"/>
-          </a:xfrm>
-          <a:prstGeom prst="line">
-            <a:avLst/>
-          </a:prstGeom>
-          <a:ln>
-            <a:solidFill>
-              <a:srgbClr val="FF0000"/>
-            </a:solidFill>
-          </a:ln>
-          <a:effectLst/>
-        </p:spPr>
-        <p:style>
-          <a:lnRef idx="2">
-            <a:schemeClr val="accent1"/>
-          </a:lnRef>
-          <a:fillRef idx="0">
-            <a:schemeClr val="accent1"/>
-          </a:fillRef>
-          <a:effectRef idx="1">
-            <a:schemeClr val="accent1"/>
-          </a:effectRef>
-          <a:fontRef idx="minor">
-            <a:schemeClr val="tx1"/>
-          </a:fontRef>
-        </p:style>
-      </p:cxnSp>
-      <p:cxnSp>
-        <p:nvCxnSpPr>
-          <p:cNvPr id="208" name="Straight Arrow Connector 5">
-            <a:extLst>
-              <a:ext uri="{FF2B5EF4-FFF2-40B4-BE49-F238E27FC236}">
-                <a16:creationId xmlns:a16="http://schemas.microsoft.com/office/drawing/2014/main" id="{64B7D57C-A579-834B-AD55-C8D7DE7039EF}"/>
-              </a:ext>
-            </a:extLst>
-          </p:cNvPr>
-          <p:cNvCxnSpPr>
-            <a:cxnSpLocks/>
-          </p:cNvCxnSpPr>
-          <p:nvPr/>
-        </p:nvCxnSpPr>
-        <p:spPr>
-          <a:xfrm>
-            <a:off x="2690111" y="5017813"/>
-            <a:ext cx="1193519" cy="0"/>
-          </a:xfrm>
-          <a:prstGeom prst="straightConnector1">
-            <a:avLst/>
-          </a:prstGeom>
-          <a:ln>
-            <a:solidFill>
-              <a:srgbClr val="FF0000"/>
-            </a:solidFill>
-            <a:headEnd type="none"/>
-            <a:tailEnd type="none"/>
-          </a:ln>
-          <a:effectLst/>
-        </p:spPr>
-        <p:style>
-          <a:lnRef idx="2">
-            <a:schemeClr val="accent1"/>
-          </a:lnRef>
-          <a:fillRef idx="0">
-            <a:schemeClr val="accent1"/>
-          </a:fillRef>
-          <a:effectRef idx="1">
-            <a:schemeClr val="accent1"/>
-          </a:effectRef>
-          <a:fontRef idx="minor">
-            <a:schemeClr val="tx1"/>
-          </a:fontRef>
-        </p:style>
-      </p:cxnSp>
-      <p:sp>
-        <p:nvSpPr>
-          <p:cNvPr id="209" name="Rounded Rectangle 208">
-            <a:extLst>
-              <a:ext uri="{FF2B5EF4-FFF2-40B4-BE49-F238E27FC236}">
-                <a16:creationId xmlns:a16="http://schemas.microsoft.com/office/drawing/2014/main" id="{8D862FBF-59FB-6447-AD92-008CA9CD103F}"/>
-              </a:ext>
-            </a:extLst>
-          </p:cNvPr>
-          <p:cNvSpPr/>
-          <p:nvPr/>
-        </p:nvSpPr>
-        <p:spPr>
-          <a:xfrm>
-            <a:off x="6189527" y="4954763"/>
-            <a:ext cx="515764" cy="282671"/>
-          </a:xfrm>
-          <a:prstGeom prst="roundRect">
-            <a:avLst>
-              <a:gd name="adj" fmla="val 50000"/>
-            </a:avLst>
-          </a:prstGeom>
-          <a:solidFill>
-            <a:schemeClr val="bg1"/>
-          </a:solidFill>
-          <a:ln w="19050">
-            <a:solidFill>
-              <a:schemeClr val="tx1"/>
-            </a:solidFill>
-          </a:ln>
-          <a:effectLst/>
-        </p:spPr>
-        <p:style>
-          <a:lnRef idx="1">
-            <a:schemeClr val="accent1"/>
-          </a:lnRef>
-          <a:fillRef idx="3">
-            <a:schemeClr val="accent1"/>
-          </a:fillRef>
-          <a:effectRef idx="2">
-            <a:schemeClr val="accent1"/>
-          </a:effectRef>
-          <a:fontRef idx="minor">
-            <a:schemeClr val="lt1"/>
-          </a:fontRef>
-        </p:style>
-        <p:txBody>
-          <a:bodyPr rtlCol="0" anchor="ctr"/>
-          <a:lstStyle/>
-          <a:p>
-            <a:pPr algn="ctr"/>
-            <a:endParaRPr lang="en-US"/>
-          </a:p>
-        </p:txBody>
-      </p:sp>
-      <p:sp>
-        <p:nvSpPr>
-          <p:cNvPr id="210" name="Rounded Rectangle 209">
-            <a:extLst>
-              <a:ext uri="{FF2B5EF4-FFF2-40B4-BE49-F238E27FC236}">
-                <a16:creationId xmlns:a16="http://schemas.microsoft.com/office/drawing/2014/main" id="{D08C9DE2-821E-924C-9355-AC6CBD360BA0}"/>
-              </a:ext>
-            </a:extLst>
-          </p:cNvPr>
-          <p:cNvSpPr/>
-          <p:nvPr/>
-        </p:nvSpPr>
-        <p:spPr>
-          <a:xfrm>
-            <a:off x="2220275" y="4884610"/>
-            <a:ext cx="515764" cy="282671"/>
-          </a:xfrm>
-          <a:prstGeom prst="roundRect">
-            <a:avLst>
-              <a:gd name="adj" fmla="val 50000"/>
-            </a:avLst>
-          </a:prstGeom>
-          <a:solidFill>
-            <a:schemeClr val="bg1"/>
-          </a:solidFill>
-          <a:ln w="19050">
-            <a:solidFill>
-              <a:schemeClr val="tx1"/>
-            </a:solidFill>
-          </a:ln>
-          <a:effectLst/>
-        </p:spPr>
-        <p:style>
-          <a:lnRef idx="1">
-            <a:schemeClr val="accent1"/>
-          </a:lnRef>
-          <a:fillRef idx="3">
-            <a:schemeClr val="accent1"/>
-          </a:fillRef>
-          <a:effectRef idx="2">
-            <a:schemeClr val="accent1"/>
-          </a:effectRef>
-          <a:fontRef idx="minor">
-            <a:schemeClr val="lt1"/>
-          </a:fontRef>
-        </p:style>
-        <p:txBody>
-          <a:bodyPr rtlCol="0" anchor="ctr"/>
-          <a:lstStyle/>
-          <a:p>
-            <a:pPr algn="ctr"/>
-            <a:endParaRPr lang="en-US"/>
-          </a:p>
-        </p:txBody>
-      </p:sp>
-      <p:sp>
-        <p:nvSpPr>
-          <p:cNvPr id="211" name="Rounded Rectangle 210">
-            <a:extLst>
-              <a:ext uri="{FF2B5EF4-FFF2-40B4-BE49-F238E27FC236}">
-                <a16:creationId xmlns:a16="http://schemas.microsoft.com/office/drawing/2014/main" id="{002F4467-70D0-EF48-B845-712C2ABD8989}"/>
-              </a:ext>
-            </a:extLst>
-          </p:cNvPr>
-          <p:cNvSpPr/>
-          <p:nvPr/>
-        </p:nvSpPr>
-        <p:spPr>
-          <a:xfrm>
-            <a:off x="2220275" y="3226503"/>
-            <a:ext cx="515764" cy="282671"/>
-          </a:xfrm>
-          <a:prstGeom prst="roundRect">
-            <a:avLst>
-              <a:gd name="adj" fmla="val 50000"/>
-            </a:avLst>
-          </a:prstGeom>
-          <a:solidFill>
-            <a:schemeClr val="bg1"/>
-          </a:solidFill>
-          <a:ln w="19050">
-            <a:solidFill>
-              <a:schemeClr val="tx1"/>
-            </a:solidFill>
-          </a:ln>
-          <a:effectLst/>
-        </p:spPr>
-        <p:style>
-          <a:lnRef idx="1">
-            <a:schemeClr val="accent1"/>
-          </a:lnRef>
-          <a:fillRef idx="3">
-            <a:schemeClr val="accent1"/>
-          </a:fillRef>
-          <a:effectRef idx="2">
-            <a:schemeClr val="accent1"/>
-          </a:effectRef>
-          <a:fontRef idx="minor">
-            <a:schemeClr val="lt1"/>
-          </a:fontRef>
-        </p:style>
-        <p:txBody>
-          <a:bodyPr rtlCol="0" anchor="ctr"/>
-          <a:lstStyle/>
-          <a:p>
-            <a:pPr algn="ctr"/>
-            <a:endParaRPr lang="en-US"/>
-          </a:p>
-        </p:txBody>
-      </p:sp>
-      <p:sp>
-        <p:nvSpPr>
-          <p:cNvPr id="212" name="Rounded Rectangle 211">
-            <a:extLst>
-              <a:ext uri="{FF2B5EF4-FFF2-40B4-BE49-F238E27FC236}">
-                <a16:creationId xmlns:a16="http://schemas.microsoft.com/office/drawing/2014/main" id="{E345E0B9-12F5-1F4C-B426-9311BC143B72}"/>
-              </a:ext>
-            </a:extLst>
-          </p:cNvPr>
-          <p:cNvSpPr/>
-          <p:nvPr/>
-        </p:nvSpPr>
-        <p:spPr>
-          <a:xfrm>
-            <a:off x="6174548" y="3308572"/>
-            <a:ext cx="515764" cy="282671"/>
-          </a:xfrm>
-          <a:prstGeom prst="roundRect">
-            <a:avLst>
-              <a:gd name="adj" fmla="val 50000"/>
-            </a:avLst>
-          </a:prstGeom>
-          <a:solidFill>
-            <a:schemeClr val="bg1"/>
-          </a:solidFill>
-          <a:ln w="19050">
-            <a:solidFill>
-              <a:schemeClr val="tx1"/>
-            </a:solidFill>
-          </a:ln>
-          <a:effectLst/>
-        </p:spPr>
-        <p:style>
-          <a:lnRef idx="1">
-            <a:schemeClr val="accent1"/>
-          </a:lnRef>
-          <a:fillRef idx="3">
-            <a:schemeClr val="accent1"/>
-          </a:fillRef>
-          <a:effectRef idx="2">
-            <a:schemeClr val="accent1"/>
-          </a:effectRef>
-          <a:fontRef idx="minor">
-            <a:schemeClr val="lt1"/>
-          </a:fontRef>
-        </p:style>
-        <p:txBody>
-          <a:bodyPr rtlCol="0" anchor="ctr"/>
-          <a:lstStyle/>
-          <a:p>
-            <a:pPr algn="ctr"/>
-            <a:endParaRPr lang="en-US"/>
-          </a:p>
-        </p:txBody>
-      </p:sp>
-      <p:sp>
-        <p:nvSpPr>
-          <p:cNvPr id="213" name="Rounded Rectangle 212">
-            <a:extLst>
-              <a:ext uri="{FF2B5EF4-FFF2-40B4-BE49-F238E27FC236}">
-                <a16:creationId xmlns:a16="http://schemas.microsoft.com/office/drawing/2014/main" id="{41E3AFF9-F632-EE48-A666-DC42506BCFEA}"/>
-              </a:ext>
-            </a:extLst>
-          </p:cNvPr>
-          <p:cNvSpPr/>
-          <p:nvPr/>
-        </p:nvSpPr>
-        <p:spPr>
-          <a:xfrm>
-            <a:off x="6189527" y="1315954"/>
-            <a:ext cx="515764" cy="282671"/>
-          </a:xfrm>
-          <a:prstGeom prst="roundRect">
-            <a:avLst>
-              <a:gd name="adj" fmla="val 50000"/>
-            </a:avLst>
-          </a:prstGeom>
-          <a:solidFill>
-            <a:schemeClr val="bg1"/>
-          </a:solidFill>
-          <a:ln w="19050">
-            <a:solidFill>
-              <a:schemeClr val="tx1"/>
-            </a:solidFill>
-          </a:ln>
-          <a:effectLst/>
-        </p:spPr>
-        <p:style>
-          <a:lnRef idx="1">
-            <a:schemeClr val="accent1"/>
-          </a:lnRef>
-          <a:fillRef idx="3">
-            <a:schemeClr val="accent1"/>
-          </a:fillRef>
-          <a:effectRef idx="2">
-            <a:schemeClr val="accent1"/>
-          </a:effectRef>
-          <a:fontRef idx="minor">
-            <a:schemeClr val="lt1"/>
-          </a:fontRef>
-        </p:style>
-        <p:txBody>
-          <a:bodyPr rtlCol="0" anchor="ctr"/>
-          <a:lstStyle/>
-          <a:p>
-            <a:pPr algn="ctr"/>
-            <a:endParaRPr lang="en-US"/>
-          </a:p>
-        </p:txBody>
-      </p:sp>
-      <p:sp>
-        <p:nvSpPr>
-          <p:cNvPr id="214" name="Rounded Rectangle 213">
-            <a:extLst>
-              <a:ext uri="{FF2B5EF4-FFF2-40B4-BE49-F238E27FC236}">
-                <a16:creationId xmlns:a16="http://schemas.microsoft.com/office/drawing/2014/main" id="{559561F5-1590-F745-B22C-FE9075101618}"/>
-              </a:ext>
-            </a:extLst>
-          </p:cNvPr>
-          <p:cNvSpPr/>
-          <p:nvPr/>
-        </p:nvSpPr>
-        <p:spPr>
-          <a:xfrm>
-            <a:off x="2209395" y="1215465"/>
-            <a:ext cx="515764" cy="282671"/>
-          </a:xfrm>
-          <a:prstGeom prst="roundRect">
-            <a:avLst>
-              <a:gd name="adj" fmla="val 50000"/>
-            </a:avLst>
-          </a:prstGeom>
-          <a:solidFill>
-            <a:schemeClr val="bg1"/>
-          </a:solidFill>
-          <a:ln w="19050">
-            <a:solidFill>
-              <a:schemeClr val="tx1"/>
-            </a:solidFill>
-          </a:ln>
-          <a:effectLst/>
-        </p:spPr>
-        <p:style>
-          <a:lnRef idx="1">
-            <a:schemeClr val="accent1"/>
-          </a:lnRef>
-          <a:fillRef idx="3">
-            <a:schemeClr val="accent1"/>
-          </a:fillRef>
-          <a:effectRef idx="2">
-            <a:schemeClr val="accent1"/>
-          </a:effectRef>
-          <a:fontRef idx="minor">
-            <a:schemeClr val="lt1"/>
-          </a:fontRef>
-        </p:style>
-        <p:txBody>
-          <a:bodyPr rtlCol="0" anchor="ctr"/>
-          <a:lstStyle/>
-          <a:p>
-            <a:pPr algn="ctr"/>
-            <a:endParaRPr lang="en-US"/>
-          </a:p>
-        </p:txBody>
-      </p:sp>
-    </p:spTree>
-    <p:extLst>
-      <p:ext uri="{BB962C8B-B14F-4D97-AF65-F5344CB8AC3E}">
-        <p14:creationId xmlns:p14="http://schemas.microsoft.com/office/powerpoint/2010/main" val="2149637727"/>
-      </p:ext>
-    </p:extLst>
-  </p:cSld>
-  <p:clrMapOvr>
-    <a:masterClrMapping/>
-  </p:clrMapOvr>
-</p:sld>
-</file>
-
-<file path=ppt/slides/slide8.xml><?xml version="1.0" encoding="utf-8"?>
-<p:sld xmlns:a="http://schemas.openxmlformats.org/drawingml/2006/main" xmlns:r="http://schemas.openxmlformats.org/officeDocument/2006/relationships" xmlns:p="http://schemas.openxmlformats.org/presentationml/2006/main">
-  <p:cSld>
-    <p:spTree>
-      <p:nvGrpSpPr>
-        <p:cNvPr id="1" name=""/>
-        <p:cNvGrpSpPr/>
-        <p:nvPr/>
-      </p:nvGrpSpPr>
-      <p:grpSpPr>
-        <a:xfrm>
-          <a:off x="0" y="0"/>
-          <a:ext cx="0" cy="0"/>
-          <a:chOff x="0" y="0"/>
-          <a:chExt cx="0" cy="0"/>
-        </a:xfrm>
-      </p:grpSpPr>
-      <p:sp>
-        <p:nvSpPr>
-          <p:cNvPr id="73" name="TextBox 72">
-            <a:extLst>
-              <a:ext uri="{FF2B5EF4-FFF2-40B4-BE49-F238E27FC236}">
-                <a16:creationId xmlns:a16="http://schemas.microsoft.com/office/drawing/2014/main" id="{863769F8-02CE-034E-988B-4EF2BB33EA57}"/>
-              </a:ext>
-            </a:extLst>
-          </p:cNvPr>
-          <p:cNvSpPr txBox="1"/>
-          <p:nvPr/>
-        </p:nvSpPr>
-        <p:spPr>
-          <a:xfrm>
-            <a:off x="139700" y="165100"/>
-            <a:ext cx="1111202" cy="369332"/>
-          </a:xfrm>
-          <a:prstGeom prst="rect">
-            <a:avLst/>
-          </a:prstGeom>
-          <a:noFill/>
-        </p:spPr>
-        <p:txBody>
-          <a:bodyPr wrap="none" rtlCol="0">
-            <a:spAutoFit/>
-          </a:bodyPr>
-          <a:lstStyle/>
-          <a:p>
-            <a:r>
-              <a:rPr lang="en-US" dirty="0"/>
-              <a:t>Module D</a:t>
+              <a:t>SHOULD NOT</a:t>
             </a:r>
           </a:p>
         </p:txBody>
@@ -18219,7 +14031,7 @@
         <p:spPr>
           <a:xfrm>
             <a:off x="4631374" y="2447662"/>
-            <a:ext cx="610167" cy="369332"/>
+            <a:ext cx="1205971" cy="369332"/>
           </a:xfrm>
           <a:prstGeom prst="rect">
             <a:avLst/>
@@ -18234,7 +14046,7 @@
           <a:p>
             <a:r>
               <a:rPr lang="en-US" dirty="0"/>
-              <a:t>MAY</a:t>
+              <a:t>MUST NOT</a:t>
             </a:r>
           </a:p>
         </p:txBody>
@@ -19241,102 +15053,6 @@
       </p:sp>
       <p:cxnSp>
         <p:nvCxnSpPr>
-          <p:cNvPr id="68" name="Straight Connector 67">
-            <a:extLst>
-              <a:ext uri="{FF2B5EF4-FFF2-40B4-BE49-F238E27FC236}">
-                <a16:creationId xmlns:a16="http://schemas.microsoft.com/office/drawing/2014/main" id="{7D7BF63B-A1F4-154C-8A4C-E6EC1EDD30FD}"/>
-              </a:ext>
-            </a:extLst>
-          </p:cNvPr>
-          <p:cNvCxnSpPr>
-            <a:cxnSpLocks/>
-          </p:cNvCxnSpPr>
-          <p:nvPr/>
-        </p:nvCxnSpPr>
-        <p:spPr>
-          <a:xfrm>
-            <a:off x="2679237" y="3308452"/>
-            <a:ext cx="759916" cy="0"/>
-          </a:xfrm>
-          <a:prstGeom prst="line">
-            <a:avLst/>
-          </a:prstGeom>
-          <a:ln>
-            <a:solidFill>
-              <a:schemeClr val="tx1">
-                <a:lumMod val="50000"/>
-                <a:lumOff val="50000"/>
-              </a:schemeClr>
-            </a:solidFill>
-            <a:prstDash val="dash"/>
-          </a:ln>
-          <a:effectLst/>
-        </p:spPr>
-        <p:style>
-          <a:lnRef idx="2">
-            <a:schemeClr val="accent1"/>
-          </a:lnRef>
-          <a:fillRef idx="0">
-            <a:schemeClr val="accent1"/>
-          </a:fillRef>
-          <a:effectRef idx="1">
-            <a:schemeClr val="accent1"/>
-          </a:effectRef>
-          <a:fontRef idx="minor">
-            <a:schemeClr val="tx1"/>
-          </a:fontRef>
-        </p:style>
-      </p:cxnSp>
-      <p:cxnSp>
-        <p:nvCxnSpPr>
-          <p:cNvPr id="70" name="Straight Connector 69">
-            <a:extLst>
-              <a:ext uri="{FF2B5EF4-FFF2-40B4-BE49-F238E27FC236}">
-                <a16:creationId xmlns:a16="http://schemas.microsoft.com/office/drawing/2014/main" id="{E56C4988-C2A8-004B-BAFC-C6E678A4118D}"/>
-              </a:ext>
-            </a:extLst>
-          </p:cNvPr>
-          <p:cNvCxnSpPr>
-            <a:cxnSpLocks/>
-          </p:cNvCxnSpPr>
-          <p:nvPr/>
-        </p:nvCxnSpPr>
-        <p:spPr>
-          <a:xfrm>
-            <a:off x="4046216" y="3307647"/>
-            <a:ext cx="269731" cy="0"/>
-          </a:xfrm>
-          <a:prstGeom prst="line">
-            <a:avLst/>
-          </a:prstGeom>
-          <a:ln>
-            <a:solidFill>
-              <a:schemeClr val="tx1">
-                <a:lumMod val="50000"/>
-                <a:lumOff val="50000"/>
-              </a:schemeClr>
-            </a:solidFill>
-            <a:prstDash val="dash"/>
-          </a:ln>
-          <a:effectLst/>
-        </p:spPr>
-        <p:style>
-          <a:lnRef idx="2">
-            <a:schemeClr val="accent1"/>
-          </a:lnRef>
-          <a:fillRef idx="0">
-            <a:schemeClr val="accent1"/>
-          </a:fillRef>
-          <a:effectRef idx="1">
-            <a:schemeClr val="accent1"/>
-          </a:effectRef>
-          <a:fontRef idx="minor">
-            <a:schemeClr val="tx1"/>
-          </a:fontRef>
-        </p:style>
-      </p:cxnSp>
-      <p:cxnSp>
-        <p:nvCxnSpPr>
           <p:cNvPr id="72" name="Straight Connector 71">
             <a:extLst>
               <a:ext uri="{FF2B5EF4-FFF2-40B4-BE49-F238E27FC236}">
@@ -19385,197 +15101,10 @@
       </p:cxnSp>
       <p:sp>
         <p:nvSpPr>
-          <p:cNvPr id="56" name="TextBox 55">
+          <p:cNvPr id="75" name="Rounded Rectangle 74">
             <a:extLst>
               <a:ext uri="{FF2B5EF4-FFF2-40B4-BE49-F238E27FC236}">
-                <a16:creationId xmlns:a16="http://schemas.microsoft.com/office/drawing/2014/main" id="{3DC31A4D-E4AF-BA43-8077-3FCFF3A4D2C6}"/>
-              </a:ext>
-            </a:extLst>
-          </p:cNvPr>
-          <p:cNvSpPr txBox="1"/>
-          <p:nvPr/>
-        </p:nvSpPr>
-        <p:spPr>
-          <a:xfrm>
-            <a:off x="5638113" y="360481"/>
-            <a:ext cx="3066160" cy="523220"/>
-          </a:xfrm>
-          <a:prstGeom prst="rect">
-            <a:avLst/>
-          </a:prstGeom>
-          <a:noFill/>
-        </p:spPr>
-        <p:txBody>
-          <a:bodyPr wrap="none" rtlCol="0">
-            <a:spAutoFit/>
-          </a:bodyPr>
-          <a:lstStyle/>
-          <a:p>
-            <a:r>
-              <a:rPr lang="en-US" sz="2800" b="1" dirty="0">
-                <a:solidFill>
-                  <a:srgbClr val="FF0000"/>
-                </a:solidFill>
-              </a:rPr>
-              <a:t>OBSOLETE: </a:t>
-            </a:r>
-            <a:r>
-              <a:rPr lang="en-US" sz="2800" b="1" dirty="0" err="1">
-                <a:solidFill>
-                  <a:srgbClr val="FF0000"/>
-                </a:solidFill>
-              </a:rPr>
-              <a:t>MapsTo</a:t>
-            </a:r>
-            <a:endParaRPr lang="en-US" sz="2800" b="1" dirty="0">
-              <a:solidFill>
-                <a:srgbClr val="FF0000"/>
-              </a:solidFill>
-            </a:endParaRPr>
-          </a:p>
-        </p:txBody>
-      </p:sp>
-    </p:spTree>
-    <p:extLst>
-      <p:ext uri="{BB962C8B-B14F-4D97-AF65-F5344CB8AC3E}">
-        <p14:creationId xmlns:p14="http://schemas.microsoft.com/office/powerpoint/2010/main" val="2131841584"/>
-      </p:ext>
-    </p:extLst>
-  </p:cSld>
-  <p:clrMapOvr>
-    <a:masterClrMapping/>
-  </p:clrMapOvr>
-</p:sld>
-</file>
-
-<file path=ppt/slides/slide9.xml><?xml version="1.0" encoding="utf-8"?>
-<p:sld xmlns:a="http://schemas.openxmlformats.org/drawingml/2006/main" xmlns:r="http://schemas.openxmlformats.org/officeDocument/2006/relationships" xmlns:p="http://schemas.openxmlformats.org/presentationml/2006/main">
-  <p:cSld>
-    <p:spTree>
-      <p:nvGrpSpPr>
-        <p:cNvPr id="1" name=""/>
-        <p:cNvGrpSpPr/>
-        <p:nvPr/>
-      </p:nvGrpSpPr>
-      <p:grpSpPr>
-        <a:xfrm>
-          <a:off x="0" y="0"/>
-          <a:ext cx="0" cy="0"/>
-          <a:chOff x="0" y="0"/>
-          <a:chExt cx="0" cy="0"/>
-        </a:xfrm>
-      </p:grpSpPr>
-      <p:sp>
-        <p:nvSpPr>
-          <p:cNvPr id="73" name="TextBox 72">
-            <a:extLst>
-              <a:ext uri="{FF2B5EF4-FFF2-40B4-BE49-F238E27FC236}">
-                <a16:creationId xmlns:a16="http://schemas.microsoft.com/office/drawing/2014/main" id="{863769F8-02CE-034E-988B-4EF2BB33EA57}"/>
-              </a:ext>
-            </a:extLst>
-          </p:cNvPr>
-          <p:cNvSpPr txBox="1"/>
-          <p:nvPr/>
-        </p:nvSpPr>
-        <p:spPr>
-          <a:xfrm>
-            <a:off x="139700" y="165100"/>
-            <a:ext cx="1111202" cy="369332"/>
-          </a:xfrm>
-          <a:prstGeom prst="rect">
-            <a:avLst/>
-          </a:prstGeom>
-          <a:noFill/>
-        </p:spPr>
-        <p:txBody>
-          <a:bodyPr wrap="none" rtlCol="0">
-            <a:spAutoFit/>
-          </a:bodyPr>
-          <a:lstStyle/>
-          <a:p>
-            <a:r>
-              <a:rPr lang="en-US" dirty="0"/>
-              <a:t>Module D</a:t>
-            </a:r>
-          </a:p>
-        </p:txBody>
-      </p:sp>
-      <p:sp>
-        <p:nvSpPr>
-          <p:cNvPr id="165" name="TextBox 164">
-            <a:extLst>
-              <a:ext uri="{FF2B5EF4-FFF2-40B4-BE49-F238E27FC236}">
-                <a16:creationId xmlns:a16="http://schemas.microsoft.com/office/drawing/2014/main" id="{80E42378-F9A9-BB48-B159-01E6D56E5DA7}"/>
-              </a:ext>
-            </a:extLst>
-          </p:cNvPr>
-          <p:cNvSpPr txBox="1"/>
-          <p:nvPr/>
-        </p:nvSpPr>
-        <p:spPr>
-          <a:xfrm>
-            <a:off x="3335521" y="320586"/>
-            <a:ext cx="1435201" cy="369332"/>
-          </a:xfrm>
-          <a:prstGeom prst="rect">
-            <a:avLst/>
-          </a:prstGeom>
-          <a:noFill/>
-        </p:spPr>
-        <p:txBody>
-          <a:bodyPr wrap="none" rtlCol="0">
-            <a:spAutoFit/>
-          </a:bodyPr>
-          <a:lstStyle/>
-          <a:p>
-            <a:r>
-              <a:rPr lang="en-US" dirty="0"/>
-              <a:t>SHOULD NOT</a:t>
-            </a:r>
-          </a:p>
-        </p:txBody>
-      </p:sp>
-      <p:sp>
-        <p:nvSpPr>
-          <p:cNvPr id="109" name="TextBox 108">
-            <a:extLst>
-              <a:ext uri="{FF2B5EF4-FFF2-40B4-BE49-F238E27FC236}">
-                <a16:creationId xmlns:a16="http://schemas.microsoft.com/office/drawing/2014/main" id="{46299D71-34A0-674F-A4B1-1B36A54ABCC7}"/>
-              </a:ext>
-            </a:extLst>
-          </p:cNvPr>
-          <p:cNvSpPr txBox="1"/>
-          <p:nvPr/>
-        </p:nvSpPr>
-        <p:spPr>
-          <a:xfrm>
-            <a:off x="4631374" y="2447662"/>
-            <a:ext cx="1205971" cy="369332"/>
-          </a:xfrm>
-          <a:prstGeom prst="rect">
-            <a:avLst/>
-          </a:prstGeom>
-          <a:noFill/>
-        </p:spPr>
-        <p:txBody>
-          <a:bodyPr wrap="none" rtlCol="0">
-            <a:spAutoFit/>
-          </a:bodyPr>
-          <a:lstStyle/>
-          <a:p>
-            <a:r>
-              <a:rPr lang="en-US" dirty="0"/>
-              <a:t>MUST NOT</a:t>
-            </a:r>
-          </a:p>
-        </p:txBody>
-      </p:sp>
-      <p:sp>
-        <p:nvSpPr>
-          <p:cNvPr id="123" name="Rounded Rectangle 122">
-            <a:extLst>
-              <a:ext uri="{FF2B5EF4-FFF2-40B4-BE49-F238E27FC236}">
-                <a16:creationId xmlns:a16="http://schemas.microsoft.com/office/drawing/2014/main" id="{B63430C6-EB59-9245-8AC6-BE3948C72C3B}"/>
+                <a16:creationId xmlns:a16="http://schemas.microsoft.com/office/drawing/2014/main" id="{066E2C9F-C867-D042-87BD-2583BF6BB03C}"/>
               </a:ext>
             </a:extLst>
           </p:cNvPr>
@@ -19584,7 +15113,7 @@
         </p:nvSpPr>
         <p:spPr>
           <a:xfrm>
-            <a:off x="4002121" y="2917514"/>
+            <a:off x="3993381" y="4633754"/>
             <a:ext cx="3653930" cy="1483611"/>
           </a:xfrm>
           <a:prstGeom prst="roundRect">
@@ -19626,23 +15155,23 @@
       </p:sp>
       <p:cxnSp>
         <p:nvCxnSpPr>
-          <p:cNvPr id="124" name="Straight Arrow Connector 5">
+          <p:cNvPr id="76" name="Straight Arrow Connector 5">
             <a:extLst>
               <a:ext uri="{FF2B5EF4-FFF2-40B4-BE49-F238E27FC236}">
-                <a16:creationId xmlns:a16="http://schemas.microsoft.com/office/drawing/2014/main" id="{89539812-804E-644F-BFCA-2B9DD3459350}"/>
+                <a16:creationId xmlns:a16="http://schemas.microsoft.com/office/drawing/2014/main" id="{342B6265-6A50-594C-AE29-9B8A7B1FBB39}"/>
               </a:ext>
             </a:extLst>
           </p:cNvPr>
           <p:cNvCxnSpPr>
             <a:cxnSpLocks/>
-            <a:endCxn id="136" idx="0"/>
+            <a:endCxn id="88" idx="0"/>
           </p:cNvCxnSpPr>
           <p:nvPr/>
         </p:nvCxnSpPr>
         <p:spPr>
           <a:xfrm>
-            <a:off x="4770722" y="3308452"/>
-            <a:ext cx="316051" cy="222196"/>
+            <a:off x="2690111" y="5020649"/>
+            <a:ext cx="2387922" cy="226239"/>
           </a:xfrm>
           <a:prstGeom prst="bentConnector2">
             <a:avLst/>
@@ -19673,10 +15202,10 @@
       </p:cxnSp>
       <p:cxnSp>
         <p:nvCxnSpPr>
-          <p:cNvPr id="125" name="Straight Connector 124">
+          <p:cNvPr id="77" name="Straight Connector 76">
             <a:extLst>
               <a:ext uri="{FF2B5EF4-FFF2-40B4-BE49-F238E27FC236}">
-                <a16:creationId xmlns:a16="http://schemas.microsoft.com/office/drawing/2014/main" id="{18FF364C-9A1E-7042-BFF5-08FA96FEECB8}"/>
+                <a16:creationId xmlns:a16="http://schemas.microsoft.com/office/drawing/2014/main" id="{399F652F-FC73-EF4E-AB52-17E534E40A09}"/>
               </a:ext>
             </a:extLst>
           </p:cNvPr>
@@ -19685,7 +15214,7 @@
         </p:nvCxnSpPr>
         <p:spPr>
           <a:xfrm>
-            <a:off x="4991523" y="3531493"/>
+            <a:off x="4982783" y="5247733"/>
             <a:ext cx="190500" cy="0"/>
           </a:xfrm>
           <a:prstGeom prst="line">
@@ -19715,10 +15244,10 @@
       </p:cxnSp>
       <p:grpSp>
         <p:nvGrpSpPr>
-          <p:cNvPr id="126" name="Group 125">
+          <p:cNvPr id="78" name="Group 77">
             <a:extLst>
               <a:ext uri="{FF2B5EF4-FFF2-40B4-BE49-F238E27FC236}">
-                <a16:creationId xmlns:a16="http://schemas.microsoft.com/office/drawing/2014/main" id="{C8CBB5D3-2A82-F347-8768-A0E26939D826}"/>
+                <a16:creationId xmlns:a16="http://schemas.microsoft.com/office/drawing/2014/main" id="{7F322343-0C68-0D4E-8CA2-158D7319F27E}"/>
               </a:ext>
             </a:extLst>
           </p:cNvPr>
@@ -19727,7 +15256,7 @@
         </p:nvGrpSpPr>
         <p:grpSpPr>
           <a:xfrm>
-            <a:off x="649550" y="3530648"/>
+            <a:off x="640810" y="5246888"/>
             <a:ext cx="2737576" cy="654654"/>
             <a:chOff x="2569133" y="413397"/>
             <a:chExt cx="4196538" cy="1003545"/>
@@ -19735,10 +15264,10 @@
         </p:grpSpPr>
         <p:cxnSp>
           <p:nvCxnSpPr>
-            <p:cNvPr id="127" name="Straight Connector 126">
+            <p:cNvPr id="79" name="Straight Connector 78">
               <a:extLst>
                 <a:ext uri="{FF2B5EF4-FFF2-40B4-BE49-F238E27FC236}">
-                  <a16:creationId xmlns:a16="http://schemas.microsoft.com/office/drawing/2014/main" id="{28511621-3697-E641-87CC-23BBD46DE63C}"/>
+                  <a16:creationId xmlns:a16="http://schemas.microsoft.com/office/drawing/2014/main" id="{B0C89411-CEFB-9D4A-A066-5A2E5F42B3CE}"/>
                 </a:ext>
               </a:extLst>
             </p:cNvPr>
@@ -19781,10 +15310,10 @@
         </p:cxnSp>
         <p:sp>
           <p:nvSpPr>
-            <p:cNvPr id="128" name="Right Arrow 127">
+            <p:cNvPr id="80" name="Right Arrow 79">
               <a:extLst>
                 <a:ext uri="{FF2B5EF4-FFF2-40B4-BE49-F238E27FC236}">
-                  <a16:creationId xmlns:a16="http://schemas.microsoft.com/office/drawing/2014/main" id="{05B9150A-7BF8-8643-B2E6-51C25F8533DE}"/>
+                  <a16:creationId xmlns:a16="http://schemas.microsoft.com/office/drawing/2014/main" id="{B8ED96CD-FBF9-0E43-BF87-344F542A2625}"/>
                 </a:ext>
               </a:extLst>
             </p:cNvPr>
@@ -19845,10 +15374,10 @@
         </p:sp>
         <p:sp>
           <p:nvSpPr>
-            <p:cNvPr id="129" name="Chord 128">
+            <p:cNvPr id="81" name="Chord 80">
               <a:extLst>
                 <a:ext uri="{FF2B5EF4-FFF2-40B4-BE49-F238E27FC236}">
-                  <a16:creationId xmlns:a16="http://schemas.microsoft.com/office/drawing/2014/main" id="{4318A2A1-B0F5-BC40-90DF-B4C6ED3A8E7E}"/>
+                  <a16:creationId xmlns:a16="http://schemas.microsoft.com/office/drawing/2014/main" id="{086B8700-13AF-4C49-B3F3-D2DF9BAFD9DA}"/>
                 </a:ext>
               </a:extLst>
             </p:cNvPr>
@@ -19908,10 +15437,10 @@
         </p:sp>
         <p:pic>
           <p:nvPicPr>
-            <p:cNvPr id="130" name="Picture 129">
+            <p:cNvPr id="82" name="Picture 81">
               <a:extLst>
                 <a:ext uri="{FF2B5EF4-FFF2-40B4-BE49-F238E27FC236}">
-                  <a16:creationId xmlns:a16="http://schemas.microsoft.com/office/drawing/2014/main" id="{48935D8D-7844-4F4E-9097-0A290CBDF431}"/>
+                  <a16:creationId xmlns:a16="http://schemas.microsoft.com/office/drawing/2014/main" id="{895D932A-83E8-1841-82DF-C02B381DBEF6}"/>
                 </a:ext>
               </a:extLst>
             </p:cNvPr>
@@ -19944,10 +15473,10 @@
         </p:pic>
         <p:pic>
           <p:nvPicPr>
-            <p:cNvPr id="131" name="Picture 130">
+            <p:cNvPr id="83" name="Picture 82">
               <a:extLst>
                 <a:ext uri="{FF2B5EF4-FFF2-40B4-BE49-F238E27FC236}">
-                  <a16:creationId xmlns:a16="http://schemas.microsoft.com/office/drawing/2014/main" id="{84E8D291-662F-9E42-858A-FAC31250F0BD}"/>
+                  <a16:creationId xmlns:a16="http://schemas.microsoft.com/office/drawing/2014/main" id="{41997FDE-9127-5C40-A21A-8F0A953B25A6}"/>
                 </a:ext>
               </a:extLst>
             </p:cNvPr>
@@ -19981,10 +15510,10 @@
       </p:grpSp>
       <p:grpSp>
         <p:nvGrpSpPr>
-          <p:cNvPr id="132" name="Group 131">
+          <p:cNvPr id="84" name="Group 83">
             <a:extLst>
               <a:ext uri="{FF2B5EF4-FFF2-40B4-BE49-F238E27FC236}">
-                <a16:creationId xmlns:a16="http://schemas.microsoft.com/office/drawing/2014/main" id="{F8730F51-65CC-8145-A9A5-CBBF1D1919EC}"/>
+                <a16:creationId xmlns:a16="http://schemas.microsoft.com/office/drawing/2014/main" id="{8F4E72CC-0763-DD43-8F06-9E182492ECAA}"/>
               </a:ext>
             </a:extLst>
           </p:cNvPr>
@@ -19993,7 +15522,7 @@
         </p:nvGrpSpPr>
         <p:grpSpPr>
           <a:xfrm>
-            <a:off x="4730372" y="3530648"/>
+            <a:off x="4721632" y="5246888"/>
             <a:ext cx="2689434" cy="654654"/>
             <a:chOff x="2642932" y="413397"/>
             <a:chExt cx="4122739" cy="1003545"/>
@@ -20001,10 +15530,10 @@
         </p:grpSpPr>
         <p:cxnSp>
           <p:nvCxnSpPr>
-            <p:cNvPr id="133" name="Straight Connector 132">
+            <p:cNvPr id="85" name="Straight Connector 84">
               <a:extLst>
                 <a:ext uri="{FF2B5EF4-FFF2-40B4-BE49-F238E27FC236}">
-                  <a16:creationId xmlns:a16="http://schemas.microsoft.com/office/drawing/2014/main" id="{033886BB-4AE9-5148-AC86-C38D4785D046}"/>
+                  <a16:creationId xmlns:a16="http://schemas.microsoft.com/office/drawing/2014/main" id="{3B59A059-825F-6D4B-8853-4F47D3B0C6A4}"/>
                 </a:ext>
               </a:extLst>
             </p:cNvPr>
@@ -20049,10 +15578,10 @@
         </p:cxnSp>
         <p:sp>
           <p:nvSpPr>
-            <p:cNvPr id="134" name="Right Arrow 133">
+            <p:cNvPr id="86" name="Right Arrow 85">
               <a:extLst>
                 <a:ext uri="{FF2B5EF4-FFF2-40B4-BE49-F238E27FC236}">
-                  <a16:creationId xmlns:a16="http://schemas.microsoft.com/office/drawing/2014/main" id="{09CFEDCF-001E-2B46-8528-F5D89CE7D8E6}"/>
+                  <a16:creationId xmlns:a16="http://schemas.microsoft.com/office/drawing/2014/main" id="{0483E213-F299-6448-830E-1B9B22EA791C}"/>
                 </a:ext>
               </a:extLst>
             </p:cNvPr>
@@ -20113,10 +15642,10 @@
         </p:sp>
         <p:sp>
           <p:nvSpPr>
-            <p:cNvPr id="135" name="Chord 134">
+            <p:cNvPr id="87" name="Chord 86">
               <a:extLst>
                 <a:ext uri="{FF2B5EF4-FFF2-40B4-BE49-F238E27FC236}">
-                  <a16:creationId xmlns:a16="http://schemas.microsoft.com/office/drawing/2014/main" id="{30C134E0-A2C4-0C48-8E1F-A00CC76F5697}"/>
+                  <a16:creationId xmlns:a16="http://schemas.microsoft.com/office/drawing/2014/main" id="{1A32DF0C-A117-3C49-A6BF-F4F4FE92B5C3}"/>
                 </a:ext>
               </a:extLst>
             </p:cNvPr>
@@ -20176,10 +15705,10 @@
         </p:sp>
         <p:pic>
           <p:nvPicPr>
-            <p:cNvPr id="136" name="Picture 135">
+            <p:cNvPr id="88" name="Picture 87">
               <a:extLst>
                 <a:ext uri="{FF2B5EF4-FFF2-40B4-BE49-F238E27FC236}">
-                  <a16:creationId xmlns:a16="http://schemas.microsoft.com/office/drawing/2014/main" id="{1FB8AABB-8744-8A47-A8D8-29ABC5F7C269}"/>
+                  <a16:creationId xmlns:a16="http://schemas.microsoft.com/office/drawing/2014/main" id="{6750FD3C-715E-0641-9E46-D448191C6B0A}"/>
                 </a:ext>
               </a:extLst>
             </p:cNvPr>
@@ -20212,10 +15741,10 @@
         </p:pic>
         <p:pic>
           <p:nvPicPr>
-            <p:cNvPr id="137" name="Picture 136">
+            <p:cNvPr id="93" name="Picture 92">
               <a:extLst>
                 <a:ext uri="{FF2B5EF4-FFF2-40B4-BE49-F238E27FC236}">
-                  <a16:creationId xmlns:a16="http://schemas.microsoft.com/office/drawing/2014/main" id="{2AD66491-7699-F443-A45A-22CA296E7791}"/>
+                  <a16:creationId xmlns:a16="http://schemas.microsoft.com/office/drawing/2014/main" id="{474AF545-491F-6C4D-9769-7040606050C8}"/>
                 </a:ext>
               </a:extLst>
             </p:cNvPr>
@@ -20249,10 +15778,10 @@
       </p:grpSp>
       <p:pic>
         <p:nvPicPr>
-          <p:cNvPr id="138" name="Picture 137">
+          <p:cNvPr id="94" name="Picture 93">
             <a:extLst>
               <a:ext uri="{FF2B5EF4-FFF2-40B4-BE49-F238E27FC236}">
-                <a16:creationId xmlns:a16="http://schemas.microsoft.com/office/drawing/2014/main" id="{919F43F9-0B0D-5841-A3CA-E6945F62917F}"/>
+                <a16:creationId xmlns:a16="http://schemas.microsoft.com/office/drawing/2014/main" id="{2CFF4F59-E5BD-354F-A758-1CF2303C8715}"/>
               </a:ext>
             </a:extLst>
           </p:cNvPr>
@@ -20268,7 +15797,7 @@
         </p:blipFill>
         <p:spPr>
           <a:xfrm>
-            <a:off x="5959092" y="2826333"/>
+            <a:off x="5950352" y="4542573"/>
             <a:ext cx="951389" cy="951389"/>
           </a:xfrm>
           <a:prstGeom prst="rect">
@@ -20278,10 +15807,10 @@
       </p:pic>
       <p:cxnSp>
         <p:nvCxnSpPr>
-          <p:cNvPr id="139" name="Straight Arrow Connector 138">
+          <p:cNvPr id="95" name="Straight Arrow Connector 94">
             <a:extLst>
               <a:ext uri="{FF2B5EF4-FFF2-40B4-BE49-F238E27FC236}">
-                <a16:creationId xmlns:a16="http://schemas.microsoft.com/office/drawing/2014/main" id="{5D7E226D-B084-C24A-9FE1-CC9461D55C78}"/>
+                <a16:creationId xmlns:a16="http://schemas.microsoft.com/office/drawing/2014/main" id="{42D58A2C-3611-B24A-A463-78668FF47330}"/>
               </a:ext>
             </a:extLst>
           </p:cNvPr>
@@ -20290,7 +15819,7 @@
         </p:nvCxnSpPr>
         <p:spPr>
           <a:xfrm flipV="1">
-            <a:off x="6456149" y="3530648"/>
+            <a:off x="6447409" y="5246888"/>
             <a:ext cx="0" cy="343873"/>
           </a:xfrm>
           <a:prstGeom prst="straightConnector1">
@@ -20323,10 +15852,10 @@
       </p:cxnSp>
       <p:sp>
         <p:nvSpPr>
-          <p:cNvPr id="140" name="Rounded Rectangle 139">
+          <p:cNvPr id="96" name="Rounded Rectangle 95">
             <a:extLst>
               <a:ext uri="{FF2B5EF4-FFF2-40B4-BE49-F238E27FC236}">
-                <a16:creationId xmlns:a16="http://schemas.microsoft.com/office/drawing/2014/main" id="{BE624CF9-B96F-FF45-AF7A-430F8CDB248B}"/>
+                <a16:creationId xmlns:a16="http://schemas.microsoft.com/office/drawing/2014/main" id="{3F67A115-F152-F94B-AF1A-8B6EC3C5CFEA}"/>
               </a:ext>
             </a:extLst>
           </p:cNvPr>
@@ -20335,7 +15864,7 @@
         </p:nvSpPr>
         <p:spPr>
           <a:xfrm>
-            <a:off x="578572" y="2917514"/>
+            <a:off x="569832" y="4633754"/>
             <a:ext cx="2860581" cy="1483611"/>
           </a:xfrm>
           <a:prstGeom prst="roundRect">
@@ -20377,10 +15906,10 @@
       </p:sp>
       <p:pic>
         <p:nvPicPr>
-          <p:cNvPr id="61" name="Picture 60">
+          <p:cNvPr id="97" name="Picture 96">
             <a:extLst>
               <a:ext uri="{FF2B5EF4-FFF2-40B4-BE49-F238E27FC236}">
-                <a16:creationId xmlns:a16="http://schemas.microsoft.com/office/drawing/2014/main" id="{CF4D7D85-A4F9-2B46-9117-DC775D515ADF}"/>
+                <a16:creationId xmlns:a16="http://schemas.microsoft.com/office/drawing/2014/main" id="{78A0D338-D3FD-5646-A888-9E8793E1A2DE}"/>
               </a:ext>
             </a:extLst>
           </p:cNvPr>
@@ -20396,36 +15925,7 @@
         </p:blipFill>
         <p:spPr>
           <a:xfrm>
-            <a:off x="2003733" y="2827979"/>
-            <a:ext cx="951389" cy="951389"/>
-          </a:xfrm>
-          <a:prstGeom prst="rect">
-            <a:avLst/>
-          </a:prstGeom>
-        </p:spPr>
-      </p:pic>
-      <p:pic>
-        <p:nvPicPr>
-          <p:cNvPr id="62" name="Picture 61">
-            <a:extLst>
-              <a:ext uri="{FF2B5EF4-FFF2-40B4-BE49-F238E27FC236}">
-                <a16:creationId xmlns:a16="http://schemas.microsoft.com/office/drawing/2014/main" id="{50CC967E-5654-0F41-B0A0-E777A8B1B46F}"/>
-              </a:ext>
-            </a:extLst>
-          </p:cNvPr>
-          <p:cNvPicPr>
-            <a:picLocks noChangeAspect="1"/>
-          </p:cNvPicPr>
-          <p:nvPr/>
-        </p:nvPicPr>
-        <p:blipFill rotWithShape="1">
-          <a:blip r:embed="rId4"/>
-          <a:srcRect/>
-          <a:stretch/>
-        </p:blipFill>
-        <p:spPr>
-          <a:xfrm>
-            <a:off x="4069968" y="2845919"/>
+            <a:off x="1994993" y="4544219"/>
             <a:ext cx="951389" cy="951389"/>
           </a:xfrm>
           <a:prstGeom prst="rect">
@@ -20435,10 +15935,10 @@
       </p:pic>
       <p:cxnSp>
         <p:nvCxnSpPr>
-          <p:cNvPr id="6" name="Straight Arrow Connector 5">
+          <p:cNvPr id="100" name="Straight Arrow Connector 99">
             <a:extLst>
               <a:ext uri="{FF2B5EF4-FFF2-40B4-BE49-F238E27FC236}">
-                <a16:creationId xmlns:a16="http://schemas.microsoft.com/office/drawing/2014/main" id="{CD1B60FD-5CA1-9C44-90B8-F1FE45B5DA86}"/>
+                <a16:creationId xmlns:a16="http://schemas.microsoft.com/office/drawing/2014/main" id="{2A7DF399-D800-0444-89BB-AC1618A2CFE1}"/>
               </a:ext>
             </a:extLst>
           </p:cNvPr>
@@ -20447,7 +15947,7 @@
         </p:nvCxnSpPr>
         <p:spPr>
           <a:xfrm flipV="1">
-            <a:off x="2478157" y="3530648"/>
+            <a:off x="2469417" y="5246888"/>
             <a:ext cx="0" cy="343873"/>
           </a:xfrm>
           <a:prstGeom prst="straightConnector1">
@@ -20474,10 +15974,10 @@
       </p:cxnSp>
       <p:sp>
         <p:nvSpPr>
-          <p:cNvPr id="66" name="Rectangle 65">
+          <p:cNvPr id="101" name="Rectangle 100">
             <a:extLst>
               <a:ext uri="{FF2B5EF4-FFF2-40B4-BE49-F238E27FC236}">
-                <a16:creationId xmlns:a16="http://schemas.microsoft.com/office/drawing/2014/main" id="{337CAEC5-5859-6143-8788-CF5AC99E4114}"/>
+                <a16:creationId xmlns:a16="http://schemas.microsoft.com/office/drawing/2014/main" id="{286F9938-088F-2249-A30A-F53EFC95520B}"/>
               </a:ext>
             </a:extLst>
           </p:cNvPr>
@@ -20486,7 +15986,7 @@
         </p:nvSpPr>
         <p:spPr>
           <a:xfrm>
-            <a:off x="3927957" y="3193169"/>
+            <a:off x="3919217" y="5383971"/>
             <a:ext cx="72024" cy="217715"/>
           </a:xfrm>
           <a:prstGeom prst="rect">
@@ -20523,10 +16023,10 @@
       </p:sp>
       <p:sp>
         <p:nvSpPr>
-          <p:cNvPr id="67" name="Rectangle 66">
+          <p:cNvPr id="102" name="Rectangle 101">
             <a:extLst>
               <a:ext uri="{FF2B5EF4-FFF2-40B4-BE49-F238E27FC236}">
-                <a16:creationId xmlns:a16="http://schemas.microsoft.com/office/drawing/2014/main" id="{A9CFD0E9-DCAE-B447-9D6F-62E6C9FEBFAA}"/>
+                <a16:creationId xmlns:a16="http://schemas.microsoft.com/office/drawing/2014/main" id="{72E8FA23-C4E9-DA4C-BF8A-F83D87F21551}"/>
               </a:ext>
             </a:extLst>
           </p:cNvPr>
@@ -20535,7 +16035,7 @@
         </p:nvSpPr>
         <p:spPr>
           <a:xfrm>
-            <a:off x="3444421" y="3193169"/>
+            <a:off x="3435681" y="5383971"/>
             <a:ext cx="72024" cy="217715"/>
           </a:xfrm>
           <a:prstGeom prst="rect">
@@ -20570,54 +16070,6 @@
           </a:p>
         </p:txBody>
       </p:sp>
-      <p:cxnSp>
-        <p:nvCxnSpPr>
-          <p:cNvPr id="72" name="Straight Connector 71">
-            <a:extLst>
-              <a:ext uri="{FF2B5EF4-FFF2-40B4-BE49-F238E27FC236}">
-                <a16:creationId xmlns:a16="http://schemas.microsoft.com/office/drawing/2014/main" id="{781EA4E3-CE8A-F94A-9507-A2CB5C0320BA}"/>
-              </a:ext>
-            </a:extLst>
-          </p:cNvPr>
-          <p:cNvCxnSpPr>
-            <a:cxnSpLocks/>
-          </p:cNvCxnSpPr>
-          <p:nvPr/>
-        </p:nvCxnSpPr>
-        <p:spPr>
-          <a:xfrm>
-            <a:off x="3533596" y="3312292"/>
-            <a:ext cx="382485" cy="0"/>
-          </a:xfrm>
-          <a:prstGeom prst="line">
-            <a:avLst/>
-          </a:prstGeom>
-          <a:ln>
-            <a:solidFill>
-              <a:schemeClr val="tx1">
-                <a:lumMod val="50000"/>
-                <a:lumOff val="50000"/>
-              </a:schemeClr>
-            </a:solidFill>
-            <a:prstDash val="dash"/>
-          </a:ln>
-          <a:effectLst/>
-        </p:spPr>
-        <p:style>
-          <a:lnRef idx="2">
-            <a:schemeClr val="accent1"/>
-          </a:lnRef>
-          <a:fillRef idx="0">
-            <a:schemeClr val="accent1"/>
-          </a:fillRef>
-          <a:effectRef idx="1">
-            <a:schemeClr val="accent1"/>
-          </a:effectRef>
-          <a:fontRef idx="minor">
-            <a:schemeClr val="tx1"/>
-          </a:fontRef>
-        </p:style>
-      </p:cxnSp>
       <p:sp>
         <p:nvSpPr>
           <p:cNvPr id="115" name="Rounded Rectangle 114">
@@ -21666,62 +17118,10 @@
           </a:fontRef>
         </p:style>
       </p:cxnSp>
-      <p:sp>
-        <p:nvSpPr>
-          <p:cNvPr id="89" name="TextBox 88">
-            <a:extLst>
-              <a:ext uri="{FF2B5EF4-FFF2-40B4-BE49-F238E27FC236}">
-                <a16:creationId xmlns:a16="http://schemas.microsoft.com/office/drawing/2014/main" id="{E44256E9-4420-9645-85CC-0722F6895179}"/>
-              </a:ext>
-            </a:extLst>
-          </p:cNvPr>
-          <p:cNvSpPr txBox="1"/>
-          <p:nvPr/>
-        </p:nvSpPr>
-        <p:spPr>
-          <a:xfrm>
-            <a:off x="5638113" y="360481"/>
-            <a:ext cx="3066160" cy="523220"/>
-          </a:xfrm>
-          <a:prstGeom prst="rect">
-            <a:avLst/>
-          </a:prstGeom>
-          <a:noFill/>
-        </p:spPr>
-        <p:txBody>
-          <a:bodyPr wrap="none" rtlCol="0">
-            <a:spAutoFit/>
-          </a:bodyPr>
-          <a:lstStyle/>
-          <a:p>
-            <a:r>
-              <a:rPr lang="en-US" sz="2800" b="1" dirty="0">
-                <a:solidFill>
-                  <a:srgbClr val="FF0000"/>
-                </a:solidFill>
-              </a:rPr>
-              <a:t>OBSOLETE: </a:t>
-            </a:r>
-            <a:r>
-              <a:rPr lang="en-US" sz="2800" b="1" dirty="0" err="1">
-                <a:solidFill>
-                  <a:srgbClr val="FF0000"/>
-                </a:solidFill>
-              </a:rPr>
-              <a:t>MapsTo</a:t>
-            </a:r>
-            <a:endParaRPr lang="en-US" sz="2800" b="1" dirty="0">
-              <a:solidFill>
-                <a:srgbClr val="FF0000"/>
-              </a:solidFill>
-            </a:endParaRPr>
-          </a:p>
-        </p:txBody>
-      </p:sp>
     </p:spTree>
     <p:extLst>
       <p:ext uri="{BB962C8B-B14F-4D97-AF65-F5344CB8AC3E}">
-        <p14:creationId xmlns:p14="http://schemas.microsoft.com/office/powerpoint/2010/main" val="1691776081"/>
+        <p14:creationId xmlns:p14="http://schemas.microsoft.com/office/powerpoint/2010/main" val="2149637727"/>
       </p:ext>
     </p:extLst>
   </p:cSld>
